--- a/Proposal/Proposal_Presentation.pptx
+++ b/Proposal/Proposal_Presentation.pptx
@@ -2,7 +2,7 @@
 <file path=ppt/presentation.xml><?xml version="1.0" encoding="utf-8"?>
 <p:presentation xmlns:a="http://schemas.openxmlformats.org/drawingml/2006/main" xmlns:r="http://schemas.openxmlformats.org/officeDocument/2006/relationships" xmlns:p="http://schemas.openxmlformats.org/presentationml/2006/main" saveSubsetFonts="1">
   <p:sldMasterIdLst>
-    <p:sldMasterId id="2147483648" r:id="rId1"/>
+    <p:sldMasterId id="2147483660" r:id="rId1"/>
   </p:sldMasterIdLst>
   <p:sldIdLst>
     <p:sldId id="256" r:id="rId2"/>
@@ -13,7 +13,7 @@
     <a:defPPr>
       <a:defRPr lang="en-US"/>
     </a:defPPr>
-    <a:lvl1pPr marL="0" algn="l" defTabSz="914400" rtl="0" eaLnBrk="1" latinLnBrk="0" hangingPunct="1">
+    <a:lvl1pPr marL="0" algn="l" defTabSz="457200" rtl="0" eaLnBrk="1" latinLnBrk="0" hangingPunct="1">
       <a:defRPr sz="1800" kern="1200">
         <a:solidFill>
           <a:schemeClr val="tx1"/>
@@ -23,7 +23,7 @@
         <a:cs typeface="+mn-cs"/>
       </a:defRPr>
     </a:lvl1pPr>
-    <a:lvl2pPr marL="457200" algn="l" defTabSz="914400" rtl="0" eaLnBrk="1" latinLnBrk="0" hangingPunct="1">
+    <a:lvl2pPr marL="457200" algn="l" defTabSz="457200" rtl="0" eaLnBrk="1" latinLnBrk="0" hangingPunct="1">
       <a:defRPr sz="1800" kern="1200">
         <a:solidFill>
           <a:schemeClr val="tx1"/>
@@ -33,7 +33,7 @@
         <a:cs typeface="+mn-cs"/>
       </a:defRPr>
     </a:lvl2pPr>
-    <a:lvl3pPr marL="914400" algn="l" defTabSz="914400" rtl="0" eaLnBrk="1" latinLnBrk="0" hangingPunct="1">
+    <a:lvl3pPr marL="914400" algn="l" defTabSz="457200" rtl="0" eaLnBrk="1" latinLnBrk="0" hangingPunct="1">
       <a:defRPr sz="1800" kern="1200">
         <a:solidFill>
           <a:schemeClr val="tx1"/>
@@ -43,7 +43,7 @@
         <a:cs typeface="+mn-cs"/>
       </a:defRPr>
     </a:lvl3pPr>
-    <a:lvl4pPr marL="1371600" algn="l" defTabSz="914400" rtl="0" eaLnBrk="1" latinLnBrk="0" hangingPunct="1">
+    <a:lvl4pPr marL="1371600" algn="l" defTabSz="457200" rtl="0" eaLnBrk="1" latinLnBrk="0" hangingPunct="1">
       <a:defRPr sz="1800" kern="1200">
         <a:solidFill>
           <a:schemeClr val="tx1"/>
@@ -53,7 +53,7 @@
         <a:cs typeface="+mn-cs"/>
       </a:defRPr>
     </a:lvl4pPr>
-    <a:lvl5pPr marL="1828800" algn="l" defTabSz="914400" rtl="0" eaLnBrk="1" latinLnBrk="0" hangingPunct="1">
+    <a:lvl5pPr marL="1828800" algn="l" defTabSz="457200" rtl="0" eaLnBrk="1" latinLnBrk="0" hangingPunct="1">
       <a:defRPr sz="1800" kern="1200">
         <a:solidFill>
           <a:schemeClr val="tx1"/>
@@ -63,7 +63,7 @@
         <a:cs typeface="+mn-cs"/>
       </a:defRPr>
     </a:lvl5pPr>
-    <a:lvl6pPr marL="2286000" algn="l" defTabSz="914400" rtl="0" eaLnBrk="1" latinLnBrk="0" hangingPunct="1">
+    <a:lvl6pPr marL="2286000" algn="l" defTabSz="457200" rtl="0" eaLnBrk="1" latinLnBrk="0" hangingPunct="1">
       <a:defRPr sz="1800" kern="1200">
         <a:solidFill>
           <a:schemeClr val="tx1"/>
@@ -73,7 +73,7 @@
         <a:cs typeface="+mn-cs"/>
       </a:defRPr>
     </a:lvl6pPr>
-    <a:lvl7pPr marL="2743200" algn="l" defTabSz="914400" rtl="0" eaLnBrk="1" latinLnBrk="0" hangingPunct="1">
+    <a:lvl7pPr marL="2743200" algn="l" defTabSz="457200" rtl="0" eaLnBrk="1" latinLnBrk="0" hangingPunct="1">
       <a:defRPr sz="1800" kern="1200">
         <a:solidFill>
           <a:schemeClr val="tx1"/>
@@ -83,7 +83,7 @@
         <a:cs typeface="+mn-cs"/>
       </a:defRPr>
     </a:lvl7pPr>
-    <a:lvl8pPr marL="3200400" algn="l" defTabSz="914400" rtl="0" eaLnBrk="1" latinLnBrk="0" hangingPunct="1">
+    <a:lvl8pPr marL="3200400" algn="l" defTabSz="457200" rtl="0" eaLnBrk="1" latinLnBrk="0" hangingPunct="1">
       <a:defRPr sz="1800" kern="1200">
         <a:solidFill>
           <a:schemeClr val="tx1"/>
@@ -93,7 +93,7 @@
         <a:cs typeface="+mn-cs"/>
       </a:defRPr>
     </a:lvl8pPr>
-    <a:lvl9pPr marL="3657600" algn="l" defTabSz="914400" rtl="0" eaLnBrk="1" latinLnBrk="0" hangingPunct="1">
+    <a:lvl9pPr marL="3657600" algn="l" defTabSz="457200" rtl="0" eaLnBrk="1" latinLnBrk="0" hangingPunct="1">
       <a:defRPr sz="1800" kern="1200">
         <a:solidFill>
           <a:schemeClr val="tx1"/>
@@ -104,11 +104,16 @@
       </a:defRPr>
     </a:lvl9pPr>
   </p:defaultTextStyle>
+  <p:extLst>
+    <p:ext uri="{EFAFB233-063F-42B5-8137-9DF3F51BA10A}">
+      <p15:sldGuideLst xmlns:p15="http://schemas.microsoft.com/office/powerpoint/2012/main"/>
+    </p:ext>
+  </p:extLst>
 </p:presentation>
 </file>
 
 <file path=ppt/slideLayouts/slideLayout1.xml><?xml version="1.0" encoding="utf-8"?>
-<p:sldLayout xmlns:a="http://schemas.openxmlformats.org/drawingml/2006/main" xmlns:r="http://schemas.openxmlformats.org/officeDocument/2006/relationships" xmlns:p="http://schemas.openxmlformats.org/presentationml/2006/main" type="title" preserve="1">
+<p:sldLayout xmlns:a="http://schemas.openxmlformats.org/drawingml/2006/main" xmlns:r="http://schemas.openxmlformats.org/officeDocument/2006/relationships" xmlns:p="http://schemas.openxmlformats.org/presentationml/2006/main" showMasterSp="0" type="title" preserve="1">
   <p:cSld name="Title Slide">
     <p:spTree>
       <p:nvGrpSpPr>
@@ -126,31 +131,109 @@
       </p:grpSpPr>
       <p:sp>
         <p:nvSpPr>
-          <p:cNvPr id="2" name="Title 1">
-            <a:extLst>
-              <a:ext uri="{FF2B5EF4-FFF2-40B4-BE49-F238E27FC236}">
-                <a16:creationId xmlns:a16="http://schemas.microsoft.com/office/drawing/2014/main" id="{B4B3121B-C94C-4E6A-96FE-9F348644A25F}"/>
-              </a:ext>
-            </a:extLst>
-          </p:cNvPr>
-          <p:cNvSpPr>
-            <a:spLocks noGrp="1"/>
-          </p:cNvSpPr>
-          <p:nvPr>
-            <p:ph type="ctrTitle"/>
-          </p:nvPr>
+          <p:cNvPr id="7" name="Rectangle 6"/>
+          <p:cNvSpPr/>
+          <p:nvPr/>
         </p:nvSpPr>
         <p:spPr>
           <a:xfrm>
-            <a:off x="1524000" y="1122363"/>
-            <a:ext cx="9144000" cy="2387600"/>
+            <a:off x="0" y="761999"/>
+            <a:ext cx="9141619" cy="5334001"/>
+          </a:xfrm>
+          <a:prstGeom prst="rect">
+            <a:avLst/>
+          </a:prstGeom>
+          <a:solidFill>
+            <a:schemeClr val="accent1"/>
+          </a:solidFill>
+          <a:ln>
+            <a:noFill/>
+          </a:ln>
+        </p:spPr>
+        <p:style>
+          <a:lnRef idx="2">
+            <a:schemeClr val="accent1">
+              <a:shade val="50000"/>
+            </a:schemeClr>
+          </a:lnRef>
+          <a:fillRef idx="1">
+            <a:schemeClr val="accent1"/>
+          </a:fillRef>
+          <a:effectRef idx="0">
+            <a:schemeClr val="accent1"/>
+          </a:effectRef>
+          <a:fontRef idx="minor">
+            <a:schemeClr val="lt1"/>
+          </a:fontRef>
+        </p:style>
+      </p:sp>
+      <p:sp>
+        <p:nvSpPr>
+          <p:cNvPr id="8" name="Rectangle 7"/>
+          <p:cNvSpPr/>
+          <p:nvPr/>
+        </p:nvSpPr>
+        <p:spPr>
+          <a:xfrm>
+            <a:off x="9270263" y="761999"/>
+            <a:ext cx="2925318" cy="5334001"/>
+          </a:xfrm>
+          <a:prstGeom prst="rect">
+            <a:avLst/>
+          </a:prstGeom>
+          <a:solidFill>
+            <a:srgbClr val="C8C8C8">
+              <a:alpha val="49804"/>
+            </a:srgbClr>
+          </a:solidFill>
+          <a:ln>
+            <a:noFill/>
+          </a:ln>
+        </p:spPr>
+        <p:style>
+          <a:lnRef idx="2">
+            <a:schemeClr val="accent1">
+              <a:shade val="50000"/>
+            </a:schemeClr>
+          </a:lnRef>
+          <a:fillRef idx="1">
+            <a:schemeClr val="accent1"/>
+          </a:fillRef>
+          <a:effectRef idx="0">
+            <a:schemeClr val="accent1"/>
+          </a:effectRef>
+          <a:fontRef idx="minor">
+            <a:schemeClr val="lt1"/>
+          </a:fontRef>
+        </p:style>
+      </p:sp>
+      <p:sp>
+        <p:nvSpPr>
+          <p:cNvPr id="2" name="Title 1"/>
+          <p:cNvSpPr>
+            <a:spLocks noGrp="1"/>
+          </p:cNvSpPr>
+          <p:nvPr>
+            <p:ph type="ctrTitle"/>
+          </p:nvPr>
+        </p:nvSpPr>
+        <p:spPr>
+          <a:xfrm>
+            <a:off x="1069848" y="1298448"/>
+            <a:ext cx="7315200" cy="3255264"/>
           </a:xfrm>
         </p:spPr>
         <p:txBody>
-          <a:bodyPr anchor="b"/>
+          <a:bodyPr anchor="b">
+            <a:normAutofit/>
+          </a:bodyPr>
           <a:lstStyle>
-            <a:lvl1pPr algn="ctr">
-              <a:defRPr sz="6000"/>
+            <a:lvl1pPr algn="l">
+              <a:defRPr sz="5900" spc="-100" baseline="0">
+                <a:solidFill>
+                  <a:srgbClr val="FFFFFF"/>
+                </a:solidFill>
+              </a:defRPr>
             </a:lvl1pPr>
           </a:lstStyle>
           <a:p>
@@ -158,19 +241,13 @@
               <a:rPr lang="en-US"/>
               <a:t>Click to edit Master title style</a:t>
             </a:r>
-            <a:endParaRPr lang="en-CA"/>
-          </a:p>
-        </p:txBody>
-      </p:sp>
-      <p:sp>
-        <p:nvSpPr>
-          <p:cNvPr id="3" name="Subtitle 2">
-            <a:extLst>
-              <a:ext uri="{FF2B5EF4-FFF2-40B4-BE49-F238E27FC236}">
-                <a16:creationId xmlns:a16="http://schemas.microsoft.com/office/drawing/2014/main" id="{87DB3A63-3956-4938-A912-9167180DC81F}"/>
-              </a:ext>
-            </a:extLst>
-          </p:cNvPr>
+            <a:endParaRPr lang="en-US" dirty="0"/>
+          </a:p>
+        </p:txBody>
+      </p:sp>
+      <p:sp>
+        <p:nvSpPr>
+          <p:cNvPr id="3" name="Subtitle 2"/>
           <p:cNvSpPr>
             <a:spLocks noGrp="1"/>
           </p:cNvSpPr>
@@ -180,48 +257,57 @@
         </p:nvSpPr>
         <p:spPr>
           <a:xfrm>
-            <a:off x="1524000" y="3602038"/>
-            <a:ext cx="9144000" cy="1655762"/>
+            <a:off x="1100015" y="4670246"/>
+            <a:ext cx="7315200" cy="914400"/>
           </a:xfrm>
         </p:spPr>
         <p:txBody>
-          <a:bodyPr/>
+          <a:bodyPr anchor="t">
+            <a:normAutofit/>
+          </a:bodyPr>
           <a:lstStyle>
-            <a:lvl1pPr marL="0" indent="0" algn="ctr">
-              <a:buNone/>
-              <a:defRPr sz="2400"/>
+            <a:lvl1pPr marL="0" indent="0" algn="l">
+              <a:buNone/>
+              <a:defRPr sz="2200" cap="none" spc="0" baseline="0">
+                <a:solidFill>
+                  <a:schemeClr val="accent1">
+                    <a:lumMod val="20000"/>
+                    <a:lumOff val="80000"/>
+                  </a:schemeClr>
+                </a:solidFill>
+              </a:defRPr>
             </a:lvl1pPr>
             <a:lvl2pPr marL="457200" indent="0" algn="ctr">
               <a:buNone/>
-              <a:defRPr sz="2000"/>
+              <a:defRPr sz="2200"/>
             </a:lvl2pPr>
             <a:lvl3pPr marL="914400" indent="0" algn="ctr">
               <a:buNone/>
-              <a:defRPr sz="1800"/>
+              <a:defRPr sz="2200"/>
             </a:lvl3pPr>
             <a:lvl4pPr marL="1371600" indent="0" algn="ctr">
               <a:buNone/>
-              <a:defRPr sz="1600"/>
+              <a:defRPr sz="2000"/>
             </a:lvl4pPr>
             <a:lvl5pPr marL="1828800" indent="0" algn="ctr">
               <a:buNone/>
-              <a:defRPr sz="1600"/>
+              <a:defRPr sz="2000"/>
             </a:lvl5pPr>
             <a:lvl6pPr marL="2286000" indent="0" algn="ctr">
               <a:buNone/>
-              <a:defRPr sz="1600"/>
+              <a:defRPr sz="2000"/>
             </a:lvl6pPr>
             <a:lvl7pPr marL="2743200" indent="0" algn="ctr">
               <a:buNone/>
-              <a:defRPr sz="1600"/>
+              <a:defRPr sz="2000"/>
             </a:lvl7pPr>
             <a:lvl8pPr marL="3200400" indent="0" algn="ctr">
               <a:buNone/>
-              <a:defRPr sz="1600"/>
+              <a:defRPr sz="2000"/>
             </a:lvl8pPr>
             <a:lvl9pPr marL="3657600" indent="0" algn="ctr">
               <a:buNone/>
-              <a:defRPr sz="1600"/>
+              <a:defRPr sz="2000"/>
             </a:lvl9pPr>
           </a:lstStyle>
           <a:p>
@@ -229,19 +315,13 @@
               <a:rPr lang="en-US"/>
               <a:t>Click to edit Master subtitle style</a:t>
             </a:r>
-            <a:endParaRPr lang="en-CA"/>
-          </a:p>
-        </p:txBody>
-      </p:sp>
-      <p:sp>
-        <p:nvSpPr>
-          <p:cNvPr id="4" name="Date Placeholder 3">
-            <a:extLst>
-              <a:ext uri="{FF2B5EF4-FFF2-40B4-BE49-F238E27FC236}">
-                <a16:creationId xmlns:a16="http://schemas.microsoft.com/office/drawing/2014/main" id="{292F1362-294D-40E9-BFC7-9B5AD69130D0}"/>
-              </a:ext>
-            </a:extLst>
-          </p:cNvPr>
+            <a:endParaRPr lang="en-US" dirty="0"/>
+          </a:p>
+        </p:txBody>
+      </p:sp>
+      <p:sp>
+        <p:nvSpPr>
+          <p:cNvPr id="4" name="Date Placeholder 3"/>
           <p:cNvSpPr>
             <a:spLocks noGrp="1"/>
           </p:cNvSpPr>
@@ -256,7 +336,7 @@
           <a:p>
             <a:fld id="{9D648943-11F5-4E3A-89B9-4D7A01C331E0}" type="datetimeFigureOut">
               <a:rPr lang="en-CA" smtClean="0"/>
-              <a:t>2019-09-27</a:t>
+              <a:t>2019-09-28</a:t>
             </a:fld>
             <a:endParaRPr lang="en-CA"/>
           </a:p>
@@ -264,13 +344,7 @@
       </p:sp>
       <p:sp>
         <p:nvSpPr>
-          <p:cNvPr id="5" name="Footer Placeholder 4">
-            <a:extLst>
-              <a:ext uri="{FF2B5EF4-FFF2-40B4-BE49-F238E27FC236}">
-                <a16:creationId xmlns:a16="http://schemas.microsoft.com/office/drawing/2014/main" id="{D7587B63-F842-4CC8-B2B7-C4B6C1BFE18F}"/>
-              </a:ext>
-            </a:extLst>
-          </p:cNvPr>
+          <p:cNvPr id="5" name="Footer Placeholder 4"/>
           <p:cNvSpPr>
             <a:spLocks noGrp="1"/>
           </p:cNvSpPr>
@@ -289,13 +363,7 @@
       </p:sp>
       <p:sp>
         <p:nvSpPr>
-          <p:cNvPr id="6" name="Slide Number Placeholder 5">
-            <a:extLst>
-              <a:ext uri="{FF2B5EF4-FFF2-40B4-BE49-F238E27FC236}">
-                <a16:creationId xmlns:a16="http://schemas.microsoft.com/office/drawing/2014/main" id="{019EC273-5E02-4135-8CCE-564FF6D0439D}"/>
-              </a:ext>
-            </a:extLst>
-          </p:cNvPr>
+          <p:cNvPr id="6" name="Slide Number Placeholder 5"/>
           <p:cNvSpPr>
             <a:spLocks noGrp="1"/>
           </p:cNvSpPr>
@@ -319,7 +387,7 @@
     </p:spTree>
     <p:extLst>
       <p:ext uri="{BB962C8B-B14F-4D97-AF65-F5344CB8AC3E}">
-        <p14:creationId xmlns:p14="http://schemas.microsoft.com/office/powerpoint/2010/main" val="3407474436"/>
+        <p14:creationId xmlns:p14="http://schemas.microsoft.com/office/powerpoint/2010/main" val="1341663181"/>
       </p:ext>
     </p:extLst>
   </p:cSld>
@@ -348,13 +416,7 @@
       </p:grpSpPr>
       <p:sp>
         <p:nvSpPr>
-          <p:cNvPr id="2" name="Title 1">
-            <a:extLst>
-              <a:ext uri="{FF2B5EF4-FFF2-40B4-BE49-F238E27FC236}">
-                <a16:creationId xmlns:a16="http://schemas.microsoft.com/office/drawing/2014/main" id="{C2DED58B-A6AC-43F3-9818-41366294DB5F}"/>
-              </a:ext>
-            </a:extLst>
-          </p:cNvPr>
+          <p:cNvPr id="2" name="Title 1"/>
           <p:cNvSpPr>
             <a:spLocks noGrp="1"/>
           </p:cNvSpPr>
@@ -371,19 +433,13 @@
               <a:rPr lang="en-US"/>
               <a:t>Click to edit Master title style</a:t>
             </a:r>
-            <a:endParaRPr lang="en-CA"/>
-          </a:p>
-        </p:txBody>
-      </p:sp>
-      <p:sp>
-        <p:nvSpPr>
-          <p:cNvPr id="3" name="Vertical Text Placeholder 2">
-            <a:extLst>
-              <a:ext uri="{FF2B5EF4-FFF2-40B4-BE49-F238E27FC236}">
-                <a16:creationId xmlns:a16="http://schemas.microsoft.com/office/drawing/2014/main" id="{EBA1FC01-5D38-4BF9-803B-F357C92412AA}"/>
-              </a:ext>
-            </a:extLst>
-          </p:cNvPr>
+            <a:endParaRPr lang="en-US" dirty="0"/>
+          </a:p>
+        </p:txBody>
+      </p:sp>
+      <p:sp>
+        <p:nvSpPr>
+          <p:cNvPr id="3" name="Vertical Text Placeholder 2"/>
           <p:cNvSpPr>
             <a:spLocks noGrp="1"/>
           </p:cNvSpPr>
@@ -393,7 +449,7 @@
         </p:nvSpPr>
         <p:spPr/>
         <p:txBody>
-          <a:bodyPr vert="eaVert"/>
+          <a:bodyPr vert="eaVert" anchor="t"/>
           <a:lstStyle/>
           <a:p>
             <a:pPr lvl="0"/>
@@ -429,19 +485,13 @@
               <a:rPr lang="en-US"/>
               <a:t>Fifth level</a:t>
             </a:r>
-            <a:endParaRPr lang="en-CA"/>
-          </a:p>
-        </p:txBody>
-      </p:sp>
-      <p:sp>
-        <p:nvSpPr>
-          <p:cNvPr id="4" name="Date Placeholder 3">
-            <a:extLst>
-              <a:ext uri="{FF2B5EF4-FFF2-40B4-BE49-F238E27FC236}">
-                <a16:creationId xmlns:a16="http://schemas.microsoft.com/office/drawing/2014/main" id="{FFDA85A1-911E-4930-AD53-397FB4A8C305}"/>
-              </a:ext>
-            </a:extLst>
-          </p:cNvPr>
+            <a:endParaRPr lang="en-US" dirty="0"/>
+          </a:p>
+        </p:txBody>
+      </p:sp>
+      <p:sp>
+        <p:nvSpPr>
+          <p:cNvPr id="7" name="Date Placeholder 6"/>
           <p:cNvSpPr>
             <a:spLocks noGrp="1"/>
           </p:cNvSpPr>
@@ -456,7 +506,7 @@
           <a:p>
             <a:fld id="{9D648943-11F5-4E3A-89B9-4D7A01C331E0}" type="datetimeFigureOut">
               <a:rPr lang="en-CA" smtClean="0"/>
-              <a:t>2019-09-27</a:t>
+              <a:t>2019-09-28</a:t>
             </a:fld>
             <a:endParaRPr lang="en-CA"/>
           </a:p>
@@ -464,13 +514,7 @@
       </p:sp>
       <p:sp>
         <p:nvSpPr>
-          <p:cNvPr id="5" name="Footer Placeholder 4">
-            <a:extLst>
-              <a:ext uri="{FF2B5EF4-FFF2-40B4-BE49-F238E27FC236}">
-                <a16:creationId xmlns:a16="http://schemas.microsoft.com/office/drawing/2014/main" id="{1E87E710-DE54-484A-8FF9-9FC3B35F4B90}"/>
-              </a:ext>
-            </a:extLst>
-          </p:cNvPr>
+          <p:cNvPr id="8" name="Footer Placeholder 7"/>
           <p:cNvSpPr>
             <a:spLocks noGrp="1"/>
           </p:cNvSpPr>
@@ -489,13 +533,7 @@
       </p:sp>
       <p:sp>
         <p:nvSpPr>
-          <p:cNvPr id="6" name="Slide Number Placeholder 5">
-            <a:extLst>
-              <a:ext uri="{FF2B5EF4-FFF2-40B4-BE49-F238E27FC236}">
-                <a16:creationId xmlns:a16="http://schemas.microsoft.com/office/drawing/2014/main" id="{49B4F915-65C2-4E4D-8BF0-0B4FECFED43C}"/>
-              </a:ext>
-            </a:extLst>
-          </p:cNvPr>
+          <p:cNvPr id="9" name="Slide Number Placeholder 8"/>
           <p:cNvSpPr>
             <a:spLocks noGrp="1"/>
           </p:cNvSpPr>
@@ -519,7 +557,7 @@
     </p:spTree>
     <p:extLst>
       <p:ext uri="{BB962C8B-B14F-4D97-AF65-F5344CB8AC3E}">
-        <p14:creationId xmlns:p14="http://schemas.microsoft.com/office/powerpoint/2010/main" val="694970444"/>
+        <p14:creationId xmlns:p14="http://schemas.microsoft.com/office/powerpoint/2010/main" val="1289035123"/>
       </p:ext>
     </p:extLst>
   </p:cSld>
@@ -548,13 +586,7 @@
       </p:grpSpPr>
       <p:sp>
         <p:nvSpPr>
-          <p:cNvPr id="2" name="Vertical Title 1">
-            <a:extLst>
-              <a:ext uri="{FF2B5EF4-FFF2-40B4-BE49-F238E27FC236}">
-                <a16:creationId xmlns:a16="http://schemas.microsoft.com/office/drawing/2014/main" id="{DDC00DD2-478A-4CEA-BCE5-07FC48BF4030}"/>
-              </a:ext>
-            </a:extLst>
-          </p:cNvPr>
+          <p:cNvPr id="2" name="Vertical Title 1"/>
           <p:cNvSpPr>
             <a:spLocks noGrp="1"/>
           </p:cNvSpPr>
@@ -564,8 +596,8 @@
         </p:nvSpPr>
         <p:spPr>
           <a:xfrm>
-            <a:off x="8724900" y="365125"/>
-            <a:ext cx="2628900" cy="5811838"/>
+            <a:off x="381000" y="990600"/>
+            <a:ext cx="2819400" cy="4953000"/>
           </a:xfrm>
         </p:spPr>
         <p:txBody>
@@ -576,19 +608,13 @@
               <a:rPr lang="en-US"/>
               <a:t>Click to edit Master title style</a:t>
             </a:r>
-            <a:endParaRPr lang="en-CA"/>
-          </a:p>
-        </p:txBody>
-      </p:sp>
-      <p:sp>
-        <p:nvSpPr>
-          <p:cNvPr id="3" name="Vertical Text Placeholder 2">
-            <a:extLst>
-              <a:ext uri="{FF2B5EF4-FFF2-40B4-BE49-F238E27FC236}">
-                <a16:creationId xmlns:a16="http://schemas.microsoft.com/office/drawing/2014/main" id="{F6B7F2DD-958B-41DC-A7E5-3B3697B74143}"/>
-              </a:ext>
-            </a:extLst>
-          </p:cNvPr>
+            <a:endParaRPr lang="en-US" dirty="0"/>
+          </a:p>
+        </p:txBody>
+      </p:sp>
+      <p:sp>
+        <p:nvSpPr>
+          <p:cNvPr id="3" name="Vertical Text Placeholder 2"/>
           <p:cNvSpPr>
             <a:spLocks noGrp="1"/>
           </p:cNvSpPr>
@@ -598,12 +624,12 @@
         </p:nvSpPr>
         <p:spPr>
           <a:xfrm>
-            <a:off x="838200" y="365125"/>
-            <a:ext cx="7734300" cy="5811838"/>
+            <a:off x="3867912" y="868680"/>
+            <a:ext cx="7315200" cy="5120640"/>
           </a:xfrm>
         </p:spPr>
         <p:txBody>
-          <a:bodyPr vert="eaVert"/>
+          <a:bodyPr vert="eaVert" anchor="t"/>
           <a:lstStyle/>
           <a:p>
             <a:pPr lvl="0"/>
@@ -639,19 +665,13 @@
               <a:rPr lang="en-US"/>
               <a:t>Fifth level</a:t>
             </a:r>
-            <a:endParaRPr lang="en-CA"/>
-          </a:p>
-        </p:txBody>
-      </p:sp>
-      <p:sp>
-        <p:nvSpPr>
-          <p:cNvPr id="4" name="Date Placeholder 3">
-            <a:extLst>
-              <a:ext uri="{FF2B5EF4-FFF2-40B4-BE49-F238E27FC236}">
-                <a16:creationId xmlns:a16="http://schemas.microsoft.com/office/drawing/2014/main" id="{E3BB8C35-E8BC-434A-BA11-070CA8D9AF1A}"/>
-              </a:ext>
-            </a:extLst>
-          </p:cNvPr>
+            <a:endParaRPr lang="en-US" dirty="0"/>
+          </a:p>
+        </p:txBody>
+      </p:sp>
+      <p:sp>
+        <p:nvSpPr>
+          <p:cNvPr id="7" name="Date Placeholder 6"/>
           <p:cNvSpPr>
             <a:spLocks noGrp="1"/>
           </p:cNvSpPr>
@@ -666,7 +686,7 @@
           <a:p>
             <a:fld id="{9D648943-11F5-4E3A-89B9-4D7A01C331E0}" type="datetimeFigureOut">
               <a:rPr lang="en-CA" smtClean="0"/>
-              <a:t>2019-09-27</a:t>
+              <a:t>2019-09-28</a:t>
             </a:fld>
             <a:endParaRPr lang="en-CA"/>
           </a:p>
@@ -674,13 +694,7 @@
       </p:sp>
       <p:sp>
         <p:nvSpPr>
-          <p:cNvPr id="5" name="Footer Placeholder 4">
-            <a:extLst>
-              <a:ext uri="{FF2B5EF4-FFF2-40B4-BE49-F238E27FC236}">
-                <a16:creationId xmlns:a16="http://schemas.microsoft.com/office/drawing/2014/main" id="{CD41D3C3-CE1E-4698-AD62-5D801634A096}"/>
-              </a:ext>
-            </a:extLst>
-          </p:cNvPr>
+          <p:cNvPr id="8" name="Footer Placeholder 7"/>
           <p:cNvSpPr>
             <a:spLocks noGrp="1"/>
           </p:cNvSpPr>
@@ -699,13 +713,7 @@
       </p:sp>
       <p:sp>
         <p:nvSpPr>
-          <p:cNvPr id="6" name="Slide Number Placeholder 5">
-            <a:extLst>
-              <a:ext uri="{FF2B5EF4-FFF2-40B4-BE49-F238E27FC236}">
-                <a16:creationId xmlns:a16="http://schemas.microsoft.com/office/drawing/2014/main" id="{962309B1-46D1-4778-B27D-A9C0E567C946}"/>
-              </a:ext>
-            </a:extLst>
-          </p:cNvPr>
+          <p:cNvPr id="9" name="Slide Number Placeholder 8"/>
           <p:cNvSpPr>
             <a:spLocks noGrp="1"/>
           </p:cNvSpPr>
@@ -729,7 +737,7 @@
     </p:spTree>
     <p:extLst>
       <p:ext uri="{BB962C8B-B14F-4D97-AF65-F5344CB8AC3E}">
-        <p14:creationId xmlns:p14="http://schemas.microsoft.com/office/powerpoint/2010/main" val="3451986574"/>
+        <p14:creationId xmlns:p14="http://schemas.microsoft.com/office/powerpoint/2010/main" val="3509571987"/>
       </p:ext>
     </p:extLst>
   </p:cSld>
@@ -758,13 +766,7 @@
       </p:grpSpPr>
       <p:sp>
         <p:nvSpPr>
-          <p:cNvPr id="2" name="Title 1">
-            <a:extLst>
-              <a:ext uri="{FF2B5EF4-FFF2-40B4-BE49-F238E27FC236}">
-                <a16:creationId xmlns:a16="http://schemas.microsoft.com/office/drawing/2014/main" id="{5B52A041-29F8-4F92-8825-4AE275D0F523}"/>
-              </a:ext>
-            </a:extLst>
-          </p:cNvPr>
+          <p:cNvPr id="2" name="Title 1"/>
           <p:cNvSpPr>
             <a:spLocks noGrp="1"/>
           </p:cNvSpPr>
@@ -781,19 +783,13 @@
               <a:rPr lang="en-US"/>
               <a:t>Click to edit Master title style</a:t>
             </a:r>
-            <a:endParaRPr lang="en-CA"/>
-          </a:p>
-        </p:txBody>
-      </p:sp>
-      <p:sp>
-        <p:nvSpPr>
-          <p:cNvPr id="3" name="Content Placeholder 2">
-            <a:extLst>
-              <a:ext uri="{FF2B5EF4-FFF2-40B4-BE49-F238E27FC236}">
-                <a16:creationId xmlns:a16="http://schemas.microsoft.com/office/drawing/2014/main" id="{2416199D-B8A1-4407-8D81-9665D3534256}"/>
-              </a:ext>
-            </a:extLst>
-          </p:cNvPr>
+            <a:endParaRPr lang="en-US" dirty="0"/>
+          </a:p>
+        </p:txBody>
+      </p:sp>
+      <p:sp>
+        <p:nvSpPr>
+          <p:cNvPr id="3" name="Content Placeholder 2"/>
           <p:cNvSpPr>
             <a:spLocks noGrp="1"/>
           </p:cNvSpPr>
@@ -839,19 +835,13 @@
               <a:rPr lang="en-US"/>
               <a:t>Fifth level</a:t>
             </a:r>
-            <a:endParaRPr lang="en-CA"/>
-          </a:p>
-        </p:txBody>
-      </p:sp>
-      <p:sp>
-        <p:nvSpPr>
-          <p:cNvPr id="4" name="Date Placeholder 3">
-            <a:extLst>
-              <a:ext uri="{FF2B5EF4-FFF2-40B4-BE49-F238E27FC236}">
-                <a16:creationId xmlns:a16="http://schemas.microsoft.com/office/drawing/2014/main" id="{B5DCD95E-DFE3-4034-85E8-95C201020B74}"/>
-              </a:ext>
-            </a:extLst>
-          </p:cNvPr>
+            <a:endParaRPr lang="en-US" dirty="0"/>
+          </a:p>
+        </p:txBody>
+      </p:sp>
+      <p:sp>
+        <p:nvSpPr>
+          <p:cNvPr id="4" name="Date Placeholder 3"/>
           <p:cNvSpPr>
             <a:spLocks noGrp="1"/>
           </p:cNvSpPr>
@@ -866,7 +856,7 @@
           <a:p>
             <a:fld id="{9D648943-11F5-4E3A-89B9-4D7A01C331E0}" type="datetimeFigureOut">
               <a:rPr lang="en-CA" smtClean="0"/>
-              <a:t>2019-09-27</a:t>
+              <a:t>2019-09-28</a:t>
             </a:fld>
             <a:endParaRPr lang="en-CA"/>
           </a:p>
@@ -874,13 +864,7 @@
       </p:sp>
       <p:sp>
         <p:nvSpPr>
-          <p:cNvPr id="5" name="Footer Placeholder 4">
-            <a:extLst>
-              <a:ext uri="{FF2B5EF4-FFF2-40B4-BE49-F238E27FC236}">
-                <a16:creationId xmlns:a16="http://schemas.microsoft.com/office/drawing/2014/main" id="{B066B371-5B16-4D94-AE08-AE7D931FDC46}"/>
-              </a:ext>
-            </a:extLst>
-          </p:cNvPr>
+          <p:cNvPr id="5" name="Footer Placeholder 4"/>
           <p:cNvSpPr>
             <a:spLocks noGrp="1"/>
           </p:cNvSpPr>
@@ -899,13 +883,7 @@
       </p:sp>
       <p:sp>
         <p:nvSpPr>
-          <p:cNvPr id="6" name="Slide Number Placeholder 5">
-            <a:extLst>
-              <a:ext uri="{FF2B5EF4-FFF2-40B4-BE49-F238E27FC236}">
-                <a16:creationId xmlns:a16="http://schemas.microsoft.com/office/drawing/2014/main" id="{1E0C7883-77DE-48A3-8047-5379AE3EE797}"/>
-              </a:ext>
-            </a:extLst>
-          </p:cNvPr>
+          <p:cNvPr id="6" name="Slide Number Placeholder 5"/>
           <p:cNvSpPr>
             <a:spLocks noGrp="1"/>
           </p:cNvSpPr>
@@ -929,7 +907,7 @@
     </p:spTree>
     <p:extLst>
       <p:ext uri="{BB962C8B-B14F-4D97-AF65-F5344CB8AC3E}">
-        <p14:creationId xmlns:p14="http://schemas.microsoft.com/office/powerpoint/2010/main" val="2569357173"/>
+        <p14:creationId xmlns:p14="http://schemas.microsoft.com/office/powerpoint/2010/main" val="2105629725"/>
       </p:ext>
     </p:extLst>
   </p:cSld>
@@ -958,13 +936,7 @@
       </p:grpSpPr>
       <p:sp>
         <p:nvSpPr>
-          <p:cNvPr id="2" name="Title 1">
-            <a:extLst>
-              <a:ext uri="{FF2B5EF4-FFF2-40B4-BE49-F238E27FC236}">
-                <a16:creationId xmlns:a16="http://schemas.microsoft.com/office/drawing/2014/main" id="{59A93166-17B9-4B25-B80E-E338A36F6718}"/>
-              </a:ext>
-            </a:extLst>
-          </p:cNvPr>
+          <p:cNvPr id="2" name="Title 1"/>
           <p:cNvSpPr>
             <a:spLocks noGrp="1"/>
           </p:cNvSpPr>
@@ -974,15 +946,24 @@
         </p:nvSpPr>
         <p:spPr>
           <a:xfrm>
-            <a:off x="831850" y="1709738"/>
-            <a:ext cx="10515600" cy="2852737"/>
+            <a:off x="3867912" y="1298448"/>
+            <a:ext cx="7315200" cy="3255264"/>
           </a:xfrm>
         </p:spPr>
         <p:txBody>
-          <a:bodyPr anchor="b"/>
+          <a:bodyPr anchor="b">
+            <a:normAutofit/>
+          </a:bodyPr>
           <a:lstStyle>
             <a:lvl1pPr>
-              <a:defRPr sz="6000"/>
+              <a:defRPr sz="5900" b="0" spc="-100" baseline="0">
+                <a:solidFill>
+                  <a:schemeClr val="tx1">
+                    <a:lumMod val="65000"/>
+                    <a:lumOff val="35000"/>
+                  </a:schemeClr>
+                </a:solidFill>
+              </a:defRPr>
             </a:lvl1pPr>
           </a:lstStyle>
           <a:p>
@@ -990,19 +971,13 @@
               <a:rPr lang="en-US"/>
               <a:t>Click to edit Master title style</a:t>
             </a:r>
-            <a:endParaRPr lang="en-CA"/>
-          </a:p>
-        </p:txBody>
-      </p:sp>
-      <p:sp>
-        <p:nvSpPr>
-          <p:cNvPr id="3" name="Text Placeholder 2">
-            <a:extLst>
-              <a:ext uri="{FF2B5EF4-FFF2-40B4-BE49-F238E27FC236}">
-                <a16:creationId xmlns:a16="http://schemas.microsoft.com/office/drawing/2014/main" id="{C462550F-B3FA-4862-9A26-88ED68C78994}"/>
-              </a:ext>
-            </a:extLst>
-          </p:cNvPr>
+            <a:endParaRPr lang="en-US" dirty="0"/>
+          </a:p>
+        </p:txBody>
+      </p:sp>
+      <p:sp>
+        <p:nvSpPr>
+          <p:cNvPr id="3" name="Text Placeholder 2"/>
           <p:cNvSpPr>
             <a:spLocks noGrp="1"/>
           </p:cNvSpPr>
@@ -1012,26 +987,29 @@
         </p:nvSpPr>
         <p:spPr>
           <a:xfrm>
-            <a:off x="831850" y="4589463"/>
-            <a:ext cx="10515600" cy="1500187"/>
+            <a:off x="3886200" y="4672584"/>
+            <a:ext cx="7315200" cy="914400"/>
           </a:xfrm>
         </p:spPr>
         <p:txBody>
-          <a:bodyPr/>
+          <a:bodyPr anchor="t">
+            <a:normAutofit/>
+          </a:bodyPr>
           <a:lstStyle>
             <a:lvl1pPr marL="0" indent="0">
               <a:buNone/>
-              <a:defRPr sz="2400">
+              <a:defRPr sz="2200" cap="none" spc="0" baseline="0">
                 <a:solidFill>
                   <a:schemeClr val="tx1">
-                    <a:tint val="75000"/>
+                    <a:lumMod val="65000"/>
+                    <a:lumOff val="35000"/>
                   </a:schemeClr>
                 </a:solidFill>
               </a:defRPr>
             </a:lvl1pPr>
             <a:lvl2pPr marL="457200" indent="0">
               <a:buNone/>
-              <a:defRPr sz="2000">
+              <a:defRPr sz="1800">
                 <a:solidFill>
                   <a:schemeClr val="tx1">
                     <a:tint val="75000"/>
@@ -1041,7 +1019,7 @@
             </a:lvl2pPr>
             <a:lvl3pPr marL="914400" indent="0">
               <a:buNone/>
-              <a:defRPr sz="1800">
+              <a:defRPr sz="1600">
                 <a:solidFill>
                   <a:schemeClr val="tx1">
                     <a:tint val="75000"/>
@@ -1051,7 +1029,7 @@
             </a:lvl3pPr>
             <a:lvl4pPr marL="1371600" indent="0">
               <a:buNone/>
-              <a:defRPr sz="1600">
+              <a:defRPr sz="1400">
                 <a:solidFill>
                   <a:schemeClr val="tx1">
                     <a:tint val="75000"/>
@@ -1061,7 +1039,7 @@
             </a:lvl4pPr>
             <a:lvl5pPr marL="1828800" indent="0">
               <a:buNone/>
-              <a:defRPr sz="1600">
+              <a:defRPr sz="1400">
                 <a:solidFill>
                   <a:schemeClr val="tx1">
                     <a:tint val="75000"/>
@@ -1071,7 +1049,7 @@
             </a:lvl5pPr>
             <a:lvl6pPr marL="2286000" indent="0">
               <a:buNone/>
-              <a:defRPr sz="1600">
+              <a:defRPr sz="1400">
                 <a:solidFill>
                   <a:schemeClr val="tx1">
                     <a:tint val="75000"/>
@@ -1081,7 +1059,7 @@
             </a:lvl6pPr>
             <a:lvl7pPr marL="2743200" indent="0">
               <a:buNone/>
-              <a:defRPr sz="1600">
+              <a:defRPr sz="1400">
                 <a:solidFill>
                   <a:schemeClr val="tx1">
                     <a:tint val="75000"/>
@@ -1091,7 +1069,7 @@
             </a:lvl7pPr>
             <a:lvl8pPr marL="3200400" indent="0">
               <a:buNone/>
-              <a:defRPr sz="1600">
+              <a:defRPr sz="1400">
                 <a:solidFill>
                   <a:schemeClr val="tx1">
                     <a:tint val="75000"/>
@@ -1101,7 +1079,7 @@
             </a:lvl8pPr>
             <a:lvl9pPr marL="3657600" indent="0">
               <a:buNone/>
-              <a:defRPr sz="1600">
+              <a:defRPr sz="1400">
                 <a:solidFill>
                   <a:schemeClr val="tx1">
                     <a:tint val="75000"/>
@@ -1121,13 +1099,7 @@
       </p:sp>
       <p:sp>
         <p:nvSpPr>
-          <p:cNvPr id="4" name="Date Placeholder 3">
-            <a:extLst>
-              <a:ext uri="{FF2B5EF4-FFF2-40B4-BE49-F238E27FC236}">
-                <a16:creationId xmlns:a16="http://schemas.microsoft.com/office/drawing/2014/main" id="{2E44B15C-44A8-4A73-BCA7-A474991D629C}"/>
-              </a:ext>
-            </a:extLst>
-          </p:cNvPr>
+          <p:cNvPr id="4" name="Date Placeholder 3"/>
           <p:cNvSpPr>
             <a:spLocks noGrp="1"/>
           </p:cNvSpPr>
@@ -1142,7 +1114,7 @@
           <a:p>
             <a:fld id="{9D648943-11F5-4E3A-89B9-4D7A01C331E0}" type="datetimeFigureOut">
               <a:rPr lang="en-CA" smtClean="0"/>
-              <a:t>2019-09-27</a:t>
+              <a:t>2019-09-28</a:t>
             </a:fld>
             <a:endParaRPr lang="en-CA"/>
           </a:p>
@@ -1150,13 +1122,7 @@
       </p:sp>
       <p:sp>
         <p:nvSpPr>
-          <p:cNvPr id="5" name="Footer Placeholder 4">
-            <a:extLst>
-              <a:ext uri="{FF2B5EF4-FFF2-40B4-BE49-F238E27FC236}">
-                <a16:creationId xmlns:a16="http://schemas.microsoft.com/office/drawing/2014/main" id="{77A6D769-D225-41DD-B2EA-915A9E33529F}"/>
-              </a:ext>
-            </a:extLst>
-          </p:cNvPr>
+          <p:cNvPr id="5" name="Footer Placeholder 4"/>
           <p:cNvSpPr>
             <a:spLocks noGrp="1"/>
           </p:cNvSpPr>
@@ -1175,13 +1141,7 @@
       </p:sp>
       <p:sp>
         <p:nvSpPr>
-          <p:cNvPr id="6" name="Slide Number Placeholder 5">
-            <a:extLst>
-              <a:ext uri="{FF2B5EF4-FFF2-40B4-BE49-F238E27FC236}">
-                <a16:creationId xmlns:a16="http://schemas.microsoft.com/office/drawing/2014/main" id="{61F497B6-0647-4CAC-92FB-068224F43886}"/>
-              </a:ext>
-            </a:extLst>
-          </p:cNvPr>
+          <p:cNvPr id="6" name="Slide Number Placeholder 5"/>
           <p:cNvSpPr>
             <a:spLocks noGrp="1"/>
           </p:cNvSpPr>
@@ -1205,7 +1165,7 @@
     </p:spTree>
     <p:extLst>
       <p:ext uri="{BB962C8B-B14F-4D97-AF65-F5344CB8AC3E}">
-        <p14:creationId xmlns:p14="http://schemas.microsoft.com/office/powerpoint/2010/main" val="1812878306"/>
+        <p14:creationId xmlns:p14="http://schemas.microsoft.com/office/powerpoint/2010/main" val="1857365960"/>
       </p:ext>
     </p:extLst>
   </p:cSld>
@@ -1234,13 +1194,7 @@
       </p:grpSpPr>
       <p:sp>
         <p:nvSpPr>
-          <p:cNvPr id="2" name="Title 1">
-            <a:extLst>
-              <a:ext uri="{FF2B5EF4-FFF2-40B4-BE49-F238E27FC236}">
-                <a16:creationId xmlns:a16="http://schemas.microsoft.com/office/drawing/2014/main" id="{DFA4CED0-7E46-4772-8800-CA2D5C55E0F2}"/>
-              </a:ext>
-            </a:extLst>
-          </p:cNvPr>
+          <p:cNvPr id="2" name="Title 1"/>
           <p:cNvSpPr>
             <a:spLocks noGrp="1"/>
           </p:cNvSpPr>
@@ -1257,19 +1211,13 @@
               <a:rPr lang="en-US"/>
               <a:t>Click to edit Master title style</a:t>
             </a:r>
-            <a:endParaRPr lang="en-CA"/>
-          </a:p>
-        </p:txBody>
-      </p:sp>
-      <p:sp>
-        <p:nvSpPr>
-          <p:cNvPr id="3" name="Content Placeholder 2">
-            <a:extLst>
-              <a:ext uri="{FF2B5EF4-FFF2-40B4-BE49-F238E27FC236}">
-                <a16:creationId xmlns:a16="http://schemas.microsoft.com/office/drawing/2014/main" id="{F82BEEFE-72D7-4B2B-9C6A-632352AAEA90}"/>
-              </a:ext>
-            </a:extLst>
-          </p:cNvPr>
+            <a:endParaRPr lang="en-US" dirty="0"/>
+          </a:p>
+        </p:txBody>
+      </p:sp>
+      <p:sp>
+        <p:nvSpPr>
+          <p:cNvPr id="3" name="Content Placeholder 2"/>
           <p:cNvSpPr>
             <a:spLocks noGrp="1"/>
           </p:cNvSpPr>
@@ -1279,13 +1227,41 @@
         </p:nvSpPr>
         <p:spPr>
           <a:xfrm>
-            <a:off x="838200" y="1825625"/>
-            <a:ext cx="5181600" cy="4351338"/>
+            <a:off x="3867912" y="868680"/>
+            <a:ext cx="3474720" cy="5120640"/>
           </a:xfrm>
         </p:spPr>
         <p:txBody>
           <a:bodyPr/>
-          <a:lstStyle/>
+          <a:lstStyle>
+            <a:lvl1pPr>
+              <a:defRPr sz="2000"/>
+            </a:lvl1pPr>
+            <a:lvl2pPr>
+              <a:defRPr sz="1800"/>
+            </a:lvl2pPr>
+            <a:lvl3pPr>
+              <a:defRPr sz="1600"/>
+            </a:lvl3pPr>
+            <a:lvl4pPr>
+              <a:defRPr sz="1400"/>
+            </a:lvl4pPr>
+            <a:lvl5pPr>
+              <a:defRPr sz="1400"/>
+            </a:lvl5pPr>
+            <a:lvl6pPr>
+              <a:defRPr sz="1400"/>
+            </a:lvl6pPr>
+            <a:lvl7pPr>
+              <a:defRPr sz="1400"/>
+            </a:lvl7pPr>
+            <a:lvl8pPr>
+              <a:defRPr sz="1400"/>
+            </a:lvl8pPr>
+            <a:lvl9pPr>
+              <a:defRPr sz="1400"/>
+            </a:lvl9pPr>
+          </a:lstStyle>
           <a:p>
             <a:pPr lvl="0"/>
             <a:r>
@@ -1320,19 +1296,13 @@
               <a:rPr lang="en-US"/>
               <a:t>Fifth level</a:t>
             </a:r>
-            <a:endParaRPr lang="en-CA"/>
-          </a:p>
-        </p:txBody>
-      </p:sp>
-      <p:sp>
-        <p:nvSpPr>
-          <p:cNvPr id="4" name="Content Placeholder 3">
-            <a:extLst>
-              <a:ext uri="{FF2B5EF4-FFF2-40B4-BE49-F238E27FC236}">
-                <a16:creationId xmlns:a16="http://schemas.microsoft.com/office/drawing/2014/main" id="{2E0A0EE0-6E8D-4E75-AE04-FBF11BE28718}"/>
-              </a:ext>
-            </a:extLst>
-          </p:cNvPr>
+            <a:endParaRPr lang="en-US" dirty="0"/>
+          </a:p>
+        </p:txBody>
+      </p:sp>
+      <p:sp>
+        <p:nvSpPr>
+          <p:cNvPr id="4" name="Content Placeholder 3"/>
           <p:cNvSpPr>
             <a:spLocks noGrp="1"/>
           </p:cNvSpPr>
@@ -1342,13 +1312,41 @@
         </p:nvSpPr>
         <p:spPr>
           <a:xfrm>
-            <a:off x="6172200" y="1825625"/>
-            <a:ext cx="5181600" cy="4351338"/>
+            <a:off x="7818120" y="868680"/>
+            <a:ext cx="3474720" cy="5120640"/>
           </a:xfrm>
         </p:spPr>
         <p:txBody>
           <a:bodyPr/>
-          <a:lstStyle/>
+          <a:lstStyle>
+            <a:lvl1pPr>
+              <a:defRPr sz="2000"/>
+            </a:lvl1pPr>
+            <a:lvl2pPr>
+              <a:defRPr sz="1800"/>
+            </a:lvl2pPr>
+            <a:lvl3pPr>
+              <a:defRPr sz="1600"/>
+            </a:lvl3pPr>
+            <a:lvl4pPr>
+              <a:defRPr sz="1400"/>
+            </a:lvl4pPr>
+            <a:lvl5pPr>
+              <a:defRPr sz="1400"/>
+            </a:lvl5pPr>
+            <a:lvl6pPr>
+              <a:defRPr sz="1400"/>
+            </a:lvl6pPr>
+            <a:lvl7pPr>
+              <a:defRPr sz="1400"/>
+            </a:lvl7pPr>
+            <a:lvl8pPr>
+              <a:defRPr sz="1400"/>
+            </a:lvl8pPr>
+            <a:lvl9pPr>
+              <a:defRPr sz="1400"/>
+            </a:lvl9pPr>
+          </a:lstStyle>
           <a:p>
             <a:pPr lvl="0"/>
             <a:r>
@@ -1383,19 +1381,13 @@
               <a:rPr lang="en-US"/>
               <a:t>Fifth level</a:t>
             </a:r>
-            <a:endParaRPr lang="en-CA"/>
-          </a:p>
-        </p:txBody>
-      </p:sp>
-      <p:sp>
-        <p:nvSpPr>
-          <p:cNvPr id="5" name="Date Placeholder 4">
-            <a:extLst>
-              <a:ext uri="{FF2B5EF4-FFF2-40B4-BE49-F238E27FC236}">
-                <a16:creationId xmlns:a16="http://schemas.microsoft.com/office/drawing/2014/main" id="{328F19AB-F9B9-4606-B766-0A7492FEF47B}"/>
-              </a:ext>
-            </a:extLst>
-          </p:cNvPr>
+            <a:endParaRPr lang="en-US" dirty="0"/>
+          </a:p>
+        </p:txBody>
+      </p:sp>
+      <p:sp>
+        <p:nvSpPr>
+          <p:cNvPr id="8" name="Date Placeholder 7"/>
           <p:cNvSpPr>
             <a:spLocks noGrp="1"/>
           </p:cNvSpPr>
@@ -1410,7 +1402,7 @@
           <a:p>
             <a:fld id="{9D648943-11F5-4E3A-89B9-4D7A01C331E0}" type="datetimeFigureOut">
               <a:rPr lang="en-CA" smtClean="0"/>
-              <a:t>2019-09-27</a:t>
+              <a:t>2019-09-28</a:t>
             </a:fld>
             <a:endParaRPr lang="en-CA"/>
           </a:p>
@@ -1418,13 +1410,7 @@
       </p:sp>
       <p:sp>
         <p:nvSpPr>
-          <p:cNvPr id="6" name="Footer Placeholder 5">
-            <a:extLst>
-              <a:ext uri="{FF2B5EF4-FFF2-40B4-BE49-F238E27FC236}">
-                <a16:creationId xmlns:a16="http://schemas.microsoft.com/office/drawing/2014/main" id="{DCB2FCA2-D56F-40C2-B723-DF97BFC1A340}"/>
-              </a:ext>
-            </a:extLst>
-          </p:cNvPr>
+          <p:cNvPr id="9" name="Footer Placeholder 8"/>
           <p:cNvSpPr>
             <a:spLocks noGrp="1"/>
           </p:cNvSpPr>
@@ -1443,13 +1429,7 @@
       </p:sp>
       <p:sp>
         <p:nvSpPr>
-          <p:cNvPr id="7" name="Slide Number Placeholder 6">
-            <a:extLst>
-              <a:ext uri="{FF2B5EF4-FFF2-40B4-BE49-F238E27FC236}">
-                <a16:creationId xmlns:a16="http://schemas.microsoft.com/office/drawing/2014/main" id="{89EB8E03-5825-47B3-A07D-36220070E4A1}"/>
-              </a:ext>
-            </a:extLst>
-          </p:cNvPr>
+          <p:cNvPr id="10" name="Slide Number Placeholder 9"/>
           <p:cNvSpPr>
             <a:spLocks noGrp="1"/>
           </p:cNvSpPr>
@@ -1473,7 +1453,7 @@
     </p:spTree>
     <p:extLst>
       <p:ext uri="{BB962C8B-B14F-4D97-AF65-F5344CB8AC3E}">
-        <p14:creationId xmlns:p14="http://schemas.microsoft.com/office/powerpoint/2010/main" val="2473926655"/>
+        <p14:creationId xmlns:p14="http://schemas.microsoft.com/office/powerpoint/2010/main" val="1293823931"/>
       </p:ext>
     </p:extLst>
   </p:cSld>
@@ -1502,66 +1482,61 @@
       </p:grpSpPr>
       <p:sp>
         <p:nvSpPr>
-          <p:cNvPr id="2" name="Title 1">
-            <a:extLst>
-              <a:ext uri="{FF2B5EF4-FFF2-40B4-BE49-F238E27FC236}">
-                <a16:creationId xmlns:a16="http://schemas.microsoft.com/office/drawing/2014/main" id="{F8DB7DB1-AE2B-427D-B21E-EC7F7EC4892E}"/>
-              </a:ext>
-            </a:extLst>
-          </p:cNvPr>
+          <p:cNvPr id="10" name="Title 9"/>
           <p:cNvSpPr>
             <a:spLocks noGrp="1"/>
           </p:cNvSpPr>
           <p:nvPr>
             <p:ph type="title"/>
+          </p:nvPr>
+        </p:nvSpPr>
+        <p:spPr/>
+        <p:txBody>
+          <a:bodyPr/>
+          <a:lstStyle/>
+          <a:p>
+            <a:r>
+              <a:rPr lang="en-US"/>
+              <a:t>Click to edit Master title style</a:t>
+            </a:r>
+            <a:endParaRPr lang="en-US" dirty="0"/>
+          </a:p>
+        </p:txBody>
+      </p:sp>
+      <p:sp>
+        <p:nvSpPr>
+          <p:cNvPr id="3" name="Text Placeholder 2"/>
+          <p:cNvSpPr>
+            <a:spLocks noGrp="1"/>
+          </p:cNvSpPr>
+          <p:nvPr>
+            <p:ph type="body" idx="1"/>
           </p:nvPr>
         </p:nvSpPr>
         <p:spPr>
           <a:xfrm>
-            <a:off x="839788" y="365125"/>
-            <a:ext cx="10515600" cy="1325563"/>
+            <a:off x="3867912" y="1023586"/>
+            <a:ext cx="3474720" cy="807720"/>
           </a:xfrm>
         </p:spPr>
         <p:txBody>
-          <a:bodyPr/>
-          <a:lstStyle/>
-          <a:p>
-            <a:r>
-              <a:rPr lang="en-US"/>
-              <a:t>Click to edit Master title style</a:t>
-            </a:r>
-            <a:endParaRPr lang="en-CA"/>
-          </a:p>
-        </p:txBody>
-      </p:sp>
-      <p:sp>
-        <p:nvSpPr>
-          <p:cNvPr id="3" name="Text Placeholder 2">
-            <a:extLst>
-              <a:ext uri="{FF2B5EF4-FFF2-40B4-BE49-F238E27FC236}">
-                <a16:creationId xmlns:a16="http://schemas.microsoft.com/office/drawing/2014/main" id="{930689DB-7FDF-41FB-819D-2CEF2D8EEA20}"/>
-              </a:ext>
-            </a:extLst>
-          </p:cNvPr>
-          <p:cNvSpPr>
-            <a:spLocks noGrp="1"/>
-          </p:cNvSpPr>
-          <p:nvPr>
-            <p:ph type="body" idx="1"/>
-          </p:nvPr>
-        </p:nvSpPr>
-        <p:spPr>
-          <a:xfrm>
-            <a:off x="839788" y="1681163"/>
-            <a:ext cx="5157787" cy="823912"/>
-          </a:xfrm>
-        </p:spPr>
-        <p:txBody>
-          <a:bodyPr anchor="b"/>
+          <a:bodyPr anchor="b">
+            <a:normAutofit/>
+          </a:bodyPr>
           <a:lstStyle>
             <a:lvl1pPr marL="0" indent="0">
-              <a:buNone/>
-              <a:defRPr sz="2400" b="1"/>
+              <a:spcBef>
+                <a:spcPts val="0"/>
+              </a:spcBef>
+              <a:buNone/>
+              <a:defRPr sz="2000" b="1">
+                <a:solidFill>
+                  <a:schemeClr val="tx1">
+                    <a:lumMod val="65000"/>
+                    <a:lumOff val="35000"/>
+                  </a:schemeClr>
+                </a:solidFill>
+              </a:defRPr>
             </a:lvl1pPr>
             <a:lvl2pPr marL="457200" indent="0">
               <a:buNone/>
@@ -1607,13 +1582,7 @@
       </p:sp>
       <p:sp>
         <p:nvSpPr>
-          <p:cNvPr id="4" name="Content Placeholder 3">
-            <a:extLst>
-              <a:ext uri="{FF2B5EF4-FFF2-40B4-BE49-F238E27FC236}">
-                <a16:creationId xmlns:a16="http://schemas.microsoft.com/office/drawing/2014/main" id="{896D308A-98D4-4BE9-8FFA-9A0DEBF4A605}"/>
-              </a:ext>
-            </a:extLst>
-          </p:cNvPr>
+          <p:cNvPr id="4" name="Content Placeholder 3"/>
           <p:cNvSpPr>
             <a:spLocks noGrp="1"/>
           </p:cNvSpPr>
@@ -1623,13 +1592,41 @@
         </p:nvSpPr>
         <p:spPr>
           <a:xfrm>
-            <a:off x="839788" y="2505075"/>
-            <a:ext cx="5157787" cy="3684588"/>
+            <a:off x="3867912" y="1930936"/>
+            <a:ext cx="3474720" cy="4023360"/>
           </a:xfrm>
         </p:spPr>
         <p:txBody>
           <a:bodyPr/>
-          <a:lstStyle/>
+          <a:lstStyle>
+            <a:lvl1pPr>
+              <a:defRPr sz="2000"/>
+            </a:lvl1pPr>
+            <a:lvl2pPr>
+              <a:defRPr sz="1800"/>
+            </a:lvl2pPr>
+            <a:lvl3pPr>
+              <a:defRPr sz="1600"/>
+            </a:lvl3pPr>
+            <a:lvl4pPr>
+              <a:defRPr sz="1400"/>
+            </a:lvl4pPr>
+            <a:lvl5pPr>
+              <a:defRPr sz="1400"/>
+            </a:lvl5pPr>
+            <a:lvl6pPr>
+              <a:defRPr sz="1400"/>
+            </a:lvl6pPr>
+            <a:lvl7pPr>
+              <a:defRPr sz="1400"/>
+            </a:lvl7pPr>
+            <a:lvl8pPr>
+              <a:defRPr sz="1400"/>
+            </a:lvl8pPr>
+            <a:lvl9pPr>
+              <a:defRPr sz="1400"/>
+            </a:lvl9pPr>
+          </a:lstStyle>
           <a:p>
             <a:pPr lvl="0"/>
             <a:r>
@@ -1664,19 +1661,13 @@
               <a:rPr lang="en-US"/>
               <a:t>Fifth level</a:t>
             </a:r>
-            <a:endParaRPr lang="en-CA"/>
-          </a:p>
-        </p:txBody>
-      </p:sp>
-      <p:sp>
-        <p:nvSpPr>
-          <p:cNvPr id="5" name="Text Placeholder 4">
-            <a:extLst>
-              <a:ext uri="{FF2B5EF4-FFF2-40B4-BE49-F238E27FC236}">
-                <a16:creationId xmlns:a16="http://schemas.microsoft.com/office/drawing/2014/main" id="{3F3180C3-0763-415A-B4E1-1CF17E6EA4C6}"/>
-              </a:ext>
-            </a:extLst>
-          </p:cNvPr>
+            <a:endParaRPr lang="en-US" dirty="0"/>
+          </a:p>
+        </p:txBody>
+      </p:sp>
+      <p:sp>
+        <p:nvSpPr>
+          <p:cNvPr id="5" name="Text Placeholder 4"/>
           <p:cNvSpPr>
             <a:spLocks noGrp="1"/>
           </p:cNvSpPr>
@@ -1686,16 +1677,28 @@
         </p:nvSpPr>
         <p:spPr>
           <a:xfrm>
-            <a:off x="6172200" y="1681163"/>
-            <a:ext cx="5183188" cy="823912"/>
+            <a:off x="7818463" y="1023586"/>
+            <a:ext cx="3474720" cy="813171"/>
           </a:xfrm>
         </p:spPr>
         <p:txBody>
-          <a:bodyPr anchor="b"/>
+          <a:bodyPr anchor="b">
+            <a:normAutofit/>
+          </a:bodyPr>
           <a:lstStyle>
             <a:lvl1pPr marL="0" indent="0">
-              <a:buNone/>
-              <a:defRPr sz="2400" b="1"/>
+              <a:spcBef>
+                <a:spcPts val="0"/>
+              </a:spcBef>
+              <a:buNone/>
+              <a:defRPr sz="2000" b="1">
+                <a:solidFill>
+                  <a:schemeClr val="tx1">
+                    <a:lumMod val="65000"/>
+                    <a:lumOff val="35000"/>
+                  </a:schemeClr>
+                </a:solidFill>
+              </a:defRPr>
             </a:lvl1pPr>
             <a:lvl2pPr marL="457200" indent="0">
               <a:buNone/>
@@ -1741,13 +1744,7 @@
       </p:sp>
       <p:sp>
         <p:nvSpPr>
-          <p:cNvPr id="6" name="Content Placeholder 5">
-            <a:extLst>
-              <a:ext uri="{FF2B5EF4-FFF2-40B4-BE49-F238E27FC236}">
-                <a16:creationId xmlns:a16="http://schemas.microsoft.com/office/drawing/2014/main" id="{0CA1E798-3B7D-4A7D-8A26-D760178FEAFD}"/>
-              </a:ext>
-            </a:extLst>
-          </p:cNvPr>
+          <p:cNvPr id="6" name="Content Placeholder 5"/>
           <p:cNvSpPr>
             <a:spLocks noGrp="1"/>
           </p:cNvSpPr>
@@ -1757,13 +1754,41 @@
         </p:nvSpPr>
         <p:spPr>
           <a:xfrm>
-            <a:off x="6172200" y="2505075"/>
-            <a:ext cx="5183188" cy="3684588"/>
+            <a:off x="7818463" y="1930936"/>
+            <a:ext cx="3474720" cy="4023360"/>
           </a:xfrm>
         </p:spPr>
         <p:txBody>
           <a:bodyPr/>
-          <a:lstStyle/>
+          <a:lstStyle>
+            <a:lvl1pPr>
+              <a:defRPr sz="2000"/>
+            </a:lvl1pPr>
+            <a:lvl2pPr>
+              <a:defRPr sz="1800"/>
+            </a:lvl2pPr>
+            <a:lvl3pPr>
+              <a:defRPr sz="1600"/>
+            </a:lvl3pPr>
+            <a:lvl4pPr>
+              <a:defRPr sz="1400"/>
+            </a:lvl4pPr>
+            <a:lvl5pPr>
+              <a:defRPr sz="1400"/>
+            </a:lvl5pPr>
+            <a:lvl6pPr>
+              <a:defRPr sz="1400"/>
+            </a:lvl6pPr>
+            <a:lvl7pPr>
+              <a:defRPr sz="1400"/>
+            </a:lvl7pPr>
+            <a:lvl8pPr>
+              <a:defRPr sz="1400"/>
+            </a:lvl8pPr>
+            <a:lvl9pPr>
+              <a:defRPr sz="1400"/>
+            </a:lvl9pPr>
+          </a:lstStyle>
           <a:p>
             <a:pPr lvl="0"/>
             <a:r>
@@ -1798,19 +1823,13 @@
               <a:rPr lang="en-US"/>
               <a:t>Fifth level</a:t>
             </a:r>
-            <a:endParaRPr lang="en-CA"/>
-          </a:p>
-        </p:txBody>
-      </p:sp>
-      <p:sp>
-        <p:nvSpPr>
-          <p:cNvPr id="7" name="Date Placeholder 6">
-            <a:extLst>
-              <a:ext uri="{FF2B5EF4-FFF2-40B4-BE49-F238E27FC236}">
-                <a16:creationId xmlns:a16="http://schemas.microsoft.com/office/drawing/2014/main" id="{62330183-7F95-42CF-995C-74179C34AC5E}"/>
-              </a:ext>
-            </a:extLst>
-          </p:cNvPr>
+            <a:endParaRPr lang="en-US" dirty="0"/>
+          </a:p>
+        </p:txBody>
+      </p:sp>
+      <p:sp>
+        <p:nvSpPr>
+          <p:cNvPr id="2" name="Date Placeholder 1"/>
           <p:cNvSpPr>
             <a:spLocks noGrp="1"/>
           </p:cNvSpPr>
@@ -1825,7 +1844,7 @@
           <a:p>
             <a:fld id="{9D648943-11F5-4E3A-89B9-4D7A01C331E0}" type="datetimeFigureOut">
               <a:rPr lang="en-CA" smtClean="0"/>
-              <a:t>2019-09-27</a:t>
+              <a:t>2019-09-28</a:t>
             </a:fld>
             <a:endParaRPr lang="en-CA"/>
           </a:p>
@@ -1833,13 +1852,7 @@
       </p:sp>
       <p:sp>
         <p:nvSpPr>
-          <p:cNvPr id="8" name="Footer Placeholder 7">
-            <a:extLst>
-              <a:ext uri="{FF2B5EF4-FFF2-40B4-BE49-F238E27FC236}">
-                <a16:creationId xmlns:a16="http://schemas.microsoft.com/office/drawing/2014/main" id="{33AC0464-3DEE-4EF5-B8A5-16988709FD05}"/>
-              </a:ext>
-            </a:extLst>
-          </p:cNvPr>
+          <p:cNvPr id="11" name="Footer Placeholder 10"/>
           <p:cNvSpPr>
             <a:spLocks noGrp="1"/>
           </p:cNvSpPr>
@@ -1858,13 +1871,7 @@
       </p:sp>
       <p:sp>
         <p:nvSpPr>
-          <p:cNvPr id="9" name="Slide Number Placeholder 8">
-            <a:extLst>
-              <a:ext uri="{FF2B5EF4-FFF2-40B4-BE49-F238E27FC236}">
-                <a16:creationId xmlns:a16="http://schemas.microsoft.com/office/drawing/2014/main" id="{3C9ACD20-2CA8-4891-93CD-CFFD77F4A839}"/>
-              </a:ext>
-            </a:extLst>
-          </p:cNvPr>
+          <p:cNvPr id="12" name="Slide Number Placeholder 11"/>
           <p:cNvSpPr>
             <a:spLocks noGrp="1"/>
           </p:cNvSpPr>
@@ -1888,7 +1895,7 @@
     </p:spTree>
     <p:extLst>
       <p:ext uri="{BB962C8B-B14F-4D97-AF65-F5344CB8AC3E}">
-        <p14:creationId xmlns:p14="http://schemas.microsoft.com/office/powerpoint/2010/main" val="2220003404"/>
+        <p14:creationId xmlns:p14="http://schemas.microsoft.com/office/powerpoint/2010/main" val="1245045872"/>
       </p:ext>
     </p:extLst>
   </p:cSld>
@@ -1917,13 +1924,7 @@
       </p:grpSpPr>
       <p:sp>
         <p:nvSpPr>
-          <p:cNvPr id="2" name="Title 1">
-            <a:extLst>
-              <a:ext uri="{FF2B5EF4-FFF2-40B4-BE49-F238E27FC236}">
-                <a16:creationId xmlns:a16="http://schemas.microsoft.com/office/drawing/2014/main" id="{A0291B92-2048-41AB-92D2-9DAEF99B9321}"/>
-              </a:ext>
-            </a:extLst>
-          </p:cNvPr>
+          <p:cNvPr id="6" name="Title 5"/>
           <p:cNvSpPr>
             <a:spLocks noGrp="1"/>
           </p:cNvSpPr>
@@ -1940,19 +1941,13 @@
               <a:rPr lang="en-US"/>
               <a:t>Click to edit Master title style</a:t>
             </a:r>
-            <a:endParaRPr lang="en-CA"/>
-          </a:p>
-        </p:txBody>
-      </p:sp>
-      <p:sp>
-        <p:nvSpPr>
-          <p:cNvPr id="3" name="Date Placeholder 2">
-            <a:extLst>
-              <a:ext uri="{FF2B5EF4-FFF2-40B4-BE49-F238E27FC236}">
-                <a16:creationId xmlns:a16="http://schemas.microsoft.com/office/drawing/2014/main" id="{5D4CAE78-3731-4BEB-81B3-C38B73494FD7}"/>
-              </a:ext>
-            </a:extLst>
-          </p:cNvPr>
+            <a:endParaRPr lang="en-US" dirty="0"/>
+          </a:p>
+        </p:txBody>
+      </p:sp>
+      <p:sp>
+        <p:nvSpPr>
+          <p:cNvPr id="2" name="Date Placeholder 1"/>
           <p:cNvSpPr>
             <a:spLocks noGrp="1"/>
           </p:cNvSpPr>
@@ -1967,7 +1962,7 @@
           <a:p>
             <a:fld id="{9D648943-11F5-4E3A-89B9-4D7A01C331E0}" type="datetimeFigureOut">
               <a:rPr lang="en-CA" smtClean="0"/>
-              <a:t>2019-09-27</a:t>
+              <a:t>2019-09-28</a:t>
             </a:fld>
             <a:endParaRPr lang="en-CA"/>
           </a:p>
@@ -1975,13 +1970,7 @@
       </p:sp>
       <p:sp>
         <p:nvSpPr>
-          <p:cNvPr id="4" name="Footer Placeholder 3">
-            <a:extLst>
-              <a:ext uri="{FF2B5EF4-FFF2-40B4-BE49-F238E27FC236}">
-                <a16:creationId xmlns:a16="http://schemas.microsoft.com/office/drawing/2014/main" id="{33FF0D2A-4E4C-4E10-829F-04C3721097D0}"/>
-              </a:ext>
-            </a:extLst>
-          </p:cNvPr>
+          <p:cNvPr id="7" name="Footer Placeholder 6"/>
           <p:cNvSpPr>
             <a:spLocks noGrp="1"/>
           </p:cNvSpPr>
@@ -2000,13 +1989,7 @@
       </p:sp>
       <p:sp>
         <p:nvSpPr>
-          <p:cNvPr id="5" name="Slide Number Placeholder 4">
-            <a:extLst>
-              <a:ext uri="{FF2B5EF4-FFF2-40B4-BE49-F238E27FC236}">
-                <a16:creationId xmlns:a16="http://schemas.microsoft.com/office/drawing/2014/main" id="{7852BD0B-A73B-45E4-8AE2-EA0BD348D35A}"/>
-              </a:ext>
-            </a:extLst>
-          </p:cNvPr>
+          <p:cNvPr id="8" name="Slide Number Placeholder 7"/>
           <p:cNvSpPr>
             <a:spLocks noGrp="1"/>
           </p:cNvSpPr>
@@ -2030,7 +2013,7 @@
     </p:spTree>
     <p:extLst>
       <p:ext uri="{BB962C8B-B14F-4D97-AF65-F5344CB8AC3E}">
-        <p14:creationId xmlns:p14="http://schemas.microsoft.com/office/powerpoint/2010/main" val="3866509633"/>
+        <p14:creationId xmlns:p14="http://schemas.microsoft.com/office/powerpoint/2010/main" val="1761123532"/>
       </p:ext>
     </p:extLst>
   </p:cSld>
@@ -2041,7 +2024,7 @@
 </file>
 
 <file path=ppt/slideLayouts/slideLayout7.xml><?xml version="1.0" encoding="utf-8"?>
-<p:sldLayout xmlns:a="http://schemas.openxmlformats.org/drawingml/2006/main" xmlns:r="http://schemas.openxmlformats.org/officeDocument/2006/relationships" xmlns:p="http://schemas.openxmlformats.org/presentationml/2006/main" type="blank" preserve="1">
+<p:sldLayout xmlns:a="http://schemas.openxmlformats.org/drawingml/2006/main" xmlns:r="http://schemas.openxmlformats.org/officeDocument/2006/relationships" xmlns:p="http://schemas.openxmlformats.org/presentationml/2006/main" showMasterSp="0" type="blank" preserve="1">
   <p:cSld name="Blank">
     <p:spTree>
       <p:nvGrpSpPr>
@@ -2059,13 +2042,7 @@
       </p:grpSpPr>
       <p:sp>
         <p:nvSpPr>
-          <p:cNvPr id="2" name="Date Placeholder 1">
-            <a:extLst>
-              <a:ext uri="{FF2B5EF4-FFF2-40B4-BE49-F238E27FC236}">
-                <a16:creationId xmlns:a16="http://schemas.microsoft.com/office/drawing/2014/main" id="{9C8723BF-7F4A-4DBD-9D2E-E82BEB9B4BB3}"/>
-              </a:ext>
-            </a:extLst>
-          </p:cNvPr>
+          <p:cNvPr id="5" name="Date Placeholder 4"/>
           <p:cNvSpPr>
             <a:spLocks noGrp="1"/>
           </p:cNvSpPr>
@@ -2080,7 +2057,7 @@
           <a:p>
             <a:fld id="{9D648943-11F5-4E3A-89B9-4D7A01C331E0}" type="datetimeFigureOut">
               <a:rPr lang="en-CA" smtClean="0"/>
-              <a:t>2019-09-27</a:t>
+              <a:t>2019-09-28</a:t>
             </a:fld>
             <a:endParaRPr lang="en-CA"/>
           </a:p>
@@ -2088,13 +2065,7 @@
       </p:sp>
       <p:sp>
         <p:nvSpPr>
-          <p:cNvPr id="3" name="Footer Placeholder 2">
-            <a:extLst>
-              <a:ext uri="{FF2B5EF4-FFF2-40B4-BE49-F238E27FC236}">
-                <a16:creationId xmlns:a16="http://schemas.microsoft.com/office/drawing/2014/main" id="{5BF64F14-252F-4505-80B5-E3CD2E41CFDB}"/>
-              </a:ext>
-            </a:extLst>
-          </p:cNvPr>
+          <p:cNvPr id="6" name="Footer Placeholder 5"/>
           <p:cNvSpPr>
             <a:spLocks noGrp="1"/>
           </p:cNvSpPr>
@@ -2113,13 +2084,7 @@
       </p:sp>
       <p:sp>
         <p:nvSpPr>
-          <p:cNvPr id="4" name="Slide Number Placeholder 3">
-            <a:extLst>
-              <a:ext uri="{FF2B5EF4-FFF2-40B4-BE49-F238E27FC236}">
-                <a16:creationId xmlns:a16="http://schemas.microsoft.com/office/drawing/2014/main" id="{E594933C-04D6-4221-A546-0AE9D3E4AE30}"/>
-              </a:ext>
-            </a:extLst>
-          </p:cNvPr>
+          <p:cNvPr id="7" name="Slide Number Placeholder 6"/>
           <p:cNvSpPr>
             <a:spLocks noGrp="1"/>
           </p:cNvSpPr>
@@ -2143,7 +2108,7 @@
     </p:spTree>
     <p:extLst>
       <p:ext uri="{BB962C8B-B14F-4D97-AF65-F5344CB8AC3E}">
-        <p14:creationId xmlns:p14="http://schemas.microsoft.com/office/powerpoint/2010/main" val="3191644032"/>
+        <p14:creationId xmlns:p14="http://schemas.microsoft.com/office/powerpoint/2010/main" val="908185744"/>
       </p:ext>
     </p:extLst>
   </p:cSld>
@@ -2172,13 +2137,7 @@
       </p:grpSpPr>
       <p:sp>
         <p:nvSpPr>
-          <p:cNvPr id="2" name="Title 1">
-            <a:extLst>
-              <a:ext uri="{FF2B5EF4-FFF2-40B4-BE49-F238E27FC236}">
-                <a16:creationId xmlns:a16="http://schemas.microsoft.com/office/drawing/2014/main" id="{A33C8476-9AEB-43DF-A4F8-1188DD97082E}"/>
-              </a:ext>
-            </a:extLst>
-          </p:cNvPr>
+          <p:cNvPr id="2" name="Title 1"/>
           <p:cNvSpPr>
             <a:spLocks noGrp="1"/>
           </p:cNvSpPr>
@@ -2188,15 +2147,17 @@
         </p:nvSpPr>
         <p:spPr>
           <a:xfrm>
-            <a:off x="839788" y="457200"/>
-            <a:ext cx="3932237" cy="1600200"/>
+            <a:off x="256032" y="1143000"/>
+            <a:ext cx="2834640" cy="2377440"/>
           </a:xfrm>
         </p:spPr>
         <p:txBody>
-          <a:bodyPr anchor="b"/>
+          <a:bodyPr anchor="b">
+            <a:normAutofit/>
+          </a:bodyPr>
           <a:lstStyle>
             <a:lvl1pPr>
-              <a:defRPr sz="3200"/>
+              <a:defRPr sz="3200" b="0" baseline="0"/>
             </a:lvl1pPr>
           </a:lstStyle>
           <a:p>
@@ -2204,19 +2165,13 @@
               <a:rPr lang="en-US"/>
               <a:t>Click to edit Master title style</a:t>
             </a:r>
-            <a:endParaRPr lang="en-CA"/>
-          </a:p>
-        </p:txBody>
-      </p:sp>
-      <p:sp>
-        <p:nvSpPr>
-          <p:cNvPr id="3" name="Content Placeholder 2">
-            <a:extLst>
-              <a:ext uri="{FF2B5EF4-FFF2-40B4-BE49-F238E27FC236}">
-                <a16:creationId xmlns:a16="http://schemas.microsoft.com/office/drawing/2014/main" id="{C02B10BF-52BC-45DB-86CE-C4FF17344E46}"/>
-              </a:ext>
-            </a:extLst>
-          </p:cNvPr>
+            <a:endParaRPr lang="en-US" dirty="0"/>
+          </a:p>
+        </p:txBody>
+      </p:sp>
+      <p:sp>
+        <p:nvSpPr>
+          <p:cNvPr id="3" name="Content Placeholder 2"/>
           <p:cNvSpPr>
             <a:spLocks noGrp="1"/>
           </p:cNvSpPr>
@@ -2226,39 +2181,39 @@
         </p:nvSpPr>
         <p:spPr>
           <a:xfrm>
-            <a:off x="5183188" y="987425"/>
-            <a:ext cx="6172200" cy="4873625"/>
+            <a:off x="3867912" y="868680"/>
+            <a:ext cx="7315200" cy="5120640"/>
           </a:xfrm>
         </p:spPr>
         <p:txBody>
           <a:bodyPr/>
           <a:lstStyle>
             <a:lvl1pPr>
-              <a:defRPr sz="3200"/>
+              <a:defRPr sz="2000"/>
             </a:lvl1pPr>
             <a:lvl2pPr>
-              <a:defRPr sz="2800"/>
+              <a:defRPr sz="1800"/>
             </a:lvl2pPr>
             <a:lvl3pPr>
-              <a:defRPr sz="2400"/>
+              <a:defRPr sz="1600"/>
             </a:lvl3pPr>
             <a:lvl4pPr>
-              <a:defRPr sz="2000"/>
+              <a:defRPr sz="1400"/>
             </a:lvl4pPr>
             <a:lvl5pPr>
-              <a:defRPr sz="2000"/>
+              <a:defRPr sz="1400"/>
             </a:lvl5pPr>
             <a:lvl6pPr>
-              <a:defRPr sz="2000"/>
+              <a:defRPr sz="1400"/>
             </a:lvl6pPr>
             <a:lvl7pPr>
-              <a:defRPr sz="2000"/>
+              <a:defRPr sz="1400"/>
             </a:lvl7pPr>
             <a:lvl8pPr>
-              <a:defRPr sz="2000"/>
+              <a:defRPr sz="1400"/>
             </a:lvl8pPr>
             <a:lvl9pPr>
-              <a:defRPr sz="2000"/>
+              <a:defRPr sz="1400"/>
             </a:lvl9pPr>
           </a:lstStyle>
           <a:p>
@@ -2295,19 +2250,13 @@
               <a:rPr lang="en-US"/>
               <a:t>Fifth level</a:t>
             </a:r>
-            <a:endParaRPr lang="en-CA"/>
-          </a:p>
-        </p:txBody>
-      </p:sp>
-      <p:sp>
-        <p:nvSpPr>
-          <p:cNvPr id="4" name="Text Placeholder 3">
-            <a:extLst>
-              <a:ext uri="{FF2B5EF4-FFF2-40B4-BE49-F238E27FC236}">
-                <a16:creationId xmlns:a16="http://schemas.microsoft.com/office/drawing/2014/main" id="{6ABD7E01-6D5A-4BDA-BEAE-CAC9EDD90885}"/>
-              </a:ext>
-            </a:extLst>
-          </p:cNvPr>
+            <a:endParaRPr lang="en-US" dirty="0"/>
+          </a:p>
+        </p:txBody>
+      </p:sp>
+      <p:sp>
+        <p:nvSpPr>
+          <p:cNvPr id="4" name="Text Placeholder 3"/>
           <p:cNvSpPr>
             <a:spLocks noGrp="1"/>
           </p:cNvSpPr>
@@ -2317,48 +2266,57 @@
         </p:nvSpPr>
         <p:spPr>
           <a:xfrm>
-            <a:off x="839788" y="2057400"/>
-            <a:ext cx="3932237" cy="3811588"/>
+            <a:off x="256032" y="3494176"/>
+            <a:ext cx="2834640" cy="2321990"/>
           </a:xfrm>
         </p:spPr>
         <p:txBody>
-          <a:bodyPr/>
+          <a:bodyPr anchor="t">
+            <a:normAutofit/>
+          </a:bodyPr>
           <a:lstStyle>
             <a:lvl1pPr marL="0" indent="0">
-              <a:buNone/>
-              <a:defRPr sz="1600"/>
+              <a:lnSpc>
+                <a:spcPct val="100000"/>
+              </a:lnSpc>
+              <a:buNone/>
+              <a:defRPr sz="1400">
+                <a:solidFill>
+                  <a:srgbClr val="FFFFFF"/>
+                </a:solidFill>
+              </a:defRPr>
             </a:lvl1pPr>
             <a:lvl2pPr marL="457200" indent="0">
               <a:buNone/>
-              <a:defRPr sz="1400"/>
+              <a:defRPr sz="1200"/>
             </a:lvl2pPr>
             <a:lvl3pPr marL="914400" indent="0">
               <a:buNone/>
-              <a:defRPr sz="1200"/>
+              <a:defRPr sz="1000"/>
             </a:lvl3pPr>
             <a:lvl4pPr marL="1371600" indent="0">
               <a:buNone/>
-              <a:defRPr sz="1000"/>
+              <a:defRPr sz="900"/>
             </a:lvl4pPr>
             <a:lvl5pPr marL="1828800" indent="0">
               <a:buNone/>
-              <a:defRPr sz="1000"/>
+              <a:defRPr sz="900"/>
             </a:lvl5pPr>
             <a:lvl6pPr marL="2286000" indent="0">
               <a:buNone/>
-              <a:defRPr sz="1000"/>
+              <a:defRPr sz="900"/>
             </a:lvl6pPr>
             <a:lvl7pPr marL="2743200" indent="0">
               <a:buNone/>
-              <a:defRPr sz="1000"/>
+              <a:defRPr sz="900"/>
             </a:lvl7pPr>
             <a:lvl8pPr marL="3200400" indent="0">
               <a:buNone/>
-              <a:defRPr sz="1000"/>
+              <a:defRPr sz="900"/>
             </a:lvl8pPr>
             <a:lvl9pPr marL="3657600" indent="0">
               <a:buNone/>
-              <a:defRPr sz="1000"/>
+              <a:defRPr sz="900"/>
             </a:lvl9pPr>
           </a:lstStyle>
           <a:p>
@@ -2372,13 +2330,7 @@
       </p:sp>
       <p:sp>
         <p:nvSpPr>
-          <p:cNvPr id="5" name="Date Placeholder 4">
-            <a:extLst>
-              <a:ext uri="{FF2B5EF4-FFF2-40B4-BE49-F238E27FC236}">
-                <a16:creationId xmlns:a16="http://schemas.microsoft.com/office/drawing/2014/main" id="{E22F2AA8-8E57-4983-AE95-D23352F71EED}"/>
-              </a:ext>
-            </a:extLst>
-          </p:cNvPr>
+          <p:cNvPr id="8" name="Date Placeholder 7"/>
           <p:cNvSpPr>
             <a:spLocks noGrp="1"/>
           </p:cNvSpPr>
@@ -2393,7 +2345,7 @@
           <a:p>
             <a:fld id="{9D648943-11F5-4E3A-89B9-4D7A01C331E0}" type="datetimeFigureOut">
               <a:rPr lang="en-CA" smtClean="0"/>
-              <a:t>2019-09-27</a:t>
+              <a:t>2019-09-28</a:t>
             </a:fld>
             <a:endParaRPr lang="en-CA"/>
           </a:p>
@@ -2401,13 +2353,7 @@
       </p:sp>
       <p:sp>
         <p:nvSpPr>
-          <p:cNvPr id="6" name="Footer Placeholder 5">
-            <a:extLst>
-              <a:ext uri="{FF2B5EF4-FFF2-40B4-BE49-F238E27FC236}">
-                <a16:creationId xmlns:a16="http://schemas.microsoft.com/office/drawing/2014/main" id="{54E5C264-AB95-4EEB-902C-D7709312848E}"/>
-              </a:ext>
-            </a:extLst>
-          </p:cNvPr>
+          <p:cNvPr id="9" name="Footer Placeholder 8"/>
           <p:cNvSpPr>
             <a:spLocks noGrp="1"/>
           </p:cNvSpPr>
@@ -2426,13 +2372,7 @@
       </p:sp>
       <p:sp>
         <p:nvSpPr>
-          <p:cNvPr id="7" name="Slide Number Placeholder 6">
-            <a:extLst>
-              <a:ext uri="{FF2B5EF4-FFF2-40B4-BE49-F238E27FC236}">
-                <a16:creationId xmlns:a16="http://schemas.microsoft.com/office/drawing/2014/main" id="{5D28494C-6064-4A28-A216-0B1569C41BD9}"/>
-              </a:ext>
-            </a:extLst>
-          </p:cNvPr>
+          <p:cNvPr id="10" name="Slide Number Placeholder 9"/>
           <p:cNvSpPr>
             <a:spLocks noGrp="1"/>
           </p:cNvSpPr>
@@ -2456,7 +2396,7 @@
     </p:spTree>
     <p:extLst>
       <p:ext uri="{BB962C8B-B14F-4D97-AF65-F5344CB8AC3E}">
-        <p14:creationId xmlns:p14="http://schemas.microsoft.com/office/powerpoint/2010/main" val="207374023"/>
+        <p14:creationId xmlns:p14="http://schemas.microsoft.com/office/powerpoint/2010/main" val="232207300"/>
       </p:ext>
     </p:extLst>
   </p:cSld>
@@ -2485,13 +2425,7 @@
       </p:grpSpPr>
       <p:sp>
         <p:nvSpPr>
-          <p:cNvPr id="2" name="Title 1">
-            <a:extLst>
-              <a:ext uri="{FF2B5EF4-FFF2-40B4-BE49-F238E27FC236}">
-                <a16:creationId xmlns:a16="http://schemas.microsoft.com/office/drawing/2014/main" id="{DA8C87E2-B13A-468C-8889-7530BC295D0B}"/>
-              </a:ext>
-            </a:extLst>
-          </p:cNvPr>
+          <p:cNvPr id="2" name="Title 1"/>
           <p:cNvSpPr>
             <a:spLocks noGrp="1"/>
           </p:cNvSpPr>
@@ -2501,15 +2435,17 @@
         </p:nvSpPr>
         <p:spPr>
           <a:xfrm>
-            <a:off x="839788" y="457200"/>
-            <a:ext cx="3932237" cy="1600200"/>
+            <a:off x="256032" y="1143000"/>
+            <a:ext cx="2834640" cy="2377440"/>
           </a:xfrm>
         </p:spPr>
         <p:txBody>
-          <a:bodyPr anchor="b"/>
+          <a:bodyPr anchor="b">
+            <a:normAutofit/>
+          </a:bodyPr>
           <a:lstStyle>
             <a:lvl1pPr>
-              <a:defRPr sz="3200"/>
+              <a:defRPr sz="3200" b="0"/>
             </a:lvl1pPr>
           </a:lstStyle>
           <a:p>
@@ -2517,21 +2453,15 @@
               <a:rPr lang="en-US"/>
               <a:t>Click to edit Master title style</a:t>
             </a:r>
-            <a:endParaRPr lang="en-CA"/>
-          </a:p>
-        </p:txBody>
-      </p:sp>
-      <p:sp>
-        <p:nvSpPr>
-          <p:cNvPr id="3" name="Picture Placeholder 2">
-            <a:extLst>
-              <a:ext uri="{FF2B5EF4-FFF2-40B4-BE49-F238E27FC236}">
-                <a16:creationId xmlns:a16="http://schemas.microsoft.com/office/drawing/2014/main" id="{2891E825-E51F-4A19-A276-FA75154E2CD4}"/>
-              </a:ext>
-            </a:extLst>
-          </p:cNvPr>
-          <p:cNvSpPr>
-            <a:spLocks noGrp="1"/>
+            <a:endParaRPr lang="en-US" dirty="0"/>
+          </a:p>
+        </p:txBody>
+      </p:sp>
+      <p:sp>
+        <p:nvSpPr>
+          <p:cNvPr id="3" name="Picture Placeholder 2"/>
+          <p:cNvSpPr>
+            <a:spLocks noGrp="1" noChangeAspect="1"/>
           </p:cNvSpPr>
           <p:nvPr>
             <p:ph type="pic" idx="1"/>
@@ -2539,12 +2469,17 @@
         </p:nvSpPr>
         <p:spPr>
           <a:xfrm>
-            <a:off x="5183188" y="987425"/>
-            <a:ext cx="6172200" cy="4873625"/>
+            <a:off x="3570644" y="767419"/>
+            <a:ext cx="8115230" cy="5330952"/>
           </a:xfrm>
+          <a:solidFill>
+            <a:schemeClr val="bg1">
+              <a:lumMod val="75000"/>
+            </a:schemeClr>
+          </a:solidFill>
         </p:spPr>
         <p:txBody>
-          <a:bodyPr/>
+          <a:bodyPr anchor="t"/>
           <a:lstStyle>
             <a:lvl1pPr marL="0" indent="0">
               <a:buNone/>
@@ -2584,19 +2519,17 @@
             </a:lvl9pPr>
           </a:lstStyle>
           <a:p>
-            <a:endParaRPr lang="en-CA"/>
-          </a:p>
-        </p:txBody>
-      </p:sp>
-      <p:sp>
-        <p:nvSpPr>
-          <p:cNvPr id="4" name="Text Placeholder 3">
-            <a:extLst>
-              <a:ext uri="{FF2B5EF4-FFF2-40B4-BE49-F238E27FC236}">
-                <a16:creationId xmlns:a16="http://schemas.microsoft.com/office/drawing/2014/main" id="{045ECDE4-8ED7-4025-856A-7BEFD6CE4DE1}"/>
-              </a:ext>
-            </a:extLst>
-          </p:cNvPr>
+            <a:r>
+              <a:rPr lang="en-US"/>
+              <a:t>Click icon to add picture</a:t>
+            </a:r>
+            <a:endParaRPr lang="en-US" dirty="0"/>
+          </a:p>
+        </p:txBody>
+      </p:sp>
+      <p:sp>
+        <p:nvSpPr>
+          <p:cNvPr id="4" name="Text Placeholder 3"/>
           <p:cNvSpPr>
             <a:spLocks noGrp="1"/>
           </p:cNvSpPr>
@@ -2606,48 +2539,57 @@
         </p:nvSpPr>
         <p:spPr>
           <a:xfrm>
-            <a:off x="839788" y="2057400"/>
-            <a:ext cx="3932237" cy="3811588"/>
+            <a:off x="256032" y="3493008"/>
+            <a:ext cx="2834640" cy="2322576"/>
           </a:xfrm>
         </p:spPr>
         <p:txBody>
-          <a:bodyPr/>
+          <a:bodyPr anchor="t">
+            <a:normAutofit/>
+          </a:bodyPr>
           <a:lstStyle>
             <a:lvl1pPr marL="0" indent="0">
-              <a:buNone/>
-              <a:defRPr sz="1600"/>
+              <a:lnSpc>
+                <a:spcPct val="100000"/>
+              </a:lnSpc>
+              <a:buNone/>
+              <a:defRPr sz="1400">
+                <a:solidFill>
+                  <a:srgbClr val="FFFFFF"/>
+                </a:solidFill>
+              </a:defRPr>
             </a:lvl1pPr>
             <a:lvl2pPr marL="457200" indent="0">
               <a:buNone/>
-              <a:defRPr sz="1400"/>
+              <a:defRPr sz="1200"/>
             </a:lvl2pPr>
             <a:lvl3pPr marL="914400" indent="0">
               <a:buNone/>
-              <a:defRPr sz="1200"/>
+              <a:defRPr sz="1000"/>
             </a:lvl3pPr>
             <a:lvl4pPr marL="1371600" indent="0">
               <a:buNone/>
-              <a:defRPr sz="1000"/>
+              <a:defRPr sz="900"/>
             </a:lvl4pPr>
             <a:lvl5pPr marL="1828800" indent="0">
               <a:buNone/>
-              <a:defRPr sz="1000"/>
+              <a:defRPr sz="900"/>
             </a:lvl5pPr>
             <a:lvl6pPr marL="2286000" indent="0">
               <a:buNone/>
-              <a:defRPr sz="1000"/>
+              <a:defRPr sz="900"/>
             </a:lvl6pPr>
             <a:lvl7pPr marL="2743200" indent="0">
               <a:buNone/>
-              <a:defRPr sz="1000"/>
+              <a:defRPr sz="900"/>
             </a:lvl7pPr>
             <a:lvl8pPr marL="3200400" indent="0">
               <a:buNone/>
-              <a:defRPr sz="1000"/>
+              <a:defRPr sz="900"/>
             </a:lvl8pPr>
             <a:lvl9pPr marL="3657600" indent="0">
               <a:buNone/>
-              <a:defRPr sz="1000"/>
+              <a:defRPr sz="900"/>
             </a:lvl9pPr>
           </a:lstStyle>
           <a:p>
@@ -2661,13 +2603,7 @@
       </p:sp>
       <p:sp>
         <p:nvSpPr>
-          <p:cNvPr id="5" name="Date Placeholder 4">
-            <a:extLst>
-              <a:ext uri="{FF2B5EF4-FFF2-40B4-BE49-F238E27FC236}">
-                <a16:creationId xmlns:a16="http://schemas.microsoft.com/office/drawing/2014/main" id="{5A4CFB8D-383E-4F62-B145-B80D2DAF776F}"/>
-              </a:ext>
-            </a:extLst>
-          </p:cNvPr>
+          <p:cNvPr id="8" name="Date Placeholder 7"/>
           <p:cNvSpPr>
             <a:spLocks noGrp="1"/>
           </p:cNvSpPr>
@@ -2682,7 +2618,7 @@
           <a:p>
             <a:fld id="{9D648943-11F5-4E3A-89B9-4D7A01C331E0}" type="datetimeFigureOut">
               <a:rPr lang="en-CA" smtClean="0"/>
-              <a:t>2019-09-27</a:t>
+              <a:t>2019-09-28</a:t>
             </a:fld>
             <a:endParaRPr lang="en-CA"/>
           </a:p>
@@ -2690,13 +2626,7 @@
       </p:sp>
       <p:sp>
         <p:nvSpPr>
-          <p:cNvPr id="6" name="Footer Placeholder 5">
-            <a:extLst>
-              <a:ext uri="{FF2B5EF4-FFF2-40B4-BE49-F238E27FC236}">
-                <a16:creationId xmlns:a16="http://schemas.microsoft.com/office/drawing/2014/main" id="{859AF45B-DC98-4A81-B6A0-235D7E28B323}"/>
-              </a:ext>
-            </a:extLst>
-          </p:cNvPr>
+          <p:cNvPr id="9" name="Footer Placeholder 8"/>
           <p:cNvSpPr>
             <a:spLocks noGrp="1"/>
           </p:cNvSpPr>
@@ -2704,7 +2634,12 @@
             <p:ph type="ftr" sz="quarter" idx="11"/>
           </p:nvPr>
         </p:nvSpPr>
-        <p:spPr/>
+        <p:spPr>
+          <a:xfrm>
+            <a:off x="3499101" y="6356350"/>
+            <a:ext cx="5911517" cy="365125"/>
+          </a:xfrm>
+        </p:spPr>
         <p:txBody>
           <a:bodyPr/>
           <a:lstStyle/>
@@ -2715,13 +2650,7 @@
       </p:sp>
       <p:sp>
         <p:nvSpPr>
-          <p:cNvPr id="7" name="Slide Number Placeholder 6">
-            <a:extLst>
-              <a:ext uri="{FF2B5EF4-FFF2-40B4-BE49-F238E27FC236}">
-                <a16:creationId xmlns:a16="http://schemas.microsoft.com/office/drawing/2014/main" id="{285B54B8-4020-4E2F-A932-E0FB88D5DDDD}"/>
-              </a:ext>
-            </a:extLst>
-          </p:cNvPr>
+          <p:cNvPr id="10" name="Slide Number Placeholder 9"/>
           <p:cNvSpPr>
             <a:spLocks noGrp="1"/>
           </p:cNvSpPr>
@@ -2745,7 +2674,7 @@
     </p:spTree>
     <p:extLst>
       <p:ext uri="{BB962C8B-B14F-4D97-AF65-F5344CB8AC3E}">
-        <p14:creationId xmlns:p14="http://schemas.microsoft.com/office/powerpoint/2010/main" val="3582850841"/>
+        <p14:creationId xmlns:p14="http://schemas.microsoft.com/office/powerpoint/2010/main" val="1987160997"/>
       </p:ext>
     </p:extLst>
   </p:cSld>
@@ -2779,24 +2708,56 @@
       </p:grpSpPr>
       <p:sp>
         <p:nvSpPr>
-          <p:cNvPr id="2" name="Title Placeholder 1">
-            <a:extLst>
-              <a:ext uri="{FF2B5EF4-FFF2-40B4-BE49-F238E27FC236}">
-                <a16:creationId xmlns:a16="http://schemas.microsoft.com/office/drawing/2014/main" id="{A07ADE34-2447-4830-B8F6-489466AE7687}"/>
-              </a:ext>
-            </a:extLst>
-          </p:cNvPr>
-          <p:cNvSpPr>
-            <a:spLocks noGrp="1"/>
-          </p:cNvSpPr>
-          <p:nvPr>
-            <p:ph type="title"/>
-          </p:nvPr>
+          <p:cNvPr id="7" name="Rectangle 6"/>
+          <p:cNvSpPr/>
+          <p:nvPr/>
         </p:nvSpPr>
         <p:spPr>
           <a:xfrm>
-            <a:off x="838200" y="365125"/>
-            <a:ext cx="10515600" cy="1325563"/>
+            <a:off x="1" y="758952"/>
+            <a:ext cx="3443590" cy="5330952"/>
+          </a:xfrm>
+          <a:prstGeom prst="rect">
+            <a:avLst/>
+          </a:prstGeom>
+          <a:solidFill>
+            <a:schemeClr val="accent1"/>
+          </a:solidFill>
+          <a:ln>
+            <a:noFill/>
+          </a:ln>
+        </p:spPr>
+        <p:style>
+          <a:lnRef idx="2">
+            <a:schemeClr val="accent1">
+              <a:shade val="50000"/>
+            </a:schemeClr>
+          </a:lnRef>
+          <a:fillRef idx="1">
+            <a:schemeClr val="accent1"/>
+          </a:fillRef>
+          <a:effectRef idx="0">
+            <a:schemeClr val="accent1"/>
+          </a:effectRef>
+          <a:fontRef idx="minor">
+            <a:schemeClr val="lt1"/>
+          </a:fontRef>
+        </p:style>
+      </p:sp>
+      <p:sp>
+        <p:nvSpPr>
+          <p:cNvPr id="2" name="Title Placeholder 1"/>
+          <p:cNvSpPr>
+            <a:spLocks noGrp="1"/>
+          </p:cNvSpPr>
+          <p:nvPr>
+            <p:ph type="title"/>
+          </p:nvPr>
+        </p:nvSpPr>
+        <p:spPr>
+          <a:xfrm>
+            <a:off x="252919" y="1123837"/>
+            <a:ext cx="2947482" cy="4601183"/>
           </a:xfrm>
           <a:prstGeom prst="rect">
             <a:avLst/>
@@ -2812,37 +2773,71 @@
               <a:rPr lang="en-US"/>
               <a:t>Click to edit Master title style</a:t>
             </a:r>
-            <a:endParaRPr lang="en-CA"/>
-          </a:p>
-        </p:txBody>
-      </p:sp>
-      <p:sp>
-        <p:nvSpPr>
-          <p:cNvPr id="3" name="Text Placeholder 2">
-            <a:extLst>
-              <a:ext uri="{FF2B5EF4-FFF2-40B4-BE49-F238E27FC236}">
-                <a16:creationId xmlns:a16="http://schemas.microsoft.com/office/drawing/2014/main" id="{F77522F1-FCEC-4815-85AE-8ACCA8B448A8}"/>
-              </a:ext>
-            </a:extLst>
-          </p:cNvPr>
-          <p:cNvSpPr>
-            <a:spLocks noGrp="1"/>
-          </p:cNvSpPr>
-          <p:nvPr>
-            <p:ph type="body" idx="1"/>
-          </p:nvPr>
+            <a:endParaRPr lang="en-US" dirty="0"/>
+          </a:p>
+        </p:txBody>
+      </p:sp>
+      <p:sp>
+        <p:nvSpPr>
+          <p:cNvPr id="38" name="Rectangle 37"/>
+          <p:cNvSpPr/>
+          <p:nvPr/>
         </p:nvSpPr>
         <p:spPr>
           <a:xfrm>
-            <a:off x="838200" y="1825625"/>
-            <a:ext cx="10515600" cy="4351338"/>
+            <a:off x="11815864" y="758952"/>
+            <a:ext cx="384048" cy="5330952"/>
+          </a:xfrm>
+          <a:prstGeom prst="rect">
+            <a:avLst/>
+          </a:prstGeom>
+          <a:solidFill>
+            <a:srgbClr val="C8C8C8">
+              <a:alpha val="49804"/>
+            </a:srgbClr>
+          </a:solidFill>
+          <a:ln>
+            <a:noFill/>
+          </a:ln>
+        </p:spPr>
+        <p:style>
+          <a:lnRef idx="2">
+            <a:schemeClr val="accent1">
+              <a:shade val="50000"/>
+            </a:schemeClr>
+          </a:lnRef>
+          <a:fillRef idx="1">
+            <a:schemeClr val="accent1"/>
+          </a:fillRef>
+          <a:effectRef idx="0">
+            <a:schemeClr val="accent1"/>
+          </a:effectRef>
+          <a:fontRef idx="minor">
+            <a:schemeClr val="lt1"/>
+          </a:fontRef>
+        </p:style>
+      </p:sp>
+      <p:sp>
+        <p:nvSpPr>
+          <p:cNvPr id="3" name="Text Placeholder 2"/>
+          <p:cNvSpPr>
+            <a:spLocks noGrp="1"/>
+          </p:cNvSpPr>
+          <p:nvPr>
+            <p:ph type="body" idx="1"/>
+          </p:nvPr>
+        </p:nvSpPr>
+        <p:spPr>
+          <a:xfrm>
+            <a:off x="3869268" y="864108"/>
+            <a:ext cx="7315200" cy="5120640"/>
           </a:xfrm>
           <a:prstGeom prst="rect">
             <a:avLst/>
           </a:prstGeom>
         </p:spPr>
         <p:txBody>
-          <a:bodyPr vert="horz" lIns="91440" tIns="45720" rIns="91440" bIns="45720" rtlCol="0">
+          <a:bodyPr vert="horz" lIns="91440" tIns="45720" rIns="91440" bIns="45720" rtlCol="0" anchor="ctr">
             <a:normAutofit/>
           </a:bodyPr>
           <a:lstStyle/>
@@ -2880,19 +2875,13 @@
               <a:rPr lang="en-US"/>
               <a:t>Fifth level</a:t>
             </a:r>
-            <a:endParaRPr lang="en-CA"/>
-          </a:p>
-        </p:txBody>
-      </p:sp>
-      <p:sp>
-        <p:nvSpPr>
-          <p:cNvPr id="4" name="Date Placeholder 3">
-            <a:extLst>
-              <a:ext uri="{FF2B5EF4-FFF2-40B4-BE49-F238E27FC236}">
-                <a16:creationId xmlns:a16="http://schemas.microsoft.com/office/drawing/2014/main" id="{D4F9831A-41C9-4363-8898-55DE8271F301}"/>
-              </a:ext>
-            </a:extLst>
-          </p:cNvPr>
+            <a:endParaRPr lang="en-US" dirty="0"/>
+          </a:p>
+        </p:txBody>
+      </p:sp>
+      <p:sp>
+        <p:nvSpPr>
+          <p:cNvPr id="4" name="Date Placeholder 3"/>
           <p:cNvSpPr>
             <a:spLocks noGrp="1"/>
           </p:cNvSpPr>
@@ -2902,7 +2891,7 @@
         </p:nvSpPr>
         <p:spPr>
           <a:xfrm>
-            <a:off x="838200" y="6356350"/>
+            <a:off x="262465" y="6356350"/>
             <a:ext cx="2743200" cy="365125"/>
           </a:xfrm>
           <a:prstGeom prst="rect">
@@ -2913,10 +2902,11 @@
           <a:bodyPr vert="horz" lIns="91440" tIns="45720" rIns="91440" bIns="45720" rtlCol="0" anchor="ctr"/>
           <a:lstStyle>
             <a:lvl1pPr algn="l">
-              <a:defRPr sz="1200">
+              <a:defRPr sz="1100">
                 <a:solidFill>
                   <a:schemeClr val="tx1">
-                    <a:tint val="75000"/>
+                    <a:lumMod val="50000"/>
+                    <a:lumOff val="50000"/>
                   </a:schemeClr>
                 </a:solidFill>
               </a:defRPr>
@@ -2925,7 +2915,7 @@
           <a:p>
             <a:fld id="{9D648943-11F5-4E3A-89B9-4D7A01C331E0}" type="datetimeFigureOut">
               <a:rPr lang="en-CA" smtClean="0"/>
-              <a:t>2019-09-27</a:t>
+              <a:t>2019-09-28</a:t>
             </a:fld>
             <a:endParaRPr lang="en-CA"/>
           </a:p>
@@ -2933,13 +2923,7 @@
       </p:sp>
       <p:sp>
         <p:nvSpPr>
-          <p:cNvPr id="5" name="Footer Placeholder 4">
-            <a:extLst>
-              <a:ext uri="{FF2B5EF4-FFF2-40B4-BE49-F238E27FC236}">
-                <a16:creationId xmlns:a16="http://schemas.microsoft.com/office/drawing/2014/main" id="{8004B701-6782-4EEA-B8F2-C04C9C869541}"/>
-              </a:ext>
-            </a:extLst>
-          </p:cNvPr>
+          <p:cNvPr id="5" name="Footer Placeholder 4"/>
           <p:cNvSpPr>
             <a:spLocks noGrp="1"/>
           </p:cNvSpPr>
@@ -2949,8 +2933,8 @@
         </p:nvSpPr>
         <p:spPr>
           <a:xfrm>
-            <a:off x="4038600" y="6356350"/>
-            <a:ext cx="4114800" cy="365125"/>
+            <a:off x="3869268" y="6356350"/>
+            <a:ext cx="5911517" cy="365125"/>
           </a:xfrm>
           <a:prstGeom prst="rect">
             <a:avLst/>
@@ -2959,11 +2943,12 @@
         <p:txBody>
           <a:bodyPr vert="horz" lIns="91440" tIns="45720" rIns="91440" bIns="45720" rtlCol="0" anchor="ctr"/>
           <a:lstStyle>
-            <a:lvl1pPr algn="ctr">
-              <a:defRPr sz="1200">
+            <a:lvl1pPr algn="l">
+              <a:defRPr sz="1100">
                 <a:solidFill>
                   <a:schemeClr val="tx1">
-                    <a:tint val="75000"/>
+                    <a:lumMod val="50000"/>
+                    <a:lumOff val="50000"/>
                   </a:schemeClr>
                 </a:solidFill>
               </a:defRPr>
@@ -2976,13 +2961,7 @@
       </p:sp>
       <p:sp>
         <p:nvSpPr>
-          <p:cNvPr id="6" name="Slide Number Placeholder 5">
-            <a:extLst>
-              <a:ext uri="{FF2B5EF4-FFF2-40B4-BE49-F238E27FC236}">
-                <a16:creationId xmlns:a16="http://schemas.microsoft.com/office/drawing/2014/main" id="{654805EC-5459-4CAF-8268-56B75CD5061D}"/>
-              </a:ext>
-            </a:extLst>
-          </p:cNvPr>
+          <p:cNvPr id="6" name="Slide Number Placeholder 5"/>
           <p:cNvSpPr>
             <a:spLocks noGrp="1"/>
           </p:cNvSpPr>
@@ -2992,8 +2971,8 @@
         </p:nvSpPr>
         <p:spPr>
           <a:xfrm>
-            <a:off x="8610600" y="6356350"/>
-            <a:ext cx="2743200" cy="365125"/>
+            <a:off x="10634135" y="6356350"/>
+            <a:ext cx="1530927" cy="365125"/>
           </a:xfrm>
           <a:prstGeom prst="rect">
             <a:avLst/>
@@ -3003,11 +2982,9 @@
           <a:bodyPr vert="horz" lIns="91440" tIns="45720" rIns="91440" bIns="45720" rtlCol="0" anchor="ctr"/>
           <a:lstStyle>
             <a:lvl1pPr algn="r">
-              <a:defRPr sz="1200">
+              <a:defRPr sz="1200" b="1">
                 <a:solidFill>
-                  <a:schemeClr val="tx1">
-                    <a:tint val="75000"/>
-                  </a:schemeClr>
+                  <a:schemeClr val="accent1"/>
                 </a:solidFill>
               </a:defRPr>
             </a:lvl1pPr>
@@ -3024,23 +3001,23 @@
     </p:spTree>
     <p:extLst>
       <p:ext uri="{BB962C8B-B14F-4D97-AF65-F5344CB8AC3E}">
-        <p14:creationId xmlns:p14="http://schemas.microsoft.com/office/powerpoint/2010/main" val="3762339874"/>
+        <p14:creationId xmlns:p14="http://schemas.microsoft.com/office/powerpoint/2010/main" val="180045180"/>
       </p:ext>
     </p:extLst>
   </p:cSld>
   <p:clrMap bg1="lt1" tx1="dk1" bg2="lt2" tx2="dk2" accent1="accent1" accent2="accent2" accent3="accent3" accent4="accent4" accent5="accent5" accent6="accent6" hlink="hlink" folHlink="folHlink"/>
   <p:sldLayoutIdLst>
-    <p:sldLayoutId id="2147483649" r:id="rId1"/>
-    <p:sldLayoutId id="2147483650" r:id="rId2"/>
-    <p:sldLayoutId id="2147483651" r:id="rId3"/>
-    <p:sldLayoutId id="2147483652" r:id="rId4"/>
-    <p:sldLayoutId id="2147483653" r:id="rId5"/>
-    <p:sldLayoutId id="2147483654" r:id="rId6"/>
-    <p:sldLayoutId id="2147483655" r:id="rId7"/>
-    <p:sldLayoutId id="2147483656" r:id="rId8"/>
-    <p:sldLayoutId id="2147483657" r:id="rId9"/>
-    <p:sldLayoutId id="2147483658" r:id="rId10"/>
-    <p:sldLayoutId id="2147483659" r:id="rId11"/>
+    <p:sldLayoutId id="2147483661" r:id="rId1"/>
+    <p:sldLayoutId id="2147483662" r:id="rId2"/>
+    <p:sldLayoutId id="2147483663" r:id="rId3"/>
+    <p:sldLayoutId id="2147483664" r:id="rId4"/>
+    <p:sldLayoutId id="2147483665" r:id="rId5"/>
+    <p:sldLayoutId id="2147483666" r:id="rId6"/>
+    <p:sldLayoutId id="2147483667" r:id="rId7"/>
+    <p:sldLayoutId id="2147483668" r:id="rId8"/>
+    <p:sldLayoutId id="2147483669" r:id="rId9"/>
+    <p:sldLayoutId id="2147483670" r:id="rId10"/>
+    <p:sldLayoutId id="2147483671" r:id="rId11"/>
   </p:sldLayoutIdLst>
   <p:txStyles>
     <p:titleStyle>
@@ -3052,9 +3029,9 @@
           <a:spcPct val="0"/>
         </a:spcBef>
         <a:buNone/>
-        <a:defRPr sz="4400" kern="1200">
+        <a:defRPr sz="3600" kern="1200" spc="-60" baseline="0">
           <a:solidFill>
-            <a:schemeClr val="tx1"/>
+            <a:srgbClr val="FFFFFF"/>
           </a:solidFill>
           <a:latin typeface="+mj-lt"/>
           <a:ea typeface="+mj-ea"/>
@@ -3063,90 +3040,132 @@
       </a:lvl1pPr>
     </p:titleStyle>
     <p:bodyStyle>
-      <a:lvl1pPr marL="228600" indent="-228600" algn="l" defTabSz="914400" rtl="0" eaLnBrk="1" latinLnBrk="0" hangingPunct="1">
+      <a:lvl1pPr marL="182880" indent="-182880" algn="l" defTabSz="914400" rtl="0" eaLnBrk="1" latinLnBrk="0" hangingPunct="1">
         <a:lnSpc>
           <a:spcPct val="90000"/>
         </a:lnSpc>
         <a:spcBef>
-          <a:spcPts val="1000"/>
+          <a:spcPts val="1200"/>
         </a:spcBef>
-        <a:buFont typeface="Arial" panose="020B0604020202020204" pitchFamily="34" charset="0"/>
-        <a:buChar char="•"/>
-        <a:defRPr sz="2800" kern="1200">
+        <a:buClr>
+          <a:schemeClr val="accent1"/>
+        </a:buClr>
+        <a:buFont typeface="Wingdings 2" pitchFamily="18" charset="2"/>
+        <a:buChar char=""/>
+        <a:defRPr sz="2000" kern="1200">
           <a:solidFill>
-            <a:schemeClr val="tx1"/>
+            <a:schemeClr val="tx1">
+              <a:lumMod val="65000"/>
+              <a:lumOff val="35000"/>
+            </a:schemeClr>
           </a:solidFill>
           <a:latin typeface="+mn-lt"/>
           <a:ea typeface="+mn-ea"/>
           <a:cs typeface="+mn-cs"/>
         </a:defRPr>
       </a:lvl1pPr>
-      <a:lvl2pPr marL="685800" indent="-228600" algn="l" defTabSz="914400" rtl="0" eaLnBrk="1" latinLnBrk="0" hangingPunct="1">
+      <a:lvl2pPr marL="685800" indent="-182880" algn="l" defTabSz="914400" rtl="0" eaLnBrk="1" latinLnBrk="0" hangingPunct="1">
         <a:lnSpc>
           <a:spcPct val="90000"/>
         </a:lnSpc>
         <a:spcBef>
-          <a:spcPts val="500"/>
+          <a:spcPts val="250"/>
         </a:spcBef>
-        <a:buFont typeface="Arial" panose="020B0604020202020204" pitchFamily="34" charset="0"/>
-        <a:buChar char="•"/>
-        <a:defRPr sz="2400" kern="1200">
+        <a:spcAft>
+          <a:spcPts val="250"/>
+        </a:spcAft>
+        <a:buClr>
+          <a:schemeClr val="accent1"/>
+        </a:buClr>
+        <a:buFont typeface="Wingdings 2" pitchFamily="18" charset="2"/>
+        <a:buChar char=""/>
+        <a:defRPr sz="1800" kern="1200">
           <a:solidFill>
-            <a:schemeClr val="tx1"/>
+            <a:schemeClr val="tx1">
+              <a:lumMod val="65000"/>
+              <a:lumOff val="35000"/>
+            </a:schemeClr>
           </a:solidFill>
           <a:latin typeface="+mn-lt"/>
           <a:ea typeface="+mn-ea"/>
           <a:cs typeface="+mn-cs"/>
         </a:defRPr>
       </a:lvl2pPr>
-      <a:lvl3pPr marL="1143000" indent="-228600" algn="l" defTabSz="914400" rtl="0" eaLnBrk="1" latinLnBrk="0" hangingPunct="1">
+      <a:lvl3pPr marL="1143000" indent="-182880" algn="l" defTabSz="914400" rtl="0" eaLnBrk="1" latinLnBrk="0" hangingPunct="1">
         <a:lnSpc>
           <a:spcPct val="90000"/>
         </a:lnSpc>
         <a:spcBef>
-          <a:spcPts val="500"/>
+          <a:spcPts val="250"/>
         </a:spcBef>
-        <a:buFont typeface="Arial" panose="020B0604020202020204" pitchFamily="34" charset="0"/>
-        <a:buChar char="•"/>
-        <a:defRPr sz="2000" kern="1200">
+        <a:spcAft>
+          <a:spcPts val="250"/>
+        </a:spcAft>
+        <a:buClr>
+          <a:schemeClr val="accent1"/>
+        </a:buClr>
+        <a:buFont typeface="Wingdings 2" pitchFamily="18" charset="2"/>
+        <a:buChar char=""/>
+        <a:defRPr sz="1600" kern="1200">
           <a:solidFill>
-            <a:schemeClr val="tx1"/>
+            <a:schemeClr val="tx1">
+              <a:lumMod val="65000"/>
+              <a:lumOff val="35000"/>
+            </a:schemeClr>
           </a:solidFill>
           <a:latin typeface="+mn-lt"/>
           <a:ea typeface="+mn-ea"/>
           <a:cs typeface="+mn-cs"/>
         </a:defRPr>
       </a:lvl3pPr>
-      <a:lvl4pPr marL="1600200" indent="-228600" algn="l" defTabSz="914400" rtl="0" eaLnBrk="1" latinLnBrk="0" hangingPunct="1">
+      <a:lvl4pPr marL="1600200" indent="-182880" algn="l" defTabSz="914400" rtl="0" eaLnBrk="1" latinLnBrk="0" hangingPunct="1">
         <a:lnSpc>
           <a:spcPct val="90000"/>
         </a:lnSpc>
         <a:spcBef>
-          <a:spcPts val="500"/>
+          <a:spcPts val="250"/>
         </a:spcBef>
-        <a:buFont typeface="Arial" panose="020B0604020202020204" pitchFamily="34" charset="0"/>
-        <a:buChar char="•"/>
-        <a:defRPr sz="1800" kern="1200">
+        <a:spcAft>
+          <a:spcPts val="250"/>
+        </a:spcAft>
+        <a:buClr>
+          <a:schemeClr val="accent1"/>
+        </a:buClr>
+        <a:buFont typeface="Wingdings 2" pitchFamily="18" charset="2"/>
+        <a:buChar char=""/>
+        <a:defRPr sz="1400" kern="1200">
           <a:solidFill>
-            <a:schemeClr val="tx1"/>
+            <a:schemeClr val="tx1">
+              <a:lumMod val="65000"/>
+              <a:lumOff val="35000"/>
+            </a:schemeClr>
           </a:solidFill>
           <a:latin typeface="+mn-lt"/>
           <a:ea typeface="+mn-ea"/>
           <a:cs typeface="+mn-cs"/>
         </a:defRPr>
       </a:lvl4pPr>
-      <a:lvl5pPr marL="2057400" indent="-228600" algn="l" defTabSz="914400" rtl="0" eaLnBrk="1" latinLnBrk="0" hangingPunct="1">
+      <a:lvl5pPr marL="2057400" indent="-182880" algn="l" defTabSz="914400" rtl="0" eaLnBrk="1" latinLnBrk="0" hangingPunct="1">
         <a:lnSpc>
           <a:spcPct val="90000"/>
         </a:lnSpc>
         <a:spcBef>
-          <a:spcPts val="500"/>
+          <a:spcPts val="250"/>
         </a:spcBef>
-        <a:buFont typeface="Arial" panose="020B0604020202020204" pitchFamily="34" charset="0"/>
-        <a:buChar char="•"/>
-        <a:defRPr sz="1800" kern="1200">
+        <a:spcAft>
+          <a:spcPts val="250"/>
+        </a:spcAft>
+        <a:buClr>
+          <a:schemeClr val="accent1"/>
+        </a:buClr>
+        <a:buFont typeface="Wingdings 2" pitchFamily="18" charset="2"/>
+        <a:buChar char=""/>
+        <a:defRPr sz="1400" kern="1200">
           <a:solidFill>
-            <a:schemeClr val="tx1"/>
+            <a:schemeClr val="tx1">
+              <a:lumMod val="65000"/>
+              <a:lumOff val="35000"/>
+            </a:schemeClr>
           </a:solidFill>
           <a:latin typeface="+mn-lt"/>
           <a:ea typeface="+mn-ea"/>
@@ -3158,13 +3177,22 @@
           <a:spcPct val="90000"/>
         </a:lnSpc>
         <a:spcBef>
-          <a:spcPts val="500"/>
+          <a:spcPts val="250"/>
         </a:spcBef>
-        <a:buFont typeface="Arial" panose="020B0604020202020204" pitchFamily="34" charset="0"/>
-        <a:buChar char="•"/>
-        <a:defRPr sz="1800" kern="1200">
+        <a:spcAft>
+          <a:spcPts val="250"/>
+        </a:spcAft>
+        <a:buClr>
+          <a:schemeClr val="accent1"/>
+        </a:buClr>
+        <a:buFont typeface="Wingdings 2" pitchFamily="18" charset="2"/>
+        <a:buChar char=""/>
+        <a:defRPr sz="1400" kern="1200">
           <a:solidFill>
-            <a:schemeClr val="tx1"/>
+            <a:schemeClr val="tx1">
+              <a:lumMod val="65000"/>
+              <a:lumOff val="35000"/>
+            </a:schemeClr>
           </a:solidFill>
           <a:latin typeface="+mn-lt"/>
           <a:ea typeface="+mn-ea"/>
@@ -3176,13 +3204,22 @@
           <a:spcPct val="90000"/>
         </a:lnSpc>
         <a:spcBef>
-          <a:spcPts val="500"/>
+          <a:spcPts val="250"/>
         </a:spcBef>
-        <a:buFont typeface="Arial" panose="020B0604020202020204" pitchFamily="34" charset="0"/>
-        <a:buChar char="•"/>
-        <a:defRPr sz="1800" kern="1200">
+        <a:spcAft>
+          <a:spcPts val="250"/>
+        </a:spcAft>
+        <a:buClr>
+          <a:schemeClr val="accent1"/>
+        </a:buClr>
+        <a:buFont typeface="Wingdings 2" pitchFamily="18" charset="2"/>
+        <a:buChar char=""/>
+        <a:defRPr sz="1400" kern="1200">
           <a:solidFill>
-            <a:schemeClr val="tx1"/>
+            <a:schemeClr val="tx1">
+              <a:lumMod val="65000"/>
+              <a:lumOff val="35000"/>
+            </a:schemeClr>
           </a:solidFill>
           <a:latin typeface="+mn-lt"/>
           <a:ea typeface="+mn-ea"/>
@@ -3194,13 +3231,22 @@
           <a:spcPct val="90000"/>
         </a:lnSpc>
         <a:spcBef>
-          <a:spcPts val="500"/>
+          <a:spcPts val="250"/>
         </a:spcBef>
-        <a:buFont typeface="Arial" panose="020B0604020202020204" pitchFamily="34" charset="0"/>
-        <a:buChar char="•"/>
-        <a:defRPr sz="1800" kern="1200">
+        <a:spcAft>
+          <a:spcPts val="250"/>
+        </a:spcAft>
+        <a:buClr>
+          <a:schemeClr val="accent1"/>
+        </a:buClr>
+        <a:buFont typeface="Wingdings 2" pitchFamily="18" charset="2"/>
+        <a:buChar char=""/>
+        <a:defRPr sz="1400" kern="1200">
           <a:solidFill>
-            <a:schemeClr val="tx1"/>
+            <a:schemeClr val="tx1">
+              <a:lumMod val="65000"/>
+              <a:lumOff val="35000"/>
+            </a:schemeClr>
           </a:solidFill>
           <a:latin typeface="+mn-lt"/>
           <a:ea typeface="+mn-ea"/>
@@ -3212,13 +3258,22 @@
           <a:spcPct val="90000"/>
         </a:lnSpc>
         <a:spcBef>
-          <a:spcPts val="500"/>
+          <a:spcPts val="250"/>
         </a:spcBef>
-        <a:buFont typeface="Arial" panose="020B0604020202020204" pitchFamily="34" charset="0"/>
-        <a:buChar char="•"/>
-        <a:defRPr sz="1800" kern="1200">
+        <a:spcAft>
+          <a:spcPts val="250"/>
+        </a:spcAft>
+        <a:buClr>
+          <a:schemeClr val="accent1"/>
+        </a:buClr>
+        <a:buFont typeface="Wingdings 2" pitchFamily="18" charset="2"/>
+        <a:buChar char=""/>
+        <a:defRPr sz="1400" kern="1200">
           <a:solidFill>
-            <a:schemeClr val="tx1"/>
+            <a:schemeClr val="tx1">
+              <a:lumMod val="65000"/>
+              <a:lumOff val="35000"/>
+            </a:schemeClr>
           </a:solidFill>
           <a:latin typeface="+mn-lt"/>
           <a:ea typeface="+mn-ea"/>
@@ -3358,12 +3413,44 @@
             <p:ph type="ctrTitle"/>
           </p:nvPr>
         </p:nvSpPr>
-        <p:spPr/>
-        <p:txBody>
-          <a:bodyPr/>
-          <a:lstStyle/>
-          <a:p>
-            <a:endParaRPr lang="en-CA"/>
+        <p:spPr>
+          <a:xfrm>
+            <a:off x="1069848" y="1298448"/>
+            <a:ext cx="7315200" cy="1625727"/>
+          </a:xfrm>
+        </p:spPr>
+        <p:txBody>
+          <a:bodyPr>
+            <a:normAutofit/>
+          </a:bodyPr>
+          <a:lstStyle/>
+          <a:p>
+            <a:r>
+              <a:rPr lang="en-CA" sz="3600" dirty="0" err="1"/>
+              <a:t>Mistborn</a:t>
+            </a:r>
+            <a:r>
+              <a:rPr lang="en-CA" sz="3600" dirty="0"/>
+              <a:t> – </a:t>
+            </a:r>
+            <a:r>
+              <a:rPr lang="en-CA" sz="3600" dirty="0" err="1"/>
+              <a:t>Ragnarok</a:t>
+            </a:r>
+            <a:br>
+              <a:rPr lang="en-CA" sz="3600" dirty="0"/>
+            </a:br>
+            <a:r>
+              <a:rPr lang="en-CA" sz="3600" dirty="0"/>
+              <a:t>Aggressive Pigeon Game Studio</a:t>
+            </a:r>
+            <a:br>
+              <a:rPr lang="en-CA" sz="3600" dirty="0"/>
+            </a:br>
+            <a:r>
+              <a:rPr lang="en-CA" sz="3600" dirty="0"/>
+              <a:t>COMP 376 Project Proposal</a:t>
+            </a:r>
           </a:p>
         </p:txBody>
       </p:sp>
@@ -3383,12 +3470,82 @@
             <p:ph type="subTitle" idx="1"/>
           </p:nvPr>
         </p:nvSpPr>
-        <p:spPr/>
-        <p:txBody>
-          <a:bodyPr/>
-          <a:lstStyle/>
-          <a:p>
-            <a:endParaRPr lang="en-CA"/>
+        <p:spPr>
+          <a:xfrm>
+            <a:off x="1100015" y="3044519"/>
+            <a:ext cx="7315200" cy="914400"/>
+          </a:xfrm>
+        </p:spPr>
+        <p:txBody>
+          <a:bodyPr>
+            <a:noAutofit/>
+          </a:bodyPr>
+          <a:lstStyle/>
+          <a:p>
+            <a:r>
+              <a:rPr lang="en-CA" sz="2400" dirty="0"/>
+              <a:t>Christian Plourde – 26572499</a:t>
+            </a:r>
+          </a:p>
+          <a:p>
+            <a:r>
+              <a:rPr lang="en-CA" sz="2400" dirty="0" err="1"/>
+              <a:t>Ayush</a:t>
+            </a:r>
+            <a:r>
+              <a:rPr lang="en-CA" sz="2400" dirty="0"/>
+              <a:t> </a:t>
+            </a:r>
+            <a:r>
+              <a:rPr lang="en-CA" sz="2400" dirty="0" err="1"/>
+              <a:t>Kharade</a:t>
+            </a:r>
+            <a:r>
+              <a:rPr lang="en-CA" sz="2400" dirty="0"/>
+              <a:t> - 40042388	</a:t>
+            </a:r>
+          </a:p>
+          <a:p>
+            <a:r>
+              <a:rPr lang="en-CA" sz="2400" dirty="0"/>
+              <a:t>Daniel </a:t>
+            </a:r>
+            <a:r>
+              <a:rPr lang="en-CA" sz="2400" dirty="0" err="1"/>
+              <a:t>Vellucci</a:t>
+            </a:r>
+            <a:r>
+              <a:rPr lang="en-CA" sz="2400" dirty="0"/>
+              <a:t> – 27416288</a:t>
+            </a:r>
+          </a:p>
+          <a:p>
+            <a:r>
+              <a:rPr lang="en-CA" sz="2400" dirty="0"/>
+              <a:t>Samer </a:t>
+            </a:r>
+            <a:r>
+              <a:rPr lang="en-CA" sz="2400" dirty="0" err="1"/>
+              <a:t>Yazbeck</a:t>
+            </a:r>
+            <a:r>
+              <a:rPr lang="en-CA" sz="2400" dirty="0"/>
+              <a:t> – 40049573</a:t>
+            </a:r>
+          </a:p>
+          <a:p>
+            <a:r>
+              <a:rPr lang="en-CA" sz="2400" dirty="0"/>
+              <a:t>Luciano </a:t>
+            </a:r>
+            <a:r>
+              <a:rPr lang="en-CA" sz="2400" dirty="0" err="1"/>
+              <a:t>Porchet</a:t>
+            </a:r>
+            <a:r>
+              <a:rPr lang="en-CA" sz="2400" dirty="0"/>
+              <a:t> - 40048537</a:t>
+            </a:r>
           </a:p>
         </p:txBody>
       </p:sp>
@@ -3406,9 +3563,9 @@
 </file>
 
 <file path=ppt/theme/theme1.xml><?xml version="1.0" encoding="utf-8"?>
-<a:theme xmlns:a="http://schemas.openxmlformats.org/drawingml/2006/main" name="Office Theme">
+<a:theme xmlns:a="http://schemas.openxmlformats.org/drawingml/2006/main" name="Frame">
   <a:themeElements>
-    <a:clrScheme name="Office">
+    <a:clrScheme name="Blue">
       <a:dk1>
         <a:sysClr val="windowText" lastClr="000000"/>
       </a:dk1>
@@ -3416,100 +3573,48 @@
         <a:sysClr val="window" lastClr="FFFFFF"/>
       </a:lt1>
       <a:dk2>
-        <a:srgbClr val="44546A"/>
+        <a:srgbClr val="17406D"/>
       </a:dk2>
       <a:lt2>
-        <a:srgbClr val="E7E6E6"/>
+        <a:srgbClr val="DBEFF9"/>
       </a:lt2>
       <a:accent1>
-        <a:srgbClr val="4472C4"/>
+        <a:srgbClr val="0F6FC6"/>
       </a:accent1>
       <a:accent2>
-        <a:srgbClr val="ED7D31"/>
+        <a:srgbClr val="009DD9"/>
       </a:accent2>
       <a:accent3>
-        <a:srgbClr val="A5A5A5"/>
+        <a:srgbClr val="0BD0D9"/>
       </a:accent3>
       <a:accent4>
-        <a:srgbClr val="FFC000"/>
+        <a:srgbClr val="10CF9B"/>
       </a:accent4>
       <a:accent5>
-        <a:srgbClr val="5B9BD5"/>
+        <a:srgbClr val="7CCA62"/>
       </a:accent5>
       <a:accent6>
-        <a:srgbClr val="70AD47"/>
+        <a:srgbClr val="A5C249"/>
       </a:accent6>
       <a:hlink>
-        <a:srgbClr val="0563C1"/>
+        <a:srgbClr val="F49100"/>
       </a:hlink>
       <a:folHlink>
-        <a:srgbClr val="954F72"/>
+        <a:srgbClr val="85DFD0"/>
       </a:folHlink>
     </a:clrScheme>
-    <a:fontScheme name="Office">
+    <a:fontScheme name="Frame">
       <a:majorFont>
-        <a:latin typeface="Calibri Light" panose="020F0302020204030204"/>
+        <a:latin typeface="Corbel" panose="020B0503020204020204"/>
         <a:ea typeface=""/>
         <a:cs typeface=""/>
-        <a:font script="Jpan" typeface="游ゴシック Light"/>
-        <a:font script="Hang" typeface="맑은 고딕"/>
-        <a:font script="Hans" typeface="等线 Light"/>
-        <a:font script="Hant" typeface="新細明體"/>
-        <a:font script="Arab" typeface="Times New Roman"/>
-        <a:font script="Hebr" typeface="Times New Roman"/>
-        <a:font script="Thai" typeface="Angsana New"/>
-        <a:font script="Ethi" typeface="Nyala"/>
-        <a:font script="Beng" typeface="Vrinda"/>
-        <a:font script="Gujr" typeface="Shruti"/>
-        <a:font script="Khmr" typeface="MoolBoran"/>
-        <a:font script="Knda" typeface="Tunga"/>
-        <a:font script="Guru" typeface="Raavi"/>
-        <a:font script="Cans" typeface="Euphemia"/>
-        <a:font script="Cher" typeface="Plantagenet Cherokee"/>
-        <a:font script="Yiii" typeface="Microsoft Yi Baiti"/>
-        <a:font script="Tibt" typeface="Microsoft Himalaya"/>
-        <a:font script="Thaa" typeface="MV Boli"/>
-        <a:font script="Deva" typeface="Mangal"/>
-        <a:font script="Telu" typeface="Gautami"/>
-        <a:font script="Taml" typeface="Latha"/>
-        <a:font script="Syrc" typeface="Estrangelo Edessa"/>
-        <a:font script="Orya" typeface="Kalinga"/>
-        <a:font script="Mlym" typeface="Kartika"/>
-        <a:font script="Laoo" typeface="DokChampa"/>
-        <a:font script="Sinh" typeface="Iskoola Pota"/>
-        <a:font script="Mong" typeface="Mongolian Baiti"/>
-        <a:font script="Viet" typeface="Times New Roman"/>
-        <a:font script="Uigh" typeface="Microsoft Uighur"/>
-        <a:font script="Geor" typeface="Sylfaen"/>
-        <a:font script="Armn" typeface="Arial"/>
-        <a:font script="Bugi" typeface="Leelawadee UI"/>
-        <a:font script="Bopo" typeface="Microsoft JhengHei"/>
-        <a:font script="Java" typeface="Javanese Text"/>
-        <a:font script="Lisu" typeface="Segoe UI"/>
-        <a:font script="Mymr" typeface="Myanmar Text"/>
-        <a:font script="Nkoo" typeface="Ebrima"/>
-        <a:font script="Olck" typeface="Nirmala UI"/>
-        <a:font script="Osma" typeface="Ebrima"/>
-        <a:font script="Phag" typeface="Phagspa"/>
-        <a:font script="Syrn" typeface="Estrangelo Edessa"/>
-        <a:font script="Syrj" typeface="Estrangelo Edessa"/>
-        <a:font script="Syre" typeface="Estrangelo Edessa"/>
-        <a:font script="Sora" typeface="Nirmala UI"/>
-        <a:font script="Tale" typeface="Microsoft Tai Le"/>
-        <a:font script="Talu" typeface="Microsoft New Tai Lue"/>
-        <a:font script="Tfng" typeface="Ebrima"/>
-      </a:majorFont>
-      <a:minorFont>
-        <a:latin typeface="Calibri" panose="020F0502020204030204"/>
-        <a:ea typeface=""/>
-        <a:cs typeface=""/>
-        <a:font script="Jpan" typeface="游ゴシック"/>
-        <a:font script="Hang" typeface="맑은 고딕"/>
-        <a:font script="Hans" typeface="等线"/>
-        <a:font script="Hant" typeface="新細明體"/>
-        <a:font script="Arab" typeface="Arial"/>
-        <a:font script="Hebr" typeface="Arial"/>
-        <a:font script="Thai" typeface="Cordia New"/>
+        <a:font script="Jpan" typeface="ＭＳ ゴシック"/>
+        <a:font script="Hang" typeface="HY중고딕"/>
+        <a:font script="Hans" typeface="幼圆"/>
+        <a:font script="Hant" typeface="微軟正黑體"/>
+        <a:font script="Arab" typeface="Tahoma"/>
+        <a:font script="Hebr" typeface="Gisha"/>
+        <a:font script="Thai" typeface="DilleniaUPC"/>
         <a:font script="Ethi" typeface="Nyala"/>
         <a:font script="Beng" typeface="Vrinda"/>
         <a:font script="Gujr" typeface="Shruti"/>
@@ -3530,107 +3635,85 @@
         <a:font script="Laoo" typeface="DokChampa"/>
         <a:font script="Sinh" typeface="Iskoola Pota"/>
         <a:font script="Mong" typeface="Mongolian Baiti"/>
-        <a:font script="Viet" typeface="Arial"/>
+        <a:font script="Viet" typeface="Tahoma"/>
         <a:font script="Uigh" typeface="Microsoft Uighur"/>
         <a:font script="Geor" typeface="Sylfaen"/>
-        <a:font script="Armn" typeface="Arial"/>
-        <a:font script="Bugi" typeface="Leelawadee UI"/>
-        <a:font script="Bopo" typeface="Microsoft JhengHei"/>
-        <a:font script="Java" typeface="Javanese Text"/>
-        <a:font script="Lisu" typeface="Segoe UI"/>
-        <a:font script="Mymr" typeface="Myanmar Text"/>
-        <a:font script="Nkoo" typeface="Ebrima"/>
-        <a:font script="Olck" typeface="Nirmala UI"/>
-        <a:font script="Osma" typeface="Ebrima"/>
-        <a:font script="Phag" typeface="Phagspa"/>
-        <a:font script="Syrn" typeface="Estrangelo Edessa"/>
-        <a:font script="Syrj" typeface="Estrangelo Edessa"/>
-        <a:font script="Syre" typeface="Estrangelo Edessa"/>
-        <a:font script="Sora" typeface="Nirmala UI"/>
-        <a:font script="Tale" typeface="Microsoft Tai Le"/>
-        <a:font script="Talu" typeface="Microsoft New Tai Lue"/>
-        <a:font script="Tfng" typeface="Ebrima"/>
+      </a:majorFont>
+      <a:minorFont>
+        <a:latin typeface="Corbel" panose="020B0503020204020204"/>
+        <a:ea typeface=""/>
+        <a:cs typeface=""/>
+        <a:font script="Jpan" typeface="ＭＳ ゴシック"/>
+        <a:font script="Hang" typeface="HY중고딕"/>
+        <a:font script="Hans" typeface="幼圆"/>
+        <a:font script="Hant" typeface="微軟正黑體"/>
+        <a:font script="Arab" typeface="Tahoma"/>
+        <a:font script="Hebr" typeface="Gisha"/>
+        <a:font script="Thai" typeface="DilleniaUPC"/>
+        <a:font script="Ethi" typeface="Nyala"/>
+        <a:font script="Beng" typeface="Vrinda"/>
+        <a:font script="Gujr" typeface="Shruti"/>
+        <a:font script="Khmr" typeface="DaunPenh"/>
+        <a:font script="Knda" typeface="Tunga"/>
+        <a:font script="Guru" typeface="Raavi"/>
+        <a:font script="Cans" typeface="Euphemia"/>
+        <a:font script="Cher" typeface="Plantagenet Cherokee"/>
+        <a:font script="Yiii" typeface="Microsoft Yi Baiti"/>
+        <a:font script="Tibt" typeface="Microsoft Himalaya"/>
+        <a:font script="Thaa" typeface="MV Boli"/>
+        <a:font script="Deva" typeface="Mangal"/>
+        <a:font script="Telu" typeface="Gautami"/>
+        <a:font script="Taml" typeface="Latha"/>
+        <a:font script="Syrc" typeface="Estrangelo Edessa"/>
+        <a:font script="Orya" typeface="Kalinga"/>
+        <a:font script="Mlym" typeface="Kartika"/>
+        <a:font script="Laoo" typeface="DokChampa"/>
+        <a:font script="Sinh" typeface="Iskoola Pota"/>
+        <a:font script="Mong" typeface="Mongolian Baiti"/>
+        <a:font script="Viet" typeface="Verdana"/>
+        <a:font script="Uigh" typeface="Microsoft Uighur"/>
+        <a:font script="Geor" typeface="Sylfaen"/>
       </a:minorFont>
     </a:fontScheme>
-    <a:fmtScheme name="Office">
+    <a:fmtScheme name="Frame">
       <a:fillStyleLst>
         <a:solidFill>
           <a:schemeClr val="phClr"/>
         </a:solidFill>
-        <a:gradFill rotWithShape="1">
-          <a:gsLst>
-            <a:gs pos="0">
-              <a:schemeClr val="phClr">
-                <a:lumMod val="110000"/>
-                <a:satMod val="105000"/>
-                <a:tint val="67000"/>
-              </a:schemeClr>
-            </a:gs>
-            <a:gs pos="50000">
-              <a:schemeClr val="phClr">
-                <a:lumMod val="105000"/>
-                <a:satMod val="103000"/>
-                <a:tint val="73000"/>
-              </a:schemeClr>
-            </a:gs>
-            <a:gs pos="100000">
-              <a:schemeClr val="phClr">
-                <a:lumMod val="105000"/>
-                <a:satMod val="109000"/>
-                <a:tint val="81000"/>
-              </a:schemeClr>
-            </a:gs>
-          </a:gsLst>
-          <a:lin ang="5400000" scaled="0"/>
-        </a:gradFill>
-        <a:gradFill rotWithShape="1">
-          <a:gsLst>
-            <a:gs pos="0">
-              <a:schemeClr val="phClr">
-                <a:satMod val="103000"/>
-                <a:lumMod val="102000"/>
-                <a:tint val="94000"/>
-              </a:schemeClr>
-            </a:gs>
-            <a:gs pos="50000">
-              <a:schemeClr val="phClr">
-                <a:satMod val="110000"/>
-                <a:lumMod val="100000"/>
-                <a:shade val="100000"/>
-              </a:schemeClr>
-            </a:gs>
-            <a:gs pos="100000">
-              <a:schemeClr val="phClr">
-                <a:lumMod val="99000"/>
-                <a:satMod val="120000"/>
-                <a:shade val="78000"/>
-              </a:schemeClr>
-            </a:gs>
-          </a:gsLst>
-          <a:lin ang="5400000" scaled="0"/>
-        </a:gradFill>
+        <a:solidFill>
+          <a:schemeClr val="phClr">
+            <a:tint val="65000"/>
+          </a:schemeClr>
+        </a:solidFill>
+        <a:solidFill>
+          <a:schemeClr val="phClr">
+            <a:shade val="80000"/>
+            <a:satMod val="150000"/>
+          </a:schemeClr>
+        </a:solidFill>
       </a:fillStyleLst>
       <a:lnStyleLst>
-        <a:ln w="6350" cap="flat" cmpd="sng" algn="ctr">
+        <a:ln w="9525" cap="flat" cmpd="sng" algn="ctr">
           <a:solidFill>
             <a:schemeClr val="phClr"/>
           </a:solidFill>
           <a:prstDash val="solid"/>
-          <a:miter lim="800000"/>
         </a:ln>
-        <a:ln w="12700" cap="flat" cmpd="sng" algn="ctr">
+        <a:ln w="10795" cap="flat" cmpd="sng" algn="ctr">
           <a:solidFill>
             <a:schemeClr val="phClr"/>
           </a:solidFill>
           <a:prstDash val="solid"/>
-          <a:miter lim="800000"/>
         </a:ln>
-        <a:ln w="19050" cap="flat" cmpd="sng" algn="ctr">
+        <a:ln w="17145" cap="flat" cmpd="sng" algn="ctr">
           <a:solidFill>
-            <a:schemeClr val="phClr"/>
+            <a:schemeClr val="phClr">
+              <a:shade val="95000"/>
+              <a:alpha val="50000"/>
+              <a:satMod val="150000"/>
+            </a:schemeClr>
           </a:solidFill>
           <a:prstDash val="solid"/>
-          <a:miter lim="800000"/>
         </a:ln>
       </a:lnStyleLst>
       <a:effectStyleLst>
@@ -3642,12 +3725,21 @@
         </a:effectStyle>
         <a:effectStyle>
           <a:effectLst>
-            <a:outerShdw blurRad="57150" dist="19050" dir="5400000" algn="ctr" rotWithShape="0">
+            <a:outerShdw blurRad="44450" dist="13970" dir="5400000" algn="ctr" rotWithShape="0">
               <a:srgbClr val="000000">
-                <a:alpha val="63000"/>
+                <a:alpha val="45000"/>
               </a:srgbClr>
             </a:outerShdw>
           </a:effectLst>
+          <a:scene3d>
+            <a:camera prst="orthographicFront">
+              <a:rot lat="0" lon="0" rev="0"/>
+            </a:camera>
+            <a:lightRig rig="twoPt" dir="tl"/>
+          </a:scene3d>
+          <a:sp3d prstMaterial="flat">
+            <a:bevelT w="12700" h="25400" prst="coolSlant"/>
+          </a:sp3d>
         </a:effectStyle>
       </a:effectStyleLst>
       <a:bgFillStyleLst>
@@ -3665,23 +3757,24 @@
             <a:gs pos="0">
               <a:schemeClr val="phClr">
                 <a:tint val="93000"/>
-                <a:satMod val="150000"/>
                 <a:shade val="98000"/>
+                <a:satMod val="120000"/>
                 <a:lumMod val="102000"/>
               </a:schemeClr>
             </a:gs>
-            <a:gs pos="50000">
+            <a:gs pos="48000">
               <a:schemeClr val="phClr">
                 <a:tint val="98000"/>
-                <a:satMod val="130000"/>
                 <a:shade val="90000"/>
+                <a:satMod val="110000"/>
                 <a:lumMod val="103000"/>
               </a:schemeClr>
             </a:gs>
             <a:gs pos="100000">
               <a:schemeClr val="phClr">
-                <a:shade val="63000"/>
-                <a:satMod val="120000"/>
+                <a:tint val="98000"/>
+                <a:shade val="80000"/>
+                <a:satMod val="100000"/>
               </a:schemeClr>
             </a:gs>
           </a:gsLst>
@@ -3694,7 +3787,7 @@
   <a:extraClrSchemeLst/>
   <a:extLst>
     <a:ext uri="{05A4C25C-085E-4340-85A3-A5531E510DB2}">
-      <thm15:themeFamily xmlns:thm15="http://schemas.microsoft.com/office/thememl/2012/main" name="Office Theme" id="{62F939B6-93AF-4DB8-9C6B-D6C7DFDC589F}" vid="{4A3C46E8-61CC-4603-A589-7422A47A8E4A}"/>
+      <thm15:themeFamily xmlns:thm15="http://schemas.microsoft.com/office/thememl/2012/main" name="Frame" id="{F226E7A2-7162-461C-9490-D27D9DC04E43}" vid="{629A0216-3BBD-45C0-B63F-2683BEA18F60}"/>
     </a:ext>
   </a:extLst>
 </a:theme>

--- a/Proposal/Proposal_Presentation.pptx
+++ b/Proposal/Proposal_Presentation.pptx
@@ -2,10 +2,15 @@
 <file path=ppt/presentation.xml><?xml version="1.0" encoding="utf-8"?>
 <p:presentation xmlns:a="http://schemas.openxmlformats.org/drawingml/2006/main" xmlns:r="http://schemas.openxmlformats.org/officeDocument/2006/relationships" xmlns:p="http://schemas.openxmlformats.org/presentationml/2006/main" saveSubsetFonts="1">
   <p:sldMasterIdLst>
-    <p:sldMasterId id="2147483660" r:id="rId1"/>
+    <p:sldMasterId id="2147483702" r:id="rId1"/>
   </p:sldMasterIdLst>
+  <p:notesMasterIdLst>
+    <p:notesMasterId r:id="rId5"/>
+  </p:notesMasterIdLst>
   <p:sldIdLst>
     <p:sldId id="256" r:id="rId2"/>
+    <p:sldId id="257" r:id="rId3"/>
+    <p:sldId id="258" r:id="rId4"/>
   </p:sldIdLst>
   <p:sldSz cx="12192000" cy="6858000"/>
   <p:notesSz cx="6858000" cy="9144000"/>
@@ -112,8 +117,469 @@
 </p:presentation>
 </file>
 
+<file path=ppt/notesMasters/notesMaster1.xml><?xml version="1.0" encoding="utf-8"?>
+<p:notesMaster xmlns:a="http://schemas.openxmlformats.org/drawingml/2006/main" xmlns:r="http://schemas.openxmlformats.org/officeDocument/2006/relationships" xmlns:p="http://schemas.openxmlformats.org/presentationml/2006/main">
+  <p:cSld>
+    <p:bg>
+      <p:bgRef idx="1001">
+        <a:schemeClr val="bg1"/>
+      </p:bgRef>
+    </p:bg>
+    <p:spTree>
+      <p:nvGrpSpPr>
+        <p:cNvPr id="1" name=""/>
+        <p:cNvGrpSpPr/>
+        <p:nvPr/>
+      </p:nvGrpSpPr>
+      <p:grpSpPr>
+        <a:xfrm>
+          <a:off x="0" y="0"/>
+          <a:ext cx="0" cy="0"/>
+          <a:chOff x="0" y="0"/>
+          <a:chExt cx="0" cy="0"/>
+        </a:xfrm>
+      </p:grpSpPr>
+      <p:sp>
+        <p:nvSpPr>
+          <p:cNvPr id="2" name="Header Placeholder 1"/>
+          <p:cNvSpPr>
+            <a:spLocks noGrp="1"/>
+          </p:cNvSpPr>
+          <p:nvPr>
+            <p:ph type="hdr" sz="quarter"/>
+          </p:nvPr>
+        </p:nvSpPr>
+        <p:spPr>
+          <a:xfrm>
+            <a:off x="0" y="0"/>
+            <a:ext cx="2971800" cy="458788"/>
+          </a:xfrm>
+          <a:prstGeom prst="rect">
+            <a:avLst/>
+          </a:prstGeom>
+        </p:spPr>
+        <p:txBody>
+          <a:bodyPr vert="horz" lIns="91440" tIns="45720" rIns="91440" bIns="45720" rtlCol="0"/>
+          <a:lstStyle>
+            <a:lvl1pPr algn="l">
+              <a:defRPr sz="1200"/>
+            </a:lvl1pPr>
+          </a:lstStyle>
+          <a:p>
+            <a:endParaRPr lang="en-CA"/>
+          </a:p>
+        </p:txBody>
+      </p:sp>
+      <p:sp>
+        <p:nvSpPr>
+          <p:cNvPr id="3" name="Date Placeholder 2"/>
+          <p:cNvSpPr>
+            <a:spLocks noGrp="1"/>
+          </p:cNvSpPr>
+          <p:nvPr>
+            <p:ph type="dt" idx="1"/>
+          </p:nvPr>
+        </p:nvSpPr>
+        <p:spPr>
+          <a:xfrm>
+            <a:off x="3884613" y="0"/>
+            <a:ext cx="2971800" cy="458788"/>
+          </a:xfrm>
+          <a:prstGeom prst="rect">
+            <a:avLst/>
+          </a:prstGeom>
+        </p:spPr>
+        <p:txBody>
+          <a:bodyPr vert="horz" lIns="91440" tIns="45720" rIns="91440" bIns="45720" rtlCol="0"/>
+          <a:lstStyle>
+            <a:lvl1pPr algn="r">
+              <a:defRPr sz="1200"/>
+            </a:lvl1pPr>
+          </a:lstStyle>
+          <a:p>
+            <a:fld id="{6576262D-8062-4BB6-9221-4589BD32A479}" type="datetimeFigureOut">
+              <a:rPr lang="en-CA" smtClean="0"/>
+              <a:t>2019-09-30</a:t>
+            </a:fld>
+            <a:endParaRPr lang="en-CA"/>
+          </a:p>
+        </p:txBody>
+      </p:sp>
+      <p:sp>
+        <p:nvSpPr>
+          <p:cNvPr id="4" name="Slide Image Placeholder 3"/>
+          <p:cNvSpPr>
+            <a:spLocks noGrp="1" noRot="1" noChangeAspect="1"/>
+          </p:cNvSpPr>
+          <p:nvPr>
+            <p:ph type="sldImg" idx="2"/>
+          </p:nvPr>
+        </p:nvSpPr>
+        <p:spPr>
+          <a:xfrm>
+            <a:off x="685800" y="1143000"/>
+            <a:ext cx="5486400" cy="3086100"/>
+          </a:xfrm>
+          <a:prstGeom prst="rect">
+            <a:avLst/>
+          </a:prstGeom>
+          <a:noFill/>
+          <a:ln w="12700">
+            <a:solidFill>
+              <a:prstClr val="black"/>
+            </a:solidFill>
+          </a:ln>
+        </p:spPr>
+        <p:txBody>
+          <a:bodyPr vert="horz" lIns="91440" tIns="45720" rIns="91440" bIns="45720" rtlCol="0" anchor="ctr"/>
+          <a:lstStyle/>
+          <a:p>
+            <a:endParaRPr lang="en-CA"/>
+          </a:p>
+        </p:txBody>
+      </p:sp>
+      <p:sp>
+        <p:nvSpPr>
+          <p:cNvPr id="5" name="Notes Placeholder 4"/>
+          <p:cNvSpPr>
+            <a:spLocks noGrp="1"/>
+          </p:cNvSpPr>
+          <p:nvPr>
+            <p:ph type="body" sz="quarter" idx="3"/>
+          </p:nvPr>
+        </p:nvSpPr>
+        <p:spPr>
+          <a:xfrm>
+            <a:off x="685800" y="4400550"/>
+            <a:ext cx="5486400" cy="3600450"/>
+          </a:xfrm>
+          <a:prstGeom prst="rect">
+            <a:avLst/>
+          </a:prstGeom>
+        </p:spPr>
+        <p:txBody>
+          <a:bodyPr vert="horz" lIns="91440" tIns="45720" rIns="91440" bIns="45720" rtlCol="0"/>
+          <a:lstStyle/>
+          <a:p>
+            <a:pPr lvl="0"/>
+            <a:r>
+              <a:rPr lang="en-US"/>
+              <a:t>Click to edit Master text styles</a:t>
+            </a:r>
+          </a:p>
+          <a:p>
+            <a:pPr lvl="1"/>
+            <a:r>
+              <a:rPr lang="en-US"/>
+              <a:t>Second level</a:t>
+            </a:r>
+          </a:p>
+          <a:p>
+            <a:pPr lvl="2"/>
+            <a:r>
+              <a:rPr lang="en-US"/>
+              <a:t>Third level</a:t>
+            </a:r>
+          </a:p>
+          <a:p>
+            <a:pPr lvl="3"/>
+            <a:r>
+              <a:rPr lang="en-US"/>
+              <a:t>Fourth level</a:t>
+            </a:r>
+          </a:p>
+          <a:p>
+            <a:pPr lvl="4"/>
+            <a:r>
+              <a:rPr lang="en-US"/>
+              <a:t>Fifth level</a:t>
+            </a:r>
+            <a:endParaRPr lang="en-CA"/>
+          </a:p>
+        </p:txBody>
+      </p:sp>
+      <p:sp>
+        <p:nvSpPr>
+          <p:cNvPr id="6" name="Footer Placeholder 5"/>
+          <p:cNvSpPr>
+            <a:spLocks noGrp="1"/>
+          </p:cNvSpPr>
+          <p:nvPr>
+            <p:ph type="ftr" sz="quarter" idx="4"/>
+          </p:nvPr>
+        </p:nvSpPr>
+        <p:spPr>
+          <a:xfrm>
+            <a:off x="0" y="8685213"/>
+            <a:ext cx="2971800" cy="458787"/>
+          </a:xfrm>
+          <a:prstGeom prst="rect">
+            <a:avLst/>
+          </a:prstGeom>
+        </p:spPr>
+        <p:txBody>
+          <a:bodyPr vert="horz" lIns="91440" tIns="45720" rIns="91440" bIns="45720" rtlCol="0" anchor="b"/>
+          <a:lstStyle>
+            <a:lvl1pPr algn="l">
+              <a:defRPr sz="1200"/>
+            </a:lvl1pPr>
+          </a:lstStyle>
+          <a:p>
+            <a:endParaRPr lang="en-CA"/>
+          </a:p>
+        </p:txBody>
+      </p:sp>
+      <p:sp>
+        <p:nvSpPr>
+          <p:cNvPr id="7" name="Slide Number Placeholder 6"/>
+          <p:cNvSpPr>
+            <a:spLocks noGrp="1"/>
+          </p:cNvSpPr>
+          <p:nvPr>
+            <p:ph type="sldNum" sz="quarter" idx="5"/>
+          </p:nvPr>
+        </p:nvSpPr>
+        <p:spPr>
+          <a:xfrm>
+            <a:off x="3884613" y="8685213"/>
+            <a:ext cx="2971800" cy="458787"/>
+          </a:xfrm>
+          <a:prstGeom prst="rect">
+            <a:avLst/>
+          </a:prstGeom>
+        </p:spPr>
+        <p:txBody>
+          <a:bodyPr vert="horz" lIns="91440" tIns="45720" rIns="91440" bIns="45720" rtlCol="0" anchor="b"/>
+          <a:lstStyle>
+            <a:lvl1pPr algn="r">
+              <a:defRPr sz="1200"/>
+            </a:lvl1pPr>
+          </a:lstStyle>
+          <a:p>
+            <a:fld id="{15D3DD9D-6CC0-41F6-8407-1F8F7C800A8C}" type="slidenum">
+              <a:rPr lang="en-CA" smtClean="0"/>
+              <a:t>‹#›</a:t>
+            </a:fld>
+            <a:endParaRPr lang="en-CA"/>
+          </a:p>
+        </p:txBody>
+      </p:sp>
+    </p:spTree>
+    <p:extLst>
+      <p:ext uri="{BB962C8B-B14F-4D97-AF65-F5344CB8AC3E}">
+        <p14:creationId xmlns:p14="http://schemas.microsoft.com/office/powerpoint/2010/main" val="2857255592"/>
+      </p:ext>
+    </p:extLst>
+  </p:cSld>
+  <p:clrMap bg1="lt1" tx1="dk1" bg2="lt2" tx2="dk2" accent1="accent1" accent2="accent2" accent3="accent3" accent4="accent4" accent5="accent5" accent6="accent6" hlink="hlink" folHlink="folHlink"/>
+  <p:notesStyle>
+    <a:lvl1pPr marL="0" algn="l" defTabSz="914400" rtl="0" eaLnBrk="1" latinLnBrk="0" hangingPunct="1">
+      <a:defRPr sz="1200" kern="1200">
+        <a:solidFill>
+          <a:schemeClr val="tx1"/>
+        </a:solidFill>
+        <a:latin typeface="+mn-lt"/>
+        <a:ea typeface="+mn-ea"/>
+        <a:cs typeface="+mn-cs"/>
+      </a:defRPr>
+    </a:lvl1pPr>
+    <a:lvl2pPr marL="457200" algn="l" defTabSz="914400" rtl="0" eaLnBrk="1" latinLnBrk="0" hangingPunct="1">
+      <a:defRPr sz="1200" kern="1200">
+        <a:solidFill>
+          <a:schemeClr val="tx1"/>
+        </a:solidFill>
+        <a:latin typeface="+mn-lt"/>
+        <a:ea typeface="+mn-ea"/>
+        <a:cs typeface="+mn-cs"/>
+      </a:defRPr>
+    </a:lvl2pPr>
+    <a:lvl3pPr marL="914400" algn="l" defTabSz="914400" rtl="0" eaLnBrk="1" latinLnBrk="0" hangingPunct="1">
+      <a:defRPr sz="1200" kern="1200">
+        <a:solidFill>
+          <a:schemeClr val="tx1"/>
+        </a:solidFill>
+        <a:latin typeface="+mn-lt"/>
+        <a:ea typeface="+mn-ea"/>
+        <a:cs typeface="+mn-cs"/>
+      </a:defRPr>
+    </a:lvl3pPr>
+    <a:lvl4pPr marL="1371600" algn="l" defTabSz="914400" rtl="0" eaLnBrk="1" latinLnBrk="0" hangingPunct="1">
+      <a:defRPr sz="1200" kern="1200">
+        <a:solidFill>
+          <a:schemeClr val="tx1"/>
+        </a:solidFill>
+        <a:latin typeface="+mn-lt"/>
+        <a:ea typeface="+mn-ea"/>
+        <a:cs typeface="+mn-cs"/>
+      </a:defRPr>
+    </a:lvl4pPr>
+    <a:lvl5pPr marL="1828800" algn="l" defTabSz="914400" rtl="0" eaLnBrk="1" latinLnBrk="0" hangingPunct="1">
+      <a:defRPr sz="1200" kern="1200">
+        <a:solidFill>
+          <a:schemeClr val="tx1"/>
+        </a:solidFill>
+        <a:latin typeface="+mn-lt"/>
+        <a:ea typeface="+mn-ea"/>
+        <a:cs typeface="+mn-cs"/>
+      </a:defRPr>
+    </a:lvl5pPr>
+    <a:lvl6pPr marL="2286000" algn="l" defTabSz="914400" rtl="0" eaLnBrk="1" latinLnBrk="0" hangingPunct="1">
+      <a:defRPr sz="1200" kern="1200">
+        <a:solidFill>
+          <a:schemeClr val="tx1"/>
+        </a:solidFill>
+        <a:latin typeface="+mn-lt"/>
+        <a:ea typeface="+mn-ea"/>
+        <a:cs typeface="+mn-cs"/>
+      </a:defRPr>
+    </a:lvl6pPr>
+    <a:lvl7pPr marL="2743200" algn="l" defTabSz="914400" rtl="0" eaLnBrk="1" latinLnBrk="0" hangingPunct="1">
+      <a:defRPr sz="1200" kern="1200">
+        <a:solidFill>
+          <a:schemeClr val="tx1"/>
+        </a:solidFill>
+        <a:latin typeface="+mn-lt"/>
+        <a:ea typeface="+mn-ea"/>
+        <a:cs typeface="+mn-cs"/>
+      </a:defRPr>
+    </a:lvl7pPr>
+    <a:lvl8pPr marL="3200400" algn="l" defTabSz="914400" rtl="0" eaLnBrk="1" latinLnBrk="0" hangingPunct="1">
+      <a:defRPr sz="1200" kern="1200">
+        <a:solidFill>
+          <a:schemeClr val="tx1"/>
+        </a:solidFill>
+        <a:latin typeface="+mn-lt"/>
+        <a:ea typeface="+mn-ea"/>
+        <a:cs typeface="+mn-cs"/>
+      </a:defRPr>
+    </a:lvl8pPr>
+    <a:lvl9pPr marL="3657600" algn="l" defTabSz="914400" rtl="0" eaLnBrk="1" latinLnBrk="0" hangingPunct="1">
+      <a:defRPr sz="1200" kern="1200">
+        <a:solidFill>
+          <a:schemeClr val="tx1"/>
+        </a:solidFill>
+        <a:latin typeface="+mn-lt"/>
+        <a:ea typeface="+mn-ea"/>
+        <a:cs typeface="+mn-cs"/>
+      </a:defRPr>
+    </a:lvl9pPr>
+  </p:notesStyle>
+</p:notesMaster>
+</file>
+
+<file path=ppt/notesSlides/notesSlide1.xml><?xml version="1.0" encoding="utf-8"?>
+<p:notes xmlns:a="http://schemas.openxmlformats.org/drawingml/2006/main" xmlns:r="http://schemas.openxmlformats.org/officeDocument/2006/relationships" xmlns:p="http://schemas.openxmlformats.org/presentationml/2006/main">
+  <p:cSld>
+    <p:spTree>
+      <p:nvGrpSpPr>
+        <p:cNvPr id="1" name=""/>
+        <p:cNvGrpSpPr/>
+        <p:nvPr/>
+      </p:nvGrpSpPr>
+      <p:grpSpPr>
+        <a:xfrm>
+          <a:off x="0" y="0"/>
+          <a:ext cx="0" cy="0"/>
+          <a:chOff x="0" y="0"/>
+          <a:chExt cx="0" cy="0"/>
+        </a:xfrm>
+      </p:grpSpPr>
+      <p:sp>
+        <p:nvSpPr>
+          <p:cNvPr id="2" name="Slide Image Placeholder 1"/>
+          <p:cNvSpPr>
+            <a:spLocks noGrp="1" noRot="1" noChangeAspect="1"/>
+          </p:cNvSpPr>
+          <p:nvPr>
+            <p:ph type="sldImg"/>
+          </p:nvPr>
+        </p:nvSpPr>
+        <p:spPr/>
+      </p:sp>
+      <p:sp>
+        <p:nvSpPr>
+          <p:cNvPr id="3" name="Notes Placeholder 2"/>
+          <p:cNvSpPr>
+            <a:spLocks noGrp="1"/>
+          </p:cNvSpPr>
+          <p:nvPr>
+            <p:ph type="body" idx="1"/>
+          </p:nvPr>
+        </p:nvSpPr>
+        <p:spPr/>
+        <p:txBody>
+          <a:bodyPr/>
+          <a:lstStyle/>
+          <a:p>
+            <a:r>
+              <a:rPr lang="en-CA" dirty="0"/>
+              <a:t>After a brutal attack at sea, </a:t>
+            </a:r>
+            <a:r>
+              <a:rPr lang="en-CA" dirty="0" err="1"/>
+              <a:t>Yora</a:t>
+            </a:r>
+            <a:r>
+              <a:rPr lang="en-CA" dirty="0"/>
+              <a:t>, the main character, wakes up after being cast ashore in a small rescue boat to the sights of an abandoned village. The world around him is cold and desolate and ash perpetually falls from the sky, covering the landscape in a black blanket. Due to the Lord Ruler’s influence after seizing the power at the Well of Ascension 1000 years ago, the planet lies dangerously close to the sun – a fiery red ball in the sky. The Well has since been replenished and our protagonist feels it beckoning to him. The traumatic experience of the attack preceding his shipwreck have snapped </a:t>
+            </a:r>
+            <a:r>
+              <a:rPr lang="en-CA" dirty="0" err="1"/>
+              <a:t>Yora</a:t>
+            </a:r>
+            <a:r>
+              <a:rPr lang="en-CA" dirty="0"/>
+              <a:t>, awakening the </a:t>
+            </a:r>
+            <a:r>
+              <a:rPr lang="en-CA" dirty="0" err="1"/>
+              <a:t>Mistborn</a:t>
+            </a:r>
+            <a:r>
+              <a:rPr lang="en-CA" dirty="0"/>
+              <a:t> powers he was genetically predisposed to. As the prophecies foretold, the Hero of Ages must once again travel to the Well of Ascension and seize its power. What awaits him there will require mastery of his newly acquired powers to overcome and save the world from impending doom.</a:t>
+            </a:r>
+          </a:p>
+        </p:txBody>
+      </p:sp>
+      <p:sp>
+        <p:nvSpPr>
+          <p:cNvPr id="4" name="Slide Number Placeholder 3"/>
+          <p:cNvSpPr>
+            <a:spLocks noGrp="1"/>
+          </p:cNvSpPr>
+          <p:nvPr>
+            <p:ph type="sldNum" sz="quarter" idx="5"/>
+          </p:nvPr>
+        </p:nvSpPr>
+        <p:spPr/>
+        <p:txBody>
+          <a:bodyPr/>
+          <a:lstStyle/>
+          <a:p>
+            <a:fld id="{15D3DD9D-6CC0-41F6-8407-1F8F7C800A8C}" type="slidenum">
+              <a:rPr lang="en-CA" smtClean="0"/>
+              <a:t>3</a:t>
+            </a:fld>
+            <a:endParaRPr lang="en-CA"/>
+          </a:p>
+        </p:txBody>
+      </p:sp>
+    </p:spTree>
+    <p:extLst>
+      <p:ext uri="{BB962C8B-B14F-4D97-AF65-F5344CB8AC3E}">
+        <p14:creationId xmlns:p14="http://schemas.microsoft.com/office/powerpoint/2010/main" val="545873069"/>
+      </p:ext>
+    </p:extLst>
+  </p:cSld>
+  <p:clrMapOvr>
+    <a:masterClrMapping/>
+  </p:clrMapOvr>
+</p:notes>
+</file>
+
 <file path=ppt/slideLayouts/slideLayout1.xml><?xml version="1.0" encoding="utf-8"?>
-<p:sldLayout xmlns:a="http://schemas.openxmlformats.org/drawingml/2006/main" xmlns:r="http://schemas.openxmlformats.org/officeDocument/2006/relationships" xmlns:p="http://schemas.openxmlformats.org/presentationml/2006/main" showMasterSp="0" type="title" preserve="1">
+<p:sldLayout xmlns:a="http://schemas.openxmlformats.org/drawingml/2006/main" xmlns:r="http://schemas.openxmlformats.org/officeDocument/2006/relationships" xmlns:p="http://schemas.openxmlformats.org/presentationml/2006/main" type="title" preserve="1">
   <p:cSld name="Title Slide">
     <p:spTree>
       <p:nvGrpSpPr>
@@ -129,84 +595,36 @@
           <a:chExt cx="0" cy="0"/>
         </a:xfrm>
       </p:grpSpPr>
-      <p:sp>
-        <p:nvSpPr>
-          <p:cNvPr id="7" name="Rectangle 6"/>
-          <p:cNvSpPr/>
+      <p:pic>
+        <p:nvPicPr>
+          <p:cNvPr id="7" name="Picture 6" descr="C0-HD-BTM.png"/>
+          <p:cNvPicPr>
+            <a:picLocks noChangeAspect="1"/>
+          </p:cNvPicPr>
           <p:nvPr/>
-        </p:nvSpPr>
-        <p:spPr>
-          <a:xfrm>
-            <a:off x="0" y="761999"/>
-            <a:ext cx="9141619" cy="5334001"/>
+        </p:nvPicPr>
+        <p:blipFill>
+          <a:blip r:embed="rId2">
+            <a:extLst>
+              <a:ext uri="{28A0092B-C50C-407E-A947-70E740481C1C}">
+                <a14:useLocalDpi xmlns:a14="http://schemas.microsoft.com/office/drawing/2010/main" val="0"/>
+              </a:ext>
+            </a:extLst>
+          </a:blip>
+          <a:stretch>
+            <a:fillRect/>
+          </a:stretch>
+        </p:blipFill>
+        <p:spPr>
+          <a:xfrm>
+            <a:off x="0" y="4375150"/>
+            <a:ext cx="12192000" cy="2482850"/>
           </a:xfrm>
           <a:prstGeom prst="rect">
             <a:avLst/>
           </a:prstGeom>
-          <a:solidFill>
-            <a:schemeClr val="accent1"/>
-          </a:solidFill>
-          <a:ln>
-            <a:noFill/>
-          </a:ln>
-        </p:spPr>
-        <p:style>
-          <a:lnRef idx="2">
-            <a:schemeClr val="accent1">
-              <a:shade val="50000"/>
-            </a:schemeClr>
-          </a:lnRef>
-          <a:fillRef idx="1">
-            <a:schemeClr val="accent1"/>
-          </a:fillRef>
-          <a:effectRef idx="0">
-            <a:schemeClr val="accent1"/>
-          </a:effectRef>
-          <a:fontRef idx="minor">
-            <a:schemeClr val="lt1"/>
-          </a:fontRef>
-        </p:style>
-      </p:sp>
-      <p:sp>
-        <p:nvSpPr>
-          <p:cNvPr id="8" name="Rectangle 7"/>
-          <p:cNvSpPr/>
-          <p:nvPr/>
-        </p:nvSpPr>
-        <p:spPr>
-          <a:xfrm>
-            <a:off x="9270263" y="761999"/>
-            <a:ext cx="2925318" cy="5334001"/>
-          </a:xfrm>
-          <a:prstGeom prst="rect">
-            <a:avLst/>
-          </a:prstGeom>
-          <a:solidFill>
-            <a:srgbClr val="C8C8C8">
-              <a:alpha val="49804"/>
-            </a:srgbClr>
-          </a:solidFill>
-          <a:ln>
-            <a:noFill/>
-          </a:ln>
-        </p:spPr>
-        <p:style>
-          <a:lnRef idx="2">
-            <a:schemeClr val="accent1">
-              <a:shade val="50000"/>
-            </a:schemeClr>
-          </a:lnRef>
-          <a:fillRef idx="1">
-            <a:schemeClr val="accent1"/>
-          </a:fillRef>
-          <a:effectRef idx="0">
-            <a:schemeClr val="accent1"/>
-          </a:effectRef>
-          <a:fontRef idx="minor">
-            <a:schemeClr val="lt1"/>
-          </a:fontRef>
-        </p:style>
-      </p:sp>
+        </p:spPr>
+      </p:pic>
       <p:sp>
         <p:nvSpPr>
           <p:cNvPr id="2" name="Title 1"/>
@@ -219,8 +637,8 @@
         </p:nvSpPr>
         <p:spPr>
           <a:xfrm>
-            <a:off x="1069848" y="1298448"/>
-            <a:ext cx="7315200" cy="3255264"/>
+            <a:off x="1371600" y="1803405"/>
+            <a:ext cx="9448800" cy="1825096"/>
           </a:xfrm>
         </p:spPr>
         <p:txBody>
@@ -229,11 +647,7 @@
           </a:bodyPr>
           <a:lstStyle>
             <a:lvl1pPr algn="l">
-              <a:defRPr sz="5900" spc="-100" baseline="0">
-                <a:solidFill>
-                  <a:srgbClr val="FFFFFF"/>
-                </a:solidFill>
-              </a:defRPr>
+              <a:defRPr sz="6000"/>
             </a:lvl1pPr>
           </a:lstStyle>
           <a:p>
@@ -257,57 +671,50 @@
         </p:nvSpPr>
         <p:spPr>
           <a:xfrm>
-            <a:off x="1100015" y="4670246"/>
-            <a:ext cx="7315200" cy="914400"/>
-          </a:xfrm>
-        </p:spPr>
-        <p:txBody>
-          <a:bodyPr anchor="t">
+            <a:off x="1371600" y="3632201"/>
+            <a:ext cx="9448800" cy="685800"/>
+          </a:xfrm>
+        </p:spPr>
+        <p:txBody>
+          <a:bodyPr>
             <a:normAutofit/>
           </a:bodyPr>
           <a:lstStyle>
             <a:lvl1pPr marL="0" indent="0" algn="l">
               <a:buNone/>
-              <a:defRPr sz="2200" cap="none" spc="0" baseline="0">
-                <a:solidFill>
-                  <a:schemeClr val="accent1">
-                    <a:lumMod val="20000"/>
-                    <a:lumOff val="80000"/>
-                  </a:schemeClr>
-                </a:solidFill>
-              </a:defRPr>
+              <a:defRPr sz="2000"/>
             </a:lvl1pPr>
             <a:lvl2pPr marL="457200" indent="0" algn="ctr">
               <a:buNone/>
-              <a:defRPr sz="2200"/>
+              <a:defRPr sz="2000"/>
             </a:lvl2pPr>
             <a:lvl3pPr marL="914400" indent="0" algn="ctr">
               <a:buNone/>
-              <a:defRPr sz="2200"/>
+              <a:defRPr sz="1800"/>
             </a:lvl3pPr>
             <a:lvl4pPr marL="1371600" indent="0" algn="ctr">
               <a:buNone/>
-              <a:defRPr sz="2000"/>
+              <a:defRPr sz="1600"/>
             </a:lvl4pPr>
             <a:lvl5pPr marL="1828800" indent="0" algn="ctr">
               <a:buNone/>
-              <a:defRPr sz="2000"/>
+              <a:defRPr sz="1600"/>
             </a:lvl5pPr>
             <a:lvl6pPr marL="2286000" indent="0" algn="ctr">
               <a:buNone/>
-              <a:defRPr sz="2000"/>
+              <a:defRPr sz="1600"/>
             </a:lvl6pPr>
             <a:lvl7pPr marL="2743200" indent="0" algn="ctr">
               <a:buNone/>
-              <a:defRPr sz="2000"/>
+              <a:defRPr sz="1600"/>
             </a:lvl7pPr>
             <a:lvl8pPr marL="3200400" indent="0" algn="ctr">
               <a:buNone/>
-              <a:defRPr sz="2000"/>
+              <a:defRPr sz="1600"/>
             </a:lvl8pPr>
             <a:lvl9pPr marL="3657600" indent="0" algn="ctr">
               <a:buNone/>
-              <a:defRPr sz="2000"/>
+              <a:defRPr sz="1600"/>
             </a:lvl9pPr>
           </a:lstStyle>
           <a:p>
@@ -329,14 +736,19 @@
             <p:ph type="dt" sz="half" idx="10"/>
           </p:nvPr>
         </p:nvSpPr>
-        <p:spPr/>
+        <p:spPr>
+          <a:xfrm>
+            <a:off x="7909561" y="4314328"/>
+            <a:ext cx="2910840" cy="374642"/>
+          </a:xfrm>
+        </p:spPr>
         <p:txBody>
           <a:bodyPr/>
           <a:lstStyle/>
           <a:p>
             <a:fld id="{9D648943-11F5-4E3A-89B9-4D7A01C331E0}" type="datetimeFigureOut">
               <a:rPr lang="en-CA" smtClean="0"/>
-              <a:t>2019-09-28</a:t>
+              <a:t>2019-09-30</a:t>
             </a:fld>
             <a:endParaRPr lang="en-CA"/>
           </a:p>
@@ -352,7 +764,12 @@
             <p:ph type="ftr" sz="quarter" idx="11"/>
           </p:nvPr>
         </p:nvSpPr>
-        <p:spPr/>
+        <p:spPr>
+          <a:xfrm>
+            <a:off x="1371600" y="4323845"/>
+            <a:ext cx="6400800" cy="365125"/>
+          </a:xfrm>
+        </p:spPr>
         <p:txBody>
           <a:bodyPr/>
           <a:lstStyle/>
@@ -371,7 +788,12 @@
             <p:ph type="sldNum" sz="quarter" idx="12"/>
           </p:nvPr>
         </p:nvSpPr>
-        <p:spPr/>
+        <p:spPr>
+          <a:xfrm>
+            <a:off x="8077200" y="1430866"/>
+            <a:ext cx="2743200" cy="365125"/>
+          </a:xfrm>
+        </p:spPr>
         <p:txBody>
           <a:bodyPr/>
           <a:lstStyle/>
@@ -387,7 +809,269 @@
     </p:spTree>
     <p:extLst>
       <p:ext uri="{BB962C8B-B14F-4D97-AF65-F5344CB8AC3E}">
-        <p14:creationId xmlns:p14="http://schemas.microsoft.com/office/powerpoint/2010/main" val="1341663181"/>
+        <p14:creationId xmlns:p14="http://schemas.microsoft.com/office/powerpoint/2010/main" val="3218981573"/>
+      </p:ext>
+    </p:extLst>
+  </p:cSld>
+  <p:clrMapOvr>
+    <a:masterClrMapping/>
+  </p:clrMapOvr>
+  <p:extLst>
+    <p:ext uri="{DCECCB84-F9BA-43D5-87BE-67443E8EF086}">
+      <p15:sldGuideLst xmlns:p15="http://schemas.microsoft.com/office/powerpoint/2012/main"/>
+    </p:ext>
+  </p:extLst>
+</p:sldLayout>
+</file>
+
+<file path=ppt/slideLayouts/slideLayout10.xml><?xml version="1.0" encoding="utf-8"?>
+<p:sldLayout xmlns:a="http://schemas.openxmlformats.org/drawingml/2006/main" xmlns:r="http://schemas.openxmlformats.org/officeDocument/2006/relationships" xmlns:p="http://schemas.openxmlformats.org/presentationml/2006/main" preserve="1">
+  <p:cSld name="Panoramic Picture with Caption">
+    <p:spTree>
+      <p:nvGrpSpPr>
+        <p:cNvPr id="1" name=""/>
+        <p:cNvGrpSpPr/>
+        <p:nvPr/>
+      </p:nvGrpSpPr>
+      <p:grpSpPr>
+        <a:xfrm>
+          <a:off x="0" y="0"/>
+          <a:ext cx="0" cy="0"/>
+          <a:chOff x="0" y="0"/>
+          <a:chExt cx="0" cy="0"/>
+        </a:xfrm>
+      </p:grpSpPr>
+      <p:sp>
+        <p:nvSpPr>
+          <p:cNvPr id="2" name="Title 1"/>
+          <p:cNvSpPr>
+            <a:spLocks noGrp="1"/>
+          </p:cNvSpPr>
+          <p:nvPr>
+            <p:ph type="title"/>
+          </p:nvPr>
+        </p:nvSpPr>
+        <p:spPr>
+          <a:xfrm>
+            <a:off x="685777" y="4697360"/>
+            <a:ext cx="10822034" cy="819355"/>
+          </a:xfrm>
+        </p:spPr>
+        <p:txBody>
+          <a:bodyPr anchor="b"/>
+          <a:lstStyle>
+            <a:lvl1pPr algn="l">
+              <a:defRPr sz="3200"/>
+            </a:lvl1pPr>
+          </a:lstStyle>
+          <a:p>
+            <a:r>
+              <a:rPr lang="en-US"/>
+              <a:t>Click to edit Master title style</a:t>
+            </a:r>
+            <a:endParaRPr lang="en-US" dirty="0"/>
+          </a:p>
+        </p:txBody>
+      </p:sp>
+      <p:sp>
+        <p:nvSpPr>
+          <p:cNvPr id="3" name="Picture Placeholder 2"/>
+          <p:cNvSpPr>
+            <a:spLocks noGrp="1" noChangeAspect="1"/>
+          </p:cNvSpPr>
+          <p:nvPr>
+            <p:ph type="pic" idx="1"/>
+          </p:nvPr>
+        </p:nvSpPr>
+        <p:spPr>
+          <a:xfrm>
+            <a:off x="681727" y="941439"/>
+            <a:ext cx="10821840" cy="3478161"/>
+          </a:xfrm>
+        </p:spPr>
+        <p:txBody>
+          <a:bodyPr anchor="t"/>
+          <a:lstStyle>
+            <a:lvl1pPr marL="0" indent="0">
+              <a:buNone/>
+              <a:defRPr sz="3200"/>
+            </a:lvl1pPr>
+            <a:lvl2pPr marL="457200" indent="0">
+              <a:buNone/>
+              <a:defRPr sz="2800"/>
+            </a:lvl2pPr>
+            <a:lvl3pPr marL="914400" indent="0">
+              <a:buNone/>
+              <a:defRPr sz="2400"/>
+            </a:lvl3pPr>
+            <a:lvl4pPr marL="1371600" indent="0">
+              <a:buNone/>
+              <a:defRPr sz="2000"/>
+            </a:lvl4pPr>
+            <a:lvl5pPr marL="1828800" indent="0">
+              <a:buNone/>
+              <a:defRPr sz="2000"/>
+            </a:lvl5pPr>
+            <a:lvl6pPr marL="2286000" indent="0">
+              <a:buNone/>
+              <a:defRPr sz="2000"/>
+            </a:lvl6pPr>
+            <a:lvl7pPr marL="2743200" indent="0">
+              <a:buNone/>
+              <a:defRPr sz="2000"/>
+            </a:lvl7pPr>
+            <a:lvl8pPr marL="3200400" indent="0">
+              <a:buNone/>
+              <a:defRPr sz="2000"/>
+            </a:lvl8pPr>
+            <a:lvl9pPr marL="3657600" indent="0">
+              <a:buNone/>
+              <a:defRPr sz="2000"/>
+            </a:lvl9pPr>
+          </a:lstStyle>
+          <a:p>
+            <a:r>
+              <a:rPr lang="en-US"/>
+              <a:t>Click icon to add picture</a:t>
+            </a:r>
+            <a:endParaRPr lang="en-US" dirty="0"/>
+          </a:p>
+        </p:txBody>
+      </p:sp>
+      <p:sp>
+        <p:nvSpPr>
+          <p:cNvPr id="4" name="Text Placeholder 3"/>
+          <p:cNvSpPr>
+            <a:spLocks noGrp="1"/>
+          </p:cNvSpPr>
+          <p:nvPr>
+            <p:ph type="body" sz="half" idx="2"/>
+          </p:nvPr>
+        </p:nvSpPr>
+        <p:spPr>
+          <a:xfrm>
+            <a:off x="685800" y="5516715"/>
+            <a:ext cx="10820400" cy="701969"/>
+          </a:xfrm>
+        </p:spPr>
+        <p:txBody>
+          <a:bodyPr/>
+          <a:lstStyle>
+            <a:lvl1pPr marL="0" indent="0" algn="l">
+              <a:buNone/>
+              <a:defRPr sz="1600"/>
+            </a:lvl1pPr>
+            <a:lvl2pPr marL="457200" indent="0">
+              <a:buNone/>
+              <a:defRPr sz="1400"/>
+            </a:lvl2pPr>
+            <a:lvl3pPr marL="914400" indent="0">
+              <a:buNone/>
+              <a:defRPr sz="1200"/>
+            </a:lvl3pPr>
+            <a:lvl4pPr marL="1371600" indent="0">
+              <a:buNone/>
+              <a:defRPr sz="1000"/>
+            </a:lvl4pPr>
+            <a:lvl5pPr marL="1828800" indent="0">
+              <a:buNone/>
+              <a:defRPr sz="1000"/>
+            </a:lvl5pPr>
+            <a:lvl6pPr marL="2286000" indent="0">
+              <a:buNone/>
+              <a:defRPr sz="1000"/>
+            </a:lvl6pPr>
+            <a:lvl7pPr marL="2743200" indent="0">
+              <a:buNone/>
+              <a:defRPr sz="1000"/>
+            </a:lvl7pPr>
+            <a:lvl8pPr marL="3200400" indent="0">
+              <a:buNone/>
+              <a:defRPr sz="1000"/>
+            </a:lvl8pPr>
+            <a:lvl9pPr marL="3657600" indent="0">
+              <a:buNone/>
+              <a:defRPr sz="1000"/>
+            </a:lvl9pPr>
+          </a:lstStyle>
+          <a:p>
+            <a:pPr lvl="0"/>
+            <a:r>
+              <a:rPr lang="en-US"/>
+              <a:t>Click to edit Master text styles</a:t>
+            </a:r>
+          </a:p>
+        </p:txBody>
+      </p:sp>
+      <p:sp>
+        <p:nvSpPr>
+          <p:cNvPr id="5" name="Date Placeholder 4"/>
+          <p:cNvSpPr>
+            <a:spLocks noGrp="1"/>
+          </p:cNvSpPr>
+          <p:nvPr>
+            <p:ph type="dt" sz="half" idx="10"/>
+          </p:nvPr>
+        </p:nvSpPr>
+        <p:spPr/>
+        <p:txBody>
+          <a:bodyPr/>
+          <a:lstStyle/>
+          <a:p>
+            <a:fld id="{9D648943-11F5-4E3A-89B9-4D7A01C331E0}" type="datetimeFigureOut">
+              <a:rPr lang="en-CA" smtClean="0"/>
+              <a:t>2019-09-30</a:t>
+            </a:fld>
+            <a:endParaRPr lang="en-CA"/>
+          </a:p>
+        </p:txBody>
+      </p:sp>
+      <p:sp>
+        <p:nvSpPr>
+          <p:cNvPr id="6" name="Footer Placeholder 5"/>
+          <p:cNvSpPr>
+            <a:spLocks noGrp="1"/>
+          </p:cNvSpPr>
+          <p:nvPr>
+            <p:ph type="ftr" sz="quarter" idx="11"/>
+          </p:nvPr>
+        </p:nvSpPr>
+        <p:spPr/>
+        <p:txBody>
+          <a:bodyPr/>
+          <a:lstStyle/>
+          <a:p>
+            <a:endParaRPr lang="en-CA"/>
+          </a:p>
+        </p:txBody>
+      </p:sp>
+      <p:sp>
+        <p:nvSpPr>
+          <p:cNvPr id="7" name="Slide Number Placeholder 6"/>
+          <p:cNvSpPr>
+            <a:spLocks noGrp="1"/>
+          </p:cNvSpPr>
+          <p:nvPr>
+            <p:ph type="sldNum" sz="quarter" idx="12"/>
+          </p:nvPr>
+        </p:nvSpPr>
+        <p:spPr/>
+        <p:txBody>
+          <a:bodyPr/>
+          <a:lstStyle/>
+          <a:p>
+            <a:fld id="{AAAB3E9E-D708-433F-A405-5153863355EE}" type="slidenum">
+              <a:rPr lang="en-CA" smtClean="0"/>
+              <a:t>‹#›</a:t>
+            </a:fld>
+            <a:endParaRPr lang="en-CA"/>
+          </a:p>
+        </p:txBody>
+      </p:sp>
+    </p:spTree>
+    <p:extLst>
+      <p:ext uri="{BB962C8B-B14F-4D97-AF65-F5344CB8AC3E}">
+        <p14:creationId xmlns:p14="http://schemas.microsoft.com/office/powerpoint/2010/main" val="3642159864"/>
       </p:ext>
     </p:extLst>
   </p:cSld>
@@ -397,7 +1081,2342 @@
 </p:sldLayout>
 </file>
 
-<file path=ppt/slideLayouts/slideLayout10.xml><?xml version="1.0" encoding="utf-8"?>
+<file path=ppt/slideLayouts/slideLayout11.xml><?xml version="1.0" encoding="utf-8"?>
+<p:sldLayout xmlns:a="http://schemas.openxmlformats.org/drawingml/2006/main" xmlns:r="http://schemas.openxmlformats.org/officeDocument/2006/relationships" xmlns:p="http://schemas.openxmlformats.org/presentationml/2006/main" showMasterSp="0" preserve="1">
+  <p:cSld name="Title and Caption">
+    <p:spTree>
+      <p:nvGrpSpPr>
+        <p:cNvPr id="1" name=""/>
+        <p:cNvGrpSpPr/>
+        <p:nvPr/>
+      </p:nvGrpSpPr>
+      <p:grpSpPr>
+        <a:xfrm>
+          <a:off x="0" y="0"/>
+          <a:ext cx="0" cy="0"/>
+          <a:chOff x="0" y="0"/>
+          <a:chExt cx="0" cy="0"/>
+        </a:xfrm>
+      </p:grpSpPr>
+      <p:pic>
+        <p:nvPicPr>
+          <p:cNvPr id="8" name="Picture 7" descr="C0-HD-BTM.png"/>
+          <p:cNvPicPr>
+            <a:picLocks noChangeAspect="1"/>
+          </p:cNvPicPr>
+          <p:nvPr/>
+        </p:nvPicPr>
+        <p:blipFill>
+          <a:blip r:embed="rId2">
+            <a:extLst>
+              <a:ext uri="{28A0092B-C50C-407E-A947-70E740481C1C}">
+                <a14:useLocalDpi xmlns:a14="http://schemas.microsoft.com/office/drawing/2010/main" val="0"/>
+              </a:ext>
+            </a:extLst>
+          </a:blip>
+          <a:stretch>
+            <a:fillRect/>
+          </a:stretch>
+        </p:blipFill>
+        <p:spPr>
+          <a:xfrm>
+            <a:off x="0" y="4375150"/>
+            <a:ext cx="12192000" cy="2482850"/>
+          </a:xfrm>
+          <a:prstGeom prst="rect">
+            <a:avLst/>
+          </a:prstGeom>
+        </p:spPr>
+      </p:pic>
+      <p:sp>
+        <p:nvSpPr>
+          <p:cNvPr id="2" name="Title 1"/>
+          <p:cNvSpPr>
+            <a:spLocks noGrp="1"/>
+          </p:cNvSpPr>
+          <p:nvPr>
+            <p:ph type="title"/>
+          </p:nvPr>
+        </p:nvSpPr>
+        <p:spPr>
+          <a:xfrm>
+            <a:off x="685800" y="753532"/>
+            <a:ext cx="10820400" cy="2802467"/>
+          </a:xfrm>
+        </p:spPr>
+        <p:txBody>
+          <a:bodyPr anchor="ctr"/>
+          <a:lstStyle>
+            <a:lvl1pPr algn="l">
+              <a:defRPr sz="3200"/>
+            </a:lvl1pPr>
+          </a:lstStyle>
+          <a:p>
+            <a:r>
+              <a:rPr lang="en-US"/>
+              <a:t>Click to edit Master title style</a:t>
+            </a:r>
+            <a:endParaRPr lang="en-US" dirty="0"/>
+          </a:p>
+        </p:txBody>
+      </p:sp>
+      <p:sp>
+        <p:nvSpPr>
+          <p:cNvPr id="4" name="Text Placeholder 3"/>
+          <p:cNvSpPr>
+            <a:spLocks noGrp="1"/>
+          </p:cNvSpPr>
+          <p:nvPr>
+            <p:ph type="body" sz="half" idx="2"/>
+          </p:nvPr>
+        </p:nvSpPr>
+        <p:spPr>
+          <a:xfrm>
+            <a:off x="1024467" y="3649133"/>
+            <a:ext cx="10130516" cy="999067"/>
+          </a:xfrm>
+        </p:spPr>
+        <p:txBody>
+          <a:bodyPr anchor="ctr"/>
+          <a:lstStyle>
+            <a:lvl1pPr marL="0" indent="0">
+              <a:buNone/>
+              <a:defRPr sz="1600"/>
+            </a:lvl1pPr>
+            <a:lvl2pPr marL="457200" indent="0">
+              <a:buNone/>
+              <a:defRPr sz="1400"/>
+            </a:lvl2pPr>
+            <a:lvl3pPr marL="914400" indent="0">
+              <a:buNone/>
+              <a:defRPr sz="1200"/>
+            </a:lvl3pPr>
+            <a:lvl4pPr marL="1371600" indent="0">
+              <a:buNone/>
+              <a:defRPr sz="1000"/>
+            </a:lvl4pPr>
+            <a:lvl5pPr marL="1828800" indent="0">
+              <a:buNone/>
+              <a:defRPr sz="1000"/>
+            </a:lvl5pPr>
+            <a:lvl6pPr marL="2286000" indent="0">
+              <a:buNone/>
+              <a:defRPr sz="1000"/>
+            </a:lvl6pPr>
+            <a:lvl7pPr marL="2743200" indent="0">
+              <a:buNone/>
+              <a:defRPr sz="1000"/>
+            </a:lvl7pPr>
+            <a:lvl8pPr marL="3200400" indent="0">
+              <a:buNone/>
+              <a:defRPr sz="1000"/>
+            </a:lvl8pPr>
+            <a:lvl9pPr marL="3657600" indent="0">
+              <a:buNone/>
+              <a:defRPr sz="1000"/>
+            </a:lvl9pPr>
+          </a:lstStyle>
+          <a:p>
+            <a:pPr lvl="0"/>
+            <a:r>
+              <a:rPr lang="en-US"/>
+              <a:t>Click to edit Master text styles</a:t>
+            </a:r>
+          </a:p>
+        </p:txBody>
+      </p:sp>
+      <p:sp>
+        <p:nvSpPr>
+          <p:cNvPr id="5" name="Date Placeholder 4"/>
+          <p:cNvSpPr>
+            <a:spLocks noGrp="1"/>
+          </p:cNvSpPr>
+          <p:nvPr>
+            <p:ph type="dt" sz="half" idx="10"/>
+          </p:nvPr>
+        </p:nvSpPr>
+        <p:spPr>
+          <a:xfrm>
+            <a:off x="7814452" y="381000"/>
+            <a:ext cx="2910840" cy="365125"/>
+          </a:xfrm>
+        </p:spPr>
+        <p:txBody>
+          <a:bodyPr/>
+          <a:lstStyle>
+            <a:lvl1pPr algn="r">
+              <a:defRPr/>
+            </a:lvl1pPr>
+          </a:lstStyle>
+          <a:p>
+            <a:fld id="{9D648943-11F5-4E3A-89B9-4D7A01C331E0}" type="datetimeFigureOut">
+              <a:rPr lang="en-CA" smtClean="0"/>
+              <a:t>2019-09-30</a:t>
+            </a:fld>
+            <a:endParaRPr lang="en-CA"/>
+          </a:p>
+        </p:txBody>
+      </p:sp>
+      <p:sp>
+        <p:nvSpPr>
+          <p:cNvPr id="6" name="Footer Placeholder 5"/>
+          <p:cNvSpPr>
+            <a:spLocks noGrp="1"/>
+          </p:cNvSpPr>
+          <p:nvPr>
+            <p:ph type="ftr" sz="quarter" idx="11"/>
+          </p:nvPr>
+        </p:nvSpPr>
+        <p:spPr>
+          <a:xfrm>
+            <a:off x="685800" y="379941"/>
+            <a:ext cx="6991492" cy="365125"/>
+          </a:xfrm>
+        </p:spPr>
+        <p:txBody>
+          <a:bodyPr/>
+          <a:lstStyle/>
+          <a:p>
+            <a:endParaRPr lang="en-CA"/>
+          </a:p>
+        </p:txBody>
+      </p:sp>
+      <p:sp>
+        <p:nvSpPr>
+          <p:cNvPr id="7" name="Slide Number Placeholder 6"/>
+          <p:cNvSpPr>
+            <a:spLocks noGrp="1"/>
+          </p:cNvSpPr>
+          <p:nvPr>
+            <p:ph type="sldNum" sz="quarter" idx="12"/>
+          </p:nvPr>
+        </p:nvSpPr>
+        <p:spPr>
+          <a:xfrm>
+            <a:off x="10862452" y="381000"/>
+            <a:ext cx="643748" cy="365125"/>
+          </a:xfrm>
+        </p:spPr>
+        <p:txBody>
+          <a:bodyPr/>
+          <a:lstStyle/>
+          <a:p>
+            <a:fld id="{AAAB3E9E-D708-433F-A405-5153863355EE}" type="slidenum">
+              <a:rPr lang="en-CA" smtClean="0"/>
+              <a:t>‹#›</a:t>
+            </a:fld>
+            <a:endParaRPr lang="en-CA"/>
+          </a:p>
+        </p:txBody>
+      </p:sp>
+    </p:spTree>
+    <p:extLst>
+      <p:ext uri="{BB962C8B-B14F-4D97-AF65-F5344CB8AC3E}">
+        <p14:creationId xmlns:p14="http://schemas.microsoft.com/office/powerpoint/2010/main" val="1461431180"/>
+      </p:ext>
+    </p:extLst>
+  </p:cSld>
+  <p:clrMapOvr>
+    <a:masterClrMapping/>
+  </p:clrMapOvr>
+</p:sldLayout>
+</file>
+
+<file path=ppt/slideLayouts/slideLayout12.xml><?xml version="1.0" encoding="utf-8"?>
+<p:sldLayout xmlns:a="http://schemas.openxmlformats.org/drawingml/2006/main" xmlns:r="http://schemas.openxmlformats.org/officeDocument/2006/relationships" xmlns:p="http://schemas.openxmlformats.org/presentationml/2006/main" showMasterSp="0" preserve="1">
+  <p:cSld name="Quote with Caption">
+    <p:spTree>
+      <p:nvGrpSpPr>
+        <p:cNvPr id="1" name=""/>
+        <p:cNvGrpSpPr/>
+        <p:nvPr/>
+      </p:nvGrpSpPr>
+      <p:grpSpPr>
+        <a:xfrm>
+          <a:off x="0" y="0"/>
+          <a:ext cx="0" cy="0"/>
+          <a:chOff x="0" y="0"/>
+          <a:chExt cx="0" cy="0"/>
+        </a:xfrm>
+      </p:grpSpPr>
+      <p:pic>
+        <p:nvPicPr>
+          <p:cNvPr id="13" name="Picture 12" descr="C0-HD-BTM.png"/>
+          <p:cNvPicPr>
+            <a:picLocks noChangeAspect="1"/>
+          </p:cNvPicPr>
+          <p:nvPr/>
+        </p:nvPicPr>
+        <p:blipFill>
+          <a:blip r:embed="rId2">
+            <a:extLst>
+              <a:ext uri="{28A0092B-C50C-407E-A947-70E740481C1C}">
+                <a14:useLocalDpi xmlns:a14="http://schemas.microsoft.com/office/drawing/2010/main" val="0"/>
+              </a:ext>
+            </a:extLst>
+          </a:blip>
+          <a:stretch>
+            <a:fillRect/>
+          </a:stretch>
+        </p:blipFill>
+        <p:spPr>
+          <a:xfrm>
+            <a:off x="0" y="4375150"/>
+            <a:ext cx="12192000" cy="2482850"/>
+          </a:xfrm>
+          <a:prstGeom prst="rect">
+            <a:avLst/>
+          </a:prstGeom>
+        </p:spPr>
+      </p:pic>
+      <p:sp>
+        <p:nvSpPr>
+          <p:cNvPr id="2" name="Title 1"/>
+          <p:cNvSpPr>
+            <a:spLocks noGrp="1"/>
+          </p:cNvSpPr>
+          <p:nvPr>
+            <p:ph type="title"/>
+          </p:nvPr>
+        </p:nvSpPr>
+        <p:spPr>
+          <a:xfrm>
+            <a:off x="1024467" y="753533"/>
+            <a:ext cx="10151533" cy="2604495"/>
+          </a:xfrm>
+        </p:spPr>
+        <p:txBody>
+          <a:bodyPr anchor="ctr"/>
+          <a:lstStyle>
+            <a:lvl1pPr algn="l">
+              <a:defRPr sz="3200"/>
+            </a:lvl1pPr>
+          </a:lstStyle>
+          <a:p>
+            <a:r>
+              <a:rPr lang="en-US"/>
+              <a:t>Click to edit Master title style</a:t>
+            </a:r>
+            <a:endParaRPr lang="en-US" dirty="0"/>
+          </a:p>
+        </p:txBody>
+      </p:sp>
+      <p:sp>
+        <p:nvSpPr>
+          <p:cNvPr id="12" name="Text Placeholder 3"/>
+          <p:cNvSpPr>
+            <a:spLocks noGrp="1"/>
+          </p:cNvSpPr>
+          <p:nvPr>
+            <p:ph type="body" sz="half" idx="13"/>
+          </p:nvPr>
+        </p:nvSpPr>
+        <p:spPr>
+          <a:xfrm>
+            <a:off x="1303865" y="3365556"/>
+            <a:ext cx="9592736" cy="444443"/>
+          </a:xfrm>
+        </p:spPr>
+        <p:txBody>
+          <a:bodyPr anchor="t">
+            <a:normAutofit/>
+          </a:bodyPr>
+          <a:lstStyle>
+            <a:lvl1pPr marL="0" indent="0">
+              <a:buNone/>
+              <a:defRPr sz="1400"/>
+            </a:lvl1pPr>
+            <a:lvl2pPr marL="457200" indent="0">
+              <a:buNone/>
+              <a:defRPr sz="1400"/>
+            </a:lvl2pPr>
+            <a:lvl3pPr marL="914400" indent="0">
+              <a:buNone/>
+              <a:defRPr sz="1200"/>
+            </a:lvl3pPr>
+            <a:lvl4pPr marL="1371600" indent="0">
+              <a:buNone/>
+              <a:defRPr sz="1000"/>
+            </a:lvl4pPr>
+            <a:lvl5pPr marL="1828800" indent="0">
+              <a:buNone/>
+              <a:defRPr sz="1000"/>
+            </a:lvl5pPr>
+            <a:lvl6pPr marL="2286000" indent="0">
+              <a:buNone/>
+              <a:defRPr sz="1000"/>
+            </a:lvl6pPr>
+            <a:lvl7pPr marL="2743200" indent="0">
+              <a:buNone/>
+              <a:defRPr sz="1000"/>
+            </a:lvl7pPr>
+            <a:lvl8pPr marL="3200400" indent="0">
+              <a:buNone/>
+              <a:defRPr sz="1000"/>
+            </a:lvl8pPr>
+            <a:lvl9pPr marL="3657600" indent="0">
+              <a:buNone/>
+              <a:defRPr sz="1000"/>
+            </a:lvl9pPr>
+          </a:lstStyle>
+          <a:p>
+            <a:pPr lvl="0"/>
+            <a:r>
+              <a:rPr lang="en-US"/>
+              <a:t>Click to edit Master text styles</a:t>
+            </a:r>
+          </a:p>
+        </p:txBody>
+      </p:sp>
+      <p:sp>
+        <p:nvSpPr>
+          <p:cNvPr id="4" name="Text Placeholder 3"/>
+          <p:cNvSpPr>
+            <a:spLocks noGrp="1"/>
+          </p:cNvSpPr>
+          <p:nvPr>
+            <p:ph type="body" sz="half" idx="2"/>
+          </p:nvPr>
+        </p:nvSpPr>
+        <p:spPr>
+          <a:xfrm>
+            <a:off x="1024467" y="3959862"/>
+            <a:ext cx="10151533" cy="679871"/>
+          </a:xfrm>
+        </p:spPr>
+        <p:txBody>
+          <a:bodyPr anchor="ctr">
+            <a:normAutofit/>
+          </a:bodyPr>
+          <a:lstStyle>
+            <a:lvl1pPr marL="0" indent="0">
+              <a:buNone/>
+              <a:defRPr sz="1600"/>
+            </a:lvl1pPr>
+            <a:lvl2pPr marL="457200" indent="0">
+              <a:buNone/>
+              <a:defRPr sz="1400"/>
+            </a:lvl2pPr>
+            <a:lvl3pPr marL="914400" indent="0">
+              <a:buNone/>
+              <a:defRPr sz="1200"/>
+            </a:lvl3pPr>
+            <a:lvl4pPr marL="1371600" indent="0">
+              <a:buNone/>
+              <a:defRPr sz="1000"/>
+            </a:lvl4pPr>
+            <a:lvl5pPr marL="1828800" indent="0">
+              <a:buNone/>
+              <a:defRPr sz="1000"/>
+            </a:lvl5pPr>
+            <a:lvl6pPr marL="2286000" indent="0">
+              <a:buNone/>
+              <a:defRPr sz="1000"/>
+            </a:lvl6pPr>
+            <a:lvl7pPr marL="2743200" indent="0">
+              <a:buNone/>
+              <a:defRPr sz="1000"/>
+            </a:lvl7pPr>
+            <a:lvl8pPr marL="3200400" indent="0">
+              <a:buNone/>
+              <a:defRPr sz="1000"/>
+            </a:lvl8pPr>
+            <a:lvl9pPr marL="3657600" indent="0">
+              <a:buNone/>
+              <a:defRPr sz="1000"/>
+            </a:lvl9pPr>
+          </a:lstStyle>
+          <a:p>
+            <a:pPr lvl="0"/>
+            <a:r>
+              <a:rPr lang="en-US"/>
+              <a:t>Click to edit Master text styles</a:t>
+            </a:r>
+          </a:p>
+        </p:txBody>
+      </p:sp>
+      <p:sp>
+        <p:nvSpPr>
+          <p:cNvPr id="5" name="Date Placeholder 4"/>
+          <p:cNvSpPr>
+            <a:spLocks noGrp="1"/>
+          </p:cNvSpPr>
+          <p:nvPr>
+            <p:ph type="dt" sz="half" idx="10"/>
+          </p:nvPr>
+        </p:nvSpPr>
+        <p:spPr>
+          <a:xfrm>
+            <a:off x="7814452" y="381000"/>
+            <a:ext cx="2910840" cy="365125"/>
+          </a:xfrm>
+        </p:spPr>
+        <p:txBody>
+          <a:bodyPr/>
+          <a:lstStyle>
+            <a:lvl1pPr algn="r">
+              <a:defRPr/>
+            </a:lvl1pPr>
+          </a:lstStyle>
+          <a:p>
+            <a:fld id="{9D648943-11F5-4E3A-89B9-4D7A01C331E0}" type="datetimeFigureOut">
+              <a:rPr lang="en-CA" smtClean="0"/>
+              <a:t>2019-09-30</a:t>
+            </a:fld>
+            <a:endParaRPr lang="en-CA"/>
+          </a:p>
+        </p:txBody>
+      </p:sp>
+      <p:sp>
+        <p:nvSpPr>
+          <p:cNvPr id="6" name="Footer Placeholder 5"/>
+          <p:cNvSpPr>
+            <a:spLocks noGrp="1"/>
+          </p:cNvSpPr>
+          <p:nvPr>
+            <p:ph type="ftr" sz="quarter" idx="11"/>
+          </p:nvPr>
+        </p:nvSpPr>
+        <p:spPr>
+          <a:xfrm>
+            <a:off x="685800" y="379941"/>
+            <a:ext cx="6991492" cy="365125"/>
+          </a:xfrm>
+        </p:spPr>
+        <p:txBody>
+          <a:bodyPr/>
+          <a:lstStyle/>
+          <a:p>
+            <a:endParaRPr lang="en-CA"/>
+          </a:p>
+        </p:txBody>
+      </p:sp>
+      <p:sp>
+        <p:nvSpPr>
+          <p:cNvPr id="7" name="Slide Number Placeholder 6"/>
+          <p:cNvSpPr>
+            <a:spLocks noGrp="1"/>
+          </p:cNvSpPr>
+          <p:nvPr>
+            <p:ph type="sldNum" sz="quarter" idx="12"/>
+          </p:nvPr>
+        </p:nvSpPr>
+        <p:spPr>
+          <a:xfrm>
+            <a:off x="10862452" y="381000"/>
+            <a:ext cx="643748" cy="365125"/>
+          </a:xfrm>
+        </p:spPr>
+        <p:txBody>
+          <a:bodyPr/>
+          <a:lstStyle/>
+          <a:p>
+            <a:fld id="{AAAB3E9E-D708-433F-A405-5153863355EE}" type="slidenum">
+              <a:rPr lang="en-CA" smtClean="0"/>
+              <a:t>‹#›</a:t>
+            </a:fld>
+            <a:endParaRPr lang="en-CA"/>
+          </a:p>
+        </p:txBody>
+      </p:sp>
+      <p:sp>
+        <p:nvSpPr>
+          <p:cNvPr id="9" name="TextBox 8"/>
+          <p:cNvSpPr txBox="1"/>
+          <p:nvPr/>
+        </p:nvSpPr>
+        <p:spPr>
+          <a:xfrm>
+            <a:off x="476250" y="933450"/>
+            <a:ext cx="609600" cy="584776"/>
+          </a:xfrm>
+          <a:prstGeom prst="rect">
+            <a:avLst/>
+          </a:prstGeom>
+        </p:spPr>
+        <p:txBody>
+          <a:bodyPr vert="horz" lIns="91440" tIns="45720" rIns="91440" bIns="45720" rtlCol="0" anchor="ctr">
+            <a:noAutofit/>
+          </a:bodyPr>
+          <a:lstStyle>
+            <a:lvl1pPr>
+              <a:spcBef>
+                <a:spcPct val="0"/>
+              </a:spcBef>
+              <a:buNone/>
+              <a:defRPr sz="3200" b="0" cap="all">
+                <a:ln w="3175" cmpd="sng">
+                  <a:noFill/>
+                </a:ln>
+                <a:effectLst>
+                  <a:glow rad="38100">
+                    <a:schemeClr val="bg1">
+                      <a:lumMod val="65000"/>
+                      <a:lumOff val="35000"/>
+                      <a:alpha val="40000"/>
+                    </a:schemeClr>
+                  </a:glow>
+                  <a:outerShdw blurRad="28575" dist="38100" dir="14040000" algn="tl" rotWithShape="0">
+                    <a:srgbClr val="000000">
+                      <a:alpha val="25000"/>
+                    </a:srgbClr>
+                  </a:outerShdw>
+                </a:effectLst>
+              </a:defRPr>
+            </a:lvl1pPr>
+            <a:lvl2pPr>
+              <a:defRPr>
+                <a:solidFill>
+                  <a:schemeClr val="tx2"/>
+                </a:solidFill>
+              </a:defRPr>
+            </a:lvl2pPr>
+            <a:lvl3pPr>
+              <a:defRPr>
+                <a:solidFill>
+                  <a:schemeClr val="tx2"/>
+                </a:solidFill>
+              </a:defRPr>
+            </a:lvl3pPr>
+            <a:lvl4pPr>
+              <a:defRPr>
+                <a:solidFill>
+                  <a:schemeClr val="tx2"/>
+                </a:solidFill>
+              </a:defRPr>
+            </a:lvl4pPr>
+            <a:lvl5pPr>
+              <a:defRPr>
+                <a:solidFill>
+                  <a:schemeClr val="tx2"/>
+                </a:solidFill>
+              </a:defRPr>
+            </a:lvl5pPr>
+            <a:lvl6pPr>
+              <a:defRPr>
+                <a:solidFill>
+                  <a:schemeClr val="tx2"/>
+                </a:solidFill>
+              </a:defRPr>
+            </a:lvl6pPr>
+            <a:lvl7pPr>
+              <a:defRPr>
+                <a:solidFill>
+                  <a:schemeClr val="tx2"/>
+                </a:solidFill>
+              </a:defRPr>
+            </a:lvl7pPr>
+            <a:lvl8pPr>
+              <a:defRPr>
+                <a:solidFill>
+                  <a:schemeClr val="tx2"/>
+                </a:solidFill>
+              </a:defRPr>
+            </a:lvl8pPr>
+            <a:lvl9pPr>
+              <a:defRPr>
+                <a:solidFill>
+                  <a:schemeClr val="tx2"/>
+                </a:solidFill>
+              </a:defRPr>
+            </a:lvl9pPr>
+          </a:lstStyle>
+          <a:p>
+            <a:pPr lvl="0"/>
+            <a:r>
+              <a:rPr lang="en-US" sz="8000" dirty="0">
+                <a:solidFill>
+                  <a:schemeClr val="tx1"/>
+                </a:solidFill>
+                <a:effectLst/>
+              </a:rPr>
+              <a:t>“</a:t>
+            </a:r>
+          </a:p>
+        </p:txBody>
+      </p:sp>
+      <p:sp>
+        <p:nvSpPr>
+          <p:cNvPr id="10" name="TextBox 9"/>
+          <p:cNvSpPr txBox="1"/>
+          <p:nvPr/>
+        </p:nvSpPr>
+        <p:spPr>
+          <a:xfrm>
+            <a:off x="10984230" y="2701290"/>
+            <a:ext cx="609600" cy="584776"/>
+          </a:xfrm>
+          <a:prstGeom prst="rect">
+            <a:avLst/>
+          </a:prstGeom>
+        </p:spPr>
+        <p:txBody>
+          <a:bodyPr vert="horz" lIns="91440" tIns="45720" rIns="91440" bIns="45720" rtlCol="0" anchor="ctr">
+            <a:noAutofit/>
+          </a:bodyPr>
+          <a:lstStyle>
+            <a:lvl1pPr>
+              <a:spcBef>
+                <a:spcPct val="0"/>
+              </a:spcBef>
+              <a:buNone/>
+              <a:defRPr sz="3200" b="0" cap="all">
+                <a:ln w="3175" cmpd="sng">
+                  <a:noFill/>
+                </a:ln>
+                <a:effectLst>
+                  <a:glow rad="38100">
+                    <a:schemeClr val="bg1">
+                      <a:lumMod val="65000"/>
+                      <a:lumOff val="35000"/>
+                      <a:alpha val="40000"/>
+                    </a:schemeClr>
+                  </a:glow>
+                  <a:outerShdw blurRad="28575" dist="38100" dir="14040000" algn="tl" rotWithShape="0">
+                    <a:srgbClr val="000000">
+                      <a:alpha val="25000"/>
+                    </a:srgbClr>
+                  </a:outerShdw>
+                </a:effectLst>
+              </a:defRPr>
+            </a:lvl1pPr>
+            <a:lvl2pPr>
+              <a:defRPr>
+                <a:solidFill>
+                  <a:schemeClr val="tx2"/>
+                </a:solidFill>
+              </a:defRPr>
+            </a:lvl2pPr>
+            <a:lvl3pPr>
+              <a:defRPr>
+                <a:solidFill>
+                  <a:schemeClr val="tx2"/>
+                </a:solidFill>
+              </a:defRPr>
+            </a:lvl3pPr>
+            <a:lvl4pPr>
+              <a:defRPr>
+                <a:solidFill>
+                  <a:schemeClr val="tx2"/>
+                </a:solidFill>
+              </a:defRPr>
+            </a:lvl4pPr>
+            <a:lvl5pPr>
+              <a:defRPr>
+                <a:solidFill>
+                  <a:schemeClr val="tx2"/>
+                </a:solidFill>
+              </a:defRPr>
+            </a:lvl5pPr>
+            <a:lvl6pPr>
+              <a:defRPr>
+                <a:solidFill>
+                  <a:schemeClr val="tx2"/>
+                </a:solidFill>
+              </a:defRPr>
+            </a:lvl6pPr>
+            <a:lvl7pPr>
+              <a:defRPr>
+                <a:solidFill>
+                  <a:schemeClr val="tx2"/>
+                </a:solidFill>
+              </a:defRPr>
+            </a:lvl7pPr>
+            <a:lvl8pPr>
+              <a:defRPr>
+                <a:solidFill>
+                  <a:schemeClr val="tx2"/>
+                </a:solidFill>
+              </a:defRPr>
+            </a:lvl8pPr>
+            <a:lvl9pPr>
+              <a:defRPr>
+                <a:solidFill>
+                  <a:schemeClr val="tx2"/>
+                </a:solidFill>
+              </a:defRPr>
+            </a:lvl9pPr>
+          </a:lstStyle>
+          <a:p>
+            <a:pPr lvl="0" algn="r"/>
+            <a:r>
+              <a:rPr lang="en-US" sz="8000" dirty="0">
+                <a:solidFill>
+                  <a:schemeClr val="tx1"/>
+                </a:solidFill>
+                <a:effectLst/>
+              </a:rPr>
+              <a:t>”</a:t>
+            </a:r>
+          </a:p>
+        </p:txBody>
+      </p:sp>
+    </p:spTree>
+    <p:extLst>
+      <p:ext uri="{BB962C8B-B14F-4D97-AF65-F5344CB8AC3E}">
+        <p14:creationId xmlns:p14="http://schemas.microsoft.com/office/powerpoint/2010/main" val="4056537650"/>
+      </p:ext>
+    </p:extLst>
+  </p:cSld>
+  <p:clrMapOvr>
+    <a:masterClrMapping/>
+  </p:clrMapOvr>
+</p:sldLayout>
+</file>
+
+<file path=ppt/slideLayouts/slideLayout13.xml><?xml version="1.0" encoding="utf-8"?>
+<p:sldLayout xmlns:a="http://schemas.openxmlformats.org/drawingml/2006/main" xmlns:r="http://schemas.openxmlformats.org/officeDocument/2006/relationships" xmlns:p="http://schemas.openxmlformats.org/presentationml/2006/main" showMasterSp="0" preserve="1">
+  <p:cSld name="Name Card">
+    <p:spTree>
+      <p:nvGrpSpPr>
+        <p:cNvPr id="1" name=""/>
+        <p:cNvGrpSpPr/>
+        <p:nvPr/>
+      </p:nvGrpSpPr>
+      <p:grpSpPr>
+        <a:xfrm>
+          <a:off x="0" y="0"/>
+          <a:ext cx="0" cy="0"/>
+          <a:chOff x="0" y="0"/>
+          <a:chExt cx="0" cy="0"/>
+        </a:xfrm>
+      </p:grpSpPr>
+      <p:pic>
+        <p:nvPicPr>
+          <p:cNvPr id="9" name="Picture 8" descr="C0-HD-BTM.png"/>
+          <p:cNvPicPr>
+            <a:picLocks noChangeAspect="1"/>
+          </p:cNvPicPr>
+          <p:nvPr/>
+        </p:nvPicPr>
+        <p:blipFill>
+          <a:blip r:embed="rId2">
+            <a:extLst>
+              <a:ext uri="{28A0092B-C50C-407E-A947-70E740481C1C}">
+                <a14:useLocalDpi xmlns:a14="http://schemas.microsoft.com/office/drawing/2010/main" val="0"/>
+              </a:ext>
+            </a:extLst>
+          </a:blip>
+          <a:stretch>
+            <a:fillRect/>
+          </a:stretch>
+        </p:blipFill>
+        <p:spPr>
+          <a:xfrm>
+            <a:off x="0" y="4375150"/>
+            <a:ext cx="12192000" cy="2482850"/>
+          </a:xfrm>
+          <a:prstGeom prst="rect">
+            <a:avLst/>
+          </a:prstGeom>
+        </p:spPr>
+      </p:pic>
+      <p:sp>
+        <p:nvSpPr>
+          <p:cNvPr id="2" name="Title 1"/>
+          <p:cNvSpPr>
+            <a:spLocks noGrp="1"/>
+          </p:cNvSpPr>
+          <p:nvPr>
+            <p:ph type="title"/>
+          </p:nvPr>
+        </p:nvSpPr>
+        <p:spPr>
+          <a:xfrm>
+            <a:off x="1024495" y="1124701"/>
+            <a:ext cx="10146186" cy="2511835"/>
+          </a:xfrm>
+        </p:spPr>
+        <p:txBody>
+          <a:bodyPr anchor="b"/>
+          <a:lstStyle>
+            <a:lvl1pPr algn="l">
+              <a:defRPr sz="3200"/>
+            </a:lvl1pPr>
+          </a:lstStyle>
+          <a:p>
+            <a:r>
+              <a:rPr lang="en-US"/>
+              <a:t>Click to edit Master title style</a:t>
+            </a:r>
+            <a:endParaRPr lang="en-US" dirty="0"/>
+          </a:p>
+        </p:txBody>
+      </p:sp>
+      <p:sp>
+        <p:nvSpPr>
+          <p:cNvPr id="4" name="Text Placeholder 3"/>
+          <p:cNvSpPr>
+            <a:spLocks noGrp="1"/>
+          </p:cNvSpPr>
+          <p:nvPr>
+            <p:ph type="body" sz="half" idx="2"/>
+          </p:nvPr>
+        </p:nvSpPr>
+        <p:spPr>
+          <a:xfrm>
+            <a:off x="1024467" y="3648315"/>
+            <a:ext cx="10144654" cy="999885"/>
+          </a:xfrm>
+        </p:spPr>
+        <p:txBody>
+          <a:bodyPr anchor="t"/>
+          <a:lstStyle>
+            <a:lvl1pPr marL="0" indent="0">
+              <a:buNone/>
+              <a:defRPr sz="1600"/>
+            </a:lvl1pPr>
+            <a:lvl2pPr marL="457200" indent="0">
+              <a:buNone/>
+              <a:defRPr sz="1400"/>
+            </a:lvl2pPr>
+            <a:lvl3pPr marL="914400" indent="0">
+              <a:buNone/>
+              <a:defRPr sz="1200"/>
+            </a:lvl3pPr>
+            <a:lvl4pPr marL="1371600" indent="0">
+              <a:buNone/>
+              <a:defRPr sz="1000"/>
+            </a:lvl4pPr>
+            <a:lvl5pPr marL="1828800" indent="0">
+              <a:buNone/>
+              <a:defRPr sz="1000"/>
+            </a:lvl5pPr>
+            <a:lvl6pPr marL="2286000" indent="0">
+              <a:buNone/>
+              <a:defRPr sz="1000"/>
+            </a:lvl6pPr>
+            <a:lvl7pPr marL="2743200" indent="0">
+              <a:buNone/>
+              <a:defRPr sz="1000"/>
+            </a:lvl7pPr>
+            <a:lvl8pPr marL="3200400" indent="0">
+              <a:buNone/>
+              <a:defRPr sz="1000"/>
+            </a:lvl8pPr>
+            <a:lvl9pPr marL="3657600" indent="0">
+              <a:buNone/>
+              <a:defRPr sz="1000"/>
+            </a:lvl9pPr>
+          </a:lstStyle>
+          <a:p>
+            <a:pPr lvl="0"/>
+            <a:r>
+              <a:rPr lang="en-US"/>
+              <a:t>Click to edit Master text styles</a:t>
+            </a:r>
+          </a:p>
+        </p:txBody>
+      </p:sp>
+      <p:sp>
+        <p:nvSpPr>
+          <p:cNvPr id="5" name="Date Placeholder 4"/>
+          <p:cNvSpPr>
+            <a:spLocks noGrp="1"/>
+          </p:cNvSpPr>
+          <p:nvPr>
+            <p:ph type="dt" sz="half" idx="10"/>
+          </p:nvPr>
+        </p:nvSpPr>
+        <p:spPr>
+          <a:xfrm>
+            <a:off x="7814452" y="378883"/>
+            <a:ext cx="2910840" cy="365125"/>
+          </a:xfrm>
+        </p:spPr>
+        <p:txBody>
+          <a:bodyPr/>
+          <a:lstStyle>
+            <a:lvl1pPr algn="r">
+              <a:defRPr/>
+            </a:lvl1pPr>
+          </a:lstStyle>
+          <a:p>
+            <a:fld id="{9D648943-11F5-4E3A-89B9-4D7A01C331E0}" type="datetimeFigureOut">
+              <a:rPr lang="en-CA" smtClean="0"/>
+              <a:t>2019-09-30</a:t>
+            </a:fld>
+            <a:endParaRPr lang="en-CA"/>
+          </a:p>
+        </p:txBody>
+      </p:sp>
+      <p:sp>
+        <p:nvSpPr>
+          <p:cNvPr id="6" name="Footer Placeholder 5"/>
+          <p:cNvSpPr>
+            <a:spLocks noGrp="1"/>
+          </p:cNvSpPr>
+          <p:nvPr>
+            <p:ph type="ftr" sz="quarter" idx="11"/>
+          </p:nvPr>
+        </p:nvSpPr>
+        <p:spPr>
+          <a:xfrm>
+            <a:off x="685800" y="378883"/>
+            <a:ext cx="6991492" cy="365125"/>
+          </a:xfrm>
+        </p:spPr>
+        <p:txBody>
+          <a:bodyPr/>
+          <a:lstStyle/>
+          <a:p>
+            <a:endParaRPr lang="en-CA"/>
+          </a:p>
+        </p:txBody>
+      </p:sp>
+      <p:sp>
+        <p:nvSpPr>
+          <p:cNvPr id="7" name="Slide Number Placeholder 6"/>
+          <p:cNvSpPr>
+            <a:spLocks noGrp="1"/>
+          </p:cNvSpPr>
+          <p:nvPr>
+            <p:ph type="sldNum" sz="quarter" idx="12"/>
+          </p:nvPr>
+        </p:nvSpPr>
+        <p:spPr>
+          <a:xfrm>
+            <a:off x="10862452" y="381000"/>
+            <a:ext cx="643748" cy="365125"/>
+          </a:xfrm>
+        </p:spPr>
+        <p:txBody>
+          <a:bodyPr/>
+          <a:lstStyle/>
+          <a:p>
+            <a:fld id="{AAAB3E9E-D708-433F-A405-5153863355EE}" type="slidenum">
+              <a:rPr lang="en-CA" smtClean="0"/>
+              <a:t>‹#›</a:t>
+            </a:fld>
+            <a:endParaRPr lang="en-CA"/>
+          </a:p>
+        </p:txBody>
+      </p:sp>
+    </p:spTree>
+    <p:extLst>
+      <p:ext uri="{BB962C8B-B14F-4D97-AF65-F5344CB8AC3E}">
+        <p14:creationId xmlns:p14="http://schemas.microsoft.com/office/powerpoint/2010/main" val="2785775716"/>
+      </p:ext>
+    </p:extLst>
+  </p:cSld>
+  <p:clrMapOvr>
+    <a:masterClrMapping/>
+  </p:clrMapOvr>
+</p:sldLayout>
+</file>
+
+<file path=ppt/slideLayouts/slideLayout14.xml><?xml version="1.0" encoding="utf-8"?>
+<p:sldLayout xmlns:a="http://schemas.openxmlformats.org/drawingml/2006/main" xmlns:r="http://schemas.openxmlformats.org/officeDocument/2006/relationships" xmlns:p="http://schemas.openxmlformats.org/presentationml/2006/main" preserve="1">
+  <p:cSld name="3 Column">
+    <p:spTree>
+      <p:nvGrpSpPr>
+        <p:cNvPr id="1" name=""/>
+        <p:cNvGrpSpPr/>
+        <p:nvPr/>
+      </p:nvGrpSpPr>
+      <p:grpSpPr>
+        <a:xfrm>
+          <a:off x="0" y="0"/>
+          <a:ext cx="0" cy="0"/>
+          <a:chOff x="0" y="0"/>
+          <a:chExt cx="0" cy="0"/>
+        </a:xfrm>
+      </p:grpSpPr>
+      <p:sp>
+        <p:nvSpPr>
+          <p:cNvPr id="15" name="Title 1"/>
+          <p:cNvSpPr>
+            <a:spLocks noGrp="1"/>
+          </p:cNvSpPr>
+          <p:nvPr>
+            <p:ph type="title"/>
+          </p:nvPr>
+        </p:nvSpPr>
+        <p:spPr>
+          <a:xfrm>
+            <a:off x="2895600" y="761999"/>
+            <a:ext cx="8610599" cy="1303867"/>
+          </a:xfrm>
+        </p:spPr>
+        <p:txBody>
+          <a:bodyPr/>
+          <a:lstStyle/>
+          <a:p>
+            <a:r>
+              <a:rPr lang="en-US"/>
+              <a:t>Click to edit Master title style</a:t>
+            </a:r>
+            <a:endParaRPr lang="en-US" dirty="0"/>
+          </a:p>
+        </p:txBody>
+      </p:sp>
+      <p:sp>
+        <p:nvSpPr>
+          <p:cNvPr id="7" name="Text Placeholder 2"/>
+          <p:cNvSpPr>
+            <a:spLocks noGrp="1"/>
+          </p:cNvSpPr>
+          <p:nvPr>
+            <p:ph type="body" idx="1"/>
+          </p:nvPr>
+        </p:nvSpPr>
+        <p:spPr>
+          <a:xfrm>
+            <a:off x="685800" y="2202080"/>
+            <a:ext cx="3456432" cy="617320"/>
+          </a:xfrm>
+        </p:spPr>
+        <p:txBody>
+          <a:bodyPr anchor="b">
+            <a:noAutofit/>
+          </a:bodyPr>
+          <a:lstStyle>
+            <a:lvl1pPr marL="0" indent="0">
+              <a:buNone/>
+              <a:defRPr sz="2400" b="0">
+                <a:solidFill>
+                  <a:schemeClr val="tx1"/>
+                </a:solidFill>
+              </a:defRPr>
+            </a:lvl1pPr>
+            <a:lvl2pPr marL="457200" indent="0">
+              <a:buNone/>
+              <a:defRPr sz="2000" b="1"/>
+            </a:lvl2pPr>
+            <a:lvl3pPr marL="914400" indent="0">
+              <a:buNone/>
+              <a:defRPr sz="1800" b="1"/>
+            </a:lvl3pPr>
+            <a:lvl4pPr marL="1371600" indent="0">
+              <a:buNone/>
+              <a:defRPr sz="1600" b="1"/>
+            </a:lvl4pPr>
+            <a:lvl5pPr marL="1828800" indent="0">
+              <a:buNone/>
+              <a:defRPr sz="1600" b="1"/>
+            </a:lvl5pPr>
+            <a:lvl6pPr marL="2286000" indent="0">
+              <a:buNone/>
+              <a:defRPr sz="1600" b="1"/>
+            </a:lvl6pPr>
+            <a:lvl7pPr marL="2743200" indent="0">
+              <a:buNone/>
+              <a:defRPr sz="1600" b="1"/>
+            </a:lvl7pPr>
+            <a:lvl8pPr marL="3200400" indent="0">
+              <a:buNone/>
+              <a:defRPr sz="1600" b="1"/>
+            </a:lvl8pPr>
+            <a:lvl9pPr marL="3657600" indent="0">
+              <a:buNone/>
+              <a:defRPr sz="1600" b="1"/>
+            </a:lvl9pPr>
+          </a:lstStyle>
+          <a:p>
+            <a:pPr lvl="0"/>
+            <a:r>
+              <a:rPr lang="en-US"/>
+              <a:t>Click to edit Master text styles</a:t>
+            </a:r>
+          </a:p>
+        </p:txBody>
+      </p:sp>
+      <p:sp>
+        <p:nvSpPr>
+          <p:cNvPr id="8" name="Text Placeholder 3"/>
+          <p:cNvSpPr>
+            <a:spLocks noGrp="1"/>
+          </p:cNvSpPr>
+          <p:nvPr>
+            <p:ph type="body" sz="half" idx="15"/>
+          </p:nvPr>
+        </p:nvSpPr>
+        <p:spPr>
+          <a:xfrm>
+            <a:off x="685799" y="2904565"/>
+            <a:ext cx="3456432" cy="3314132"/>
+          </a:xfrm>
+        </p:spPr>
+        <p:txBody>
+          <a:bodyPr anchor="t">
+            <a:normAutofit/>
+          </a:bodyPr>
+          <a:lstStyle>
+            <a:lvl1pPr marL="0" indent="0">
+              <a:buNone/>
+              <a:defRPr sz="1400"/>
+            </a:lvl1pPr>
+            <a:lvl2pPr marL="457200" indent="0">
+              <a:buNone/>
+              <a:defRPr sz="1200"/>
+            </a:lvl2pPr>
+            <a:lvl3pPr marL="914400" indent="0">
+              <a:buNone/>
+              <a:defRPr sz="1000"/>
+            </a:lvl3pPr>
+            <a:lvl4pPr marL="1371600" indent="0">
+              <a:buNone/>
+              <a:defRPr sz="900"/>
+            </a:lvl4pPr>
+            <a:lvl5pPr marL="1828800" indent="0">
+              <a:buNone/>
+              <a:defRPr sz="900"/>
+            </a:lvl5pPr>
+            <a:lvl6pPr marL="2286000" indent="0">
+              <a:buNone/>
+              <a:defRPr sz="900"/>
+            </a:lvl6pPr>
+            <a:lvl7pPr marL="2743200" indent="0">
+              <a:buNone/>
+              <a:defRPr sz="900"/>
+            </a:lvl7pPr>
+            <a:lvl8pPr marL="3200400" indent="0">
+              <a:buNone/>
+              <a:defRPr sz="900"/>
+            </a:lvl8pPr>
+            <a:lvl9pPr marL="3657600" indent="0">
+              <a:buNone/>
+              <a:defRPr sz="900"/>
+            </a:lvl9pPr>
+          </a:lstStyle>
+          <a:p>
+            <a:pPr lvl="0"/>
+            <a:r>
+              <a:rPr lang="en-US"/>
+              <a:t>Click to edit Master text styles</a:t>
+            </a:r>
+          </a:p>
+        </p:txBody>
+      </p:sp>
+      <p:sp>
+        <p:nvSpPr>
+          <p:cNvPr id="9" name="Text Placeholder 4"/>
+          <p:cNvSpPr>
+            <a:spLocks noGrp="1"/>
+          </p:cNvSpPr>
+          <p:nvPr>
+            <p:ph type="body" sz="quarter" idx="3"/>
+          </p:nvPr>
+        </p:nvSpPr>
+        <p:spPr>
+          <a:xfrm>
+            <a:off x="4368800" y="2201333"/>
+            <a:ext cx="3456432" cy="626534"/>
+          </a:xfrm>
+        </p:spPr>
+        <p:txBody>
+          <a:bodyPr anchor="b">
+            <a:noAutofit/>
+          </a:bodyPr>
+          <a:lstStyle>
+            <a:lvl1pPr marL="0" indent="0">
+              <a:buNone/>
+              <a:defRPr sz="2400" b="0">
+                <a:solidFill>
+                  <a:schemeClr val="tx1"/>
+                </a:solidFill>
+              </a:defRPr>
+            </a:lvl1pPr>
+            <a:lvl2pPr marL="457200" indent="0">
+              <a:buNone/>
+              <a:defRPr sz="2000" b="1"/>
+            </a:lvl2pPr>
+            <a:lvl3pPr marL="914400" indent="0">
+              <a:buNone/>
+              <a:defRPr sz="1800" b="1"/>
+            </a:lvl3pPr>
+            <a:lvl4pPr marL="1371600" indent="0">
+              <a:buNone/>
+              <a:defRPr sz="1600" b="1"/>
+            </a:lvl4pPr>
+            <a:lvl5pPr marL="1828800" indent="0">
+              <a:buNone/>
+              <a:defRPr sz="1600" b="1"/>
+            </a:lvl5pPr>
+            <a:lvl6pPr marL="2286000" indent="0">
+              <a:buNone/>
+              <a:defRPr sz="1600" b="1"/>
+            </a:lvl6pPr>
+            <a:lvl7pPr marL="2743200" indent="0">
+              <a:buNone/>
+              <a:defRPr sz="1600" b="1"/>
+            </a:lvl7pPr>
+            <a:lvl8pPr marL="3200400" indent="0">
+              <a:buNone/>
+              <a:defRPr sz="1600" b="1"/>
+            </a:lvl8pPr>
+            <a:lvl9pPr marL="3657600" indent="0">
+              <a:buNone/>
+              <a:defRPr sz="1600" b="1"/>
+            </a:lvl9pPr>
+          </a:lstStyle>
+          <a:p>
+            <a:pPr lvl="0"/>
+            <a:r>
+              <a:rPr lang="en-US"/>
+              <a:t>Click to edit Master text styles</a:t>
+            </a:r>
+          </a:p>
+        </p:txBody>
+      </p:sp>
+      <p:sp>
+        <p:nvSpPr>
+          <p:cNvPr id="10" name="Text Placeholder 3"/>
+          <p:cNvSpPr>
+            <a:spLocks noGrp="1"/>
+          </p:cNvSpPr>
+          <p:nvPr>
+            <p:ph type="body" sz="half" idx="16"/>
+          </p:nvPr>
+        </p:nvSpPr>
+        <p:spPr>
+          <a:xfrm>
+            <a:off x="4366858" y="2904067"/>
+            <a:ext cx="3456432" cy="3314618"/>
+          </a:xfrm>
+        </p:spPr>
+        <p:txBody>
+          <a:bodyPr anchor="t">
+            <a:normAutofit/>
+          </a:bodyPr>
+          <a:lstStyle>
+            <a:lvl1pPr marL="0" indent="0">
+              <a:buNone/>
+              <a:defRPr sz="1400"/>
+            </a:lvl1pPr>
+            <a:lvl2pPr marL="457200" indent="0">
+              <a:buNone/>
+              <a:defRPr sz="1200"/>
+            </a:lvl2pPr>
+            <a:lvl3pPr marL="914400" indent="0">
+              <a:buNone/>
+              <a:defRPr sz="1000"/>
+            </a:lvl3pPr>
+            <a:lvl4pPr marL="1371600" indent="0">
+              <a:buNone/>
+              <a:defRPr sz="900"/>
+            </a:lvl4pPr>
+            <a:lvl5pPr marL="1828800" indent="0">
+              <a:buNone/>
+              <a:defRPr sz="900"/>
+            </a:lvl5pPr>
+            <a:lvl6pPr marL="2286000" indent="0">
+              <a:buNone/>
+              <a:defRPr sz="900"/>
+            </a:lvl6pPr>
+            <a:lvl7pPr marL="2743200" indent="0">
+              <a:buNone/>
+              <a:defRPr sz="900"/>
+            </a:lvl7pPr>
+            <a:lvl8pPr marL="3200400" indent="0">
+              <a:buNone/>
+              <a:defRPr sz="900"/>
+            </a:lvl8pPr>
+            <a:lvl9pPr marL="3657600" indent="0">
+              <a:buNone/>
+              <a:defRPr sz="900"/>
+            </a:lvl9pPr>
+          </a:lstStyle>
+          <a:p>
+            <a:pPr lvl="0"/>
+            <a:r>
+              <a:rPr lang="en-US"/>
+              <a:t>Click to edit Master text styles</a:t>
+            </a:r>
+          </a:p>
+        </p:txBody>
+      </p:sp>
+      <p:sp>
+        <p:nvSpPr>
+          <p:cNvPr id="11" name="Text Placeholder 4"/>
+          <p:cNvSpPr>
+            <a:spLocks noGrp="1"/>
+          </p:cNvSpPr>
+          <p:nvPr>
+            <p:ph type="body" sz="quarter" idx="13"/>
+          </p:nvPr>
+        </p:nvSpPr>
+        <p:spPr>
+          <a:xfrm>
+            <a:off x="8051800" y="2192866"/>
+            <a:ext cx="3456432" cy="626534"/>
+          </a:xfrm>
+        </p:spPr>
+        <p:txBody>
+          <a:bodyPr anchor="b">
+            <a:noAutofit/>
+          </a:bodyPr>
+          <a:lstStyle>
+            <a:lvl1pPr marL="0" indent="0">
+              <a:buNone/>
+              <a:defRPr sz="2400" b="0">
+                <a:solidFill>
+                  <a:schemeClr val="tx1"/>
+                </a:solidFill>
+              </a:defRPr>
+            </a:lvl1pPr>
+            <a:lvl2pPr marL="457200" indent="0">
+              <a:buNone/>
+              <a:defRPr sz="2000" b="1"/>
+            </a:lvl2pPr>
+            <a:lvl3pPr marL="914400" indent="0">
+              <a:buNone/>
+              <a:defRPr sz="1800" b="1"/>
+            </a:lvl3pPr>
+            <a:lvl4pPr marL="1371600" indent="0">
+              <a:buNone/>
+              <a:defRPr sz="1600" b="1"/>
+            </a:lvl4pPr>
+            <a:lvl5pPr marL="1828800" indent="0">
+              <a:buNone/>
+              <a:defRPr sz="1600" b="1"/>
+            </a:lvl5pPr>
+            <a:lvl6pPr marL="2286000" indent="0">
+              <a:buNone/>
+              <a:defRPr sz="1600" b="1"/>
+            </a:lvl6pPr>
+            <a:lvl7pPr marL="2743200" indent="0">
+              <a:buNone/>
+              <a:defRPr sz="1600" b="1"/>
+            </a:lvl7pPr>
+            <a:lvl8pPr marL="3200400" indent="0">
+              <a:buNone/>
+              <a:defRPr sz="1600" b="1"/>
+            </a:lvl8pPr>
+            <a:lvl9pPr marL="3657600" indent="0">
+              <a:buNone/>
+              <a:defRPr sz="1600" b="1"/>
+            </a:lvl9pPr>
+          </a:lstStyle>
+          <a:p>
+            <a:pPr lvl="0"/>
+            <a:r>
+              <a:rPr lang="en-US"/>
+              <a:t>Click to edit Master text styles</a:t>
+            </a:r>
+          </a:p>
+        </p:txBody>
+      </p:sp>
+      <p:sp>
+        <p:nvSpPr>
+          <p:cNvPr id="12" name="Text Placeholder 3"/>
+          <p:cNvSpPr>
+            <a:spLocks noGrp="1"/>
+          </p:cNvSpPr>
+          <p:nvPr>
+            <p:ph type="body" sz="half" idx="17"/>
+          </p:nvPr>
+        </p:nvSpPr>
+        <p:spPr>
+          <a:xfrm>
+            <a:off x="8051801" y="2904565"/>
+            <a:ext cx="3456432" cy="3314132"/>
+          </a:xfrm>
+        </p:spPr>
+        <p:txBody>
+          <a:bodyPr anchor="t">
+            <a:normAutofit/>
+          </a:bodyPr>
+          <a:lstStyle>
+            <a:lvl1pPr marL="0" indent="0">
+              <a:buNone/>
+              <a:defRPr sz="1400"/>
+            </a:lvl1pPr>
+            <a:lvl2pPr marL="457200" indent="0">
+              <a:buNone/>
+              <a:defRPr sz="1200"/>
+            </a:lvl2pPr>
+            <a:lvl3pPr marL="914400" indent="0">
+              <a:buNone/>
+              <a:defRPr sz="1000"/>
+            </a:lvl3pPr>
+            <a:lvl4pPr marL="1371600" indent="0">
+              <a:buNone/>
+              <a:defRPr sz="900"/>
+            </a:lvl4pPr>
+            <a:lvl5pPr marL="1828800" indent="0">
+              <a:buNone/>
+              <a:defRPr sz="900"/>
+            </a:lvl5pPr>
+            <a:lvl6pPr marL="2286000" indent="0">
+              <a:buNone/>
+              <a:defRPr sz="900"/>
+            </a:lvl6pPr>
+            <a:lvl7pPr marL="2743200" indent="0">
+              <a:buNone/>
+              <a:defRPr sz="900"/>
+            </a:lvl7pPr>
+            <a:lvl8pPr marL="3200400" indent="0">
+              <a:buNone/>
+              <a:defRPr sz="900"/>
+            </a:lvl8pPr>
+            <a:lvl9pPr marL="3657600" indent="0">
+              <a:buNone/>
+              <a:defRPr sz="900"/>
+            </a:lvl9pPr>
+          </a:lstStyle>
+          <a:p>
+            <a:pPr lvl="0"/>
+            <a:r>
+              <a:rPr lang="en-US"/>
+              <a:t>Click to edit Master text styles</a:t>
+            </a:r>
+          </a:p>
+        </p:txBody>
+      </p:sp>
+      <p:sp>
+        <p:nvSpPr>
+          <p:cNvPr id="3" name="Date Placeholder 2"/>
+          <p:cNvSpPr>
+            <a:spLocks noGrp="1"/>
+          </p:cNvSpPr>
+          <p:nvPr>
+            <p:ph type="dt" sz="half" idx="10"/>
+          </p:nvPr>
+        </p:nvSpPr>
+        <p:spPr/>
+        <p:txBody>
+          <a:bodyPr/>
+          <a:lstStyle/>
+          <a:p>
+            <a:fld id="{9D648943-11F5-4E3A-89B9-4D7A01C331E0}" type="datetimeFigureOut">
+              <a:rPr lang="en-CA" smtClean="0"/>
+              <a:t>2019-09-30</a:t>
+            </a:fld>
+            <a:endParaRPr lang="en-CA"/>
+          </a:p>
+        </p:txBody>
+      </p:sp>
+      <p:sp>
+        <p:nvSpPr>
+          <p:cNvPr id="4" name="Footer Placeholder 3"/>
+          <p:cNvSpPr>
+            <a:spLocks noGrp="1"/>
+          </p:cNvSpPr>
+          <p:nvPr>
+            <p:ph type="ftr" sz="quarter" idx="11"/>
+          </p:nvPr>
+        </p:nvSpPr>
+        <p:spPr/>
+        <p:txBody>
+          <a:bodyPr/>
+          <a:lstStyle/>
+          <a:p>
+            <a:endParaRPr lang="en-CA"/>
+          </a:p>
+        </p:txBody>
+      </p:sp>
+      <p:sp>
+        <p:nvSpPr>
+          <p:cNvPr id="5" name="Slide Number Placeholder 4"/>
+          <p:cNvSpPr>
+            <a:spLocks noGrp="1"/>
+          </p:cNvSpPr>
+          <p:nvPr>
+            <p:ph type="sldNum" sz="quarter" idx="12"/>
+          </p:nvPr>
+        </p:nvSpPr>
+        <p:spPr/>
+        <p:txBody>
+          <a:bodyPr/>
+          <a:lstStyle/>
+          <a:p>
+            <a:fld id="{AAAB3E9E-D708-433F-A405-5153863355EE}" type="slidenum">
+              <a:rPr lang="en-CA" smtClean="0"/>
+              <a:t>‹#›</a:t>
+            </a:fld>
+            <a:endParaRPr lang="en-CA"/>
+          </a:p>
+        </p:txBody>
+      </p:sp>
+    </p:spTree>
+    <p:extLst>
+      <p:ext uri="{BB962C8B-B14F-4D97-AF65-F5344CB8AC3E}">
+        <p14:creationId xmlns:p14="http://schemas.microsoft.com/office/powerpoint/2010/main" val="2916224945"/>
+      </p:ext>
+    </p:extLst>
+  </p:cSld>
+  <p:clrMapOvr>
+    <a:masterClrMapping/>
+  </p:clrMapOvr>
+</p:sldLayout>
+</file>
+
+<file path=ppt/slideLayouts/slideLayout15.xml><?xml version="1.0" encoding="utf-8"?>
+<p:sldLayout xmlns:a="http://schemas.openxmlformats.org/drawingml/2006/main" xmlns:r="http://schemas.openxmlformats.org/officeDocument/2006/relationships" xmlns:p="http://schemas.openxmlformats.org/presentationml/2006/main" preserve="1">
+  <p:cSld name="3 Picture Column">
+    <p:spTree>
+      <p:nvGrpSpPr>
+        <p:cNvPr id="1" name=""/>
+        <p:cNvGrpSpPr/>
+        <p:nvPr/>
+      </p:nvGrpSpPr>
+      <p:grpSpPr>
+        <a:xfrm>
+          <a:off x="0" y="0"/>
+          <a:ext cx="0" cy="0"/>
+          <a:chOff x="0" y="0"/>
+          <a:chExt cx="0" cy="0"/>
+        </a:xfrm>
+      </p:grpSpPr>
+      <p:sp>
+        <p:nvSpPr>
+          <p:cNvPr id="30" name="Title 1"/>
+          <p:cNvSpPr>
+            <a:spLocks noGrp="1"/>
+          </p:cNvSpPr>
+          <p:nvPr>
+            <p:ph type="title"/>
+          </p:nvPr>
+        </p:nvSpPr>
+        <p:spPr>
+          <a:xfrm>
+            <a:off x="2895600" y="762000"/>
+            <a:ext cx="8610599" cy="1295400"/>
+          </a:xfrm>
+        </p:spPr>
+        <p:txBody>
+          <a:bodyPr/>
+          <a:lstStyle/>
+          <a:p>
+            <a:r>
+              <a:rPr lang="en-US"/>
+              <a:t>Click to edit Master title style</a:t>
+            </a:r>
+            <a:endParaRPr lang="en-US" dirty="0"/>
+          </a:p>
+        </p:txBody>
+      </p:sp>
+      <p:sp>
+        <p:nvSpPr>
+          <p:cNvPr id="19" name="Text Placeholder 2"/>
+          <p:cNvSpPr>
+            <a:spLocks noGrp="1"/>
+          </p:cNvSpPr>
+          <p:nvPr>
+            <p:ph type="body" idx="1"/>
+          </p:nvPr>
+        </p:nvSpPr>
+        <p:spPr>
+          <a:xfrm>
+            <a:off x="688618" y="4191000"/>
+            <a:ext cx="3451582" cy="682765"/>
+          </a:xfrm>
+        </p:spPr>
+        <p:txBody>
+          <a:bodyPr anchor="b">
+            <a:noAutofit/>
+          </a:bodyPr>
+          <a:lstStyle>
+            <a:lvl1pPr marL="0" indent="0">
+              <a:buNone/>
+              <a:defRPr sz="2400" b="0">
+                <a:solidFill>
+                  <a:schemeClr val="tx1"/>
+                </a:solidFill>
+              </a:defRPr>
+            </a:lvl1pPr>
+            <a:lvl2pPr marL="457200" indent="0">
+              <a:buNone/>
+              <a:defRPr sz="2000" b="1"/>
+            </a:lvl2pPr>
+            <a:lvl3pPr marL="914400" indent="0">
+              <a:buNone/>
+              <a:defRPr sz="1800" b="1"/>
+            </a:lvl3pPr>
+            <a:lvl4pPr marL="1371600" indent="0">
+              <a:buNone/>
+              <a:defRPr sz="1600" b="1"/>
+            </a:lvl4pPr>
+            <a:lvl5pPr marL="1828800" indent="0">
+              <a:buNone/>
+              <a:defRPr sz="1600" b="1"/>
+            </a:lvl5pPr>
+            <a:lvl6pPr marL="2286000" indent="0">
+              <a:buNone/>
+              <a:defRPr sz="1600" b="1"/>
+            </a:lvl6pPr>
+            <a:lvl7pPr marL="2743200" indent="0">
+              <a:buNone/>
+              <a:defRPr sz="1600" b="1"/>
+            </a:lvl7pPr>
+            <a:lvl8pPr marL="3200400" indent="0">
+              <a:buNone/>
+              <a:defRPr sz="1600" b="1"/>
+            </a:lvl8pPr>
+            <a:lvl9pPr marL="3657600" indent="0">
+              <a:buNone/>
+              <a:defRPr sz="1600" b="1"/>
+            </a:lvl9pPr>
+          </a:lstStyle>
+          <a:p>
+            <a:pPr lvl="0"/>
+            <a:r>
+              <a:rPr lang="en-US"/>
+              <a:t>Click to edit Master text styles</a:t>
+            </a:r>
+          </a:p>
+        </p:txBody>
+      </p:sp>
+      <p:sp>
+        <p:nvSpPr>
+          <p:cNvPr id="20" name="Picture Placeholder 2"/>
+          <p:cNvSpPr>
+            <a:spLocks noGrp="1" noChangeAspect="1"/>
+          </p:cNvSpPr>
+          <p:nvPr>
+            <p:ph type="pic" idx="15"/>
+          </p:nvPr>
+        </p:nvSpPr>
+        <p:spPr>
+          <a:xfrm>
+            <a:off x="688618" y="2362200"/>
+            <a:ext cx="3451582" cy="1524000"/>
+          </a:xfrm>
+          <a:prstGeom prst="roundRect">
+            <a:avLst>
+              <a:gd name="adj" fmla="val 0"/>
+            </a:avLst>
+          </a:prstGeom>
+          <a:effectLst>
+            <a:outerShdw blurRad="50800" dist="50800" dir="5400000" algn="tl" rotWithShape="0">
+              <a:srgbClr val="000000">
+                <a:alpha val="43000"/>
+              </a:srgbClr>
+            </a:outerShdw>
+          </a:effectLst>
+        </p:spPr>
+        <p:txBody>
+          <a:bodyPr anchor="t">
+            <a:normAutofit/>
+          </a:bodyPr>
+          <a:lstStyle>
+            <a:lvl1pPr marL="0" indent="0" algn="ctr">
+              <a:buNone/>
+              <a:defRPr sz="1600"/>
+            </a:lvl1pPr>
+            <a:lvl2pPr marL="457200" indent="0">
+              <a:buNone/>
+              <a:defRPr sz="1600"/>
+            </a:lvl2pPr>
+            <a:lvl3pPr marL="914400" indent="0">
+              <a:buNone/>
+              <a:defRPr sz="1600"/>
+            </a:lvl3pPr>
+            <a:lvl4pPr marL="1371600" indent="0">
+              <a:buNone/>
+              <a:defRPr sz="1600"/>
+            </a:lvl4pPr>
+            <a:lvl5pPr marL="1828800" indent="0">
+              <a:buNone/>
+              <a:defRPr sz="1600"/>
+            </a:lvl5pPr>
+            <a:lvl6pPr marL="2286000" indent="0">
+              <a:buNone/>
+              <a:defRPr sz="1600"/>
+            </a:lvl6pPr>
+            <a:lvl7pPr marL="2743200" indent="0">
+              <a:buNone/>
+              <a:defRPr sz="1600"/>
+            </a:lvl7pPr>
+            <a:lvl8pPr marL="3200400" indent="0">
+              <a:buNone/>
+              <a:defRPr sz="1600"/>
+            </a:lvl8pPr>
+            <a:lvl9pPr marL="3657600" indent="0">
+              <a:buNone/>
+              <a:defRPr sz="1600"/>
+            </a:lvl9pPr>
+          </a:lstStyle>
+          <a:p>
+            <a:r>
+              <a:rPr lang="en-US"/>
+              <a:t>Click icon to add picture</a:t>
+            </a:r>
+            <a:endParaRPr lang="en-US" dirty="0"/>
+          </a:p>
+        </p:txBody>
+      </p:sp>
+      <p:sp>
+        <p:nvSpPr>
+          <p:cNvPr id="21" name="Text Placeholder 3"/>
+          <p:cNvSpPr>
+            <a:spLocks noGrp="1"/>
+          </p:cNvSpPr>
+          <p:nvPr>
+            <p:ph type="body" sz="half" idx="18"/>
+          </p:nvPr>
+        </p:nvSpPr>
+        <p:spPr>
+          <a:xfrm>
+            <a:off x="688618" y="4873764"/>
+            <a:ext cx="3451582" cy="1344921"/>
+          </a:xfrm>
+        </p:spPr>
+        <p:txBody>
+          <a:bodyPr anchor="t">
+            <a:normAutofit/>
+          </a:bodyPr>
+          <a:lstStyle>
+            <a:lvl1pPr marL="0" indent="0">
+              <a:buNone/>
+              <a:defRPr sz="1400"/>
+            </a:lvl1pPr>
+            <a:lvl2pPr marL="457200" indent="0">
+              <a:buNone/>
+              <a:defRPr sz="1200"/>
+            </a:lvl2pPr>
+            <a:lvl3pPr marL="914400" indent="0">
+              <a:buNone/>
+              <a:defRPr sz="1000"/>
+            </a:lvl3pPr>
+            <a:lvl4pPr marL="1371600" indent="0">
+              <a:buNone/>
+              <a:defRPr sz="900"/>
+            </a:lvl4pPr>
+            <a:lvl5pPr marL="1828800" indent="0">
+              <a:buNone/>
+              <a:defRPr sz="900"/>
+            </a:lvl5pPr>
+            <a:lvl6pPr marL="2286000" indent="0">
+              <a:buNone/>
+              <a:defRPr sz="900"/>
+            </a:lvl6pPr>
+            <a:lvl7pPr marL="2743200" indent="0">
+              <a:buNone/>
+              <a:defRPr sz="900"/>
+            </a:lvl7pPr>
+            <a:lvl8pPr marL="3200400" indent="0">
+              <a:buNone/>
+              <a:defRPr sz="900"/>
+            </a:lvl8pPr>
+            <a:lvl9pPr marL="3657600" indent="0">
+              <a:buNone/>
+              <a:defRPr sz="900"/>
+            </a:lvl9pPr>
+          </a:lstStyle>
+          <a:p>
+            <a:pPr lvl="0"/>
+            <a:r>
+              <a:rPr lang="en-US"/>
+              <a:t>Click to edit Master text styles</a:t>
+            </a:r>
+          </a:p>
+        </p:txBody>
+      </p:sp>
+      <p:sp>
+        <p:nvSpPr>
+          <p:cNvPr id="22" name="Text Placeholder 4"/>
+          <p:cNvSpPr>
+            <a:spLocks noGrp="1"/>
+          </p:cNvSpPr>
+          <p:nvPr>
+            <p:ph type="body" sz="quarter" idx="3"/>
+          </p:nvPr>
+        </p:nvSpPr>
+        <p:spPr>
+          <a:xfrm>
+            <a:off x="4374263" y="4191000"/>
+            <a:ext cx="3448935" cy="682765"/>
+          </a:xfrm>
+        </p:spPr>
+        <p:txBody>
+          <a:bodyPr anchor="b">
+            <a:noAutofit/>
+          </a:bodyPr>
+          <a:lstStyle>
+            <a:lvl1pPr marL="0" indent="0">
+              <a:buNone/>
+              <a:defRPr sz="2400" b="0">
+                <a:solidFill>
+                  <a:schemeClr val="tx1"/>
+                </a:solidFill>
+              </a:defRPr>
+            </a:lvl1pPr>
+            <a:lvl2pPr marL="457200" indent="0">
+              <a:buNone/>
+              <a:defRPr sz="2000" b="1"/>
+            </a:lvl2pPr>
+            <a:lvl3pPr marL="914400" indent="0">
+              <a:buNone/>
+              <a:defRPr sz="1800" b="1"/>
+            </a:lvl3pPr>
+            <a:lvl4pPr marL="1371600" indent="0">
+              <a:buNone/>
+              <a:defRPr sz="1600" b="1"/>
+            </a:lvl4pPr>
+            <a:lvl5pPr marL="1828800" indent="0">
+              <a:buNone/>
+              <a:defRPr sz="1600" b="1"/>
+            </a:lvl5pPr>
+            <a:lvl6pPr marL="2286000" indent="0">
+              <a:buNone/>
+              <a:defRPr sz="1600" b="1"/>
+            </a:lvl6pPr>
+            <a:lvl7pPr marL="2743200" indent="0">
+              <a:buNone/>
+              <a:defRPr sz="1600" b="1"/>
+            </a:lvl7pPr>
+            <a:lvl8pPr marL="3200400" indent="0">
+              <a:buNone/>
+              <a:defRPr sz="1600" b="1"/>
+            </a:lvl8pPr>
+            <a:lvl9pPr marL="3657600" indent="0">
+              <a:buNone/>
+              <a:defRPr sz="1600" b="1"/>
+            </a:lvl9pPr>
+          </a:lstStyle>
+          <a:p>
+            <a:pPr lvl="0"/>
+            <a:r>
+              <a:rPr lang="en-US"/>
+              <a:t>Click to edit Master text styles</a:t>
+            </a:r>
+          </a:p>
+        </p:txBody>
+      </p:sp>
+      <p:sp>
+        <p:nvSpPr>
+          <p:cNvPr id="23" name="Picture Placeholder 2"/>
+          <p:cNvSpPr>
+            <a:spLocks noGrp="1" noChangeAspect="1"/>
+          </p:cNvSpPr>
+          <p:nvPr>
+            <p:ph type="pic" idx="21"/>
+          </p:nvPr>
+        </p:nvSpPr>
+        <p:spPr>
+          <a:xfrm>
+            <a:off x="4374263" y="2362200"/>
+            <a:ext cx="3448936" cy="1524000"/>
+          </a:xfrm>
+          <a:prstGeom prst="roundRect">
+            <a:avLst>
+              <a:gd name="adj" fmla="val 0"/>
+            </a:avLst>
+          </a:prstGeom>
+          <a:effectLst>
+            <a:outerShdw blurRad="50800" dist="50800" dir="5400000" algn="tl" rotWithShape="0">
+              <a:srgbClr val="000000">
+                <a:alpha val="43000"/>
+              </a:srgbClr>
+            </a:outerShdw>
+          </a:effectLst>
+        </p:spPr>
+        <p:txBody>
+          <a:bodyPr anchor="t">
+            <a:normAutofit/>
+          </a:bodyPr>
+          <a:lstStyle>
+            <a:lvl1pPr marL="0" indent="0" algn="ctr">
+              <a:buNone/>
+              <a:defRPr sz="1600"/>
+            </a:lvl1pPr>
+            <a:lvl2pPr marL="457200" indent="0">
+              <a:buNone/>
+              <a:defRPr sz="1600"/>
+            </a:lvl2pPr>
+            <a:lvl3pPr marL="914400" indent="0">
+              <a:buNone/>
+              <a:defRPr sz="1600"/>
+            </a:lvl3pPr>
+            <a:lvl4pPr marL="1371600" indent="0">
+              <a:buNone/>
+              <a:defRPr sz="1600"/>
+            </a:lvl4pPr>
+            <a:lvl5pPr marL="1828800" indent="0">
+              <a:buNone/>
+              <a:defRPr sz="1600"/>
+            </a:lvl5pPr>
+            <a:lvl6pPr marL="2286000" indent="0">
+              <a:buNone/>
+              <a:defRPr sz="1600"/>
+            </a:lvl6pPr>
+            <a:lvl7pPr marL="2743200" indent="0">
+              <a:buNone/>
+              <a:defRPr sz="1600"/>
+            </a:lvl7pPr>
+            <a:lvl8pPr marL="3200400" indent="0">
+              <a:buNone/>
+              <a:defRPr sz="1600"/>
+            </a:lvl8pPr>
+            <a:lvl9pPr marL="3657600" indent="0">
+              <a:buNone/>
+              <a:defRPr sz="1600"/>
+            </a:lvl9pPr>
+          </a:lstStyle>
+          <a:p>
+            <a:r>
+              <a:rPr lang="en-US"/>
+              <a:t>Click icon to add picture</a:t>
+            </a:r>
+            <a:endParaRPr lang="en-US" dirty="0"/>
+          </a:p>
+        </p:txBody>
+      </p:sp>
+      <p:sp>
+        <p:nvSpPr>
+          <p:cNvPr id="24" name="Text Placeholder 3"/>
+          <p:cNvSpPr>
+            <a:spLocks noGrp="1"/>
+          </p:cNvSpPr>
+          <p:nvPr>
+            <p:ph type="body" sz="half" idx="19"/>
+          </p:nvPr>
+        </p:nvSpPr>
+        <p:spPr>
+          <a:xfrm>
+            <a:off x="4374264" y="4873763"/>
+            <a:ext cx="3448935" cy="1344921"/>
+          </a:xfrm>
+        </p:spPr>
+        <p:txBody>
+          <a:bodyPr anchor="t">
+            <a:normAutofit/>
+          </a:bodyPr>
+          <a:lstStyle>
+            <a:lvl1pPr marL="0" indent="0">
+              <a:buNone/>
+              <a:defRPr sz="1400"/>
+            </a:lvl1pPr>
+            <a:lvl2pPr marL="457200" indent="0">
+              <a:buNone/>
+              <a:defRPr sz="1200"/>
+            </a:lvl2pPr>
+            <a:lvl3pPr marL="914400" indent="0">
+              <a:buNone/>
+              <a:defRPr sz="1000"/>
+            </a:lvl3pPr>
+            <a:lvl4pPr marL="1371600" indent="0">
+              <a:buNone/>
+              <a:defRPr sz="900"/>
+            </a:lvl4pPr>
+            <a:lvl5pPr marL="1828800" indent="0">
+              <a:buNone/>
+              <a:defRPr sz="900"/>
+            </a:lvl5pPr>
+            <a:lvl6pPr marL="2286000" indent="0">
+              <a:buNone/>
+              <a:defRPr sz="900"/>
+            </a:lvl6pPr>
+            <a:lvl7pPr marL="2743200" indent="0">
+              <a:buNone/>
+              <a:defRPr sz="900"/>
+            </a:lvl7pPr>
+            <a:lvl8pPr marL="3200400" indent="0">
+              <a:buNone/>
+              <a:defRPr sz="900"/>
+            </a:lvl8pPr>
+            <a:lvl9pPr marL="3657600" indent="0">
+              <a:buNone/>
+              <a:defRPr sz="900"/>
+            </a:lvl9pPr>
+          </a:lstStyle>
+          <a:p>
+            <a:pPr lvl="0"/>
+            <a:r>
+              <a:rPr lang="en-US"/>
+              <a:t>Click to edit Master text styles</a:t>
+            </a:r>
+          </a:p>
+        </p:txBody>
+      </p:sp>
+      <p:sp>
+        <p:nvSpPr>
+          <p:cNvPr id="25" name="Text Placeholder 4"/>
+          <p:cNvSpPr>
+            <a:spLocks noGrp="1"/>
+          </p:cNvSpPr>
+          <p:nvPr>
+            <p:ph type="body" sz="quarter" idx="13"/>
+          </p:nvPr>
+        </p:nvSpPr>
+        <p:spPr>
+          <a:xfrm>
+            <a:off x="8049731" y="4191000"/>
+            <a:ext cx="3456469" cy="682765"/>
+          </a:xfrm>
+        </p:spPr>
+        <p:txBody>
+          <a:bodyPr anchor="b">
+            <a:noAutofit/>
+          </a:bodyPr>
+          <a:lstStyle>
+            <a:lvl1pPr marL="0" indent="0">
+              <a:buNone/>
+              <a:defRPr sz="2400" b="0">
+                <a:solidFill>
+                  <a:schemeClr val="tx1"/>
+                </a:solidFill>
+              </a:defRPr>
+            </a:lvl1pPr>
+            <a:lvl2pPr marL="457200" indent="0">
+              <a:buNone/>
+              <a:defRPr sz="2000" b="1"/>
+            </a:lvl2pPr>
+            <a:lvl3pPr marL="914400" indent="0">
+              <a:buNone/>
+              <a:defRPr sz="1800" b="1"/>
+            </a:lvl3pPr>
+            <a:lvl4pPr marL="1371600" indent="0">
+              <a:buNone/>
+              <a:defRPr sz="1600" b="1"/>
+            </a:lvl4pPr>
+            <a:lvl5pPr marL="1828800" indent="0">
+              <a:buNone/>
+              <a:defRPr sz="1600" b="1"/>
+            </a:lvl5pPr>
+            <a:lvl6pPr marL="2286000" indent="0">
+              <a:buNone/>
+              <a:defRPr sz="1600" b="1"/>
+            </a:lvl6pPr>
+            <a:lvl7pPr marL="2743200" indent="0">
+              <a:buNone/>
+              <a:defRPr sz="1600" b="1"/>
+            </a:lvl7pPr>
+            <a:lvl8pPr marL="3200400" indent="0">
+              <a:buNone/>
+              <a:defRPr sz="1600" b="1"/>
+            </a:lvl8pPr>
+            <a:lvl9pPr marL="3657600" indent="0">
+              <a:buNone/>
+              <a:defRPr sz="1600" b="1"/>
+            </a:lvl9pPr>
+          </a:lstStyle>
+          <a:p>
+            <a:pPr lvl="0"/>
+            <a:r>
+              <a:rPr lang="en-US"/>
+              <a:t>Click to edit Master text styles</a:t>
+            </a:r>
+          </a:p>
+        </p:txBody>
+      </p:sp>
+      <p:sp>
+        <p:nvSpPr>
+          <p:cNvPr id="26" name="Picture Placeholder 2"/>
+          <p:cNvSpPr>
+            <a:spLocks noGrp="1" noChangeAspect="1"/>
+          </p:cNvSpPr>
+          <p:nvPr>
+            <p:ph type="pic" idx="22"/>
+          </p:nvPr>
+        </p:nvSpPr>
+        <p:spPr>
+          <a:xfrm>
+            <a:off x="8049855" y="2362200"/>
+            <a:ext cx="3447878" cy="1524000"/>
+          </a:xfrm>
+          <a:prstGeom prst="roundRect">
+            <a:avLst>
+              <a:gd name="adj" fmla="val 0"/>
+            </a:avLst>
+          </a:prstGeom>
+          <a:effectLst>
+            <a:outerShdw blurRad="50800" dist="50800" dir="5400000" algn="tl" rotWithShape="0">
+              <a:srgbClr val="000000">
+                <a:alpha val="43000"/>
+              </a:srgbClr>
+            </a:outerShdw>
+          </a:effectLst>
+        </p:spPr>
+        <p:txBody>
+          <a:bodyPr anchor="t">
+            <a:normAutofit/>
+          </a:bodyPr>
+          <a:lstStyle>
+            <a:lvl1pPr marL="0" indent="0" algn="ctr">
+              <a:buNone/>
+              <a:defRPr sz="1600"/>
+            </a:lvl1pPr>
+            <a:lvl2pPr marL="457200" indent="0">
+              <a:buNone/>
+              <a:defRPr sz="1600"/>
+            </a:lvl2pPr>
+            <a:lvl3pPr marL="914400" indent="0">
+              <a:buNone/>
+              <a:defRPr sz="1600"/>
+            </a:lvl3pPr>
+            <a:lvl4pPr marL="1371600" indent="0">
+              <a:buNone/>
+              <a:defRPr sz="1600"/>
+            </a:lvl4pPr>
+            <a:lvl5pPr marL="1828800" indent="0">
+              <a:buNone/>
+              <a:defRPr sz="1600"/>
+            </a:lvl5pPr>
+            <a:lvl6pPr marL="2286000" indent="0">
+              <a:buNone/>
+              <a:defRPr sz="1600"/>
+            </a:lvl6pPr>
+            <a:lvl7pPr marL="2743200" indent="0">
+              <a:buNone/>
+              <a:defRPr sz="1600"/>
+            </a:lvl7pPr>
+            <a:lvl8pPr marL="3200400" indent="0">
+              <a:buNone/>
+              <a:defRPr sz="1600"/>
+            </a:lvl8pPr>
+            <a:lvl9pPr marL="3657600" indent="0">
+              <a:buNone/>
+              <a:defRPr sz="1600"/>
+            </a:lvl9pPr>
+          </a:lstStyle>
+          <a:p>
+            <a:r>
+              <a:rPr lang="en-US"/>
+              <a:t>Click icon to add picture</a:t>
+            </a:r>
+            <a:endParaRPr lang="en-US" dirty="0"/>
+          </a:p>
+        </p:txBody>
+      </p:sp>
+      <p:sp>
+        <p:nvSpPr>
+          <p:cNvPr id="27" name="Text Placeholder 3"/>
+          <p:cNvSpPr>
+            <a:spLocks noGrp="1"/>
+          </p:cNvSpPr>
+          <p:nvPr>
+            <p:ph type="body" sz="half" idx="20"/>
+          </p:nvPr>
+        </p:nvSpPr>
+        <p:spPr>
+          <a:xfrm>
+            <a:off x="8049731" y="4873761"/>
+            <a:ext cx="3452445" cy="1344921"/>
+          </a:xfrm>
+        </p:spPr>
+        <p:txBody>
+          <a:bodyPr anchor="t">
+            <a:normAutofit/>
+          </a:bodyPr>
+          <a:lstStyle>
+            <a:lvl1pPr marL="0" indent="0">
+              <a:buNone/>
+              <a:defRPr sz="1400"/>
+            </a:lvl1pPr>
+            <a:lvl2pPr marL="457200" indent="0">
+              <a:buNone/>
+              <a:defRPr sz="1200"/>
+            </a:lvl2pPr>
+            <a:lvl3pPr marL="914400" indent="0">
+              <a:buNone/>
+              <a:defRPr sz="1000"/>
+            </a:lvl3pPr>
+            <a:lvl4pPr marL="1371600" indent="0">
+              <a:buNone/>
+              <a:defRPr sz="900"/>
+            </a:lvl4pPr>
+            <a:lvl5pPr marL="1828800" indent="0">
+              <a:buNone/>
+              <a:defRPr sz="900"/>
+            </a:lvl5pPr>
+            <a:lvl6pPr marL="2286000" indent="0">
+              <a:buNone/>
+              <a:defRPr sz="900"/>
+            </a:lvl6pPr>
+            <a:lvl7pPr marL="2743200" indent="0">
+              <a:buNone/>
+              <a:defRPr sz="900"/>
+            </a:lvl7pPr>
+            <a:lvl8pPr marL="3200400" indent="0">
+              <a:buNone/>
+              <a:defRPr sz="900"/>
+            </a:lvl8pPr>
+            <a:lvl9pPr marL="3657600" indent="0">
+              <a:buNone/>
+              <a:defRPr sz="900"/>
+            </a:lvl9pPr>
+          </a:lstStyle>
+          <a:p>
+            <a:pPr lvl="0"/>
+            <a:r>
+              <a:rPr lang="en-US"/>
+              <a:t>Click to edit Master text styles</a:t>
+            </a:r>
+          </a:p>
+        </p:txBody>
+      </p:sp>
+      <p:sp>
+        <p:nvSpPr>
+          <p:cNvPr id="3" name="Date Placeholder 2"/>
+          <p:cNvSpPr>
+            <a:spLocks noGrp="1"/>
+          </p:cNvSpPr>
+          <p:nvPr>
+            <p:ph type="dt" sz="half" idx="10"/>
+          </p:nvPr>
+        </p:nvSpPr>
+        <p:spPr/>
+        <p:txBody>
+          <a:bodyPr/>
+          <a:lstStyle/>
+          <a:p>
+            <a:fld id="{9D648943-11F5-4E3A-89B9-4D7A01C331E0}" type="datetimeFigureOut">
+              <a:rPr lang="en-CA" smtClean="0"/>
+              <a:t>2019-09-30</a:t>
+            </a:fld>
+            <a:endParaRPr lang="en-CA"/>
+          </a:p>
+        </p:txBody>
+      </p:sp>
+      <p:sp>
+        <p:nvSpPr>
+          <p:cNvPr id="4" name="Footer Placeholder 3"/>
+          <p:cNvSpPr>
+            <a:spLocks noGrp="1"/>
+          </p:cNvSpPr>
+          <p:nvPr>
+            <p:ph type="ftr" sz="quarter" idx="11"/>
+          </p:nvPr>
+        </p:nvSpPr>
+        <p:spPr/>
+        <p:txBody>
+          <a:bodyPr/>
+          <a:lstStyle/>
+          <a:p>
+            <a:endParaRPr lang="en-CA"/>
+          </a:p>
+        </p:txBody>
+      </p:sp>
+      <p:sp>
+        <p:nvSpPr>
+          <p:cNvPr id="5" name="Slide Number Placeholder 4"/>
+          <p:cNvSpPr>
+            <a:spLocks noGrp="1"/>
+          </p:cNvSpPr>
+          <p:nvPr>
+            <p:ph type="sldNum" sz="quarter" idx="12"/>
+          </p:nvPr>
+        </p:nvSpPr>
+        <p:spPr/>
+        <p:txBody>
+          <a:bodyPr/>
+          <a:lstStyle/>
+          <a:p>
+            <a:fld id="{AAAB3E9E-D708-433F-A405-5153863355EE}" type="slidenum">
+              <a:rPr lang="en-CA" smtClean="0"/>
+              <a:t>‹#›</a:t>
+            </a:fld>
+            <a:endParaRPr lang="en-CA"/>
+          </a:p>
+        </p:txBody>
+      </p:sp>
+    </p:spTree>
+    <p:extLst>
+      <p:ext uri="{BB962C8B-B14F-4D97-AF65-F5344CB8AC3E}">
+        <p14:creationId xmlns:p14="http://schemas.microsoft.com/office/powerpoint/2010/main" val="3218277700"/>
+      </p:ext>
+    </p:extLst>
+  </p:cSld>
+  <p:clrMapOvr>
+    <a:masterClrMapping/>
+  </p:clrMapOvr>
+</p:sldLayout>
+</file>
+
+<file path=ppt/slideLayouts/slideLayout16.xml><?xml version="1.0" encoding="utf-8"?>
 <p:sldLayout xmlns:a="http://schemas.openxmlformats.org/drawingml/2006/main" xmlns:r="http://schemas.openxmlformats.org/officeDocument/2006/relationships" xmlns:p="http://schemas.openxmlformats.org/presentationml/2006/main" type="vertTx" preserve="1">
   <p:cSld name="Title and Vertical Text">
     <p:spTree>
@@ -447,9 +3466,14 @@
             <p:ph type="body" orient="vert" idx="1"/>
           </p:nvPr>
         </p:nvSpPr>
-        <p:spPr/>
-        <p:txBody>
-          <a:bodyPr vert="eaVert" anchor="t"/>
+        <p:spPr>
+          <a:xfrm>
+            <a:off x="685800" y="2194559"/>
+            <a:ext cx="10820400" cy="4024125"/>
+          </a:xfrm>
+        </p:spPr>
+        <p:txBody>
+          <a:bodyPr vert="eaVert"/>
           <a:lstStyle/>
           <a:p>
             <a:pPr lvl="0"/>
@@ -491,7 +3515,7 @@
       </p:sp>
       <p:sp>
         <p:nvSpPr>
-          <p:cNvPr id="7" name="Date Placeholder 6"/>
+          <p:cNvPr id="4" name="Date Placeholder 3"/>
           <p:cNvSpPr>
             <a:spLocks noGrp="1"/>
           </p:cNvSpPr>
@@ -506,7 +3530,7 @@
           <a:p>
             <a:fld id="{9D648943-11F5-4E3A-89B9-4D7A01C331E0}" type="datetimeFigureOut">
               <a:rPr lang="en-CA" smtClean="0"/>
-              <a:t>2019-09-28</a:t>
+              <a:t>2019-09-30</a:t>
             </a:fld>
             <a:endParaRPr lang="en-CA"/>
           </a:p>
@@ -514,7 +3538,7 @@
       </p:sp>
       <p:sp>
         <p:nvSpPr>
-          <p:cNvPr id="8" name="Footer Placeholder 7"/>
+          <p:cNvPr id="5" name="Footer Placeholder 4"/>
           <p:cNvSpPr>
             <a:spLocks noGrp="1"/>
           </p:cNvSpPr>
@@ -533,7 +3557,7 @@
       </p:sp>
       <p:sp>
         <p:nvSpPr>
-          <p:cNvPr id="9" name="Slide Number Placeholder 8"/>
+          <p:cNvPr id="6" name="Slide Number Placeholder 5"/>
           <p:cNvSpPr>
             <a:spLocks noGrp="1"/>
           </p:cNvSpPr>
@@ -557,7 +3581,7 @@
     </p:spTree>
     <p:extLst>
       <p:ext uri="{BB962C8B-B14F-4D97-AF65-F5344CB8AC3E}">
-        <p14:creationId xmlns:p14="http://schemas.microsoft.com/office/powerpoint/2010/main" val="1289035123"/>
+        <p14:creationId xmlns:p14="http://schemas.microsoft.com/office/powerpoint/2010/main" val="1979779964"/>
       </p:ext>
     </p:extLst>
   </p:cSld>
@@ -567,8 +3591,8 @@
 </p:sldLayout>
 </file>
 
-<file path=ppt/slideLayouts/slideLayout11.xml><?xml version="1.0" encoding="utf-8"?>
-<p:sldLayout xmlns:a="http://schemas.openxmlformats.org/drawingml/2006/main" xmlns:r="http://schemas.openxmlformats.org/officeDocument/2006/relationships" xmlns:p="http://schemas.openxmlformats.org/presentationml/2006/main" type="vertTitleAndTx" preserve="1">
+<file path=ppt/slideLayouts/slideLayout17.xml><?xml version="1.0" encoding="utf-8"?>
+<p:sldLayout xmlns:a="http://schemas.openxmlformats.org/drawingml/2006/main" xmlns:r="http://schemas.openxmlformats.org/officeDocument/2006/relationships" xmlns:p="http://schemas.openxmlformats.org/presentationml/2006/main" showMasterSp="0" type="vertTitleAndTx" preserve="1">
   <p:cSld name="Vertical Title and Text">
     <p:spTree>
       <p:nvGrpSpPr>
@@ -584,6 +3608,36 @@
           <a:chExt cx="0" cy="0"/>
         </a:xfrm>
       </p:grpSpPr>
+      <p:pic>
+        <p:nvPicPr>
+          <p:cNvPr id="8" name="Picture 7" descr="C0-HD-BTM.png"/>
+          <p:cNvPicPr>
+            <a:picLocks noChangeAspect="1"/>
+          </p:cNvPicPr>
+          <p:nvPr/>
+        </p:nvPicPr>
+        <p:blipFill>
+          <a:blip r:embed="rId2">
+            <a:extLst>
+              <a:ext uri="{28A0092B-C50C-407E-A947-70E740481C1C}">
+                <a14:useLocalDpi xmlns:a14="http://schemas.microsoft.com/office/drawing/2010/main" val="0"/>
+              </a:ext>
+            </a:extLst>
+          </a:blip>
+          <a:stretch>
+            <a:fillRect/>
+          </a:stretch>
+        </p:blipFill>
+        <p:spPr>
+          <a:xfrm>
+            <a:off x="0" y="4375150"/>
+            <a:ext cx="12192000" cy="2482850"/>
+          </a:xfrm>
+          <a:prstGeom prst="rect">
+            <a:avLst/>
+          </a:prstGeom>
+        </p:spPr>
+      </p:pic>
       <p:sp>
         <p:nvSpPr>
           <p:cNvPr id="2" name="Vertical Title 1"/>
@@ -596,17 +3650,78 @@
         </p:nvSpPr>
         <p:spPr>
           <a:xfrm>
-            <a:off x="381000" y="990600"/>
-            <a:ext cx="2819400" cy="4953000"/>
+            <a:off x="9448800" y="745066"/>
+            <a:ext cx="2057400" cy="3903133"/>
+          </a:xfrm>
+        </p:spPr>
+        <p:txBody>
+          <a:bodyPr vert="eaVert"/>
+          <a:lstStyle>
+            <a:lvl1pPr algn="l">
+              <a:defRPr/>
+            </a:lvl1pPr>
+          </a:lstStyle>
+          <a:p>
+            <a:r>
+              <a:rPr lang="en-US"/>
+              <a:t>Click to edit Master title style</a:t>
+            </a:r>
+            <a:endParaRPr lang="en-US" dirty="0"/>
+          </a:p>
+        </p:txBody>
+      </p:sp>
+      <p:sp>
+        <p:nvSpPr>
+          <p:cNvPr id="3" name="Vertical Text Placeholder 2"/>
+          <p:cNvSpPr>
+            <a:spLocks noGrp="1"/>
+          </p:cNvSpPr>
+          <p:nvPr>
+            <p:ph type="body" orient="vert" idx="1"/>
+          </p:nvPr>
+        </p:nvSpPr>
+        <p:spPr>
+          <a:xfrm>
+            <a:off x="1024466" y="745067"/>
+            <a:ext cx="8204201" cy="3903133"/>
           </a:xfrm>
         </p:spPr>
         <p:txBody>
           <a:bodyPr vert="eaVert"/>
           <a:lstStyle/>
           <a:p>
-            <a:r>
-              <a:rPr lang="en-US"/>
-              <a:t>Click to edit Master title style</a:t>
+            <a:pPr lvl="0"/>
+            <a:r>
+              <a:rPr lang="en-US"/>
+              <a:t>Click to edit Master text styles</a:t>
+            </a:r>
+          </a:p>
+          <a:p>
+            <a:pPr lvl="1"/>
+            <a:r>
+              <a:rPr lang="en-US"/>
+              <a:t>Second level</a:t>
+            </a:r>
+          </a:p>
+          <a:p>
+            <a:pPr lvl="2"/>
+            <a:r>
+              <a:rPr lang="en-US"/>
+              <a:t>Third level</a:t>
+            </a:r>
+          </a:p>
+          <a:p>
+            <a:pPr lvl="3"/>
+            <a:r>
+              <a:rPr lang="en-US"/>
+              <a:t>Fourth level</a:t>
+            </a:r>
+          </a:p>
+          <a:p>
+            <a:pPr lvl="4"/>
+            <a:r>
+              <a:rPr lang="en-US"/>
+              <a:t>Fifth level</a:t>
             </a:r>
             <a:endParaRPr lang="en-US" dirty="0"/>
           </a:p>
@@ -614,64 +3729,7 @@
       </p:sp>
       <p:sp>
         <p:nvSpPr>
-          <p:cNvPr id="3" name="Vertical Text Placeholder 2"/>
-          <p:cNvSpPr>
-            <a:spLocks noGrp="1"/>
-          </p:cNvSpPr>
-          <p:nvPr>
-            <p:ph type="body" orient="vert" idx="1"/>
-          </p:nvPr>
-        </p:nvSpPr>
-        <p:spPr>
-          <a:xfrm>
-            <a:off x="3867912" y="868680"/>
-            <a:ext cx="7315200" cy="5120640"/>
-          </a:xfrm>
-        </p:spPr>
-        <p:txBody>
-          <a:bodyPr vert="eaVert" anchor="t"/>
-          <a:lstStyle/>
-          <a:p>
-            <a:pPr lvl="0"/>
-            <a:r>
-              <a:rPr lang="en-US"/>
-              <a:t>Click to edit Master text styles</a:t>
-            </a:r>
-          </a:p>
-          <a:p>
-            <a:pPr lvl="1"/>
-            <a:r>
-              <a:rPr lang="en-US"/>
-              <a:t>Second level</a:t>
-            </a:r>
-          </a:p>
-          <a:p>
-            <a:pPr lvl="2"/>
-            <a:r>
-              <a:rPr lang="en-US"/>
-              <a:t>Third level</a:t>
-            </a:r>
-          </a:p>
-          <a:p>
-            <a:pPr lvl="3"/>
-            <a:r>
-              <a:rPr lang="en-US"/>
-              <a:t>Fourth level</a:t>
-            </a:r>
-          </a:p>
-          <a:p>
-            <a:pPr lvl="4"/>
-            <a:r>
-              <a:rPr lang="en-US"/>
-              <a:t>Fifth level</a:t>
-            </a:r>
-            <a:endParaRPr lang="en-US" dirty="0"/>
-          </a:p>
-        </p:txBody>
-      </p:sp>
-      <p:sp>
-        <p:nvSpPr>
-          <p:cNvPr id="7" name="Date Placeholder 6"/>
+          <p:cNvPr id="4" name="Date Placeholder 3"/>
           <p:cNvSpPr>
             <a:spLocks noGrp="1"/>
           </p:cNvSpPr>
@@ -679,41 +3737,55 @@
             <p:ph type="dt" sz="half" idx="10"/>
           </p:nvPr>
         </p:nvSpPr>
-        <p:spPr/>
+        <p:spPr>
+          <a:xfrm>
+            <a:off x="7814452" y="379941"/>
+            <a:ext cx="2910840" cy="365125"/>
+          </a:xfrm>
+        </p:spPr>
+        <p:txBody>
+          <a:bodyPr/>
+          <a:lstStyle>
+            <a:lvl1pPr algn="r">
+              <a:defRPr/>
+            </a:lvl1pPr>
+          </a:lstStyle>
+          <a:p>
+            <a:fld id="{9D648943-11F5-4E3A-89B9-4D7A01C331E0}" type="datetimeFigureOut">
+              <a:rPr lang="en-CA" smtClean="0"/>
+              <a:t>2019-09-30</a:t>
+            </a:fld>
+            <a:endParaRPr lang="en-CA"/>
+          </a:p>
+        </p:txBody>
+      </p:sp>
+      <p:sp>
+        <p:nvSpPr>
+          <p:cNvPr id="5" name="Footer Placeholder 4"/>
+          <p:cNvSpPr>
+            <a:spLocks noGrp="1"/>
+          </p:cNvSpPr>
+          <p:nvPr>
+            <p:ph type="ftr" sz="quarter" idx="11"/>
+          </p:nvPr>
+        </p:nvSpPr>
+        <p:spPr>
+          <a:xfrm>
+            <a:off x="685800" y="381000"/>
+            <a:ext cx="6991492" cy="365125"/>
+          </a:xfrm>
+        </p:spPr>
         <p:txBody>
           <a:bodyPr/>
           <a:lstStyle/>
           <a:p>
-            <a:fld id="{9D648943-11F5-4E3A-89B9-4D7A01C331E0}" type="datetimeFigureOut">
-              <a:rPr lang="en-CA" smtClean="0"/>
-              <a:t>2019-09-28</a:t>
-            </a:fld>
             <a:endParaRPr lang="en-CA"/>
           </a:p>
         </p:txBody>
       </p:sp>
       <p:sp>
         <p:nvSpPr>
-          <p:cNvPr id="8" name="Footer Placeholder 7"/>
-          <p:cNvSpPr>
-            <a:spLocks noGrp="1"/>
-          </p:cNvSpPr>
-          <p:nvPr>
-            <p:ph type="ftr" sz="quarter" idx="11"/>
-          </p:nvPr>
-        </p:nvSpPr>
-        <p:spPr/>
-        <p:txBody>
-          <a:bodyPr/>
-          <a:lstStyle/>
-          <a:p>
-            <a:endParaRPr lang="en-CA"/>
-          </a:p>
-        </p:txBody>
-      </p:sp>
-      <p:sp>
-        <p:nvSpPr>
-          <p:cNvPr id="9" name="Slide Number Placeholder 8"/>
+          <p:cNvPr id="6" name="Slide Number Placeholder 5"/>
           <p:cNvSpPr>
             <a:spLocks noGrp="1"/>
           </p:cNvSpPr>
@@ -721,7 +3793,12 @@
             <p:ph type="sldNum" sz="quarter" idx="12"/>
           </p:nvPr>
         </p:nvSpPr>
-        <p:spPr/>
+        <p:spPr>
+          <a:xfrm>
+            <a:off x="10862452" y="381000"/>
+            <a:ext cx="643748" cy="365125"/>
+          </a:xfrm>
+        </p:spPr>
         <p:txBody>
           <a:bodyPr/>
           <a:lstStyle/>
@@ -737,13 +3814,18 @@
     </p:spTree>
     <p:extLst>
       <p:ext uri="{BB962C8B-B14F-4D97-AF65-F5344CB8AC3E}">
-        <p14:creationId xmlns:p14="http://schemas.microsoft.com/office/powerpoint/2010/main" val="3509571987"/>
+        <p14:creationId xmlns:p14="http://schemas.microsoft.com/office/powerpoint/2010/main" val="3144141000"/>
       </p:ext>
     </p:extLst>
   </p:cSld>
   <p:clrMapOvr>
     <a:masterClrMapping/>
   </p:clrMapOvr>
+  <p:extLst>
+    <p:ext uri="{DCECCB84-F9BA-43D5-87BE-67443E8EF086}">
+      <p15:sldGuideLst xmlns:p15="http://schemas.microsoft.com/office/powerpoint/2012/main"/>
+    </p:ext>
+  </p:extLst>
 </p:sldLayout>
 </file>
 
@@ -856,7 +3938,7 @@
           <a:p>
             <a:fld id="{9D648943-11F5-4E3A-89B9-4D7A01C331E0}" type="datetimeFigureOut">
               <a:rPr lang="en-CA" smtClean="0"/>
-              <a:t>2019-09-28</a:t>
+              <a:t>2019-09-30</a:t>
             </a:fld>
             <a:endParaRPr lang="en-CA"/>
           </a:p>
@@ -907,7 +3989,7 @@
     </p:spTree>
     <p:extLst>
       <p:ext uri="{BB962C8B-B14F-4D97-AF65-F5344CB8AC3E}">
-        <p14:creationId xmlns:p14="http://schemas.microsoft.com/office/powerpoint/2010/main" val="2105629725"/>
+        <p14:creationId xmlns:p14="http://schemas.microsoft.com/office/powerpoint/2010/main" val="2616926345"/>
       </p:ext>
     </p:extLst>
   </p:cSld>
@@ -918,7 +4000,7 @@
 </file>
 
 <file path=ppt/slideLayouts/slideLayout3.xml><?xml version="1.0" encoding="utf-8"?>
-<p:sldLayout xmlns:a="http://schemas.openxmlformats.org/drawingml/2006/main" xmlns:r="http://schemas.openxmlformats.org/officeDocument/2006/relationships" xmlns:p="http://schemas.openxmlformats.org/presentationml/2006/main" type="secHead" preserve="1">
+<p:sldLayout xmlns:a="http://schemas.openxmlformats.org/drawingml/2006/main" xmlns:r="http://schemas.openxmlformats.org/officeDocument/2006/relationships" xmlns:p="http://schemas.openxmlformats.org/presentationml/2006/main" showMasterSp="0" type="secHead" preserve="1">
   <p:cSld name="Section Header">
     <p:spTree>
       <p:nvGrpSpPr>
@@ -934,6 +4016,36 @@
           <a:chExt cx="0" cy="0"/>
         </a:xfrm>
       </p:grpSpPr>
+      <p:pic>
+        <p:nvPicPr>
+          <p:cNvPr id="9" name="Picture 8" descr="C0-HD-BTM.png"/>
+          <p:cNvPicPr>
+            <a:picLocks noChangeAspect="1"/>
+          </p:cNvPicPr>
+          <p:nvPr/>
+        </p:nvPicPr>
+        <p:blipFill>
+          <a:blip r:embed="rId2">
+            <a:extLst>
+              <a:ext uri="{28A0092B-C50C-407E-A947-70E740481C1C}">
+                <a14:useLocalDpi xmlns:a14="http://schemas.microsoft.com/office/drawing/2010/main" val="0"/>
+              </a:ext>
+            </a:extLst>
+          </a:blip>
+          <a:stretch>
+            <a:fillRect/>
+          </a:stretch>
+        </p:blipFill>
+        <p:spPr>
+          <a:xfrm>
+            <a:off x="0" y="4375150"/>
+            <a:ext cx="12192000" cy="2482850"/>
+          </a:xfrm>
+          <a:prstGeom prst="rect">
+            <a:avLst/>
+          </a:prstGeom>
+        </p:spPr>
+      </p:pic>
       <p:sp>
         <p:nvSpPr>
           <p:cNvPr id="2" name="Title 1"/>
@@ -946,8 +4058,8 @@
         </p:nvSpPr>
         <p:spPr>
           <a:xfrm>
-            <a:off x="3867912" y="1298448"/>
-            <a:ext cx="7315200" cy="3255264"/>
+            <a:off x="685800" y="753533"/>
+            <a:ext cx="10820399" cy="2801935"/>
           </a:xfrm>
         </p:spPr>
         <p:txBody>
@@ -955,15 +4067,8 @@
             <a:normAutofit/>
           </a:bodyPr>
           <a:lstStyle>
-            <a:lvl1pPr>
-              <a:defRPr sz="5900" b="0" spc="-100" baseline="0">
-                <a:solidFill>
-                  <a:schemeClr val="tx1">
-                    <a:lumMod val="65000"/>
-                    <a:lumOff val="35000"/>
-                  </a:schemeClr>
-                </a:solidFill>
-              </a:defRPr>
+            <a:lvl1pPr algn="r">
+              <a:defRPr sz="4000"/>
             </a:lvl1pPr>
           </a:lstStyle>
           <a:p>
@@ -987,29 +4092,28 @@
         </p:nvSpPr>
         <p:spPr>
           <a:xfrm>
-            <a:off x="3886200" y="4672584"/>
-            <a:ext cx="7315200" cy="914400"/>
-          </a:xfrm>
-        </p:spPr>
-        <p:txBody>
-          <a:bodyPr anchor="t">
+            <a:off x="1024467" y="3641725"/>
+            <a:ext cx="10490200" cy="955675"/>
+          </a:xfrm>
+        </p:spPr>
+        <p:txBody>
+          <a:bodyPr>
             <a:normAutofit/>
           </a:bodyPr>
           <a:lstStyle>
-            <a:lvl1pPr marL="0" indent="0">
-              <a:buNone/>
-              <a:defRPr sz="2200" cap="none" spc="0" baseline="0">
+            <a:lvl1pPr marL="0" indent="0" algn="r">
+              <a:buNone/>
+              <a:defRPr sz="2200">
                 <a:solidFill>
                   <a:schemeClr val="tx1">
-                    <a:lumMod val="65000"/>
-                    <a:lumOff val="35000"/>
+                    <a:tint val="75000"/>
                   </a:schemeClr>
                 </a:solidFill>
               </a:defRPr>
             </a:lvl1pPr>
             <a:lvl2pPr marL="457200" indent="0">
               <a:buNone/>
-              <a:defRPr sz="1800">
+              <a:defRPr sz="2000">
                 <a:solidFill>
                   <a:schemeClr val="tx1">
                     <a:tint val="75000"/>
@@ -1019,7 +4123,7 @@
             </a:lvl2pPr>
             <a:lvl3pPr marL="914400" indent="0">
               <a:buNone/>
-              <a:defRPr sz="1600">
+              <a:defRPr sz="1800">
                 <a:solidFill>
                   <a:schemeClr val="tx1">
                     <a:tint val="75000"/>
@@ -1029,7 +4133,7 @@
             </a:lvl3pPr>
             <a:lvl4pPr marL="1371600" indent="0">
               <a:buNone/>
-              <a:defRPr sz="1400">
+              <a:defRPr sz="1600">
                 <a:solidFill>
                   <a:schemeClr val="tx1">
                     <a:tint val="75000"/>
@@ -1039,7 +4143,7 @@
             </a:lvl4pPr>
             <a:lvl5pPr marL="1828800" indent="0">
               <a:buNone/>
-              <a:defRPr sz="1400">
+              <a:defRPr sz="1600">
                 <a:solidFill>
                   <a:schemeClr val="tx1">
                     <a:tint val="75000"/>
@@ -1049,7 +4153,7 @@
             </a:lvl5pPr>
             <a:lvl6pPr marL="2286000" indent="0">
               <a:buNone/>
-              <a:defRPr sz="1400">
+              <a:defRPr sz="1600">
                 <a:solidFill>
                   <a:schemeClr val="tx1">
                     <a:tint val="75000"/>
@@ -1059,7 +4163,7 @@
             </a:lvl6pPr>
             <a:lvl7pPr marL="2743200" indent="0">
               <a:buNone/>
-              <a:defRPr sz="1400">
+              <a:defRPr sz="1600">
                 <a:solidFill>
                   <a:schemeClr val="tx1">
                     <a:tint val="75000"/>
@@ -1069,7 +4173,7 @@
             </a:lvl7pPr>
             <a:lvl8pPr marL="3200400" indent="0">
               <a:buNone/>
-              <a:defRPr sz="1400">
+              <a:defRPr sz="1600">
                 <a:solidFill>
                   <a:schemeClr val="tx1">
                     <a:tint val="75000"/>
@@ -1079,7 +4183,7 @@
             </a:lvl8pPr>
             <a:lvl9pPr marL="3657600" indent="0">
               <a:buNone/>
-              <a:defRPr sz="1400">
+              <a:defRPr sz="1600">
                 <a:solidFill>
                   <a:schemeClr val="tx1">
                     <a:tint val="75000"/>
@@ -1107,40 +4211,54 @@
             <p:ph type="dt" sz="half" idx="10"/>
           </p:nvPr>
         </p:nvSpPr>
-        <p:spPr/>
+        <p:spPr>
+          <a:xfrm>
+            <a:off x="7814452" y="381000"/>
+            <a:ext cx="2910840" cy="365125"/>
+          </a:xfrm>
+        </p:spPr>
+        <p:txBody>
+          <a:bodyPr/>
+          <a:lstStyle>
+            <a:lvl1pPr algn="r">
+              <a:defRPr/>
+            </a:lvl1pPr>
+          </a:lstStyle>
+          <a:p>
+            <a:fld id="{9D648943-11F5-4E3A-89B9-4D7A01C331E0}" type="datetimeFigureOut">
+              <a:rPr lang="en-CA" smtClean="0"/>
+              <a:t>2019-09-30</a:t>
+            </a:fld>
+            <a:endParaRPr lang="en-CA"/>
+          </a:p>
+        </p:txBody>
+      </p:sp>
+      <p:sp>
+        <p:nvSpPr>
+          <p:cNvPr id="5" name="Footer Placeholder 4"/>
+          <p:cNvSpPr>
+            <a:spLocks noGrp="1"/>
+          </p:cNvSpPr>
+          <p:nvPr>
+            <p:ph type="ftr" sz="quarter" idx="11"/>
+          </p:nvPr>
+        </p:nvSpPr>
+        <p:spPr>
+          <a:xfrm>
+            <a:off x="685800" y="381001"/>
+            <a:ext cx="6991492" cy="364065"/>
+          </a:xfrm>
+        </p:spPr>
         <p:txBody>
           <a:bodyPr/>
           <a:lstStyle/>
           <a:p>
-            <a:fld id="{9D648943-11F5-4E3A-89B9-4D7A01C331E0}" type="datetimeFigureOut">
-              <a:rPr lang="en-CA" smtClean="0"/>
-              <a:t>2019-09-28</a:t>
-            </a:fld>
             <a:endParaRPr lang="en-CA"/>
           </a:p>
         </p:txBody>
       </p:sp>
       <p:sp>
         <p:nvSpPr>
-          <p:cNvPr id="5" name="Footer Placeholder 4"/>
-          <p:cNvSpPr>
-            <a:spLocks noGrp="1"/>
-          </p:cNvSpPr>
-          <p:nvPr>
-            <p:ph type="ftr" sz="quarter" idx="11"/>
-          </p:nvPr>
-        </p:nvSpPr>
-        <p:spPr/>
-        <p:txBody>
-          <a:bodyPr/>
-          <a:lstStyle/>
-          <a:p>
-            <a:endParaRPr lang="en-CA"/>
-          </a:p>
-        </p:txBody>
-      </p:sp>
-      <p:sp>
-        <p:nvSpPr>
           <p:cNvPr id="6" name="Slide Number Placeholder 5"/>
           <p:cNvSpPr>
             <a:spLocks noGrp="1"/>
@@ -1149,7 +4267,12 @@
             <p:ph type="sldNum" sz="quarter" idx="12"/>
           </p:nvPr>
         </p:nvSpPr>
-        <p:spPr/>
+        <p:spPr>
+          <a:xfrm>
+            <a:off x="10862452" y="381000"/>
+            <a:ext cx="643748" cy="365125"/>
+          </a:xfrm>
+        </p:spPr>
         <p:txBody>
           <a:bodyPr/>
           <a:lstStyle/>
@@ -1165,13 +4288,18 @@
     </p:spTree>
     <p:extLst>
       <p:ext uri="{BB962C8B-B14F-4D97-AF65-F5344CB8AC3E}">
-        <p14:creationId xmlns:p14="http://schemas.microsoft.com/office/powerpoint/2010/main" val="1857365960"/>
+        <p14:creationId xmlns:p14="http://schemas.microsoft.com/office/powerpoint/2010/main" val="3018724121"/>
       </p:ext>
     </p:extLst>
   </p:cSld>
   <p:clrMapOvr>
     <a:masterClrMapping/>
   </p:clrMapOvr>
+  <p:extLst>
+    <p:ext uri="{DCECCB84-F9BA-43D5-87BE-67443E8EF086}">
+      <p15:sldGuideLst xmlns:p15="http://schemas.microsoft.com/office/powerpoint/2012/main"/>
+    </p:ext>
+  </p:extLst>
 </p:sldLayout>
 </file>
 
@@ -1227,182 +4355,126 @@
         </p:nvSpPr>
         <p:spPr>
           <a:xfrm>
-            <a:off x="3867912" y="868680"/>
-            <a:ext cx="3474720" cy="5120640"/>
-          </a:xfrm>
-        </p:spPr>
-        <p:txBody>
-          <a:bodyPr/>
-          <a:lstStyle>
-            <a:lvl1pPr>
-              <a:defRPr sz="2000"/>
-            </a:lvl1pPr>
-            <a:lvl2pPr>
-              <a:defRPr sz="1800"/>
-            </a:lvl2pPr>
-            <a:lvl3pPr>
-              <a:defRPr sz="1600"/>
-            </a:lvl3pPr>
-            <a:lvl4pPr>
-              <a:defRPr sz="1400"/>
-            </a:lvl4pPr>
-            <a:lvl5pPr>
-              <a:defRPr sz="1400"/>
-            </a:lvl5pPr>
-            <a:lvl6pPr>
-              <a:defRPr sz="1400"/>
-            </a:lvl6pPr>
-            <a:lvl7pPr>
-              <a:defRPr sz="1400"/>
-            </a:lvl7pPr>
-            <a:lvl8pPr>
-              <a:defRPr sz="1400"/>
-            </a:lvl8pPr>
-            <a:lvl9pPr>
-              <a:defRPr sz="1400"/>
-            </a:lvl9pPr>
-          </a:lstStyle>
-          <a:p>
-            <a:pPr lvl="0"/>
-            <a:r>
-              <a:rPr lang="en-US"/>
-              <a:t>Click to edit Master text styles</a:t>
-            </a:r>
-          </a:p>
-          <a:p>
-            <a:pPr lvl="1"/>
-            <a:r>
-              <a:rPr lang="en-US"/>
-              <a:t>Second level</a:t>
-            </a:r>
-          </a:p>
-          <a:p>
-            <a:pPr lvl="2"/>
-            <a:r>
-              <a:rPr lang="en-US"/>
-              <a:t>Third level</a:t>
-            </a:r>
-          </a:p>
-          <a:p>
-            <a:pPr lvl="3"/>
-            <a:r>
-              <a:rPr lang="en-US"/>
-              <a:t>Fourth level</a:t>
-            </a:r>
-          </a:p>
-          <a:p>
-            <a:pPr lvl="4"/>
-            <a:r>
-              <a:rPr lang="en-US"/>
-              <a:t>Fifth level</a:t>
-            </a:r>
-            <a:endParaRPr lang="en-US" dirty="0"/>
-          </a:p>
-        </p:txBody>
-      </p:sp>
-      <p:sp>
-        <p:nvSpPr>
-          <p:cNvPr id="4" name="Content Placeholder 3"/>
-          <p:cNvSpPr>
-            <a:spLocks noGrp="1"/>
-          </p:cNvSpPr>
-          <p:nvPr>
-            <p:ph sz="half" idx="2"/>
-          </p:nvPr>
-        </p:nvSpPr>
-        <p:spPr>
-          <a:xfrm>
-            <a:off x="7818120" y="868680"/>
-            <a:ext cx="3474720" cy="5120640"/>
-          </a:xfrm>
-        </p:spPr>
-        <p:txBody>
-          <a:bodyPr/>
-          <a:lstStyle>
-            <a:lvl1pPr>
-              <a:defRPr sz="2000"/>
-            </a:lvl1pPr>
-            <a:lvl2pPr>
-              <a:defRPr sz="1800"/>
-            </a:lvl2pPr>
-            <a:lvl3pPr>
-              <a:defRPr sz="1600"/>
-            </a:lvl3pPr>
-            <a:lvl4pPr>
-              <a:defRPr sz="1400"/>
-            </a:lvl4pPr>
-            <a:lvl5pPr>
-              <a:defRPr sz="1400"/>
-            </a:lvl5pPr>
-            <a:lvl6pPr>
-              <a:defRPr sz="1400"/>
-            </a:lvl6pPr>
-            <a:lvl7pPr>
-              <a:defRPr sz="1400"/>
-            </a:lvl7pPr>
-            <a:lvl8pPr>
-              <a:defRPr sz="1400"/>
-            </a:lvl8pPr>
-            <a:lvl9pPr>
-              <a:defRPr sz="1400"/>
-            </a:lvl9pPr>
-          </a:lstStyle>
-          <a:p>
-            <a:pPr lvl="0"/>
-            <a:r>
-              <a:rPr lang="en-US"/>
-              <a:t>Click to edit Master text styles</a:t>
-            </a:r>
-          </a:p>
-          <a:p>
-            <a:pPr lvl="1"/>
-            <a:r>
-              <a:rPr lang="en-US"/>
-              <a:t>Second level</a:t>
-            </a:r>
-          </a:p>
-          <a:p>
-            <a:pPr lvl="2"/>
-            <a:r>
-              <a:rPr lang="en-US"/>
-              <a:t>Third level</a:t>
-            </a:r>
-          </a:p>
-          <a:p>
-            <a:pPr lvl="3"/>
-            <a:r>
-              <a:rPr lang="en-US"/>
-              <a:t>Fourth level</a:t>
-            </a:r>
-          </a:p>
-          <a:p>
-            <a:pPr lvl="4"/>
-            <a:r>
-              <a:rPr lang="en-US"/>
-              <a:t>Fifth level</a:t>
-            </a:r>
-            <a:endParaRPr lang="en-US" dirty="0"/>
-          </a:p>
-        </p:txBody>
-      </p:sp>
-      <p:sp>
-        <p:nvSpPr>
-          <p:cNvPr id="8" name="Date Placeholder 7"/>
-          <p:cNvSpPr>
-            <a:spLocks noGrp="1"/>
-          </p:cNvSpPr>
-          <p:nvPr>
-            <p:ph type="dt" sz="half" idx="10"/>
-          </p:nvPr>
-        </p:nvSpPr>
-        <p:spPr/>
+            <a:off x="685800" y="2194559"/>
+            <a:ext cx="5334000" cy="4024125"/>
+          </a:xfrm>
+        </p:spPr>
         <p:txBody>
           <a:bodyPr/>
           <a:lstStyle/>
           <a:p>
+            <a:pPr lvl="0"/>
+            <a:r>
+              <a:rPr lang="en-US"/>
+              <a:t>Click to edit Master text styles</a:t>
+            </a:r>
+          </a:p>
+          <a:p>
+            <a:pPr lvl="1"/>
+            <a:r>
+              <a:rPr lang="en-US"/>
+              <a:t>Second level</a:t>
+            </a:r>
+          </a:p>
+          <a:p>
+            <a:pPr lvl="2"/>
+            <a:r>
+              <a:rPr lang="en-US"/>
+              <a:t>Third level</a:t>
+            </a:r>
+          </a:p>
+          <a:p>
+            <a:pPr lvl="3"/>
+            <a:r>
+              <a:rPr lang="en-US"/>
+              <a:t>Fourth level</a:t>
+            </a:r>
+          </a:p>
+          <a:p>
+            <a:pPr lvl="4"/>
+            <a:r>
+              <a:rPr lang="en-US"/>
+              <a:t>Fifth level</a:t>
+            </a:r>
+            <a:endParaRPr lang="en-US" dirty="0"/>
+          </a:p>
+        </p:txBody>
+      </p:sp>
+      <p:sp>
+        <p:nvSpPr>
+          <p:cNvPr id="4" name="Content Placeholder 3"/>
+          <p:cNvSpPr>
+            <a:spLocks noGrp="1"/>
+          </p:cNvSpPr>
+          <p:nvPr>
+            <p:ph sz="half" idx="2"/>
+          </p:nvPr>
+        </p:nvSpPr>
+        <p:spPr>
+          <a:xfrm>
+            <a:off x="6172200" y="2194559"/>
+            <a:ext cx="5334000" cy="4024125"/>
+          </a:xfrm>
+        </p:spPr>
+        <p:txBody>
+          <a:bodyPr/>
+          <a:lstStyle/>
+          <a:p>
+            <a:pPr lvl="0"/>
+            <a:r>
+              <a:rPr lang="en-US"/>
+              <a:t>Click to edit Master text styles</a:t>
+            </a:r>
+          </a:p>
+          <a:p>
+            <a:pPr lvl="1"/>
+            <a:r>
+              <a:rPr lang="en-US"/>
+              <a:t>Second level</a:t>
+            </a:r>
+          </a:p>
+          <a:p>
+            <a:pPr lvl="2"/>
+            <a:r>
+              <a:rPr lang="en-US"/>
+              <a:t>Third level</a:t>
+            </a:r>
+          </a:p>
+          <a:p>
+            <a:pPr lvl="3"/>
+            <a:r>
+              <a:rPr lang="en-US"/>
+              <a:t>Fourth level</a:t>
+            </a:r>
+          </a:p>
+          <a:p>
+            <a:pPr lvl="4"/>
+            <a:r>
+              <a:rPr lang="en-US"/>
+              <a:t>Fifth level</a:t>
+            </a:r>
+            <a:endParaRPr lang="en-US" dirty="0"/>
+          </a:p>
+        </p:txBody>
+      </p:sp>
+      <p:sp>
+        <p:nvSpPr>
+          <p:cNvPr id="5" name="Date Placeholder 4"/>
+          <p:cNvSpPr>
+            <a:spLocks noGrp="1"/>
+          </p:cNvSpPr>
+          <p:nvPr>
+            <p:ph type="dt" sz="half" idx="10"/>
+          </p:nvPr>
+        </p:nvSpPr>
+        <p:spPr/>
+        <p:txBody>
+          <a:bodyPr/>
+          <a:lstStyle/>
+          <a:p>
             <a:fld id="{9D648943-11F5-4E3A-89B9-4D7A01C331E0}" type="datetimeFigureOut">
               <a:rPr lang="en-CA" smtClean="0"/>
-              <a:t>2019-09-28</a:t>
+              <a:t>2019-09-30</a:t>
             </a:fld>
             <a:endParaRPr lang="en-CA"/>
           </a:p>
@@ -1410,7 +4482,7 @@
       </p:sp>
       <p:sp>
         <p:nvSpPr>
-          <p:cNvPr id="9" name="Footer Placeholder 8"/>
+          <p:cNvPr id="6" name="Footer Placeholder 5"/>
           <p:cNvSpPr>
             <a:spLocks noGrp="1"/>
           </p:cNvSpPr>
@@ -1429,7 +4501,7 @@
       </p:sp>
       <p:sp>
         <p:nvSpPr>
-          <p:cNvPr id="10" name="Slide Number Placeholder 9"/>
+          <p:cNvPr id="7" name="Slide Number Placeholder 6"/>
           <p:cNvSpPr>
             <a:spLocks noGrp="1"/>
           </p:cNvSpPr>
@@ -1453,7 +4525,7 @@
     </p:spTree>
     <p:extLst>
       <p:ext uri="{BB962C8B-B14F-4D97-AF65-F5344CB8AC3E}">
-        <p14:creationId xmlns:p14="http://schemas.microsoft.com/office/powerpoint/2010/main" val="1293823931"/>
+        <p14:creationId xmlns:p14="http://schemas.microsoft.com/office/powerpoint/2010/main" val="2476287869"/>
       </p:ext>
     </p:extLst>
   </p:cSld>
@@ -1482,7 +4554,7 @@
       </p:grpSpPr>
       <p:sp>
         <p:nvSpPr>
-          <p:cNvPr id="10" name="Title 9"/>
+          <p:cNvPr id="2" name="Title 1"/>
           <p:cNvSpPr>
             <a:spLocks noGrp="1"/>
           </p:cNvSpPr>
@@ -1490,7 +4562,12 @@
             <p:ph type="title"/>
           </p:nvPr>
         </p:nvSpPr>
-        <p:spPr/>
+        <p:spPr>
+          <a:xfrm>
+            <a:off x="2895600" y="762000"/>
+            <a:ext cx="8610600" cy="1295400"/>
+          </a:xfrm>
+        </p:spPr>
         <p:txBody>
           <a:bodyPr/>
           <a:lstStyle/>
@@ -1515,8 +4592,8 @@
         </p:nvSpPr>
         <p:spPr>
           <a:xfrm>
-            <a:off x="3867912" y="1023586"/>
-            <a:ext cx="3474720" cy="807720"/>
+            <a:off x="914409" y="2183802"/>
+            <a:ext cx="5079991" cy="823912"/>
           </a:xfrm>
         </p:spPr>
         <p:txBody>
@@ -1525,16 +4602,10 @@
           </a:bodyPr>
           <a:lstStyle>
             <a:lvl1pPr marL="0" indent="0">
-              <a:spcBef>
-                <a:spcPts val="0"/>
-              </a:spcBef>
-              <a:buNone/>
-              <a:defRPr sz="2000" b="1">
+              <a:buNone/>
+              <a:defRPr sz="2800" b="0">
                 <a:solidFill>
-                  <a:schemeClr val="tx1">
-                    <a:lumMod val="65000"/>
-                    <a:lumOff val="35000"/>
-                  </a:schemeClr>
+                  <a:schemeClr val="tx1"/>
                 </a:solidFill>
               </a:defRPr>
             </a:lvl1pPr>
@@ -1592,41 +4663,13 @@
         </p:nvSpPr>
         <p:spPr>
           <a:xfrm>
-            <a:off x="3867912" y="1930936"/>
-            <a:ext cx="3474720" cy="4023360"/>
+            <a:off x="685800" y="3132666"/>
+            <a:ext cx="5311775" cy="3086019"/>
           </a:xfrm>
         </p:spPr>
         <p:txBody>
           <a:bodyPr/>
-          <a:lstStyle>
-            <a:lvl1pPr>
-              <a:defRPr sz="2000"/>
-            </a:lvl1pPr>
-            <a:lvl2pPr>
-              <a:defRPr sz="1800"/>
-            </a:lvl2pPr>
-            <a:lvl3pPr>
-              <a:defRPr sz="1600"/>
-            </a:lvl3pPr>
-            <a:lvl4pPr>
-              <a:defRPr sz="1400"/>
-            </a:lvl4pPr>
-            <a:lvl5pPr>
-              <a:defRPr sz="1400"/>
-            </a:lvl5pPr>
-            <a:lvl6pPr>
-              <a:defRPr sz="1400"/>
-            </a:lvl6pPr>
-            <a:lvl7pPr>
-              <a:defRPr sz="1400"/>
-            </a:lvl7pPr>
-            <a:lvl8pPr>
-              <a:defRPr sz="1400"/>
-            </a:lvl8pPr>
-            <a:lvl9pPr>
-              <a:defRPr sz="1400"/>
-            </a:lvl9pPr>
-          </a:lstStyle>
+          <a:lstStyle/>
           <a:p>
             <a:pPr lvl="0"/>
             <a:r>
@@ -1677,8 +4720,8 @@
         </p:nvSpPr>
         <p:spPr>
           <a:xfrm>
-            <a:off x="7818463" y="1023586"/>
-            <a:ext cx="3474720" cy="813171"/>
+            <a:off x="6400800" y="2183802"/>
+            <a:ext cx="5105400" cy="823912"/>
           </a:xfrm>
         </p:spPr>
         <p:txBody>
@@ -1687,16 +4730,10 @@
           </a:bodyPr>
           <a:lstStyle>
             <a:lvl1pPr marL="0" indent="0">
-              <a:spcBef>
-                <a:spcPts val="0"/>
-              </a:spcBef>
-              <a:buNone/>
-              <a:defRPr sz="2000" b="1">
+              <a:buNone/>
+              <a:defRPr sz="2800" b="0">
                 <a:solidFill>
-                  <a:schemeClr val="tx1">
-                    <a:lumMod val="65000"/>
-                    <a:lumOff val="35000"/>
-                  </a:schemeClr>
+                  <a:schemeClr val="tx1"/>
                 </a:solidFill>
               </a:defRPr>
             </a:lvl1pPr>
@@ -1754,97 +4791,69 @@
         </p:nvSpPr>
         <p:spPr>
           <a:xfrm>
-            <a:off x="7818463" y="1930936"/>
-            <a:ext cx="3474720" cy="4023360"/>
-          </a:xfrm>
-        </p:spPr>
-        <p:txBody>
-          <a:bodyPr/>
-          <a:lstStyle>
-            <a:lvl1pPr>
-              <a:defRPr sz="2000"/>
-            </a:lvl1pPr>
-            <a:lvl2pPr>
-              <a:defRPr sz="1800"/>
-            </a:lvl2pPr>
-            <a:lvl3pPr>
-              <a:defRPr sz="1600"/>
-            </a:lvl3pPr>
-            <a:lvl4pPr>
-              <a:defRPr sz="1400"/>
-            </a:lvl4pPr>
-            <a:lvl5pPr>
-              <a:defRPr sz="1400"/>
-            </a:lvl5pPr>
-            <a:lvl6pPr>
-              <a:defRPr sz="1400"/>
-            </a:lvl6pPr>
-            <a:lvl7pPr>
-              <a:defRPr sz="1400"/>
-            </a:lvl7pPr>
-            <a:lvl8pPr>
-              <a:defRPr sz="1400"/>
-            </a:lvl8pPr>
-            <a:lvl9pPr>
-              <a:defRPr sz="1400"/>
-            </a:lvl9pPr>
-          </a:lstStyle>
-          <a:p>
-            <a:pPr lvl="0"/>
-            <a:r>
-              <a:rPr lang="en-US"/>
-              <a:t>Click to edit Master text styles</a:t>
-            </a:r>
-          </a:p>
-          <a:p>
-            <a:pPr lvl="1"/>
-            <a:r>
-              <a:rPr lang="en-US"/>
-              <a:t>Second level</a:t>
-            </a:r>
-          </a:p>
-          <a:p>
-            <a:pPr lvl="2"/>
-            <a:r>
-              <a:rPr lang="en-US"/>
-              <a:t>Third level</a:t>
-            </a:r>
-          </a:p>
-          <a:p>
-            <a:pPr lvl="3"/>
-            <a:r>
-              <a:rPr lang="en-US"/>
-              <a:t>Fourth level</a:t>
-            </a:r>
-          </a:p>
-          <a:p>
-            <a:pPr lvl="4"/>
-            <a:r>
-              <a:rPr lang="en-US"/>
-              <a:t>Fifth level</a:t>
-            </a:r>
-            <a:endParaRPr lang="en-US" dirty="0"/>
-          </a:p>
-        </p:txBody>
-      </p:sp>
-      <p:sp>
-        <p:nvSpPr>
-          <p:cNvPr id="2" name="Date Placeholder 1"/>
-          <p:cNvSpPr>
-            <a:spLocks noGrp="1"/>
-          </p:cNvSpPr>
-          <p:nvPr>
-            <p:ph type="dt" sz="half" idx="10"/>
-          </p:nvPr>
-        </p:nvSpPr>
-        <p:spPr/>
+            <a:off x="6172200" y="3132666"/>
+            <a:ext cx="5334000" cy="3086019"/>
+          </a:xfrm>
+        </p:spPr>
         <p:txBody>
           <a:bodyPr/>
           <a:lstStyle/>
           <a:p>
+            <a:pPr lvl="0"/>
+            <a:r>
+              <a:rPr lang="en-US"/>
+              <a:t>Click to edit Master text styles</a:t>
+            </a:r>
+          </a:p>
+          <a:p>
+            <a:pPr lvl="1"/>
+            <a:r>
+              <a:rPr lang="en-US"/>
+              <a:t>Second level</a:t>
+            </a:r>
+          </a:p>
+          <a:p>
+            <a:pPr lvl="2"/>
+            <a:r>
+              <a:rPr lang="en-US"/>
+              <a:t>Third level</a:t>
+            </a:r>
+          </a:p>
+          <a:p>
+            <a:pPr lvl="3"/>
+            <a:r>
+              <a:rPr lang="en-US"/>
+              <a:t>Fourth level</a:t>
+            </a:r>
+          </a:p>
+          <a:p>
+            <a:pPr lvl="4"/>
+            <a:r>
+              <a:rPr lang="en-US"/>
+              <a:t>Fifth level</a:t>
+            </a:r>
+            <a:endParaRPr lang="en-US" dirty="0"/>
+          </a:p>
+        </p:txBody>
+      </p:sp>
+      <p:sp>
+        <p:nvSpPr>
+          <p:cNvPr id="7" name="Date Placeholder 6"/>
+          <p:cNvSpPr>
+            <a:spLocks noGrp="1"/>
+          </p:cNvSpPr>
+          <p:nvPr>
+            <p:ph type="dt" sz="half" idx="10"/>
+          </p:nvPr>
+        </p:nvSpPr>
+        <p:spPr/>
+        <p:txBody>
+          <a:bodyPr/>
+          <a:lstStyle/>
+          <a:p>
             <a:fld id="{9D648943-11F5-4E3A-89B9-4D7A01C331E0}" type="datetimeFigureOut">
               <a:rPr lang="en-CA" smtClean="0"/>
-              <a:t>2019-09-28</a:t>
+              <a:t>2019-09-30</a:t>
             </a:fld>
             <a:endParaRPr lang="en-CA"/>
           </a:p>
@@ -1852,7 +4861,7 @@
       </p:sp>
       <p:sp>
         <p:nvSpPr>
-          <p:cNvPr id="11" name="Footer Placeholder 10"/>
+          <p:cNvPr id="8" name="Footer Placeholder 7"/>
           <p:cNvSpPr>
             <a:spLocks noGrp="1"/>
           </p:cNvSpPr>
@@ -1871,7 +4880,7 @@
       </p:sp>
       <p:sp>
         <p:nvSpPr>
-          <p:cNvPr id="12" name="Slide Number Placeholder 11"/>
+          <p:cNvPr id="9" name="Slide Number Placeholder 8"/>
           <p:cNvSpPr>
             <a:spLocks noGrp="1"/>
           </p:cNvSpPr>
@@ -1895,7 +4904,7 @@
     </p:spTree>
     <p:extLst>
       <p:ext uri="{BB962C8B-B14F-4D97-AF65-F5344CB8AC3E}">
-        <p14:creationId xmlns:p14="http://schemas.microsoft.com/office/powerpoint/2010/main" val="1245045872"/>
+        <p14:creationId xmlns:p14="http://schemas.microsoft.com/office/powerpoint/2010/main" val="2220571190"/>
       </p:ext>
     </p:extLst>
   </p:cSld>
@@ -1924,7 +4933,7 @@
       </p:grpSpPr>
       <p:sp>
         <p:nvSpPr>
-          <p:cNvPr id="6" name="Title 5"/>
+          <p:cNvPr id="2" name="Title 1"/>
           <p:cNvSpPr>
             <a:spLocks noGrp="1"/>
           </p:cNvSpPr>
@@ -1947,7 +4956,7 @@
       </p:sp>
       <p:sp>
         <p:nvSpPr>
-          <p:cNvPr id="2" name="Date Placeholder 1"/>
+          <p:cNvPr id="3" name="Date Placeholder 2"/>
           <p:cNvSpPr>
             <a:spLocks noGrp="1"/>
           </p:cNvSpPr>
@@ -1962,7 +4971,7 @@
           <a:p>
             <a:fld id="{9D648943-11F5-4E3A-89B9-4D7A01C331E0}" type="datetimeFigureOut">
               <a:rPr lang="en-CA" smtClean="0"/>
-              <a:t>2019-09-28</a:t>
+              <a:t>2019-09-30</a:t>
             </a:fld>
             <a:endParaRPr lang="en-CA"/>
           </a:p>
@@ -1970,7 +4979,7 @@
       </p:sp>
       <p:sp>
         <p:nvSpPr>
-          <p:cNvPr id="7" name="Footer Placeholder 6"/>
+          <p:cNvPr id="4" name="Footer Placeholder 3"/>
           <p:cNvSpPr>
             <a:spLocks noGrp="1"/>
           </p:cNvSpPr>
@@ -1989,7 +4998,7 @@
       </p:sp>
       <p:sp>
         <p:nvSpPr>
-          <p:cNvPr id="8" name="Slide Number Placeholder 7"/>
+          <p:cNvPr id="5" name="Slide Number Placeholder 4"/>
           <p:cNvSpPr>
             <a:spLocks noGrp="1"/>
           </p:cNvSpPr>
@@ -2013,7 +5022,7 @@
     </p:spTree>
     <p:extLst>
       <p:ext uri="{BB962C8B-B14F-4D97-AF65-F5344CB8AC3E}">
-        <p14:creationId xmlns:p14="http://schemas.microsoft.com/office/powerpoint/2010/main" val="1761123532"/>
+        <p14:creationId xmlns:p14="http://schemas.microsoft.com/office/powerpoint/2010/main" val="1452706391"/>
       </p:ext>
     </p:extLst>
   </p:cSld>
@@ -2024,7 +5033,7 @@
 </file>
 
 <file path=ppt/slideLayouts/slideLayout7.xml><?xml version="1.0" encoding="utf-8"?>
-<p:sldLayout xmlns:a="http://schemas.openxmlformats.org/drawingml/2006/main" xmlns:r="http://schemas.openxmlformats.org/officeDocument/2006/relationships" xmlns:p="http://schemas.openxmlformats.org/presentationml/2006/main" showMasterSp="0" type="blank" preserve="1">
+<p:sldLayout xmlns:a="http://schemas.openxmlformats.org/drawingml/2006/main" xmlns:r="http://schemas.openxmlformats.org/officeDocument/2006/relationships" xmlns:p="http://schemas.openxmlformats.org/presentationml/2006/main" type="blank" preserve="1">
   <p:cSld name="Blank">
     <p:spTree>
       <p:nvGrpSpPr>
@@ -2042,7 +5051,7 @@
       </p:grpSpPr>
       <p:sp>
         <p:nvSpPr>
-          <p:cNvPr id="5" name="Date Placeholder 4"/>
+          <p:cNvPr id="2" name="Date Placeholder 1"/>
           <p:cNvSpPr>
             <a:spLocks noGrp="1"/>
           </p:cNvSpPr>
@@ -2057,7 +5066,7 @@
           <a:p>
             <a:fld id="{9D648943-11F5-4E3A-89B9-4D7A01C331E0}" type="datetimeFigureOut">
               <a:rPr lang="en-CA" smtClean="0"/>
-              <a:t>2019-09-28</a:t>
+              <a:t>2019-09-30</a:t>
             </a:fld>
             <a:endParaRPr lang="en-CA"/>
           </a:p>
@@ -2065,7 +5074,7 @@
       </p:sp>
       <p:sp>
         <p:nvSpPr>
-          <p:cNvPr id="6" name="Footer Placeholder 5"/>
+          <p:cNvPr id="3" name="Footer Placeholder 2"/>
           <p:cNvSpPr>
             <a:spLocks noGrp="1"/>
           </p:cNvSpPr>
@@ -2084,7 +5093,7 @@
       </p:sp>
       <p:sp>
         <p:nvSpPr>
-          <p:cNvPr id="7" name="Slide Number Placeholder 6"/>
+          <p:cNvPr id="4" name="Slide Number Placeholder 3"/>
           <p:cNvSpPr>
             <a:spLocks noGrp="1"/>
           </p:cNvSpPr>
@@ -2108,7 +5117,7 @@
     </p:spTree>
     <p:extLst>
       <p:ext uri="{BB962C8B-B14F-4D97-AF65-F5344CB8AC3E}">
-        <p14:creationId xmlns:p14="http://schemas.microsoft.com/office/powerpoint/2010/main" val="908185744"/>
+        <p14:creationId xmlns:p14="http://schemas.microsoft.com/office/powerpoint/2010/main" val="684445182"/>
       </p:ext>
     </p:extLst>
   </p:cSld>
@@ -2147,17 +5156,15 @@
         </p:nvSpPr>
         <p:spPr>
           <a:xfrm>
-            <a:off x="256032" y="1143000"/>
-            <a:ext cx="2834640" cy="2377440"/>
-          </a:xfrm>
-        </p:spPr>
-        <p:txBody>
-          <a:bodyPr anchor="b">
-            <a:normAutofit/>
-          </a:bodyPr>
+            <a:off x="685800" y="1524000"/>
+            <a:ext cx="4114800" cy="1600200"/>
+          </a:xfrm>
+        </p:spPr>
+        <p:txBody>
+          <a:bodyPr anchor="b"/>
           <a:lstStyle>
-            <a:lvl1pPr>
-              <a:defRPr sz="3200" b="0" baseline="0"/>
+            <a:lvl1pPr algn="l">
+              <a:defRPr sz="3200"/>
             </a:lvl1pPr>
           </a:lstStyle>
           <a:p>
@@ -2181,39 +5188,105 @@
         </p:nvSpPr>
         <p:spPr>
           <a:xfrm>
-            <a:off x="3867912" y="868680"/>
-            <a:ext cx="7315200" cy="5120640"/>
+            <a:off x="4995582" y="746759"/>
+            <a:ext cx="6510618" cy="5471925"/>
+          </a:xfrm>
+        </p:spPr>
+        <p:txBody>
+          <a:bodyPr anchor="ctr"/>
+          <a:lstStyle/>
+          <a:p>
+            <a:pPr lvl="0"/>
+            <a:r>
+              <a:rPr lang="en-US"/>
+              <a:t>Click to edit Master text styles</a:t>
+            </a:r>
+          </a:p>
+          <a:p>
+            <a:pPr lvl="1"/>
+            <a:r>
+              <a:rPr lang="en-US"/>
+              <a:t>Second level</a:t>
+            </a:r>
+          </a:p>
+          <a:p>
+            <a:pPr lvl="2"/>
+            <a:r>
+              <a:rPr lang="en-US"/>
+              <a:t>Third level</a:t>
+            </a:r>
+          </a:p>
+          <a:p>
+            <a:pPr lvl="3"/>
+            <a:r>
+              <a:rPr lang="en-US"/>
+              <a:t>Fourth level</a:t>
+            </a:r>
+          </a:p>
+          <a:p>
+            <a:pPr lvl="4"/>
+            <a:r>
+              <a:rPr lang="en-US"/>
+              <a:t>Fifth level</a:t>
+            </a:r>
+            <a:endParaRPr lang="en-US" dirty="0"/>
+          </a:p>
+        </p:txBody>
+      </p:sp>
+      <p:sp>
+        <p:nvSpPr>
+          <p:cNvPr id="4" name="Text Placeholder 3"/>
+          <p:cNvSpPr>
+            <a:spLocks noGrp="1"/>
+          </p:cNvSpPr>
+          <p:nvPr>
+            <p:ph type="body" sz="half" idx="2"/>
+          </p:nvPr>
+        </p:nvSpPr>
+        <p:spPr>
+          <a:xfrm>
+            <a:off x="685800" y="3124199"/>
+            <a:ext cx="4114800" cy="3094485"/>
           </a:xfrm>
         </p:spPr>
         <p:txBody>
           <a:bodyPr/>
           <a:lstStyle>
-            <a:lvl1pPr>
-              <a:defRPr sz="2000"/>
+            <a:lvl1pPr marL="0" indent="0">
+              <a:buNone/>
+              <a:defRPr sz="1600"/>
             </a:lvl1pPr>
-            <a:lvl2pPr>
-              <a:defRPr sz="1800"/>
+            <a:lvl2pPr marL="457200" indent="0">
+              <a:buNone/>
+              <a:defRPr sz="1400"/>
             </a:lvl2pPr>
-            <a:lvl3pPr>
-              <a:defRPr sz="1600"/>
+            <a:lvl3pPr marL="914400" indent="0">
+              <a:buNone/>
+              <a:defRPr sz="1200"/>
             </a:lvl3pPr>
-            <a:lvl4pPr>
-              <a:defRPr sz="1400"/>
+            <a:lvl4pPr marL="1371600" indent="0">
+              <a:buNone/>
+              <a:defRPr sz="1000"/>
             </a:lvl4pPr>
-            <a:lvl5pPr>
-              <a:defRPr sz="1400"/>
+            <a:lvl5pPr marL="1828800" indent="0">
+              <a:buNone/>
+              <a:defRPr sz="1000"/>
             </a:lvl5pPr>
-            <a:lvl6pPr>
-              <a:defRPr sz="1400"/>
+            <a:lvl6pPr marL="2286000" indent="0">
+              <a:buNone/>
+              <a:defRPr sz="1000"/>
             </a:lvl6pPr>
-            <a:lvl7pPr>
-              <a:defRPr sz="1400"/>
+            <a:lvl7pPr marL="2743200" indent="0">
+              <a:buNone/>
+              <a:defRPr sz="1000"/>
             </a:lvl7pPr>
-            <a:lvl8pPr>
-              <a:defRPr sz="1400"/>
+            <a:lvl8pPr marL="3200400" indent="0">
+              <a:buNone/>
+              <a:defRPr sz="1000"/>
             </a:lvl8pPr>
-            <a:lvl9pPr>
-              <a:defRPr sz="1400"/>
+            <a:lvl9pPr marL="3657600" indent="0">
+              <a:buNone/>
+              <a:defRPr sz="1000"/>
             </a:lvl9pPr>
           </a:lstStyle>
           <a:p>
@@ -2223,114 +5296,11 @@
               <a:t>Click to edit Master text styles</a:t>
             </a:r>
           </a:p>
-          <a:p>
-            <a:pPr lvl="1"/>
-            <a:r>
-              <a:rPr lang="en-US"/>
-              <a:t>Second level</a:t>
-            </a:r>
-          </a:p>
-          <a:p>
-            <a:pPr lvl="2"/>
-            <a:r>
-              <a:rPr lang="en-US"/>
-              <a:t>Third level</a:t>
-            </a:r>
-          </a:p>
-          <a:p>
-            <a:pPr lvl="3"/>
-            <a:r>
-              <a:rPr lang="en-US"/>
-              <a:t>Fourth level</a:t>
-            </a:r>
-          </a:p>
-          <a:p>
-            <a:pPr lvl="4"/>
-            <a:r>
-              <a:rPr lang="en-US"/>
-              <a:t>Fifth level</a:t>
-            </a:r>
-            <a:endParaRPr lang="en-US" dirty="0"/>
-          </a:p>
-        </p:txBody>
-      </p:sp>
-      <p:sp>
-        <p:nvSpPr>
-          <p:cNvPr id="4" name="Text Placeholder 3"/>
-          <p:cNvSpPr>
-            <a:spLocks noGrp="1"/>
-          </p:cNvSpPr>
-          <p:nvPr>
-            <p:ph type="body" sz="half" idx="2"/>
-          </p:nvPr>
-        </p:nvSpPr>
-        <p:spPr>
-          <a:xfrm>
-            <a:off x="256032" y="3494176"/>
-            <a:ext cx="2834640" cy="2321990"/>
-          </a:xfrm>
-        </p:spPr>
-        <p:txBody>
-          <a:bodyPr anchor="t">
-            <a:normAutofit/>
-          </a:bodyPr>
-          <a:lstStyle>
-            <a:lvl1pPr marL="0" indent="0">
-              <a:lnSpc>
-                <a:spcPct val="100000"/>
-              </a:lnSpc>
-              <a:buNone/>
-              <a:defRPr sz="1400">
-                <a:solidFill>
-                  <a:srgbClr val="FFFFFF"/>
-                </a:solidFill>
-              </a:defRPr>
-            </a:lvl1pPr>
-            <a:lvl2pPr marL="457200" indent="0">
-              <a:buNone/>
-              <a:defRPr sz="1200"/>
-            </a:lvl2pPr>
-            <a:lvl3pPr marL="914400" indent="0">
-              <a:buNone/>
-              <a:defRPr sz="1000"/>
-            </a:lvl3pPr>
-            <a:lvl4pPr marL="1371600" indent="0">
-              <a:buNone/>
-              <a:defRPr sz="900"/>
-            </a:lvl4pPr>
-            <a:lvl5pPr marL="1828800" indent="0">
-              <a:buNone/>
-              <a:defRPr sz="900"/>
-            </a:lvl5pPr>
-            <a:lvl6pPr marL="2286000" indent="0">
-              <a:buNone/>
-              <a:defRPr sz="900"/>
-            </a:lvl6pPr>
-            <a:lvl7pPr marL="2743200" indent="0">
-              <a:buNone/>
-              <a:defRPr sz="900"/>
-            </a:lvl7pPr>
-            <a:lvl8pPr marL="3200400" indent="0">
-              <a:buNone/>
-              <a:defRPr sz="900"/>
-            </a:lvl8pPr>
-            <a:lvl9pPr marL="3657600" indent="0">
-              <a:buNone/>
-              <a:defRPr sz="900"/>
-            </a:lvl9pPr>
-          </a:lstStyle>
-          <a:p>
-            <a:pPr lvl="0"/>
-            <a:r>
-              <a:rPr lang="en-US"/>
-              <a:t>Click to edit Master text styles</a:t>
-            </a:r>
-          </a:p>
-        </p:txBody>
-      </p:sp>
-      <p:sp>
-        <p:nvSpPr>
-          <p:cNvPr id="8" name="Date Placeholder 7"/>
+        </p:txBody>
+      </p:sp>
+      <p:sp>
+        <p:nvSpPr>
+          <p:cNvPr id="5" name="Date Placeholder 4"/>
           <p:cNvSpPr>
             <a:spLocks noGrp="1"/>
           </p:cNvSpPr>
@@ -2345,7 +5315,7 @@
           <a:p>
             <a:fld id="{9D648943-11F5-4E3A-89B9-4D7A01C331E0}" type="datetimeFigureOut">
               <a:rPr lang="en-CA" smtClean="0"/>
-              <a:t>2019-09-28</a:t>
+              <a:t>2019-09-30</a:t>
             </a:fld>
             <a:endParaRPr lang="en-CA"/>
           </a:p>
@@ -2353,7 +5323,7 @@
       </p:sp>
       <p:sp>
         <p:nvSpPr>
-          <p:cNvPr id="9" name="Footer Placeholder 8"/>
+          <p:cNvPr id="6" name="Footer Placeholder 5"/>
           <p:cNvSpPr>
             <a:spLocks noGrp="1"/>
           </p:cNvSpPr>
@@ -2372,7 +5342,7 @@
       </p:sp>
       <p:sp>
         <p:nvSpPr>
-          <p:cNvPr id="10" name="Slide Number Placeholder 9"/>
+          <p:cNvPr id="7" name="Slide Number Placeholder 6"/>
           <p:cNvSpPr>
             <a:spLocks noGrp="1"/>
           </p:cNvSpPr>
@@ -2396,7 +5366,7 @@
     </p:spTree>
     <p:extLst>
       <p:ext uri="{BB962C8B-B14F-4D97-AF65-F5344CB8AC3E}">
-        <p14:creationId xmlns:p14="http://schemas.microsoft.com/office/powerpoint/2010/main" val="232207300"/>
+        <p14:creationId xmlns:p14="http://schemas.microsoft.com/office/powerpoint/2010/main" val="148663460"/>
       </p:ext>
     </p:extLst>
   </p:cSld>
@@ -2435,17 +5405,15 @@
         </p:nvSpPr>
         <p:spPr>
           <a:xfrm>
-            <a:off x="256032" y="1143000"/>
-            <a:ext cx="2834640" cy="2377440"/>
-          </a:xfrm>
-        </p:spPr>
-        <p:txBody>
-          <a:bodyPr anchor="b">
-            <a:normAutofit/>
-          </a:bodyPr>
+            <a:off x="685800" y="1524000"/>
+            <a:ext cx="6873240" cy="1600200"/>
+          </a:xfrm>
+        </p:spPr>
+        <p:txBody>
+          <a:bodyPr anchor="b"/>
           <a:lstStyle>
-            <a:lvl1pPr>
-              <a:defRPr sz="3200" b="0"/>
+            <a:lvl1pPr algn="l">
+              <a:defRPr sz="3200"/>
             </a:lvl1pPr>
           </a:lstStyle>
           <a:p>
@@ -2469,14 +5437,9 @@
         </p:nvSpPr>
         <p:spPr>
           <a:xfrm>
-            <a:off x="3570644" y="767419"/>
-            <a:ext cx="8115230" cy="5330952"/>
-          </a:xfrm>
-          <a:solidFill>
-            <a:schemeClr val="bg1">
-              <a:lumMod val="75000"/>
-            </a:schemeClr>
-          </a:solidFill>
+            <a:off x="7861238" y="751241"/>
+            <a:ext cx="3644962" cy="5467443"/>
+          </a:xfrm>
         </p:spPr>
         <p:txBody>
           <a:bodyPr anchor="t"/>
@@ -2539,57 +5502,48 @@
         </p:nvSpPr>
         <p:spPr>
           <a:xfrm>
-            <a:off x="256032" y="3493008"/>
-            <a:ext cx="2834640" cy="2322576"/>
-          </a:xfrm>
-        </p:spPr>
-        <p:txBody>
-          <a:bodyPr anchor="t">
-            <a:normAutofit/>
-          </a:bodyPr>
+            <a:off x="685800" y="3124199"/>
+            <a:ext cx="6873240" cy="3094485"/>
+          </a:xfrm>
+        </p:spPr>
+        <p:txBody>
+          <a:bodyPr/>
           <a:lstStyle>
             <a:lvl1pPr marL="0" indent="0">
-              <a:lnSpc>
-                <a:spcPct val="100000"/>
-              </a:lnSpc>
-              <a:buNone/>
-              <a:defRPr sz="1400">
-                <a:solidFill>
-                  <a:srgbClr val="FFFFFF"/>
-                </a:solidFill>
-              </a:defRPr>
+              <a:buNone/>
+              <a:defRPr sz="1600"/>
             </a:lvl1pPr>
             <a:lvl2pPr marL="457200" indent="0">
               <a:buNone/>
-              <a:defRPr sz="1200"/>
+              <a:defRPr sz="1400"/>
             </a:lvl2pPr>
             <a:lvl3pPr marL="914400" indent="0">
               <a:buNone/>
-              <a:defRPr sz="1000"/>
+              <a:defRPr sz="1200"/>
             </a:lvl3pPr>
             <a:lvl4pPr marL="1371600" indent="0">
               <a:buNone/>
-              <a:defRPr sz="900"/>
+              <a:defRPr sz="1000"/>
             </a:lvl4pPr>
             <a:lvl5pPr marL="1828800" indent="0">
               <a:buNone/>
-              <a:defRPr sz="900"/>
+              <a:defRPr sz="1000"/>
             </a:lvl5pPr>
             <a:lvl6pPr marL="2286000" indent="0">
               <a:buNone/>
-              <a:defRPr sz="900"/>
+              <a:defRPr sz="1000"/>
             </a:lvl6pPr>
             <a:lvl7pPr marL="2743200" indent="0">
               <a:buNone/>
-              <a:defRPr sz="900"/>
+              <a:defRPr sz="1000"/>
             </a:lvl7pPr>
             <a:lvl8pPr marL="3200400" indent="0">
               <a:buNone/>
-              <a:defRPr sz="900"/>
+              <a:defRPr sz="1000"/>
             </a:lvl8pPr>
             <a:lvl9pPr marL="3657600" indent="0">
               <a:buNone/>
-              <a:defRPr sz="900"/>
+              <a:defRPr sz="1000"/>
             </a:lvl9pPr>
           </a:lstStyle>
           <a:p>
@@ -2603,7 +5557,7 @@
       </p:sp>
       <p:sp>
         <p:nvSpPr>
-          <p:cNvPr id="8" name="Date Placeholder 7"/>
+          <p:cNvPr id="5" name="Date Placeholder 4"/>
           <p:cNvSpPr>
             <a:spLocks noGrp="1"/>
           </p:cNvSpPr>
@@ -2618,7 +5572,7 @@
           <a:p>
             <a:fld id="{9D648943-11F5-4E3A-89B9-4D7A01C331E0}" type="datetimeFigureOut">
               <a:rPr lang="en-CA" smtClean="0"/>
-              <a:t>2019-09-28</a:t>
+              <a:t>2019-09-30</a:t>
             </a:fld>
             <a:endParaRPr lang="en-CA"/>
           </a:p>
@@ -2626,7 +5580,7 @@
       </p:sp>
       <p:sp>
         <p:nvSpPr>
-          <p:cNvPr id="9" name="Footer Placeholder 8"/>
+          <p:cNvPr id="6" name="Footer Placeholder 5"/>
           <p:cNvSpPr>
             <a:spLocks noGrp="1"/>
           </p:cNvSpPr>
@@ -2634,12 +5588,7 @@
             <p:ph type="ftr" sz="quarter" idx="11"/>
           </p:nvPr>
         </p:nvSpPr>
-        <p:spPr>
-          <a:xfrm>
-            <a:off x="3499101" y="6356350"/>
-            <a:ext cx="5911517" cy="365125"/>
-          </a:xfrm>
-        </p:spPr>
+        <p:spPr/>
         <p:txBody>
           <a:bodyPr/>
           <a:lstStyle/>
@@ -2650,7 +5599,7 @@
       </p:sp>
       <p:sp>
         <p:nvSpPr>
-          <p:cNvPr id="10" name="Slide Number Placeholder 9"/>
+          <p:cNvPr id="7" name="Slide Number Placeholder 6"/>
           <p:cNvSpPr>
             <a:spLocks noGrp="1"/>
           </p:cNvSpPr>
@@ -2674,7 +5623,7 @@
     </p:spTree>
     <p:extLst>
       <p:ext uri="{BB962C8B-B14F-4D97-AF65-F5344CB8AC3E}">
-        <p14:creationId xmlns:p14="http://schemas.microsoft.com/office/powerpoint/2010/main" val="1987160997"/>
+        <p14:creationId xmlns:p14="http://schemas.microsoft.com/office/powerpoint/2010/main" val="610180665"/>
       </p:ext>
     </p:extLst>
   </p:cSld>
@@ -2706,44 +5655,36 @@
           <a:chExt cx="0" cy="0"/>
         </a:xfrm>
       </p:grpSpPr>
-      <p:sp>
-        <p:nvSpPr>
-          <p:cNvPr id="7" name="Rectangle 6"/>
-          <p:cNvSpPr/>
+      <p:pic>
+        <p:nvPicPr>
+          <p:cNvPr id="7" name="Picture 6" descr="C0-HD-TOP.png"/>
+          <p:cNvPicPr>
+            <a:picLocks noChangeAspect="1"/>
+          </p:cNvPicPr>
           <p:nvPr/>
-        </p:nvSpPr>
-        <p:spPr>
-          <a:xfrm>
-            <a:off x="1" y="758952"/>
-            <a:ext cx="3443590" cy="5330952"/>
+        </p:nvPicPr>
+        <p:blipFill>
+          <a:blip r:embed="rId19">
+            <a:extLst>
+              <a:ext uri="{28A0092B-C50C-407E-A947-70E740481C1C}">
+                <a14:useLocalDpi xmlns:a14="http://schemas.microsoft.com/office/drawing/2010/main" val="0"/>
+              </a:ext>
+            </a:extLst>
+          </a:blip>
+          <a:stretch>
+            <a:fillRect/>
+          </a:stretch>
+        </p:blipFill>
+        <p:spPr>
+          <a:xfrm>
+            <a:off x="0" y="0"/>
+            <a:ext cx="12192000" cy="1441450"/>
           </a:xfrm>
           <a:prstGeom prst="rect">
             <a:avLst/>
           </a:prstGeom>
-          <a:solidFill>
-            <a:schemeClr val="accent1"/>
-          </a:solidFill>
-          <a:ln>
-            <a:noFill/>
-          </a:ln>
-        </p:spPr>
-        <p:style>
-          <a:lnRef idx="2">
-            <a:schemeClr val="accent1">
-              <a:shade val="50000"/>
-            </a:schemeClr>
-          </a:lnRef>
-          <a:fillRef idx="1">
-            <a:schemeClr val="accent1"/>
-          </a:fillRef>
-          <a:effectRef idx="0">
-            <a:schemeClr val="accent1"/>
-          </a:effectRef>
-          <a:fontRef idx="minor">
-            <a:schemeClr val="lt1"/>
-          </a:fontRef>
-        </p:style>
-      </p:sp>
+        </p:spPr>
+      </p:pic>
       <p:sp>
         <p:nvSpPr>
           <p:cNvPr id="2" name="Title Placeholder 1"/>
@@ -2756,8 +5697,8 @@
         </p:nvSpPr>
         <p:spPr>
           <a:xfrm>
-            <a:off x="252919" y="1123837"/>
-            <a:ext cx="2947482" cy="4601183"/>
+            <a:off x="2895600" y="764373"/>
+            <a:ext cx="8610600" cy="1293028"/>
           </a:xfrm>
           <a:prstGeom prst="rect">
             <a:avLst/>
@@ -2779,134 +5720,93 @@
       </p:sp>
       <p:sp>
         <p:nvSpPr>
-          <p:cNvPr id="38" name="Rectangle 37"/>
-          <p:cNvSpPr/>
-          <p:nvPr/>
-        </p:nvSpPr>
-        <p:spPr>
-          <a:xfrm>
-            <a:off x="11815864" y="758952"/>
-            <a:ext cx="384048" cy="5330952"/>
+          <p:cNvPr id="3" name="Text Placeholder 2"/>
+          <p:cNvSpPr>
+            <a:spLocks noGrp="1"/>
+          </p:cNvSpPr>
+          <p:nvPr>
+            <p:ph type="body" idx="1"/>
+          </p:nvPr>
+        </p:nvSpPr>
+        <p:spPr>
+          <a:xfrm>
+            <a:off x="685800" y="2194560"/>
+            <a:ext cx="10820400" cy="4024125"/>
           </a:xfrm>
           <a:prstGeom prst="rect">
             <a:avLst/>
           </a:prstGeom>
-          <a:solidFill>
-            <a:srgbClr val="C8C8C8">
-              <a:alpha val="49804"/>
-            </a:srgbClr>
-          </a:solidFill>
-          <a:ln>
-            <a:noFill/>
-          </a:ln>
-        </p:spPr>
-        <p:style>
-          <a:lnRef idx="2">
-            <a:schemeClr val="accent1">
-              <a:shade val="50000"/>
-            </a:schemeClr>
-          </a:lnRef>
-          <a:fillRef idx="1">
-            <a:schemeClr val="accent1"/>
-          </a:fillRef>
-          <a:effectRef idx="0">
-            <a:schemeClr val="accent1"/>
-          </a:effectRef>
-          <a:fontRef idx="minor">
-            <a:schemeClr val="lt1"/>
-          </a:fontRef>
-        </p:style>
-      </p:sp>
-      <p:sp>
-        <p:nvSpPr>
-          <p:cNvPr id="3" name="Text Placeholder 2"/>
-          <p:cNvSpPr>
-            <a:spLocks noGrp="1"/>
-          </p:cNvSpPr>
-          <p:nvPr>
-            <p:ph type="body" idx="1"/>
-          </p:nvPr>
-        </p:nvSpPr>
-        <p:spPr>
-          <a:xfrm>
-            <a:off x="3869268" y="864108"/>
-            <a:ext cx="7315200" cy="5120640"/>
+        </p:spPr>
+        <p:txBody>
+          <a:bodyPr vert="horz" lIns="91440" tIns="45720" rIns="91440" bIns="45720" rtlCol="0">
+            <a:normAutofit/>
+          </a:bodyPr>
+          <a:lstStyle/>
+          <a:p>
+            <a:pPr lvl="0"/>
+            <a:r>
+              <a:rPr lang="en-US"/>
+              <a:t>Click to edit Master text styles</a:t>
+            </a:r>
+          </a:p>
+          <a:p>
+            <a:pPr lvl="1"/>
+            <a:r>
+              <a:rPr lang="en-US"/>
+              <a:t>Second level</a:t>
+            </a:r>
+          </a:p>
+          <a:p>
+            <a:pPr lvl="2"/>
+            <a:r>
+              <a:rPr lang="en-US"/>
+              <a:t>Third level</a:t>
+            </a:r>
+          </a:p>
+          <a:p>
+            <a:pPr lvl="3"/>
+            <a:r>
+              <a:rPr lang="en-US"/>
+              <a:t>Fourth level</a:t>
+            </a:r>
+          </a:p>
+          <a:p>
+            <a:pPr lvl="4"/>
+            <a:r>
+              <a:rPr lang="en-US"/>
+              <a:t>Fifth level</a:t>
+            </a:r>
+            <a:endParaRPr lang="en-US" dirty="0"/>
+          </a:p>
+        </p:txBody>
+      </p:sp>
+      <p:sp>
+        <p:nvSpPr>
+          <p:cNvPr id="4" name="Date Placeholder 3"/>
+          <p:cNvSpPr>
+            <a:spLocks noGrp="1"/>
+          </p:cNvSpPr>
+          <p:nvPr>
+            <p:ph type="dt" sz="half" idx="2"/>
+          </p:nvPr>
+        </p:nvSpPr>
+        <p:spPr>
+          <a:xfrm>
+            <a:off x="8595360" y="6356350"/>
+            <a:ext cx="2910840" cy="365125"/>
           </a:xfrm>
           <a:prstGeom prst="rect">
             <a:avLst/>
           </a:prstGeom>
         </p:spPr>
         <p:txBody>
-          <a:bodyPr vert="horz" lIns="91440" tIns="45720" rIns="91440" bIns="45720" rtlCol="0" anchor="ctr">
-            <a:normAutofit/>
-          </a:bodyPr>
-          <a:lstStyle/>
-          <a:p>
-            <a:pPr lvl="0"/>
-            <a:r>
-              <a:rPr lang="en-US"/>
-              <a:t>Click to edit Master text styles</a:t>
-            </a:r>
-          </a:p>
-          <a:p>
-            <a:pPr lvl="1"/>
-            <a:r>
-              <a:rPr lang="en-US"/>
-              <a:t>Second level</a:t>
-            </a:r>
-          </a:p>
-          <a:p>
-            <a:pPr lvl="2"/>
-            <a:r>
-              <a:rPr lang="en-US"/>
-              <a:t>Third level</a:t>
-            </a:r>
-          </a:p>
-          <a:p>
-            <a:pPr lvl="3"/>
-            <a:r>
-              <a:rPr lang="en-US"/>
-              <a:t>Fourth level</a:t>
-            </a:r>
-          </a:p>
-          <a:p>
-            <a:pPr lvl="4"/>
-            <a:r>
-              <a:rPr lang="en-US"/>
-              <a:t>Fifth level</a:t>
-            </a:r>
-            <a:endParaRPr lang="en-US" dirty="0"/>
-          </a:p>
-        </p:txBody>
-      </p:sp>
-      <p:sp>
-        <p:nvSpPr>
-          <p:cNvPr id="4" name="Date Placeholder 3"/>
-          <p:cNvSpPr>
-            <a:spLocks noGrp="1"/>
-          </p:cNvSpPr>
-          <p:nvPr>
-            <p:ph type="dt" sz="half" idx="2"/>
-          </p:nvPr>
-        </p:nvSpPr>
-        <p:spPr>
-          <a:xfrm>
-            <a:off x="262465" y="6356350"/>
-            <a:ext cx="2743200" cy="365125"/>
-          </a:xfrm>
-          <a:prstGeom prst="rect">
-            <a:avLst/>
-          </a:prstGeom>
-        </p:spPr>
-        <p:txBody>
           <a:bodyPr vert="horz" lIns="91440" tIns="45720" rIns="91440" bIns="45720" rtlCol="0" anchor="ctr"/>
           <a:lstStyle>
-            <a:lvl1pPr algn="l">
-              <a:defRPr sz="1100">
+            <a:lvl1pPr algn="r">
+              <a:defRPr sz="1050">
                 <a:solidFill>
                   <a:schemeClr val="tx1">
-                    <a:lumMod val="50000"/>
-                    <a:lumOff val="50000"/>
+                    <a:tint val="75000"/>
                   </a:schemeClr>
                 </a:solidFill>
               </a:defRPr>
@@ -2915,7 +5815,7 @@
           <a:p>
             <a:fld id="{9D648943-11F5-4E3A-89B9-4D7A01C331E0}" type="datetimeFigureOut">
               <a:rPr lang="en-CA" smtClean="0"/>
-              <a:t>2019-09-28</a:t>
+              <a:t>2019-09-30</a:t>
             </a:fld>
             <a:endParaRPr lang="en-CA"/>
           </a:p>
@@ -2933,8 +5833,8 @@
         </p:nvSpPr>
         <p:spPr>
           <a:xfrm>
-            <a:off x="3869268" y="6356350"/>
-            <a:ext cx="5911517" cy="365125"/>
+            <a:off x="685800" y="6355845"/>
+            <a:ext cx="7772400" cy="365125"/>
           </a:xfrm>
           <a:prstGeom prst="rect">
             <a:avLst/>
@@ -2944,11 +5844,10 @@
           <a:bodyPr vert="horz" lIns="91440" tIns="45720" rIns="91440" bIns="45720" rtlCol="0" anchor="ctr"/>
           <a:lstStyle>
             <a:lvl1pPr algn="l">
-              <a:defRPr sz="1100">
+              <a:defRPr sz="1050">
                 <a:solidFill>
                   <a:schemeClr val="tx1">
-                    <a:lumMod val="50000"/>
-                    <a:lumOff val="50000"/>
+                    <a:tint val="75000"/>
                   </a:schemeClr>
                 </a:solidFill>
               </a:defRPr>
@@ -2971,8 +5870,8 @@
         </p:nvSpPr>
         <p:spPr>
           <a:xfrm>
-            <a:off x="10634135" y="6356350"/>
-            <a:ext cx="1530927" cy="365125"/>
+            <a:off x="8763000" y="381000"/>
+            <a:ext cx="2743200" cy="365125"/>
           </a:xfrm>
           <a:prstGeom prst="rect">
             <a:avLst/>
@@ -2982,9 +5881,11 @@
           <a:bodyPr vert="horz" lIns="91440" tIns="45720" rIns="91440" bIns="45720" rtlCol="0" anchor="ctr"/>
           <a:lstStyle>
             <a:lvl1pPr algn="r">
-              <a:defRPr sz="1200" b="1">
+              <a:defRPr sz="1050">
                 <a:solidFill>
-                  <a:schemeClr val="accent1"/>
+                  <a:schemeClr val="tx1">
+                    <a:tint val="75000"/>
+                  </a:schemeClr>
                 </a:solidFill>
               </a:defRPr>
             </a:lvl1pPr>
@@ -3001,27 +5902,33 @@
     </p:spTree>
     <p:extLst>
       <p:ext uri="{BB962C8B-B14F-4D97-AF65-F5344CB8AC3E}">
-        <p14:creationId xmlns:p14="http://schemas.microsoft.com/office/powerpoint/2010/main" val="180045180"/>
+        <p14:creationId xmlns:p14="http://schemas.microsoft.com/office/powerpoint/2010/main" val="2127573971"/>
       </p:ext>
     </p:extLst>
   </p:cSld>
-  <p:clrMap bg1="lt1" tx1="dk1" bg2="lt2" tx2="dk2" accent1="accent1" accent2="accent2" accent3="accent3" accent4="accent4" accent5="accent5" accent6="accent6" hlink="hlink" folHlink="folHlink"/>
+  <p:clrMap bg1="dk1" tx1="lt1" bg2="dk2" tx2="lt2" accent1="accent1" accent2="accent2" accent3="accent3" accent4="accent4" accent5="accent5" accent6="accent6" hlink="hlink" folHlink="folHlink"/>
   <p:sldLayoutIdLst>
-    <p:sldLayoutId id="2147483661" r:id="rId1"/>
-    <p:sldLayoutId id="2147483662" r:id="rId2"/>
-    <p:sldLayoutId id="2147483663" r:id="rId3"/>
-    <p:sldLayoutId id="2147483664" r:id="rId4"/>
-    <p:sldLayoutId id="2147483665" r:id="rId5"/>
-    <p:sldLayoutId id="2147483666" r:id="rId6"/>
-    <p:sldLayoutId id="2147483667" r:id="rId7"/>
-    <p:sldLayoutId id="2147483668" r:id="rId8"/>
-    <p:sldLayoutId id="2147483669" r:id="rId9"/>
-    <p:sldLayoutId id="2147483670" r:id="rId10"/>
-    <p:sldLayoutId id="2147483671" r:id="rId11"/>
+    <p:sldLayoutId id="2147483703" r:id="rId1"/>
+    <p:sldLayoutId id="2147483704" r:id="rId2"/>
+    <p:sldLayoutId id="2147483705" r:id="rId3"/>
+    <p:sldLayoutId id="2147483706" r:id="rId4"/>
+    <p:sldLayoutId id="2147483707" r:id="rId5"/>
+    <p:sldLayoutId id="2147483708" r:id="rId6"/>
+    <p:sldLayoutId id="2147483709" r:id="rId7"/>
+    <p:sldLayoutId id="2147483710" r:id="rId8"/>
+    <p:sldLayoutId id="2147483711" r:id="rId9"/>
+    <p:sldLayoutId id="2147483712" r:id="rId10"/>
+    <p:sldLayoutId id="2147483713" r:id="rId11"/>
+    <p:sldLayoutId id="2147483714" r:id="rId12"/>
+    <p:sldLayoutId id="2147483715" r:id="rId13"/>
+    <p:sldLayoutId id="2147483716" r:id="rId14"/>
+    <p:sldLayoutId id="2147483717" r:id="rId15"/>
+    <p:sldLayoutId id="2147483718" r:id="rId16"/>
+    <p:sldLayoutId id="2147483719" r:id="rId17"/>
   </p:sldLayoutIdLst>
   <p:txStyles>
     <p:titleStyle>
-      <a:lvl1pPr algn="l" defTabSz="914400" rtl="0" eaLnBrk="1" latinLnBrk="0" hangingPunct="1">
+      <a:lvl1pPr algn="r" defTabSz="914400" rtl="0" eaLnBrk="1" latinLnBrk="0" hangingPunct="1">
         <a:lnSpc>
           <a:spcPct val="90000"/>
         </a:lnSpc>
@@ -3029,9 +5936,9 @@
           <a:spcPct val="0"/>
         </a:spcBef>
         <a:buNone/>
-        <a:defRPr sz="3600" kern="1200" spc="-60" baseline="0">
+        <a:defRPr sz="4000" kern="1200" cap="all" baseline="0">
           <a:solidFill>
-            <a:srgbClr val="FFFFFF"/>
+            <a:schemeClr val="tx1"/>
           </a:solidFill>
           <a:latin typeface="+mj-lt"/>
           <a:ea typeface="+mj-ea"/>
@@ -3040,132 +5947,90 @@
       </a:lvl1pPr>
     </p:titleStyle>
     <p:bodyStyle>
-      <a:lvl1pPr marL="182880" indent="-182880" algn="l" defTabSz="914400" rtl="0" eaLnBrk="1" latinLnBrk="0" hangingPunct="1">
+      <a:lvl1pPr marL="228600" indent="-228600" algn="l" defTabSz="914400" rtl="0" eaLnBrk="1" latinLnBrk="0" hangingPunct="1">
         <a:lnSpc>
           <a:spcPct val="90000"/>
         </a:lnSpc>
         <a:spcBef>
-          <a:spcPts val="1200"/>
+          <a:spcPts val="1000"/>
         </a:spcBef>
-        <a:buClr>
-          <a:schemeClr val="accent1"/>
-        </a:buClr>
-        <a:buFont typeface="Wingdings 2" pitchFamily="18" charset="2"/>
-        <a:buChar char=""/>
-        <a:defRPr sz="2000" kern="1200">
+        <a:buFont typeface="Arial" panose="020B0604020202020204" pitchFamily="34" charset="0"/>
+        <a:buChar char="•"/>
+        <a:defRPr sz="2200" kern="1200">
           <a:solidFill>
-            <a:schemeClr val="tx1">
-              <a:lumMod val="65000"/>
-              <a:lumOff val="35000"/>
-            </a:schemeClr>
+            <a:schemeClr val="tx1"/>
           </a:solidFill>
           <a:latin typeface="+mn-lt"/>
           <a:ea typeface="+mn-ea"/>
           <a:cs typeface="+mn-cs"/>
         </a:defRPr>
       </a:lvl1pPr>
-      <a:lvl2pPr marL="685800" indent="-182880" algn="l" defTabSz="914400" rtl="0" eaLnBrk="1" latinLnBrk="0" hangingPunct="1">
+      <a:lvl2pPr marL="685800" indent="-228600" algn="l" defTabSz="914400" rtl="0" eaLnBrk="1" latinLnBrk="0" hangingPunct="1">
         <a:lnSpc>
           <a:spcPct val="90000"/>
         </a:lnSpc>
         <a:spcBef>
-          <a:spcPts val="250"/>
+          <a:spcPts val="500"/>
         </a:spcBef>
-        <a:spcAft>
-          <a:spcPts val="250"/>
-        </a:spcAft>
-        <a:buClr>
-          <a:schemeClr val="accent1"/>
-        </a:buClr>
-        <a:buFont typeface="Wingdings 2" pitchFamily="18" charset="2"/>
-        <a:buChar char=""/>
-        <a:defRPr sz="1800" kern="1200">
+        <a:buFont typeface="Arial" panose="020B0604020202020204" pitchFamily="34" charset="0"/>
+        <a:buChar char="•"/>
+        <a:defRPr sz="2000" kern="1200">
           <a:solidFill>
-            <a:schemeClr val="tx1">
-              <a:lumMod val="65000"/>
-              <a:lumOff val="35000"/>
-            </a:schemeClr>
+            <a:schemeClr val="tx1"/>
           </a:solidFill>
           <a:latin typeface="+mn-lt"/>
           <a:ea typeface="+mn-ea"/>
           <a:cs typeface="+mn-cs"/>
         </a:defRPr>
       </a:lvl2pPr>
-      <a:lvl3pPr marL="1143000" indent="-182880" algn="l" defTabSz="914400" rtl="0" eaLnBrk="1" latinLnBrk="0" hangingPunct="1">
+      <a:lvl3pPr marL="1143000" indent="-228600" algn="l" defTabSz="914400" rtl="0" eaLnBrk="1" latinLnBrk="0" hangingPunct="1">
         <a:lnSpc>
           <a:spcPct val="90000"/>
         </a:lnSpc>
         <a:spcBef>
-          <a:spcPts val="250"/>
+          <a:spcPts val="500"/>
         </a:spcBef>
-        <a:spcAft>
-          <a:spcPts val="250"/>
-        </a:spcAft>
-        <a:buClr>
-          <a:schemeClr val="accent1"/>
-        </a:buClr>
-        <a:buFont typeface="Wingdings 2" pitchFamily="18" charset="2"/>
-        <a:buChar char=""/>
-        <a:defRPr sz="1600" kern="1200">
+        <a:buFont typeface="Arial" panose="020B0604020202020204" pitchFamily="34" charset="0"/>
+        <a:buChar char="•"/>
+        <a:defRPr sz="1800" kern="1200">
           <a:solidFill>
-            <a:schemeClr val="tx1">
-              <a:lumMod val="65000"/>
-              <a:lumOff val="35000"/>
-            </a:schemeClr>
+            <a:schemeClr val="tx1"/>
           </a:solidFill>
           <a:latin typeface="+mn-lt"/>
           <a:ea typeface="+mn-ea"/>
           <a:cs typeface="+mn-cs"/>
         </a:defRPr>
       </a:lvl3pPr>
-      <a:lvl4pPr marL="1600200" indent="-182880" algn="l" defTabSz="914400" rtl="0" eaLnBrk="1" latinLnBrk="0" hangingPunct="1">
+      <a:lvl4pPr marL="1600200" indent="-228600" algn="l" defTabSz="914400" rtl="0" eaLnBrk="1" latinLnBrk="0" hangingPunct="1">
         <a:lnSpc>
           <a:spcPct val="90000"/>
         </a:lnSpc>
         <a:spcBef>
-          <a:spcPts val="250"/>
+          <a:spcPts val="500"/>
         </a:spcBef>
-        <a:spcAft>
-          <a:spcPts val="250"/>
-        </a:spcAft>
-        <a:buClr>
-          <a:schemeClr val="accent1"/>
-        </a:buClr>
-        <a:buFont typeface="Wingdings 2" pitchFamily="18" charset="2"/>
-        <a:buChar char=""/>
-        <a:defRPr sz="1400" kern="1200">
+        <a:buFont typeface="Arial" panose="020B0604020202020204" pitchFamily="34" charset="0"/>
+        <a:buChar char="•"/>
+        <a:defRPr sz="1600" kern="1200">
           <a:solidFill>
-            <a:schemeClr val="tx1">
-              <a:lumMod val="65000"/>
-              <a:lumOff val="35000"/>
-            </a:schemeClr>
+            <a:schemeClr val="tx1"/>
           </a:solidFill>
           <a:latin typeface="+mn-lt"/>
           <a:ea typeface="+mn-ea"/>
           <a:cs typeface="+mn-cs"/>
         </a:defRPr>
       </a:lvl4pPr>
-      <a:lvl5pPr marL="2057400" indent="-182880" algn="l" defTabSz="914400" rtl="0" eaLnBrk="1" latinLnBrk="0" hangingPunct="1">
+      <a:lvl5pPr marL="2057400" indent="-228600" algn="l" defTabSz="914400" rtl="0" eaLnBrk="1" latinLnBrk="0" hangingPunct="1">
         <a:lnSpc>
           <a:spcPct val="90000"/>
         </a:lnSpc>
         <a:spcBef>
-          <a:spcPts val="250"/>
+          <a:spcPts val="500"/>
         </a:spcBef>
-        <a:spcAft>
-          <a:spcPts val="250"/>
-        </a:spcAft>
-        <a:buClr>
-          <a:schemeClr val="accent1"/>
-        </a:buClr>
-        <a:buFont typeface="Wingdings 2" pitchFamily="18" charset="2"/>
-        <a:buChar char=""/>
-        <a:defRPr sz="1400" kern="1200">
+        <a:buFont typeface="Arial" panose="020B0604020202020204" pitchFamily="34" charset="0"/>
+        <a:buChar char="•"/>
+        <a:defRPr sz="1600" kern="1200">
           <a:solidFill>
-            <a:schemeClr val="tx1">
-              <a:lumMod val="65000"/>
-              <a:lumOff val="35000"/>
-            </a:schemeClr>
+            <a:schemeClr val="tx1"/>
           </a:solidFill>
           <a:latin typeface="+mn-lt"/>
           <a:ea typeface="+mn-ea"/>
@@ -3177,22 +6042,13 @@
           <a:spcPct val="90000"/>
         </a:lnSpc>
         <a:spcBef>
-          <a:spcPts val="250"/>
+          <a:spcPts val="500"/>
         </a:spcBef>
-        <a:spcAft>
-          <a:spcPts val="250"/>
-        </a:spcAft>
-        <a:buClr>
-          <a:schemeClr val="accent1"/>
-        </a:buClr>
-        <a:buFont typeface="Wingdings 2" pitchFamily="18" charset="2"/>
-        <a:buChar char=""/>
-        <a:defRPr sz="1400" kern="1200">
+        <a:buFont typeface="Arial" panose="020B0604020202020204" pitchFamily="34" charset="0"/>
+        <a:buChar char="•"/>
+        <a:defRPr sz="1600" kern="1200">
           <a:solidFill>
-            <a:schemeClr val="tx1">
-              <a:lumMod val="65000"/>
-              <a:lumOff val="35000"/>
-            </a:schemeClr>
+            <a:schemeClr val="tx1"/>
           </a:solidFill>
           <a:latin typeface="+mn-lt"/>
           <a:ea typeface="+mn-ea"/>
@@ -3204,22 +6060,13 @@
           <a:spcPct val="90000"/>
         </a:lnSpc>
         <a:spcBef>
-          <a:spcPts val="250"/>
+          <a:spcPts val="500"/>
         </a:spcBef>
-        <a:spcAft>
-          <a:spcPts val="250"/>
-        </a:spcAft>
-        <a:buClr>
-          <a:schemeClr val="accent1"/>
-        </a:buClr>
-        <a:buFont typeface="Wingdings 2" pitchFamily="18" charset="2"/>
-        <a:buChar char=""/>
-        <a:defRPr sz="1400" kern="1200">
+        <a:buFont typeface="Arial" panose="020B0604020202020204" pitchFamily="34" charset="0"/>
+        <a:buChar char="•"/>
+        <a:defRPr sz="1600" kern="1200">
           <a:solidFill>
-            <a:schemeClr val="tx1">
-              <a:lumMod val="65000"/>
-              <a:lumOff val="35000"/>
-            </a:schemeClr>
+            <a:schemeClr val="tx1"/>
           </a:solidFill>
           <a:latin typeface="+mn-lt"/>
           <a:ea typeface="+mn-ea"/>
@@ -3231,22 +6078,13 @@
           <a:spcPct val="90000"/>
         </a:lnSpc>
         <a:spcBef>
-          <a:spcPts val="250"/>
+          <a:spcPts val="500"/>
         </a:spcBef>
-        <a:spcAft>
-          <a:spcPts val="250"/>
-        </a:spcAft>
-        <a:buClr>
-          <a:schemeClr val="accent1"/>
-        </a:buClr>
-        <a:buFont typeface="Wingdings 2" pitchFamily="18" charset="2"/>
-        <a:buChar char=""/>
-        <a:defRPr sz="1400" kern="1200">
+        <a:buFont typeface="Arial" panose="020B0604020202020204" pitchFamily="34" charset="0"/>
+        <a:buChar char="•"/>
+        <a:defRPr sz="1600" kern="1200">
           <a:solidFill>
-            <a:schemeClr val="tx1">
-              <a:lumMod val="65000"/>
-              <a:lumOff val="35000"/>
-            </a:schemeClr>
+            <a:schemeClr val="tx1"/>
           </a:solidFill>
           <a:latin typeface="+mn-lt"/>
           <a:ea typeface="+mn-ea"/>
@@ -3258,22 +6096,13 @@
           <a:spcPct val="90000"/>
         </a:lnSpc>
         <a:spcBef>
-          <a:spcPts val="250"/>
+          <a:spcPts val="500"/>
         </a:spcBef>
-        <a:spcAft>
-          <a:spcPts val="250"/>
-        </a:spcAft>
-        <a:buClr>
-          <a:schemeClr val="accent1"/>
-        </a:buClr>
-        <a:buFont typeface="Wingdings 2" pitchFamily="18" charset="2"/>
-        <a:buChar char=""/>
-        <a:defRPr sz="1400" kern="1200">
+        <a:buFont typeface="Arial" panose="020B0604020202020204" pitchFamily="34" charset="0"/>
+        <a:buChar char="•"/>
+        <a:defRPr sz="1600" kern="1200">
           <a:solidFill>
-            <a:schemeClr val="tx1">
-              <a:lumMod val="65000"/>
-              <a:lumOff val="35000"/>
-            </a:schemeClr>
+            <a:schemeClr val="tx1"/>
           </a:solidFill>
           <a:latin typeface="+mn-lt"/>
           <a:ea typeface="+mn-ea"/>
@@ -3377,10 +6206,331 @@
       </a:lvl9pPr>
     </p:otherStyle>
   </p:txStyles>
+  <p:extLst>
+    <p:ext uri="{27BBF7A9-308A-43DC-89C8-2F10F3537804}">
+      <p15:sldGuideLst xmlns:p15="http://schemas.microsoft.com/office/powerpoint/2012/main"/>
+    </p:ext>
+  </p:extLst>
 </p:sldMaster>
 </file>
 
 <file path=ppt/slides/slide1.xml><?xml version="1.0" encoding="utf-8"?>
+<p:sld xmlns:a="http://schemas.openxmlformats.org/drawingml/2006/main" xmlns:r="http://schemas.openxmlformats.org/officeDocument/2006/relationships" xmlns:p="http://schemas.openxmlformats.org/presentationml/2006/main">
+  <p:cSld>
+    <p:bg>
+      <p:bgPr>
+        <a:solidFill>
+          <a:schemeClr val="bg1"/>
+        </a:solidFill>
+        <a:effectLst/>
+      </p:bgPr>
+    </p:bg>
+    <p:spTree>
+      <p:nvGrpSpPr>
+        <p:cNvPr id="1" name=""/>
+        <p:cNvGrpSpPr/>
+        <p:nvPr/>
+      </p:nvGrpSpPr>
+      <p:grpSpPr>
+        <a:xfrm>
+          <a:off x="0" y="0"/>
+          <a:ext cx="0" cy="0"/>
+          <a:chOff x="0" y="0"/>
+          <a:chExt cx="0" cy="0"/>
+        </a:xfrm>
+      </p:grpSpPr>
+      <p:pic>
+        <p:nvPicPr>
+          <p:cNvPr id="7" name="Picture 9">
+            <a:extLst>
+              <a:ext uri="{FF2B5EF4-FFF2-40B4-BE49-F238E27FC236}">
+                <a16:creationId xmlns:a16="http://schemas.microsoft.com/office/drawing/2014/main" id="{CFD580F5-E7BF-4C1D-BEFD-4A4601EBA876}"/>
+              </a:ext>
+              <a:ext uri="{C183D7F6-B498-43B3-948B-1728B52AA6E4}">
+                <adec:decorative xmlns:adec="http://schemas.microsoft.com/office/drawing/2017/decorative" val="1"/>
+              </a:ext>
+            </a:extLst>
+          </p:cNvPr>
+          <p:cNvPicPr>
+            <a:picLocks noGrp="1" noRot="1" noChangeAspect="1" noMove="1" noResize="1" noEditPoints="1" noAdjustHandles="1" noChangeArrowheads="1" noChangeShapeType="1" noCrop="1"/>
+          </p:cNvPicPr>
+          <p:nvPr>
+            <p:extLst>
+              <p:ext uri="{386F3935-93C4-4BCD-93E2-E3B085C9AB24}">
+                <p16:designElem xmlns:p16="http://schemas.microsoft.com/office/powerpoint/2015/main" val="1"/>
+              </p:ext>
+            </p:extLst>
+          </p:nvPr>
+        </p:nvPicPr>
+        <p:blipFill>
+          <a:blip r:embed="rId2">
+            <a:extLst>
+              <a:ext uri="{28A0092B-C50C-407E-A947-70E740481C1C}">
+                <a14:useLocalDpi xmlns:a14="http://schemas.microsoft.com/office/drawing/2010/main" val="0"/>
+              </a:ext>
+            </a:extLst>
+          </a:blip>
+          <a:stretch>
+            <a:fillRect/>
+          </a:stretch>
+        </p:blipFill>
+        <p:spPr>
+          <a:xfrm>
+            <a:off x="0" y="0"/>
+            <a:ext cx="12192000" cy="1441450"/>
+          </a:xfrm>
+          <a:prstGeom prst="rect">
+            <a:avLst/>
+          </a:prstGeom>
+        </p:spPr>
+      </p:pic>
+      <p:sp>
+        <p:nvSpPr>
+          <p:cNvPr id="2" name="Title 1">
+            <a:extLst>
+              <a:ext uri="{FF2B5EF4-FFF2-40B4-BE49-F238E27FC236}">
+                <a16:creationId xmlns:a16="http://schemas.microsoft.com/office/drawing/2014/main" id="{C46C0FD3-6934-4F6C-BC7D-60F98CFF71A1}"/>
+              </a:ext>
+            </a:extLst>
+          </p:cNvPr>
+          <p:cNvSpPr>
+            <a:spLocks noGrp="1"/>
+          </p:cNvSpPr>
+          <p:nvPr>
+            <p:ph type="ctrTitle"/>
+          </p:nvPr>
+        </p:nvSpPr>
+        <p:spPr>
+          <a:xfrm>
+            <a:off x="2895600" y="764373"/>
+            <a:ext cx="8610600" cy="1293028"/>
+          </a:xfrm>
+        </p:spPr>
+        <p:txBody>
+          <a:bodyPr vert="horz" lIns="91440" tIns="45720" rIns="91440" bIns="45720" rtlCol="0" anchor="ctr">
+            <a:normAutofit/>
+          </a:bodyPr>
+          <a:lstStyle/>
+          <a:p>
+            <a:pPr algn="r"/>
+            <a:r>
+              <a:rPr lang="en-US" sz="2800"/>
+              <a:t>Mistborn – Ragnarok</a:t>
+            </a:r>
+            <a:br>
+              <a:rPr lang="en-US" sz="2800"/>
+            </a:br>
+            <a:r>
+              <a:rPr lang="en-US" sz="2800"/>
+              <a:t>Aggressive Pigeon Game Studio</a:t>
+            </a:r>
+            <a:br>
+              <a:rPr lang="en-US" sz="2800"/>
+            </a:br>
+            <a:r>
+              <a:rPr lang="en-US" sz="2800"/>
+              <a:t>COMP 376 Project Proposal</a:t>
+            </a:r>
+          </a:p>
+        </p:txBody>
+      </p:sp>
+      <p:sp>
+        <p:nvSpPr>
+          <p:cNvPr id="3" name="Subtitle 2">
+            <a:extLst>
+              <a:ext uri="{FF2B5EF4-FFF2-40B4-BE49-F238E27FC236}">
+                <a16:creationId xmlns:a16="http://schemas.microsoft.com/office/drawing/2014/main" id="{B9693D1C-DAF1-4AFD-BEEF-98677036D545}"/>
+              </a:ext>
+            </a:extLst>
+          </p:cNvPr>
+          <p:cNvSpPr>
+            <a:spLocks noGrp="1"/>
+          </p:cNvSpPr>
+          <p:nvPr>
+            <p:ph type="subTitle" idx="1"/>
+          </p:nvPr>
+        </p:nvSpPr>
+        <p:spPr>
+          <a:xfrm>
+            <a:off x="677333" y="2194560"/>
+            <a:ext cx="5816600" cy="4024125"/>
+          </a:xfrm>
+        </p:spPr>
+        <p:txBody>
+          <a:bodyPr vert="horz" lIns="91440" tIns="45720" rIns="91440" bIns="45720" rtlCol="0">
+            <a:normAutofit/>
+          </a:bodyPr>
+          <a:lstStyle/>
+          <a:p>
+            <a:pPr indent="-228600">
+              <a:spcBef>
+                <a:spcPts val="900"/>
+              </a:spcBef>
+              <a:buFont typeface="Arial" panose="020B0604020202020204" pitchFamily="34" charset="0"/>
+              <a:buChar char="•"/>
+            </a:pPr>
+            <a:r>
+              <a:rPr lang="en-US"/>
+              <a:t>Christian Plourde – 26572499</a:t>
+            </a:r>
+          </a:p>
+          <a:p>
+            <a:pPr indent="-228600">
+              <a:spcBef>
+                <a:spcPts val="900"/>
+              </a:spcBef>
+              <a:buFont typeface="Arial" panose="020B0604020202020204" pitchFamily="34" charset="0"/>
+              <a:buChar char="•"/>
+            </a:pPr>
+            <a:r>
+              <a:rPr lang="en-US"/>
+              <a:t>Ayush Kharade - 40042388	</a:t>
+            </a:r>
+          </a:p>
+          <a:p>
+            <a:pPr indent="-228600">
+              <a:spcBef>
+                <a:spcPts val="900"/>
+              </a:spcBef>
+              <a:buFont typeface="Arial" panose="020B0604020202020204" pitchFamily="34" charset="0"/>
+              <a:buChar char="•"/>
+            </a:pPr>
+            <a:r>
+              <a:rPr lang="en-US"/>
+              <a:t>Daniel Vellucci – 27416288</a:t>
+            </a:r>
+          </a:p>
+          <a:p>
+            <a:pPr indent="-228600">
+              <a:spcBef>
+                <a:spcPts val="900"/>
+              </a:spcBef>
+              <a:buFont typeface="Arial" panose="020B0604020202020204" pitchFamily="34" charset="0"/>
+              <a:buChar char="•"/>
+            </a:pPr>
+            <a:r>
+              <a:rPr lang="en-US"/>
+              <a:t>Samer Yazbeck – 40049573</a:t>
+            </a:r>
+          </a:p>
+          <a:p>
+            <a:pPr indent="-228600">
+              <a:spcBef>
+                <a:spcPts val="900"/>
+              </a:spcBef>
+              <a:buFont typeface="Arial" panose="020B0604020202020204" pitchFamily="34" charset="0"/>
+              <a:buChar char="•"/>
+            </a:pPr>
+            <a:r>
+              <a:rPr lang="en-US"/>
+              <a:t>Luciano Porchet - 40048537</a:t>
+            </a:r>
+          </a:p>
+        </p:txBody>
+      </p:sp>
+      <p:pic>
+        <p:nvPicPr>
+          <p:cNvPr id="9" name="Picture 8">
+            <a:extLst>
+              <a:ext uri="{FF2B5EF4-FFF2-40B4-BE49-F238E27FC236}">
+                <a16:creationId xmlns:a16="http://schemas.microsoft.com/office/drawing/2014/main" id="{BED71BB5-17CC-4C53-9B8F-C3A8D04A8F1A}"/>
+              </a:ext>
+            </a:extLst>
+          </p:cNvPr>
+          <p:cNvPicPr>
+            <a:picLocks noChangeAspect="1"/>
+          </p:cNvPicPr>
+          <p:nvPr/>
+        </p:nvPicPr>
+        <p:blipFill>
+          <a:blip r:embed="rId3">
+            <a:extLst>
+              <a:ext uri="{28A0092B-C50C-407E-A947-70E740481C1C}">
+                <a14:useLocalDpi xmlns:a14="http://schemas.microsoft.com/office/drawing/2010/main" val="0"/>
+              </a:ext>
+            </a:extLst>
+          </a:blip>
+          <a:stretch>
+            <a:fillRect/>
+          </a:stretch>
+        </p:blipFill>
+        <p:spPr>
+          <a:xfrm>
+            <a:off x="4793022" y="2205823"/>
+            <a:ext cx="6713178" cy="3780789"/>
+          </a:xfrm>
+          <a:prstGeom prst="rect">
+            <a:avLst/>
+          </a:prstGeom>
+          <a:ln w="38100" cap="sq">
+            <a:solidFill>
+              <a:srgbClr val="000000"/>
+            </a:solidFill>
+            <a:prstDash val="solid"/>
+            <a:miter lim="800000"/>
+          </a:ln>
+          <a:effectLst>
+            <a:outerShdw blurRad="50800" dist="38100" dir="2700000" algn="tl" rotWithShape="0">
+              <a:srgbClr val="000000">
+                <a:alpha val="43000"/>
+              </a:srgbClr>
+            </a:outerShdw>
+          </a:effectLst>
+        </p:spPr>
+      </p:pic>
+      <p:sp>
+        <p:nvSpPr>
+          <p:cNvPr id="11" name="TextBox 10">
+            <a:extLst>
+              <a:ext uri="{FF2B5EF4-FFF2-40B4-BE49-F238E27FC236}">
+                <a16:creationId xmlns:a16="http://schemas.microsoft.com/office/drawing/2014/main" id="{552455AC-ED9F-4DD1-8ECF-C57D123F51DB}"/>
+              </a:ext>
+            </a:extLst>
+          </p:cNvPr>
+          <p:cNvSpPr txBox="1"/>
+          <p:nvPr/>
+        </p:nvSpPr>
+        <p:spPr>
+          <a:xfrm>
+            <a:off x="6739911" y="5548651"/>
+            <a:ext cx="2819400" cy="369332"/>
+          </a:xfrm>
+          <a:prstGeom prst="rect">
+            <a:avLst/>
+          </a:prstGeom>
+          <a:noFill/>
+        </p:spPr>
+        <p:txBody>
+          <a:bodyPr wrap="square" rtlCol="0">
+            <a:spAutoFit/>
+          </a:bodyPr>
+          <a:lstStyle/>
+          <a:p>
+            <a:r>
+              <a:rPr lang="en-CA" dirty="0">
+                <a:solidFill>
+                  <a:srgbClr val="002060"/>
+                </a:solidFill>
+              </a:rPr>
+              <a:t>“All Paths Lead To Ruin”</a:t>
+            </a:r>
+          </a:p>
+        </p:txBody>
+      </p:sp>
+    </p:spTree>
+    <p:extLst>
+      <p:ext uri="{BB962C8B-B14F-4D97-AF65-F5344CB8AC3E}">
+        <p14:creationId xmlns:p14="http://schemas.microsoft.com/office/powerpoint/2010/main" val="4230382773"/>
+      </p:ext>
+    </p:extLst>
+  </p:cSld>
+  <p:clrMapOvr>
+    <a:masterClrMapping/>
+  </p:clrMapOvr>
+</p:sld>
+</file>
+
+<file path=ppt/slides/slide2.xml><?xml version="1.0" encoding="utf-8"?>
 <p:sld xmlns:a="http://schemas.openxmlformats.org/drawingml/2006/main" xmlns:r="http://schemas.openxmlformats.org/officeDocument/2006/relationships" xmlns:p="http://schemas.openxmlformats.org/presentationml/2006/main">
   <p:cSld>
     <p:spTree>
@@ -3402,7 +6552,7 @@
           <p:cNvPr id="2" name="Title 1">
             <a:extLst>
               <a:ext uri="{FF2B5EF4-FFF2-40B4-BE49-F238E27FC236}">
-                <a16:creationId xmlns:a16="http://schemas.microsoft.com/office/drawing/2014/main" id="{C46C0FD3-6934-4F6C-BC7D-60F98CFF71A1}"/>
+                <a16:creationId xmlns:a16="http://schemas.microsoft.com/office/drawing/2014/main" id="{5F7EFE1E-6837-46DF-9B49-63C508F4CF92}"/>
               </a:ext>
             </a:extLst>
           </p:cNvPr>
@@ -3410,56 +6560,27 @@
             <a:spLocks noGrp="1"/>
           </p:cNvSpPr>
           <p:nvPr>
-            <p:ph type="ctrTitle"/>
-          </p:nvPr>
-        </p:nvSpPr>
-        <p:spPr>
-          <a:xfrm>
-            <a:off x="1069848" y="1298448"/>
-            <a:ext cx="7315200" cy="1625727"/>
-          </a:xfrm>
-        </p:spPr>
-        <p:txBody>
-          <a:bodyPr>
-            <a:normAutofit/>
-          </a:bodyPr>
+            <p:ph type="title"/>
+          </p:nvPr>
+        </p:nvSpPr>
+        <p:spPr/>
+        <p:txBody>
+          <a:bodyPr/>
           <a:lstStyle/>
           <a:p>
             <a:r>
-              <a:rPr lang="en-CA" sz="3600" dirty="0" err="1"/>
-              <a:t>Mistborn</a:t>
-            </a:r>
-            <a:r>
-              <a:rPr lang="en-CA" sz="3600" dirty="0"/>
-              <a:t> – </a:t>
-            </a:r>
-            <a:r>
-              <a:rPr lang="en-CA" sz="3600" dirty="0" err="1"/>
-              <a:t>Ragnarok</a:t>
-            </a:r>
-            <a:br>
-              <a:rPr lang="en-CA" sz="3600" dirty="0"/>
-            </a:br>
-            <a:r>
-              <a:rPr lang="en-CA" sz="3600" dirty="0"/>
-              <a:t>Aggressive Pigeon Game Studio</a:t>
-            </a:r>
-            <a:br>
-              <a:rPr lang="en-CA" sz="3600" dirty="0"/>
-            </a:br>
-            <a:r>
-              <a:rPr lang="en-CA" sz="3600" dirty="0"/>
-              <a:t>COMP 376 Project Proposal</a:t>
-            </a:r>
-          </a:p>
-        </p:txBody>
-      </p:sp>
-      <p:sp>
-        <p:nvSpPr>
-          <p:cNvPr id="3" name="Subtitle 2">
+              <a:rPr lang="en-CA" dirty="0"/>
+              <a:t>Introduction</a:t>
+            </a:r>
+          </a:p>
+        </p:txBody>
+      </p:sp>
+      <p:sp>
+        <p:nvSpPr>
+          <p:cNvPr id="3" name="Content Placeholder 2">
             <a:extLst>
               <a:ext uri="{FF2B5EF4-FFF2-40B4-BE49-F238E27FC236}">
-                <a16:creationId xmlns:a16="http://schemas.microsoft.com/office/drawing/2014/main" id="{B9693D1C-DAF1-4AFD-BEEF-98677036D545}"/>
+                <a16:creationId xmlns:a16="http://schemas.microsoft.com/office/drawing/2014/main" id="{8470DD8B-8C9C-405A-9A7C-8738BDE21930}"/>
               </a:ext>
             </a:extLst>
           </p:cNvPr>
@@ -3467,84 +6588,51 @@
             <a:spLocks noGrp="1"/>
           </p:cNvSpPr>
           <p:nvPr>
-            <p:ph type="subTitle" idx="1"/>
-          </p:nvPr>
-        </p:nvSpPr>
-        <p:spPr>
-          <a:xfrm>
-            <a:off x="1100015" y="3044519"/>
-            <a:ext cx="7315200" cy="914400"/>
-          </a:xfrm>
-        </p:spPr>
-        <p:txBody>
-          <a:bodyPr>
-            <a:noAutofit/>
-          </a:bodyPr>
+            <p:ph idx="1"/>
+          </p:nvPr>
+        </p:nvSpPr>
+        <p:spPr/>
+        <p:txBody>
+          <a:bodyPr/>
           <a:lstStyle/>
           <a:p>
             <a:r>
-              <a:rPr lang="en-CA" sz="2400" dirty="0"/>
-              <a:t>Christian Plourde – 26572499</a:t>
-            </a:r>
-          </a:p>
-          <a:p>
-            <a:r>
-              <a:rPr lang="en-CA" sz="2400" dirty="0" err="1"/>
-              <a:t>Ayush</a:t>
-            </a:r>
-            <a:r>
-              <a:rPr lang="en-CA" sz="2400" dirty="0"/>
-              <a:t> </a:t>
-            </a:r>
-            <a:r>
-              <a:rPr lang="en-CA" sz="2400" dirty="0" err="1"/>
-              <a:t>Kharade</a:t>
-            </a:r>
-            <a:r>
-              <a:rPr lang="en-CA" sz="2400" dirty="0"/>
-              <a:t> - 40042388	</a:t>
-            </a:r>
-          </a:p>
-          <a:p>
-            <a:r>
-              <a:rPr lang="en-CA" sz="2400" dirty="0"/>
-              <a:t>Daniel </a:t>
-            </a:r>
-            <a:r>
-              <a:rPr lang="en-CA" sz="2400" dirty="0" err="1"/>
-              <a:t>Vellucci</a:t>
-            </a:r>
-            <a:r>
-              <a:rPr lang="en-CA" sz="2400" dirty="0"/>
-              <a:t> – 27416288</a:t>
-            </a:r>
-          </a:p>
-          <a:p>
-            <a:r>
-              <a:rPr lang="en-CA" sz="2400" dirty="0"/>
-              <a:t>Samer </a:t>
-            </a:r>
-            <a:r>
-              <a:rPr lang="en-CA" sz="2400" dirty="0" err="1"/>
-              <a:t>Yazbeck</a:t>
-            </a:r>
-            <a:r>
-              <a:rPr lang="en-CA" sz="2400" dirty="0"/>
-              <a:t> – 40049573</a:t>
-            </a:r>
-          </a:p>
-          <a:p>
-            <a:r>
-              <a:rPr lang="en-CA" sz="2400" dirty="0"/>
-              <a:t>Luciano </a:t>
-            </a:r>
-            <a:r>
-              <a:rPr lang="en-CA" sz="2400" dirty="0" err="1"/>
-              <a:t>Porchet</a:t>
-            </a:r>
-            <a:r>
-              <a:rPr lang="en-CA" sz="2400" dirty="0"/>
-              <a:t> - 40048537</a:t>
+              <a:rPr lang="en-CA" dirty="0"/>
+              <a:t>Action/Platformer/Puzzle (3D)</a:t>
+            </a:r>
+          </a:p>
+          <a:p>
+            <a:r>
+              <a:rPr lang="en-CA" dirty="0"/>
+              <a:t>PC</a:t>
+            </a:r>
+          </a:p>
+          <a:p>
+            <a:r>
+              <a:rPr lang="en-CA" dirty="0"/>
+              <a:t>Everyone ages 12 and up</a:t>
+            </a:r>
+          </a:p>
+          <a:p>
+            <a:r>
+              <a:rPr lang="en-CA" dirty="0"/>
+              <a:t>Trine (2009) meets Captain Claw (1997)</a:t>
+            </a:r>
+          </a:p>
+          <a:p>
+            <a:r>
+              <a:rPr lang="en-US" dirty="0"/>
+              <a:t>Medieval/Fantasy/Apocalyptic setting</a:t>
+            </a:r>
+          </a:p>
+          <a:p>
+            <a:r>
+              <a:rPr lang="en-US" dirty="0" err="1"/>
+              <a:t>Mistborn</a:t>
+            </a:r>
+            <a:r>
+              <a:rPr lang="en-US" dirty="0"/>
+              <a:t> Trilogy – Brandon Sanderson</a:t>
             </a:r>
           </a:p>
         </p:txBody>
@@ -3552,7 +6640,147 @@
     </p:spTree>
     <p:extLst>
       <p:ext uri="{BB962C8B-B14F-4D97-AF65-F5344CB8AC3E}">
-        <p14:creationId xmlns:p14="http://schemas.microsoft.com/office/powerpoint/2010/main" val="4230382773"/>
+        <p14:creationId xmlns:p14="http://schemas.microsoft.com/office/powerpoint/2010/main" val="3008959168"/>
+      </p:ext>
+    </p:extLst>
+  </p:cSld>
+  <p:clrMapOvr>
+    <a:masterClrMapping/>
+  </p:clrMapOvr>
+</p:sld>
+</file>
+
+<file path=ppt/slides/slide3.xml><?xml version="1.0" encoding="utf-8"?>
+<p:sld xmlns:a="http://schemas.openxmlformats.org/drawingml/2006/main" xmlns:r="http://schemas.openxmlformats.org/officeDocument/2006/relationships" xmlns:p="http://schemas.openxmlformats.org/presentationml/2006/main">
+  <p:cSld>
+    <p:spTree>
+      <p:nvGrpSpPr>
+        <p:cNvPr id="1" name=""/>
+        <p:cNvGrpSpPr/>
+        <p:nvPr/>
+      </p:nvGrpSpPr>
+      <p:grpSpPr>
+        <a:xfrm>
+          <a:off x="0" y="0"/>
+          <a:ext cx="0" cy="0"/>
+          <a:chOff x="0" y="0"/>
+          <a:chExt cx="0" cy="0"/>
+        </a:xfrm>
+      </p:grpSpPr>
+      <p:sp>
+        <p:nvSpPr>
+          <p:cNvPr id="2" name="Title 1">
+            <a:extLst>
+              <a:ext uri="{FF2B5EF4-FFF2-40B4-BE49-F238E27FC236}">
+                <a16:creationId xmlns:a16="http://schemas.microsoft.com/office/drawing/2014/main" id="{7B4903CC-B723-4A0D-9CC2-CE1D0DEEC06E}"/>
+              </a:ext>
+            </a:extLst>
+          </p:cNvPr>
+          <p:cNvSpPr>
+            <a:spLocks noGrp="1"/>
+          </p:cNvSpPr>
+          <p:nvPr>
+            <p:ph type="title"/>
+          </p:nvPr>
+        </p:nvSpPr>
+        <p:spPr/>
+        <p:txBody>
+          <a:bodyPr/>
+          <a:lstStyle/>
+          <a:p>
+            <a:r>
+              <a:rPr lang="en-CA" dirty="0"/>
+              <a:t>Story AND SETTING</a:t>
+            </a:r>
+          </a:p>
+        </p:txBody>
+      </p:sp>
+      <p:sp>
+        <p:nvSpPr>
+          <p:cNvPr id="3" name="Content Placeholder 2">
+            <a:extLst>
+              <a:ext uri="{FF2B5EF4-FFF2-40B4-BE49-F238E27FC236}">
+                <a16:creationId xmlns:a16="http://schemas.microsoft.com/office/drawing/2014/main" id="{90CE5457-2770-4AA2-A1E4-C107A9C13A92}"/>
+              </a:ext>
+            </a:extLst>
+          </p:cNvPr>
+          <p:cNvSpPr>
+            <a:spLocks noGrp="1"/>
+          </p:cNvSpPr>
+          <p:nvPr>
+            <p:ph idx="1"/>
+          </p:nvPr>
+        </p:nvSpPr>
+        <p:spPr/>
+        <p:txBody>
+          <a:bodyPr/>
+          <a:lstStyle/>
+          <a:p>
+            <a:r>
+              <a:rPr lang="en-US" dirty="0"/>
+              <a:t>Cold, desolate world where ash falls constantly from the sky and mists come</a:t>
+            </a:r>
+            <a:r>
+              <a:rPr lang="en-CA" dirty="0"/>
+              <a:t> </a:t>
+            </a:r>
+            <a:r>
+              <a:rPr lang="en-US" dirty="0"/>
+              <a:t>out during the night</a:t>
+            </a:r>
+          </a:p>
+          <a:p>
+            <a:r>
+              <a:rPr lang="en-US" dirty="0"/>
+              <a:t>Fiery red sun</a:t>
+            </a:r>
+          </a:p>
+          <a:p>
+            <a:r>
+              <a:rPr lang="en-US" dirty="0" err="1"/>
+              <a:t>Yora</a:t>
+            </a:r>
+            <a:endParaRPr lang="en-US" dirty="0"/>
+          </a:p>
+          <a:p>
+            <a:r>
+              <a:rPr lang="en-CA" dirty="0"/>
+              <a:t>Cast ashore after attack at sea</a:t>
+            </a:r>
+          </a:p>
+          <a:p>
+            <a:r>
+              <a:rPr lang="en-CA" dirty="0"/>
+              <a:t>Abandoned village</a:t>
+            </a:r>
+          </a:p>
+          <a:p>
+            <a:r>
+              <a:rPr lang="en-CA" dirty="0"/>
+              <a:t>Snapping after traumatic events</a:t>
+            </a:r>
+          </a:p>
+          <a:p>
+            <a:r>
+              <a:rPr lang="en-CA" dirty="0"/>
+              <a:t>Thumping sound coming from Well of Ascension</a:t>
+            </a:r>
+          </a:p>
+          <a:p>
+            <a:r>
+              <a:rPr lang="en-CA" dirty="0"/>
+              <a:t>Mastery of new found abilities to overcome what awaits at the Well</a:t>
+            </a:r>
+          </a:p>
+          <a:p>
+            <a:endParaRPr lang="en-CA" dirty="0"/>
+          </a:p>
+        </p:txBody>
+      </p:sp>
+    </p:spTree>
+    <p:extLst>
+      <p:ext uri="{BB962C8B-B14F-4D97-AF65-F5344CB8AC3E}">
+        <p14:creationId xmlns:p14="http://schemas.microsoft.com/office/powerpoint/2010/main" val="2576423985"/>
       </p:ext>
     </p:extLst>
   </p:cSld>
@@ -3563,9 +6791,9 @@
 </file>
 
 <file path=ppt/theme/theme1.xml><?xml version="1.0" encoding="utf-8"?>
-<a:theme xmlns:a="http://schemas.openxmlformats.org/drawingml/2006/main" name="Frame">
+<a:theme xmlns:a="http://schemas.openxmlformats.org/drawingml/2006/main" name="Vapor Trail">
   <a:themeElements>
-    <a:clrScheme name="Blue">
+    <a:clrScheme name="Vapor Trail">
       <a:dk1>
         <a:sysClr val="windowText" lastClr="000000"/>
       </a:dk1>
@@ -3573,48 +6801,83 @@
         <a:sysClr val="window" lastClr="FFFFFF"/>
       </a:lt1>
       <a:dk2>
-        <a:srgbClr val="17406D"/>
+        <a:srgbClr val="454545"/>
       </a:dk2>
       <a:lt2>
-        <a:srgbClr val="DBEFF9"/>
+        <a:srgbClr val="DADADA"/>
       </a:lt2>
       <a:accent1>
-        <a:srgbClr val="0F6FC6"/>
+        <a:srgbClr val="DF2E28"/>
       </a:accent1>
       <a:accent2>
-        <a:srgbClr val="009DD9"/>
+        <a:srgbClr val="FE801A"/>
       </a:accent2>
       <a:accent3>
-        <a:srgbClr val="0BD0D9"/>
+        <a:srgbClr val="E9BF35"/>
       </a:accent3>
       <a:accent4>
-        <a:srgbClr val="10CF9B"/>
+        <a:srgbClr val="81BB42"/>
       </a:accent4>
       <a:accent5>
-        <a:srgbClr val="7CCA62"/>
+        <a:srgbClr val="32C7A9"/>
       </a:accent5>
       <a:accent6>
-        <a:srgbClr val="A5C249"/>
+        <a:srgbClr val="4A9BDC"/>
       </a:accent6>
       <a:hlink>
-        <a:srgbClr val="F49100"/>
+        <a:srgbClr val="F0532B"/>
       </a:hlink>
       <a:folHlink>
-        <a:srgbClr val="85DFD0"/>
+        <a:srgbClr val="F38B53"/>
       </a:folHlink>
     </a:clrScheme>
-    <a:fontScheme name="Frame">
+    <a:fontScheme name="Vapor Trail">
       <a:majorFont>
-        <a:latin typeface="Corbel" panose="020B0503020204020204"/>
+        <a:latin typeface="Century Gothic" panose="020B0502020202020204"/>
         <a:ea typeface=""/>
         <a:cs typeface=""/>
-        <a:font script="Jpan" typeface="ＭＳ ゴシック"/>
-        <a:font script="Hang" typeface="HY중고딕"/>
-        <a:font script="Hans" typeface="幼圆"/>
-        <a:font script="Hant" typeface="微軟正黑體"/>
-        <a:font script="Arab" typeface="Tahoma"/>
-        <a:font script="Hebr" typeface="Gisha"/>
-        <a:font script="Thai" typeface="DilleniaUPC"/>
+        <a:font script="Jpan" typeface="ＭＳ Ｐゴシック"/>
+        <a:font script="Hang" typeface="맑은 고딕"/>
+        <a:font script="Hans" typeface="宋体"/>
+        <a:font script="Hant" typeface="新細明體"/>
+        <a:font script="Arab" typeface="Times New Roman"/>
+        <a:font script="Hebr" typeface="Times New Roman"/>
+        <a:font script="Thai" typeface="Angsana New"/>
+        <a:font script="Ethi" typeface="Nyala"/>
+        <a:font script="Beng" typeface="Vrinda"/>
+        <a:font script="Gujr" typeface="Shruti"/>
+        <a:font script="Khmr" typeface="MoolBoran"/>
+        <a:font script="Knda" typeface="Tunga"/>
+        <a:font script="Guru" typeface="Raavi"/>
+        <a:font script="Cans" typeface="Euphemia"/>
+        <a:font script="Cher" typeface="Plantagenet Cherokee"/>
+        <a:font script="Yiii" typeface="Microsoft Yi Baiti"/>
+        <a:font script="Tibt" typeface="Microsoft Himalaya"/>
+        <a:font script="Thaa" typeface="MV Boli"/>
+        <a:font script="Deva" typeface="Mangal"/>
+        <a:font script="Telu" typeface="Gautami"/>
+        <a:font script="Taml" typeface="Latha"/>
+        <a:font script="Syrc" typeface="Estrangelo Edessa"/>
+        <a:font script="Orya" typeface="Kalinga"/>
+        <a:font script="Mlym" typeface="Kartika"/>
+        <a:font script="Laoo" typeface="DokChampa"/>
+        <a:font script="Sinh" typeface="Iskoola Pota"/>
+        <a:font script="Mong" typeface="Mongolian Baiti"/>
+        <a:font script="Viet" typeface="Times New Roman"/>
+        <a:font script="Uigh" typeface="Microsoft Uighur"/>
+        <a:font script="Geor" typeface="Sylfaen"/>
+      </a:majorFont>
+      <a:minorFont>
+        <a:latin typeface="Century Gothic" panose="020B0502020202020204"/>
+        <a:ea typeface=""/>
+        <a:cs typeface=""/>
+        <a:font script="Jpan" typeface="ＭＳ Ｐゴシック"/>
+        <a:font script="Hang" typeface="맑은 고딕"/>
+        <a:font script="Hans" typeface="宋体"/>
+        <a:font script="Hant" typeface="新細明體"/>
+        <a:font script="Arab" typeface="Arial"/>
+        <a:font script="Hebr" typeface="Arial"/>
+        <a:font script="Thai" typeface="Cordia New"/>
         <a:font script="Ethi" typeface="Nyala"/>
         <a:font script="Beng" typeface="Vrinda"/>
         <a:font script="Gujr" typeface="Shruti"/>
@@ -3635,21 +6898,273 @@
         <a:font script="Laoo" typeface="DokChampa"/>
         <a:font script="Sinh" typeface="Iskoola Pota"/>
         <a:font script="Mong" typeface="Mongolian Baiti"/>
-        <a:font script="Viet" typeface="Tahoma"/>
+        <a:font script="Viet" typeface="Arial"/>
         <a:font script="Uigh" typeface="Microsoft Uighur"/>
         <a:font script="Geor" typeface="Sylfaen"/>
+      </a:minorFont>
+    </a:fontScheme>
+    <a:fmtScheme name="Vapor Trail">
+      <a:fillStyleLst>
+        <a:solidFill>
+          <a:schemeClr val="phClr"/>
+        </a:solidFill>
+        <a:gradFill rotWithShape="1">
+          <a:gsLst>
+            <a:gs pos="0">
+              <a:schemeClr val="phClr">
+                <a:tint val="69000"/>
+                <a:alpha val="100000"/>
+                <a:satMod val="109000"/>
+                <a:lumMod val="110000"/>
+              </a:schemeClr>
+            </a:gs>
+            <a:gs pos="52000">
+              <a:schemeClr val="phClr">
+                <a:tint val="74000"/>
+                <a:satMod val="100000"/>
+                <a:lumMod val="104000"/>
+              </a:schemeClr>
+            </a:gs>
+            <a:gs pos="100000">
+              <a:schemeClr val="phClr">
+                <a:tint val="78000"/>
+                <a:satMod val="100000"/>
+                <a:lumMod val="100000"/>
+              </a:schemeClr>
+            </a:gs>
+          </a:gsLst>
+          <a:lin ang="5400000" scaled="0"/>
+        </a:gradFill>
+        <a:gradFill rotWithShape="1">
+          <a:gsLst>
+            <a:gs pos="0">
+              <a:schemeClr val="phClr">
+                <a:tint val="96000"/>
+                <a:satMod val="100000"/>
+                <a:lumMod val="104000"/>
+              </a:schemeClr>
+            </a:gs>
+            <a:gs pos="78000">
+              <a:schemeClr val="phClr">
+                <a:shade val="100000"/>
+                <a:satMod val="110000"/>
+                <a:lumMod val="100000"/>
+              </a:schemeClr>
+            </a:gs>
+          </a:gsLst>
+          <a:lin ang="5400000" scaled="0"/>
+        </a:gradFill>
+      </a:fillStyleLst>
+      <a:lnStyleLst>
+        <a:ln w="9525" cap="flat" cmpd="sng" algn="ctr">
+          <a:solidFill>
+            <a:schemeClr val="phClr"/>
+          </a:solidFill>
+          <a:prstDash val="solid"/>
+        </a:ln>
+        <a:ln w="12700" cap="flat" cmpd="sng" algn="ctr">
+          <a:solidFill>
+            <a:schemeClr val="phClr"/>
+          </a:solidFill>
+          <a:prstDash val="solid"/>
+        </a:ln>
+        <a:ln w="19050" cap="flat" cmpd="sng" algn="ctr">
+          <a:solidFill>
+            <a:schemeClr val="phClr"/>
+          </a:solidFill>
+          <a:prstDash val="solid"/>
+        </a:ln>
+      </a:lnStyleLst>
+      <a:effectStyleLst>
+        <a:effectStyle>
+          <a:effectLst/>
+        </a:effectStyle>
+        <a:effectStyle>
+          <a:effectLst/>
+          <a:scene3d>
+            <a:camera prst="orthographicFront">
+              <a:rot lat="0" lon="0" rev="0"/>
+            </a:camera>
+            <a:lightRig rig="threePt" dir="t"/>
+          </a:scene3d>
+          <a:sp3d>
+            <a:bevelT w="25400" h="12700"/>
+          </a:sp3d>
+        </a:effectStyle>
+        <a:effectStyle>
+          <a:effectLst>
+            <a:outerShdw blurRad="57150" dist="19050" dir="5400000" algn="ctr" rotWithShape="0">
+              <a:srgbClr val="000000">
+                <a:alpha val="48000"/>
+              </a:srgbClr>
+            </a:outerShdw>
+          </a:effectLst>
+          <a:scene3d>
+            <a:camera prst="orthographicFront">
+              <a:rot lat="0" lon="0" rev="0"/>
+            </a:camera>
+            <a:lightRig rig="threePt" dir="t"/>
+          </a:scene3d>
+          <a:sp3d>
+            <a:bevelT w="50800" h="25400"/>
+          </a:sp3d>
+        </a:effectStyle>
+      </a:effectStyleLst>
+      <a:bgFillStyleLst>
+        <a:solidFill>
+          <a:schemeClr val="phClr"/>
+        </a:solidFill>
+        <a:solidFill>
+          <a:schemeClr val="phClr">
+            <a:tint val="95000"/>
+            <a:satMod val="170000"/>
+          </a:schemeClr>
+        </a:solidFill>
+        <a:gradFill rotWithShape="1">
+          <a:gsLst>
+            <a:gs pos="0">
+              <a:schemeClr val="phClr">
+                <a:tint val="93000"/>
+                <a:shade val="98000"/>
+                <a:satMod val="150000"/>
+                <a:lumMod val="102000"/>
+              </a:schemeClr>
+            </a:gs>
+            <a:gs pos="50000">
+              <a:schemeClr val="phClr">
+                <a:tint val="98000"/>
+                <a:shade val="90000"/>
+                <a:satMod val="130000"/>
+                <a:lumMod val="103000"/>
+              </a:schemeClr>
+            </a:gs>
+            <a:gs pos="100000">
+              <a:schemeClr val="phClr">
+                <a:shade val="63000"/>
+                <a:satMod val="120000"/>
+              </a:schemeClr>
+            </a:gs>
+          </a:gsLst>
+          <a:lin ang="5400000" scaled="0"/>
+        </a:gradFill>
+      </a:bgFillStyleLst>
+    </a:fmtScheme>
+  </a:themeElements>
+  <a:objectDefaults/>
+  <a:extraClrSchemeLst/>
+  <a:extLst>
+    <a:ext uri="{05A4C25C-085E-4340-85A3-A5531E510DB2}">
+      <thm15:themeFamily xmlns:thm15="http://schemas.microsoft.com/office/thememl/2012/main" name="Vapor Trail" id="{4FDF2955-7D9C-493C-B9F9-C205151B46CD}" vid="{8F31A783-2159-4870-BC29-2BA7D038EA44}"/>
+    </a:ext>
+  </a:extLst>
+</a:theme>
+</file>
+
+<file path=ppt/theme/theme2.xml><?xml version="1.0" encoding="utf-8"?>
+<a:theme xmlns:a="http://schemas.openxmlformats.org/drawingml/2006/main" name="Office Theme">
+  <a:themeElements>
+    <a:clrScheme name="Office">
+      <a:dk1>
+        <a:sysClr val="windowText" lastClr="000000"/>
+      </a:dk1>
+      <a:lt1>
+        <a:sysClr val="window" lastClr="FFFFFF"/>
+      </a:lt1>
+      <a:dk2>
+        <a:srgbClr val="44546A"/>
+      </a:dk2>
+      <a:lt2>
+        <a:srgbClr val="E7E6E6"/>
+      </a:lt2>
+      <a:accent1>
+        <a:srgbClr val="4472C4"/>
+      </a:accent1>
+      <a:accent2>
+        <a:srgbClr val="ED7D31"/>
+      </a:accent2>
+      <a:accent3>
+        <a:srgbClr val="A5A5A5"/>
+      </a:accent3>
+      <a:accent4>
+        <a:srgbClr val="FFC000"/>
+      </a:accent4>
+      <a:accent5>
+        <a:srgbClr val="5B9BD5"/>
+      </a:accent5>
+      <a:accent6>
+        <a:srgbClr val="70AD47"/>
+      </a:accent6>
+      <a:hlink>
+        <a:srgbClr val="0563C1"/>
+      </a:hlink>
+      <a:folHlink>
+        <a:srgbClr val="954F72"/>
+      </a:folHlink>
+    </a:clrScheme>
+    <a:fontScheme name="Office">
+      <a:majorFont>
+        <a:latin typeface="Calibri Light" panose="020F0302020204030204"/>
+        <a:ea typeface=""/>
+        <a:cs typeface=""/>
+        <a:font script="Jpan" typeface="游ゴシック Light"/>
+        <a:font script="Hang" typeface="맑은 고딕"/>
+        <a:font script="Hans" typeface="等线 Light"/>
+        <a:font script="Hant" typeface="新細明體"/>
+        <a:font script="Arab" typeface="Times New Roman"/>
+        <a:font script="Hebr" typeface="Times New Roman"/>
+        <a:font script="Thai" typeface="Angsana New"/>
+        <a:font script="Ethi" typeface="Nyala"/>
+        <a:font script="Beng" typeface="Vrinda"/>
+        <a:font script="Gujr" typeface="Shruti"/>
+        <a:font script="Khmr" typeface="MoolBoran"/>
+        <a:font script="Knda" typeface="Tunga"/>
+        <a:font script="Guru" typeface="Raavi"/>
+        <a:font script="Cans" typeface="Euphemia"/>
+        <a:font script="Cher" typeface="Plantagenet Cherokee"/>
+        <a:font script="Yiii" typeface="Microsoft Yi Baiti"/>
+        <a:font script="Tibt" typeface="Microsoft Himalaya"/>
+        <a:font script="Thaa" typeface="MV Boli"/>
+        <a:font script="Deva" typeface="Mangal"/>
+        <a:font script="Telu" typeface="Gautami"/>
+        <a:font script="Taml" typeface="Latha"/>
+        <a:font script="Syrc" typeface="Estrangelo Edessa"/>
+        <a:font script="Orya" typeface="Kalinga"/>
+        <a:font script="Mlym" typeface="Kartika"/>
+        <a:font script="Laoo" typeface="DokChampa"/>
+        <a:font script="Sinh" typeface="Iskoola Pota"/>
+        <a:font script="Mong" typeface="Mongolian Baiti"/>
+        <a:font script="Viet" typeface="Times New Roman"/>
+        <a:font script="Uigh" typeface="Microsoft Uighur"/>
+        <a:font script="Geor" typeface="Sylfaen"/>
+        <a:font script="Armn" typeface="Arial"/>
+        <a:font script="Bugi" typeface="Leelawadee UI"/>
+        <a:font script="Bopo" typeface="Microsoft JhengHei"/>
+        <a:font script="Java" typeface="Javanese Text"/>
+        <a:font script="Lisu" typeface="Segoe UI"/>
+        <a:font script="Mymr" typeface="Myanmar Text"/>
+        <a:font script="Nkoo" typeface="Ebrima"/>
+        <a:font script="Olck" typeface="Nirmala UI"/>
+        <a:font script="Osma" typeface="Ebrima"/>
+        <a:font script="Phag" typeface="Phagspa"/>
+        <a:font script="Syrn" typeface="Estrangelo Edessa"/>
+        <a:font script="Syrj" typeface="Estrangelo Edessa"/>
+        <a:font script="Syre" typeface="Estrangelo Edessa"/>
+        <a:font script="Sora" typeface="Nirmala UI"/>
+        <a:font script="Tale" typeface="Microsoft Tai Le"/>
+        <a:font script="Talu" typeface="Microsoft New Tai Lue"/>
+        <a:font script="Tfng" typeface="Ebrima"/>
       </a:majorFont>
       <a:minorFont>
-        <a:latin typeface="Corbel" panose="020B0503020204020204"/>
+        <a:latin typeface="Calibri" panose="020F0502020204030204"/>
         <a:ea typeface=""/>
         <a:cs typeface=""/>
-        <a:font script="Jpan" typeface="ＭＳ ゴシック"/>
-        <a:font script="Hang" typeface="HY중고딕"/>
-        <a:font script="Hans" typeface="幼圆"/>
-        <a:font script="Hant" typeface="微軟正黑體"/>
-        <a:font script="Arab" typeface="Tahoma"/>
-        <a:font script="Hebr" typeface="Gisha"/>
-        <a:font script="Thai" typeface="DilleniaUPC"/>
+        <a:font script="Jpan" typeface="游ゴシック"/>
+        <a:font script="Hang" typeface="맑은 고딕"/>
+        <a:font script="Hans" typeface="等线"/>
+        <a:font script="Hant" typeface="新細明體"/>
+        <a:font script="Arab" typeface="Arial"/>
+        <a:font script="Hebr" typeface="Arial"/>
+        <a:font script="Thai" typeface="Cordia New"/>
         <a:font script="Ethi" typeface="Nyala"/>
         <a:font script="Beng" typeface="Vrinda"/>
         <a:font script="Gujr" typeface="Shruti"/>
@@ -3670,50 +7185,107 @@
         <a:font script="Laoo" typeface="DokChampa"/>
         <a:font script="Sinh" typeface="Iskoola Pota"/>
         <a:font script="Mong" typeface="Mongolian Baiti"/>
-        <a:font script="Viet" typeface="Verdana"/>
+        <a:font script="Viet" typeface="Arial"/>
         <a:font script="Uigh" typeface="Microsoft Uighur"/>
         <a:font script="Geor" typeface="Sylfaen"/>
+        <a:font script="Armn" typeface="Arial"/>
+        <a:font script="Bugi" typeface="Leelawadee UI"/>
+        <a:font script="Bopo" typeface="Microsoft JhengHei"/>
+        <a:font script="Java" typeface="Javanese Text"/>
+        <a:font script="Lisu" typeface="Segoe UI"/>
+        <a:font script="Mymr" typeface="Myanmar Text"/>
+        <a:font script="Nkoo" typeface="Ebrima"/>
+        <a:font script="Olck" typeface="Nirmala UI"/>
+        <a:font script="Osma" typeface="Ebrima"/>
+        <a:font script="Phag" typeface="Phagspa"/>
+        <a:font script="Syrn" typeface="Estrangelo Edessa"/>
+        <a:font script="Syrj" typeface="Estrangelo Edessa"/>
+        <a:font script="Syre" typeface="Estrangelo Edessa"/>
+        <a:font script="Sora" typeface="Nirmala UI"/>
+        <a:font script="Tale" typeface="Microsoft Tai Le"/>
+        <a:font script="Talu" typeface="Microsoft New Tai Lue"/>
+        <a:font script="Tfng" typeface="Ebrima"/>
       </a:minorFont>
     </a:fontScheme>
-    <a:fmtScheme name="Frame">
+    <a:fmtScheme name="Office">
       <a:fillStyleLst>
         <a:solidFill>
           <a:schemeClr val="phClr"/>
         </a:solidFill>
-        <a:solidFill>
-          <a:schemeClr val="phClr">
-            <a:tint val="65000"/>
-          </a:schemeClr>
-        </a:solidFill>
-        <a:solidFill>
-          <a:schemeClr val="phClr">
-            <a:shade val="80000"/>
-            <a:satMod val="150000"/>
-          </a:schemeClr>
-        </a:solidFill>
+        <a:gradFill rotWithShape="1">
+          <a:gsLst>
+            <a:gs pos="0">
+              <a:schemeClr val="phClr">
+                <a:lumMod val="110000"/>
+                <a:satMod val="105000"/>
+                <a:tint val="67000"/>
+              </a:schemeClr>
+            </a:gs>
+            <a:gs pos="50000">
+              <a:schemeClr val="phClr">
+                <a:lumMod val="105000"/>
+                <a:satMod val="103000"/>
+                <a:tint val="73000"/>
+              </a:schemeClr>
+            </a:gs>
+            <a:gs pos="100000">
+              <a:schemeClr val="phClr">
+                <a:lumMod val="105000"/>
+                <a:satMod val="109000"/>
+                <a:tint val="81000"/>
+              </a:schemeClr>
+            </a:gs>
+          </a:gsLst>
+          <a:lin ang="5400000" scaled="0"/>
+        </a:gradFill>
+        <a:gradFill rotWithShape="1">
+          <a:gsLst>
+            <a:gs pos="0">
+              <a:schemeClr val="phClr">
+                <a:satMod val="103000"/>
+                <a:lumMod val="102000"/>
+                <a:tint val="94000"/>
+              </a:schemeClr>
+            </a:gs>
+            <a:gs pos="50000">
+              <a:schemeClr val="phClr">
+                <a:satMod val="110000"/>
+                <a:lumMod val="100000"/>
+                <a:shade val="100000"/>
+              </a:schemeClr>
+            </a:gs>
+            <a:gs pos="100000">
+              <a:schemeClr val="phClr">
+                <a:lumMod val="99000"/>
+                <a:satMod val="120000"/>
+                <a:shade val="78000"/>
+              </a:schemeClr>
+            </a:gs>
+          </a:gsLst>
+          <a:lin ang="5400000" scaled="0"/>
+        </a:gradFill>
       </a:fillStyleLst>
       <a:lnStyleLst>
-        <a:ln w="9525" cap="flat" cmpd="sng" algn="ctr">
+        <a:ln w="6350" cap="flat" cmpd="sng" algn="ctr">
           <a:solidFill>
             <a:schemeClr val="phClr"/>
           </a:solidFill>
           <a:prstDash val="solid"/>
+          <a:miter lim="800000"/>
         </a:ln>
-        <a:ln w="10795" cap="flat" cmpd="sng" algn="ctr">
+        <a:ln w="12700" cap="flat" cmpd="sng" algn="ctr">
           <a:solidFill>
             <a:schemeClr val="phClr"/>
           </a:solidFill>
           <a:prstDash val="solid"/>
+          <a:miter lim="800000"/>
         </a:ln>
-        <a:ln w="17145" cap="flat" cmpd="sng" algn="ctr">
+        <a:ln w="19050" cap="flat" cmpd="sng" algn="ctr">
           <a:solidFill>
-            <a:schemeClr val="phClr">
-              <a:shade val="95000"/>
-              <a:alpha val="50000"/>
-              <a:satMod val="150000"/>
-            </a:schemeClr>
+            <a:schemeClr val="phClr"/>
           </a:solidFill>
           <a:prstDash val="solid"/>
+          <a:miter lim="800000"/>
         </a:ln>
       </a:lnStyleLst>
       <a:effectStyleLst>
@@ -3725,21 +7297,12 @@
         </a:effectStyle>
         <a:effectStyle>
           <a:effectLst>
-            <a:outerShdw blurRad="44450" dist="13970" dir="5400000" algn="ctr" rotWithShape="0">
+            <a:outerShdw blurRad="57150" dist="19050" dir="5400000" algn="ctr" rotWithShape="0">
               <a:srgbClr val="000000">
-                <a:alpha val="45000"/>
+                <a:alpha val="63000"/>
               </a:srgbClr>
             </a:outerShdw>
           </a:effectLst>
-          <a:scene3d>
-            <a:camera prst="orthographicFront">
-              <a:rot lat="0" lon="0" rev="0"/>
-            </a:camera>
-            <a:lightRig rig="twoPt" dir="tl"/>
-          </a:scene3d>
-          <a:sp3d prstMaterial="flat">
-            <a:bevelT w="12700" h="25400" prst="coolSlant"/>
-          </a:sp3d>
         </a:effectStyle>
       </a:effectStyleLst>
       <a:bgFillStyleLst>
@@ -3757,24 +7320,23 @@
             <a:gs pos="0">
               <a:schemeClr val="phClr">
                 <a:tint val="93000"/>
+                <a:satMod val="150000"/>
                 <a:shade val="98000"/>
-                <a:satMod val="120000"/>
                 <a:lumMod val="102000"/>
               </a:schemeClr>
             </a:gs>
-            <a:gs pos="48000">
+            <a:gs pos="50000">
               <a:schemeClr val="phClr">
                 <a:tint val="98000"/>
+                <a:satMod val="130000"/>
                 <a:shade val="90000"/>
-                <a:satMod val="110000"/>
                 <a:lumMod val="103000"/>
               </a:schemeClr>
             </a:gs>
             <a:gs pos="100000">
               <a:schemeClr val="phClr">
-                <a:tint val="98000"/>
-                <a:shade val="80000"/>
-                <a:satMod val="100000"/>
+                <a:shade val="63000"/>
+                <a:satMod val="120000"/>
               </a:schemeClr>
             </a:gs>
           </a:gsLst>
@@ -3787,7 +7349,7 @@
   <a:extraClrSchemeLst/>
   <a:extLst>
     <a:ext uri="{05A4C25C-085E-4340-85A3-A5531E510DB2}">
-      <thm15:themeFamily xmlns:thm15="http://schemas.microsoft.com/office/thememl/2012/main" name="Frame" id="{F226E7A2-7162-461C-9490-D27D9DC04E43}" vid="{629A0216-3BBD-45C0-B63F-2683BEA18F60}"/>
+      <thm15:themeFamily xmlns:thm15="http://schemas.microsoft.com/office/thememl/2012/main" name="Office Theme" id="{62F939B6-93AF-4DB8-9C6B-D6C7DFDC589F}" vid="{4A3C46E8-61CC-4603-A589-7422A47A8E4A}"/>
     </a:ext>
   </a:extLst>
 </a:theme>

--- a/Proposal/Proposal_Presentation.pptx
+++ b/Proposal/Proposal_Presentation.pptx
@@ -5,12 +5,14 @@
     <p:sldMasterId id="2147483702" r:id="rId1"/>
   </p:sldMasterIdLst>
   <p:notesMasterIdLst>
-    <p:notesMasterId r:id="rId5"/>
+    <p:notesMasterId r:id="rId7"/>
   </p:notesMasterIdLst>
   <p:sldIdLst>
     <p:sldId id="256" r:id="rId2"/>
     <p:sldId id="257" r:id="rId3"/>
     <p:sldId id="258" r:id="rId4"/>
+    <p:sldId id="259" r:id="rId5"/>
+    <p:sldId id="260" r:id="rId6"/>
   </p:sldIdLst>
   <p:sldSz cx="12192000" cy="6858000"/>
   <p:notesSz cx="6858000" cy="9144000"/>
@@ -199,7 +201,7 @@
           <a:p>
             <a:fld id="{6576262D-8062-4BB6-9221-4589BD32A479}" type="datetimeFigureOut">
               <a:rPr lang="en-CA" smtClean="0"/>
-              <a:t>2019-09-30</a:t>
+              <a:t>2019-10-02</a:t>
             </a:fld>
             <a:endParaRPr lang="en-CA"/>
           </a:p>
@@ -748,7 +750,7 @@
           <a:p>
             <a:fld id="{9D648943-11F5-4E3A-89B9-4D7A01C331E0}" type="datetimeFigureOut">
               <a:rPr lang="en-CA" smtClean="0"/>
-              <a:t>2019-09-30</a:t>
+              <a:t>2019-10-02</a:t>
             </a:fld>
             <a:endParaRPr lang="en-CA"/>
           </a:p>
@@ -1020,7 +1022,7 @@
           <a:p>
             <a:fld id="{9D648943-11F5-4E3A-89B9-4D7A01C331E0}" type="datetimeFigureOut">
               <a:rPr lang="en-CA" smtClean="0"/>
-              <a:t>2019-09-30</a:t>
+              <a:t>2019-10-02</a:t>
             </a:fld>
             <a:endParaRPr lang="en-CA"/>
           </a:p>
@@ -1251,7 +1253,7 @@
           <a:p>
             <a:fld id="{9D648943-11F5-4E3A-89B9-4D7A01C331E0}" type="datetimeFigureOut">
               <a:rPr lang="en-CA" smtClean="0"/>
-              <a:t>2019-09-30</a:t>
+              <a:t>2019-10-02</a:t>
             </a:fld>
             <a:endParaRPr lang="en-CA"/>
           </a:p>
@@ -1561,7 +1563,7 @@
           <a:p>
             <a:fld id="{9D648943-11F5-4E3A-89B9-4D7A01C331E0}" type="datetimeFigureOut">
               <a:rPr lang="en-CA" smtClean="0"/>
-              <a:t>2019-09-30</a:t>
+              <a:t>2019-10-02</a:t>
             </a:fld>
             <a:endParaRPr lang="en-CA"/>
           </a:p>
@@ -2034,7 +2036,7 @@
           <a:p>
             <a:fld id="{9D648943-11F5-4E3A-89B9-4D7A01C331E0}" type="datetimeFigureOut">
               <a:rPr lang="en-CA" smtClean="0"/>
-              <a:t>2019-09-30</a:t>
+              <a:t>2019-10-02</a:t>
             </a:fld>
             <a:endParaRPr lang="en-CA"/>
           </a:p>
@@ -2581,7 +2583,7 @@
           <a:p>
             <a:fld id="{9D648943-11F5-4E3A-89B9-4D7A01C331E0}" type="datetimeFigureOut">
               <a:rPr lang="en-CA" smtClean="0"/>
-              <a:t>2019-09-30</a:t>
+              <a:t>2019-10-02</a:t>
             </a:fld>
             <a:endParaRPr lang="en-CA"/>
           </a:p>
@@ -3355,7 +3357,7 @@
           <a:p>
             <a:fld id="{9D648943-11F5-4E3A-89B9-4D7A01C331E0}" type="datetimeFigureOut">
               <a:rPr lang="en-CA" smtClean="0"/>
-              <a:t>2019-09-30</a:t>
+              <a:t>2019-10-02</a:t>
             </a:fld>
             <a:endParaRPr lang="en-CA"/>
           </a:p>
@@ -3530,7 +3532,7 @@
           <a:p>
             <a:fld id="{9D648943-11F5-4E3A-89B9-4D7A01C331E0}" type="datetimeFigureOut">
               <a:rPr lang="en-CA" smtClean="0"/>
-              <a:t>2019-09-30</a:t>
+              <a:t>2019-10-02</a:t>
             </a:fld>
             <a:endParaRPr lang="en-CA"/>
           </a:p>
@@ -3753,7 +3755,7 @@
           <a:p>
             <a:fld id="{9D648943-11F5-4E3A-89B9-4D7A01C331E0}" type="datetimeFigureOut">
               <a:rPr lang="en-CA" smtClean="0"/>
-              <a:t>2019-09-30</a:t>
+              <a:t>2019-10-02</a:t>
             </a:fld>
             <a:endParaRPr lang="en-CA"/>
           </a:p>
@@ -3938,7 +3940,7 @@
           <a:p>
             <a:fld id="{9D648943-11F5-4E3A-89B9-4D7A01C331E0}" type="datetimeFigureOut">
               <a:rPr lang="en-CA" smtClean="0"/>
-              <a:t>2019-09-30</a:t>
+              <a:t>2019-10-02</a:t>
             </a:fld>
             <a:endParaRPr lang="en-CA"/>
           </a:p>
@@ -4227,7 +4229,7 @@
           <a:p>
             <a:fld id="{9D648943-11F5-4E3A-89B9-4D7A01C331E0}" type="datetimeFigureOut">
               <a:rPr lang="en-CA" smtClean="0"/>
-              <a:t>2019-09-30</a:t>
+              <a:t>2019-10-02</a:t>
             </a:fld>
             <a:endParaRPr lang="en-CA"/>
           </a:p>
@@ -4474,7 +4476,7 @@
           <a:p>
             <a:fld id="{9D648943-11F5-4E3A-89B9-4D7A01C331E0}" type="datetimeFigureOut">
               <a:rPr lang="en-CA" smtClean="0"/>
-              <a:t>2019-09-30</a:t>
+              <a:t>2019-10-02</a:t>
             </a:fld>
             <a:endParaRPr lang="en-CA"/>
           </a:p>
@@ -4853,7 +4855,7 @@
           <a:p>
             <a:fld id="{9D648943-11F5-4E3A-89B9-4D7A01C331E0}" type="datetimeFigureOut">
               <a:rPr lang="en-CA" smtClean="0"/>
-              <a:t>2019-09-30</a:t>
+              <a:t>2019-10-02</a:t>
             </a:fld>
             <a:endParaRPr lang="en-CA"/>
           </a:p>
@@ -4971,7 +4973,7 @@
           <a:p>
             <a:fld id="{9D648943-11F5-4E3A-89B9-4D7A01C331E0}" type="datetimeFigureOut">
               <a:rPr lang="en-CA" smtClean="0"/>
-              <a:t>2019-09-30</a:t>
+              <a:t>2019-10-02</a:t>
             </a:fld>
             <a:endParaRPr lang="en-CA"/>
           </a:p>
@@ -5066,7 +5068,7 @@
           <a:p>
             <a:fld id="{9D648943-11F5-4E3A-89B9-4D7A01C331E0}" type="datetimeFigureOut">
               <a:rPr lang="en-CA" smtClean="0"/>
-              <a:t>2019-09-30</a:t>
+              <a:t>2019-10-02</a:t>
             </a:fld>
             <a:endParaRPr lang="en-CA"/>
           </a:p>
@@ -5315,7 +5317,7 @@
           <a:p>
             <a:fld id="{9D648943-11F5-4E3A-89B9-4D7A01C331E0}" type="datetimeFigureOut">
               <a:rPr lang="en-CA" smtClean="0"/>
-              <a:t>2019-09-30</a:t>
+              <a:t>2019-10-02</a:t>
             </a:fld>
             <a:endParaRPr lang="en-CA"/>
           </a:p>
@@ -5572,7 +5574,7 @@
           <a:p>
             <a:fld id="{9D648943-11F5-4E3A-89B9-4D7A01C331E0}" type="datetimeFigureOut">
               <a:rPr lang="en-CA" smtClean="0"/>
-              <a:t>2019-09-30</a:t>
+              <a:t>2019-10-02</a:t>
             </a:fld>
             <a:endParaRPr lang="en-CA"/>
           </a:p>
@@ -5815,7 +5817,7 @@
           <a:p>
             <a:fld id="{9D648943-11F5-4E3A-89B9-4D7A01C331E0}" type="datetimeFigureOut">
               <a:rPr lang="en-CA" smtClean="0"/>
-              <a:t>2019-09-30</a:t>
+              <a:t>2019-10-02</a:t>
             </a:fld>
             <a:endParaRPr lang="en-CA"/>
           </a:p>
@@ -6781,6 +6783,287 @@
     <p:extLst>
       <p:ext uri="{BB962C8B-B14F-4D97-AF65-F5344CB8AC3E}">
         <p14:creationId xmlns:p14="http://schemas.microsoft.com/office/powerpoint/2010/main" val="2576423985"/>
+      </p:ext>
+    </p:extLst>
+  </p:cSld>
+  <p:clrMapOvr>
+    <a:masterClrMapping/>
+  </p:clrMapOvr>
+</p:sld>
+</file>
+
+<file path=ppt/slides/slide4.xml><?xml version="1.0" encoding="utf-8"?>
+<p:sld xmlns:a="http://schemas.openxmlformats.org/drawingml/2006/main" xmlns:r="http://schemas.openxmlformats.org/officeDocument/2006/relationships" xmlns:p="http://schemas.openxmlformats.org/presentationml/2006/main">
+  <p:cSld>
+    <p:spTree>
+      <p:nvGrpSpPr>
+        <p:cNvPr id="1" name=""/>
+        <p:cNvGrpSpPr/>
+        <p:nvPr/>
+      </p:nvGrpSpPr>
+      <p:grpSpPr>
+        <a:xfrm>
+          <a:off x="0" y="0"/>
+          <a:ext cx="0" cy="0"/>
+          <a:chOff x="0" y="0"/>
+          <a:chExt cx="0" cy="0"/>
+        </a:xfrm>
+      </p:grpSpPr>
+      <p:sp>
+        <p:nvSpPr>
+          <p:cNvPr id="2" name="Title 1">
+            <a:extLst>
+              <a:ext uri="{FF2B5EF4-FFF2-40B4-BE49-F238E27FC236}">
+                <a16:creationId xmlns:a16="http://schemas.microsoft.com/office/drawing/2014/main" id="{5F7EFE1E-6837-46DF-9B49-63C508F4CF92}"/>
+              </a:ext>
+            </a:extLst>
+          </p:cNvPr>
+          <p:cNvSpPr>
+            <a:spLocks noGrp="1"/>
+          </p:cNvSpPr>
+          <p:nvPr>
+            <p:ph type="title"/>
+          </p:nvPr>
+        </p:nvSpPr>
+        <p:spPr>
+          <a:xfrm>
+            <a:off x="2895600" y="764373"/>
+            <a:ext cx="8610600" cy="1293028"/>
+          </a:xfrm>
+        </p:spPr>
+        <p:txBody>
+          <a:bodyPr>
+            <a:normAutofit/>
+          </a:bodyPr>
+          <a:lstStyle/>
+          <a:p>
+            <a:r>
+              <a:rPr lang="en-CA" dirty="0"/>
+              <a:t>Game Mechanics</a:t>
+            </a:r>
+          </a:p>
+        </p:txBody>
+      </p:sp>
+      <p:sp>
+        <p:nvSpPr>
+          <p:cNvPr id="3" name="Content Placeholder 2">
+            <a:extLst>
+              <a:ext uri="{FF2B5EF4-FFF2-40B4-BE49-F238E27FC236}">
+                <a16:creationId xmlns:a16="http://schemas.microsoft.com/office/drawing/2014/main" id="{8470DD8B-8C9C-405A-9A7C-8738BDE21930}"/>
+              </a:ext>
+            </a:extLst>
+          </p:cNvPr>
+          <p:cNvSpPr>
+            <a:spLocks noGrp="1"/>
+          </p:cNvSpPr>
+          <p:nvPr>
+            <p:ph idx="1"/>
+          </p:nvPr>
+        </p:nvSpPr>
+        <p:spPr>
+          <a:xfrm>
+            <a:off x="677333" y="2194560"/>
+            <a:ext cx="5816600" cy="4024125"/>
+          </a:xfrm>
+        </p:spPr>
+        <p:txBody>
+          <a:bodyPr vert="horz" lIns="91440" tIns="45720" rIns="91440" bIns="45720" rtlCol="0" anchor="t">
+            <a:normAutofit/>
+          </a:bodyPr>
+          <a:lstStyle/>
+          <a:p>
+            <a:r>
+              <a:rPr lang="en-CA" dirty="0"/>
+              <a:t>Traditional Platforming Mechanics such as running and jumping popularized during the days of the NES.</a:t>
+            </a:r>
+          </a:p>
+          <a:p>
+            <a:r>
+              <a:rPr lang="en-CA" dirty="0"/>
+              <a:t>A tried and true formula that people still enjoy to this day.</a:t>
+            </a:r>
+          </a:p>
+          <a:p>
+            <a:endParaRPr lang="en-CA" dirty="0"/>
+          </a:p>
+          <a:p>
+            <a:endParaRPr lang="en-CA" dirty="0"/>
+          </a:p>
+        </p:txBody>
+      </p:sp>
+      <p:pic>
+        <p:nvPicPr>
+          <p:cNvPr id="4" name="Picture 4" descr="A close up of a sign&#10;&#10;Description generated with high confidence">
+            <a:extLst>
+              <a:ext uri="{FF2B5EF4-FFF2-40B4-BE49-F238E27FC236}">
+                <a16:creationId xmlns:a16="http://schemas.microsoft.com/office/drawing/2014/main" id="{7A97C694-F88E-4FB9-B57B-54FCE74F20F6}"/>
+              </a:ext>
+            </a:extLst>
+          </p:cNvPr>
+          <p:cNvPicPr>
+            <a:picLocks noChangeAspect="1"/>
+          </p:cNvPicPr>
+          <p:nvPr/>
+        </p:nvPicPr>
+        <p:blipFill>
+          <a:blip r:embed="rId2"/>
+          <a:stretch>
+            <a:fillRect/>
+          </a:stretch>
+        </p:blipFill>
+        <p:spPr>
+          <a:xfrm>
+            <a:off x="7430481" y="2272748"/>
+            <a:ext cx="3630238" cy="3639337"/>
+          </a:xfrm>
+          <a:prstGeom prst="rect">
+            <a:avLst/>
+          </a:prstGeom>
+        </p:spPr>
+      </p:pic>
+    </p:spTree>
+    <p:extLst>
+      <p:ext uri="{BB962C8B-B14F-4D97-AF65-F5344CB8AC3E}">
+        <p14:creationId xmlns:p14="http://schemas.microsoft.com/office/powerpoint/2010/main" val="3405947471"/>
+      </p:ext>
+    </p:extLst>
+  </p:cSld>
+  <p:clrMapOvr>
+    <a:masterClrMapping/>
+  </p:clrMapOvr>
+</p:sld>
+</file>
+
+<file path=ppt/slides/slide5.xml><?xml version="1.0" encoding="utf-8"?>
+<p:sld xmlns:a="http://schemas.openxmlformats.org/drawingml/2006/main" xmlns:r="http://schemas.openxmlformats.org/officeDocument/2006/relationships" xmlns:p="http://schemas.openxmlformats.org/presentationml/2006/main">
+  <p:cSld>
+    <p:spTree>
+      <p:nvGrpSpPr>
+        <p:cNvPr id="1" name=""/>
+        <p:cNvGrpSpPr/>
+        <p:nvPr/>
+      </p:nvGrpSpPr>
+      <p:grpSpPr>
+        <a:xfrm>
+          <a:off x="0" y="0"/>
+          <a:ext cx="0" cy="0"/>
+          <a:chOff x="0" y="0"/>
+          <a:chExt cx="0" cy="0"/>
+        </a:xfrm>
+      </p:grpSpPr>
+      <p:sp>
+        <p:nvSpPr>
+          <p:cNvPr id="2" name="Title 1">
+            <a:extLst>
+              <a:ext uri="{FF2B5EF4-FFF2-40B4-BE49-F238E27FC236}">
+                <a16:creationId xmlns:a16="http://schemas.microsoft.com/office/drawing/2014/main" id="{5F7EFE1E-6837-46DF-9B49-63C508F4CF92}"/>
+              </a:ext>
+            </a:extLst>
+          </p:cNvPr>
+          <p:cNvSpPr>
+            <a:spLocks noGrp="1"/>
+          </p:cNvSpPr>
+          <p:nvPr>
+            <p:ph type="title"/>
+          </p:nvPr>
+        </p:nvSpPr>
+        <p:spPr>
+          <a:xfrm>
+            <a:off x="2895600" y="764373"/>
+            <a:ext cx="8610600" cy="1293028"/>
+          </a:xfrm>
+        </p:spPr>
+        <p:txBody>
+          <a:bodyPr>
+            <a:normAutofit/>
+          </a:bodyPr>
+          <a:lstStyle/>
+          <a:p>
+            <a:r>
+              <a:rPr lang="en-CA" dirty="0"/>
+              <a:t>Game Mechanics</a:t>
+            </a:r>
+          </a:p>
+        </p:txBody>
+      </p:sp>
+      <p:sp>
+        <p:nvSpPr>
+          <p:cNvPr id="3" name="Content Placeholder 2">
+            <a:extLst>
+              <a:ext uri="{FF2B5EF4-FFF2-40B4-BE49-F238E27FC236}">
+                <a16:creationId xmlns:a16="http://schemas.microsoft.com/office/drawing/2014/main" id="{8470DD8B-8C9C-405A-9A7C-8738BDE21930}"/>
+              </a:ext>
+            </a:extLst>
+          </p:cNvPr>
+          <p:cNvSpPr>
+            <a:spLocks noGrp="1"/>
+          </p:cNvSpPr>
+          <p:nvPr>
+            <p:ph idx="1"/>
+          </p:nvPr>
+        </p:nvSpPr>
+        <p:spPr>
+          <a:xfrm>
+            <a:off x="677333" y="2194560"/>
+            <a:ext cx="5816600" cy="4024125"/>
+          </a:xfrm>
+        </p:spPr>
+        <p:txBody>
+          <a:bodyPr vert="horz" lIns="91440" tIns="45720" rIns="91440" bIns="45720" rtlCol="0" anchor="t">
+            <a:normAutofit/>
+          </a:bodyPr>
+          <a:lstStyle/>
+          <a:p>
+            <a:r>
+              <a:rPr lang="en-CA" dirty="0"/>
+              <a:t>We also aim to have puzzles in our levels inspired by games such as Limbo.</a:t>
+            </a:r>
+          </a:p>
+          <a:p>
+            <a:r>
+              <a:rPr lang="en-CA" dirty="0"/>
+              <a:t>Our aim is to have the player think to reach certain rewards. </a:t>
+            </a:r>
+          </a:p>
+          <a:p>
+            <a:endParaRPr lang="en-CA" dirty="0"/>
+          </a:p>
+        </p:txBody>
+      </p:sp>
+      <p:pic>
+        <p:nvPicPr>
+          <p:cNvPr id="5" name="Picture 5" descr="A sign in the dark&#10;&#10;Description generated with high confidence">
+            <a:extLst>
+              <a:ext uri="{FF2B5EF4-FFF2-40B4-BE49-F238E27FC236}">
+                <a16:creationId xmlns:a16="http://schemas.microsoft.com/office/drawing/2014/main" id="{20F4E673-2F0D-4A60-A93E-9D961A0232A2}"/>
+              </a:ext>
+            </a:extLst>
+          </p:cNvPr>
+          <p:cNvPicPr>
+            <a:picLocks noChangeAspect="1"/>
+          </p:cNvPicPr>
+          <p:nvPr/>
+        </p:nvPicPr>
+        <p:blipFill>
+          <a:blip r:embed="rId2"/>
+          <a:stretch>
+            <a:fillRect/>
+          </a:stretch>
+        </p:blipFill>
+        <p:spPr>
+          <a:xfrm>
+            <a:off x="7848518" y="2085571"/>
+            <a:ext cx="2820329" cy="3861342"/>
+          </a:xfrm>
+          <a:prstGeom prst="rect">
+            <a:avLst/>
+          </a:prstGeom>
+        </p:spPr>
+      </p:pic>
+    </p:spTree>
+    <p:extLst>
+      <p:ext uri="{BB962C8B-B14F-4D97-AF65-F5344CB8AC3E}">
+        <p14:creationId xmlns:p14="http://schemas.microsoft.com/office/powerpoint/2010/main" val="3988521410"/>
       </p:ext>
     </p:extLst>
   </p:cSld>

--- a/Proposal/Proposal_Presentation.pptx
+++ b/Proposal/Proposal_Presentation.pptx
@@ -5,7 +5,7 @@
     <p:sldMasterId id="2147483702" r:id="rId1"/>
   </p:sldMasterIdLst>
   <p:notesMasterIdLst>
-    <p:notesMasterId r:id="rId7"/>
+    <p:notesMasterId r:id="rId11"/>
   </p:notesMasterIdLst>
   <p:sldIdLst>
     <p:sldId id="256" r:id="rId2"/>
@@ -13,6 +13,10 @@
     <p:sldId id="258" r:id="rId4"/>
     <p:sldId id="259" r:id="rId5"/>
     <p:sldId id="260" r:id="rId6"/>
+    <p:sldId id="261" r:id="rId7"/>
+    <p:sldId id="262" r:id="rId8"/>
+    <p:sldId id="263" r:id="rId9"/>
+    <p:sldId id="264" r:id="rId10"/>
   </p:sldIdLst>
   <p:sldSz cx="12192000" cy="6858000"/>
   <p:notesSz cx="6858000" cy="9144000"/>
@@ -117,6 +121,3765 @@
     </p:ext>
   </p:extLst>
 </p:presentation>
+</file>
+
+<file path=ppt/diagrams/colors1.xml><?xml version="1.0" encoding="utf-8"?>
+<dgm:colorsDef xmlns:dgm="http://schemas.openxmlformats.org/drawingml/2006/diagram" xmlns:a="http://schemas.openxmlformats.org/drawingml/2006/main" uniqueId="urn:microsoft.com/office/officeart/2018/5/colors/Iconchunking_neutralicon_colorful1">
+  <dgm:title val=""/>
+  <dgm:desc val=""/>
+  <dgm:catLst>
+    <dgm:cat type="colorful" pri="10100"/>
+  </dgm:catLst>
+  <dgm:styleLbl name="node0">
+    <dgm:fillClrLst meth="repeat">
+      <a:schemeClr val="accent1"/>
+    </dgm:fillClrLst>
+    <dgm:linClrLst meth="repeat">
+      <a:schemeClr val="lt1"/>
+    </dgm:linClrLst>
+    <dgm:effectClrLst/>
+    <dgm:txLinClrLst/>
+    <dgm:txFillClrLst/>
+    <dgm:txEffectClrLst/>
+  </dgm:styleLbl>
+  <dgm:styleLbl name="node1">
+    <dgm:fillClrLst meth="repeat">
+      <a:schemeClr val="bg1"/>
+    </dgm:fillClrLst>
+    <dgm:linClrLst meth="repeat">
+      <a:schemeClr val="lt1">
+        <a:alpha val="0"/>
+      </a:schemeClr>
+    </dgm:linClrLst>
+    <dgm:effectClrLst/>
+    <dgm:txLinClrLst/>
+    <dgm:txFillClrLst meth="repeat">
+      <a:schemeClr val="dk1"/>
+    </dgm:txFillClrLst>
+    <dgm:txEffectClrLst/>
+  </dgm:styleLbl>
+  <dgm:styleLbl name="alignNode1">
+    <dgm:fillClrLst meth="repeat">
+      <a:schemeClr val="accent2"/>
+      <a:schemeClr val="accent3"/>
+      <a:schemeClr val="accent4"/>
+      <a:schemeClr val="accent5"/>
+      <a:schemeClr val="accent6"/>
+    </dgm:fillClrLst>
+    <dgm:linClrLst meth="repeat">
+      <a:schemeClr val="accent2"/>
+      <a:schemeClr val="accent3"/>
+      <a:schemeClr val="accent4"/>
+      <a:schemeClr val="accent5"/>
+      <a:schemeClr val="accent6"/>
+    </dgm:linClrLst>
+    <dgm:effectClrLst/>
+    <dgm:txLinClrLst/>
+    <dgm:txFillClrLst/>
+    <dgm:txEffectClrLst/>
+  </dgm:styleLbl>
+  <dgm:styleLbl name="lnNode1">
+    <dgm:fillClrLst meth="repeat">
+      <a:schemeClr val="accent2"/>
+      <a:schemeClr val="accent3"/>
+      <a:schemeClr val="accent4"/>
+      <a:schemeClr val="accent5"/>
+      <a:schemeClr val="accent6"/>
+    </dgm:fillClrLst>
+    <dgm:linClrLst meth="repeat">
+      <a:schemeClr val="lt1"/>
+    </dgm:linClrLst>
+    <dgm:effectClrLst/>
+    <dgm:txLinClrLst/>
+    <dgm:txFillClrLst/>
+    <dgm:txEffectClrLst/>
+  </dgm:styleLbl>
+  <dgm:styleLbl name="vennNode1">
+    <dgm:fillClrLst meth="repeat">
+      <a:schemeClr val="accent2">
+        <a:alpha val="50000"/>
+      </a:schemeClr>
+      <a:schemeClr val="accent3">
+        <a:alpha val="50000"/>
+      </a:schemeClr>
+      <a:schemeClr val="accent4">
+        <a:alpha val="50000"/>
+      </a:schemeClr>
+      <a:schemeClr val="accent5">
+        <a:alpha val="50000"/>
+      </a:schemeClr>
+      <a:schemeClr val="accent6">
+        <a:alpha val="50000"/>
+      </a:schemeClr>
+    </dgm:fillClrLst>
+    <dgm:linClrLst meth="repeat">
+      <a:schemeClr val="lt1"/>
+    </dgm:linClrLst>
+    <dgm:effectClrLst/>
+    <dgm:txLinClrLst/>
+    <dgm:txFillClrLst/>
+    <dgm:txEffectClrLst/>
+  </dgm:styleLbl>
+  <dgm:styleLbl name="node2">
+    <dgm:fillClrLst>
+      <a:schemeClr val="accent2"/>
+    </dgm:fillClrLst>
+    <dgm:linClrLst meth="repeat">
+      <a:schemeClr val="lt1"/>
+    </dgm:linClrLst>
+    <dgm:effectClrLst/>
+    <dgm:txLinClrLst/>
+    <dgm:txFillClrLst/>
+    <dgm:txEffectClrLst/>
+  </dgm:styleLbl>
+  <dgm:styleLbl name="node3">
+    <dgm:fillClrLst>
+      <a:schemeClr val="accent3"/>
+    </dgm:fillClrLst>
+    <dgm:linClrLst meth="repeat">
+      <a:schemeClr val="lt1"/>
+    </dgm:linClrLst>
+    <dgm:effectClrLst/>
+    <dgm:txLinClrLst/>
+    <dgm:txFillClrLst/>
+    <dgm:txEffectClrLst/>
+  </dgm:styleLbl>
+  <dgm:styleLbl name="node4">
+    <dgm:fillClrLst>
+      <a:schemeClr val="accent4"/>
+    </dgm:fillClrLst>
+    <dgm:linClrLst meth="repeat">
+      <a:schemeClr val="lt1"/>
+    </dgm:linClrLst>
+    <dgm:effectClrLst/>
+    <dgm:txLinClrLst/>
+    <dgm:txFillClrLst/>
+    <dgm:txEffectClrLst/>
+  </dgm:styleLbl>
+  <dgm:styleLbl name="fgImgPlace1">
+    <dgm:fillClrLst meth="repeat">
+      <a:schemeClr val="accent2">
+        <a:tint val="50000"/>
+      </a:schemeClr>
+      <a:schemeClr val="accent3">
+        <a:tint val="50000"/>
+      </a:schemeClr>
+      <a:schemeClr val="accent4">
+        <a:tint val="50000"/>
+      </a:schemeClr>
+      <a:schemeClr val="accent5">
+        <a:tint val="50000"/>
+      </a:schemeClr>
+      <a:schemeClr val="accent6">
+        <a:tint val="50000"/>
+      </a:schemeClr>
+    </dgm:fillClrLst>
+    <dgm:linClrLst meth="repeat">
+      <a:schemeClr val="lt1"/>
+    </dgm:linClrLst>
+    <dgm:effectClrLst/>
+    <dgm:txLinClrLst/>
+    <dgm:txFillClrLst meth="repeat">
+      <a:schemeClr val="lt1"/>
+    </dgm:txFillClrLst>
+    <dgm:txEffectClrLst/>
+  </dgm:styleLbl>
+  <dgm:styleLbl name="alignImgPlace1">
+    <dgm:fillClrLst>
+      <a:schemeClr val="accent1">
+        <a:tint val="50000"/>
+      </a:schemeClr>
+      <a:schemeClr val="accent2">
+        <a:tint val="20000"/>
+      </a:schemeClr>
+    </dgm:fillClrLst>
+    <dgm:linClrLst meth="repeat">
+      <a:schemeClr val="lt1"/>
+    </dgm:linClrLst>
+    <dgm:effectClrLst/>
+    <dgm:txLinClrLst/>
+    <dgm:txFillClrLst meth="repeat">
+      <a:schemeClr val="lt1"/>
+    </dgm:txFillClrLst>
+    <dgm:txEffectClrLst/>
+  </dgm:styleLbl>
+  <dgm:styleLbl name="bgImgPlace1">
+    <dgm:fillClrLst>
+      <a:schemeClr val="accent1">
+        <a:tint val="50000"/>
+      </a:schemeClr>
+      <a:schemeClr val="accent2">
+        <a:tint val="20000"/>
+      </a:schemeClr>
+    </dgm:fillClrLst>
+    <dgm:linClrLst meth="repeat">
+      <a:schemeClr val="lt1"/>
+    </dgm:linClrLst>
+    <dgm:effectClrLst/>
+    <dgm:txLinClrLst/>
+    <dgm:txFillClrLst meth="repeat">
+      <a:schemeClr val="lt1"/>
+    </dgm:txFillClrLst>
+    <dgm:txEffectClrLst/>
+  </dgm:styleLbl>
+  <dgm:styleLbl name="sibTrans2D1">
+    <dgm:fillClrLst meth="repeat">
+      <a:schemeClr val="accent2"/>
+      <a:schemeClr val="accent3"/>
+      <a:schemeClr val="accent4"/>
+      <a:schemeClr val="accent5"/>
+      <a:schemeClr val="accent6"/>
+    </dgm:fillClrLst>
+    <dgm:linClrLst meth="cycle">
+      <a:schemeClr val="lt1"/>
+    </dgm:linClrLst>
+    <dgm:effectClrLst/>
+    <dgm:txLinClrLst/>
+    <dgm:txFillClrLst/>
+    <dgm:txEffectClrLst/>
+  </dgm:styleLbl>
+  <dgm:styleLbl name="fgSibTrans2D1">
+    <dgm:fillClrLst meth="repeat">
+      <a:schemeClr val="accent2"/>
+      <a:schemeClr val="accent3"/>
+      <a:schemeClr val="accent4"/>
+      <a:schemeClr val="accent5"/>
+      <a:schemeClr val="accent6"/>
+    </dgm:fillClrLst>
+    <dgm:linClrLst meth="cycle">
+      <a:schemeClr val="lt1"/>
+    </dgm:linClrLst>
+    <dgm:effectClrLst/>
+    <dgm:txLinClrLst/>
+    <dgm:txFillClrLst meth="repeat">
+      <a:schemeClr val="lt1"/>
+    </dgm:txFillClrLst>
+    <dgm:txEffectClrLst/>
+  </dgm:styleLbl>
+  <dgm:styleLbl name="bgSibTrans2D1">
+    <dgm:fillClrLst meth="repeat">
+      <a:schemeClr val="accent2"/>
+      <a:schemeClr val="accent3"/>
+      <a:schemeClr val="accent4"/>
+      <a:schemeClr val="accent5"/>
+      <a:schemeClr val="accent6"/>
+    </dgm:fillClrLst>
+    <dgm:linClrLst meth="cycle">
+      <a:schemeClr val="lt1"/>
+    </dgm:linClrLst>
+    <dgm:effectClrLst/>
+    <dgm:txLinClrLst/>
+    <dgm:txFillClrLst meth="repeat">
+      <a:schemeClr val="lt1"/>
+    </dgm:txFillClrLst>
+    <dgm:txEffectClrLst/>
+  </dgm:styleLbl>
+  <dgm:styleLbl name="sibTrans1D1">
+    <dgm:fillClrLst meth="repeat">
+      <a:schemeClr val="accent2"/>
+      <a:schemeClr val="accent3"/>
+      <a:schemeClr val="accent4"/>
+      <a:schemeClr val="accent5"/>
+      <a:schemeClr val="accent6"/>
+    </dgm:fillClrLst>
+    <dgm:linClrLst meth="repeat">
+      <a:schemeClr val="accent2"/>
+      <a:schemeClr val="accent3"/>
+      <a:schemeClr val="accent4"/>
+      <a:schemeClr val="accent5"/>
+      <a:schemeClr val="accent6"/>
+    </dgm:linClrLst>
+    <dgm:effectClrLst/>
+    <dgm:txLinClrLst/>
+    <dgm:txFillClrLst meth="repeat">
+      <a:schemeClr val="tx1"/>
+    </dgm:txFillClrLst>
+    <dgm:txEffectClrLst/>
+  </dgm:styleLbl>
+  <dgm:styleLbl name="callout">
+    <dgm:fillClrLst meth="repeat">
+      <a:schemeClr val="accent2"/>
+    </dgm:fillClrLst>
+    <dgm:linClrLst meth="repeat">
+      <a:schemeClr val="accent2">
+        <a:tint val="50000"/>
+      </a:schemeClr>
+    </dgm:linClrLst>
+    <dgm:effectClrLst/>
+    <dgm:txLinClrLst/>
+    <dgm:txFillClrLst meth="repeat">
+      <a:schemeClr val="tx1"/>
+    </dgm:txFillClrLst>
+    <dgm:txEffectClrLst/>
+  </dgm:styleLbl>
+  <dgm:styleLbl name="asst0">
+    <dgm:fillClrLst meth="repeat">
+      <a:schemeClr val="accent1"/>
+    </dgm:fillClrLst>
+    <dgm:linClrLst meth="repeat">
+      <a:schemeClr val="lt1"/>
+    </dgm:linClrLst>
+    <dgm:effectClrLst/>
+    <dgm:txLinClrLst/>
+    <dgm:txFillClrLst/>
+    <dgm:txEffectClrLst/>
+  </dgm:styleLbl>
+  <dgm:styleLbl name="asst1">
+    <dgm:fillClrLst meth="repeat">
+      <a:schemeClr val="accent2"/>
+    </dgm:fillClrLst>
+    <dgm:linClrLst meth="repeat">
+      <a:schemeClr val="lt1"/>
+    </dgm:linClrLst>
+    <dgm:effectClrLst/>
+    <dgm:txLinClrLst/>
+    <dgm:txFillClrLst/>
+    <dgm:txEffectClrLst/>
+  </dgm:styleLbl>
+  <dgm:styleLbl name="asst2">
+    <dgm:fillClrLst>
+      <a:schemeClr val="accent3"/>
+    </dgm:fillClrLst>
+    <dgm:linClrLst meth="repeat">
+      <a:schemeClr val="lt1"/>
+    </dgm:linClrLst>
+    <dgm:effectClrLst/>
+    <dgm:txLinClrLst/>
+    <dgm:txFillClrLst/>
+    <dgm:txEffectClrLst/>
+  </dgm:styleLbl>
+  <dgm:styleLbl name="asst3">
+    <dgm:fillClrLst>
+      <a:schemeClr val="accent4"/>
+    </dgm:fillClrLst>
+    <dgm:linClrLst meth="repeat">
+      <a:schemeClr val="lt1"/>
+    </dgm:linClrLst>
+    <dgm:effectClrLst/>
+    <dgm:txLinClrLst/>
+    <dgm:txFillClrLst/>
+    <dgm:txEffectClrLst/>
+  </dgm:styleLbl>
+  <dgm:styleLbl name="asst4">
+    <dgm:fillClrLst>
+      <a:schemeClr val="accent5"/>
+    </dgm:fillClrLst>
+    <dgm:linClrLst meth="repeat">
+      <a:schemeClr val="lt1"/>
+    </dgm:linClrLst>
+    <dgm:effectClrLst/>
+    <dgm:txLinClrLst/>
+    <dgm:txFillClrLst/>
+    <dgm:txEffectClrLst/>
+  </dgm:styleLbl>
+  <dgm:styleLbl name="parChTrans2D1">
+    <dgm:fillClrLst meth="repeat">
+      <a:schemeClr val="accent2"/>
+    </dgm:fillClrLst>
+    <dgm:linClrLst meth="repeat">
+      <a:schemeClr val="lt1"/>
+    </dgm:linClrLst>
+    <dgm:effectClrLst/>
+    <dgm:txLinClrLst/>
+    <dgm:txFillClrLst meth="repeat">
+      <a:schemeClr val="lt1"/>
+    </dgm:txFillClrLst>
+    <dgm:txEffectClrLst/>
+  </dgm:styleLbl>
+  <dgm:styleLbl name="parChTrans2D2">
+    <dgm:fillClrLst meth="repeat">
+      <a:schemeClr val="accent3"/>
+    </dgm:fillClrLst>
+    <dgm:linClrLst meth="repeat">
+      <a:schemeClr val="lt1"/>
+    </dgm:linClrLst>
+    <dgm:effectClrLst/>
+    <dgm:txLinClrLst/>
+    <dgm:txFillClrLst/>
+    <dgm:txEffectClrLst/>
+  </dgm:styleLbl>
+  <dgm:styleLbl name="parChTrans2D3">
+    <dgm:fillClrLst meth="repeat">
+      <a:schemeClr val="accent4"/>
+    </dgm:fillClrLst>
+    <dgm:linClrLst meth="repeat">
+      <a:schemeClr val="lt1"/>
+    </dgm:linClrLst>
+    <dgm:effectClrLst/>
+    <dgm:txLinClrLst/>
+    <dgm:txFillClrLst/>
+    <dgm:txEffectClrLst/>
+  </dgm:styleLbl>
+  <dgm:styleLbl name="parChTrans2D4">
+    <dgm:fillClrLst meth="repeat">
+      <a:schemeClr val="accent5"/>
+    </dgm:fillClrLst>
+    <dgm:linClrLst meth="repeat">
+      <a:schemeClr val="lt1"/>
+    </dgm:linClrLst>
+    <dgm:effectClrLst/>
+    <dgm:txLinClrLst/>
+    <dgm:txFillClrLst meth="repeat">
+      <a:schemeClr val="lt1"/>
+    </dgm:txFillClrLst>
+    <dgm:txEffectClrLst/>
+  </dgm:styleLbl>
+  <dgm:styleLbl name="parChTrans1D1">
+    <dgm:fillClrLst meth="repeat">
+      <a:schemeClr val="accent2"/>
+    </dgm:fillClrLst>
+    <dgm:linClrLst meth="repeat">
+      <a:schemeClr val="accent1"/>
+    </dgm:linClrLst>
+    <dgm:effectClrLst/>
+    <dgm:txLinClrLst/>
+    <dgm:txFillClrLst meth="repeat">
+      <a:schemeClr val="tx1"/>
+    </dgm:txFillClrLst>
+    <dgm:txEffectClrLst/>
+  </dgm:styleLbl>
+  <dgm:styleLbl name="parChTrans1D2">
+    <dgm:fillClrLst meth="repeat">
+      <a:schemeClr val="accent3">
+        <a:tint val="90000"/>
+      </a:schemeClr>
+    </dgm:fillClrLst>
+    <dgm:linClrLst meth="repeat">
+      <a:schemeClr val="accent2"/>
+    </dgm:linClrLst>
+    <dgm:effectClrLst/>
+    <dgm:txLinClrLst/>
+    <dgm:txFillClrLst meth="repeat">
+      <a:schemeClr val="tx1"/>
+    </dgm:txFillClrLst>
+    <dgm:txEffectClrLst/>
+  </dgm:styleLbl>
+  <dgm:styleLbl name="parChTrans1D3">
+    <dgm:fillClrLst meth="repeat">
+      <a:schemeClr val="accent4">
+        <a:tint val="70000"/>
+      </a:schemeClr>
+    </dgm:fillClrLst>
+    <dgm:linClrLst meth="repeat">
+      <a:schemeClr val="accent3"/>
+    </dgm:linClrLst>
+    <dgm:effectClrLst/>
+    <dgm:txLinClrLst/>
+    <dgm:txFillClrLst meth="repeat">
+      <a:schemeClr val="tx1"/>
+    </dgm:txFillClrLst>
+    <dgm:txEffectClrLst/>
+  </dgm:styleLbl>
+  <dgm:styleLbl name="parChTrans1D4">
+    <dgm:fillClrLst meth="repeat">
+      <a:schemeClr val="accent5">
+        <a:tint val="50000"/>
+      </a:schemeClr>
+    </dgm:fillClrLst>
+    <dgm:linClrLst meth="repeat">
+      <a:schemeClr val="accent4"/>
+    </dgm:linClrLst>
+    <dgm:effectClrLst/>
+    <dgm:txLinClrLst/>
+    <dgm:txFillClrLst meth="repeat">
+      <a:schemeClr val="tx1"/>
+    </dgm:txFillClrLst>
+    <dgm:txEffectClrLst/>
+  </dgm:styleLbl>
+  <dgm:styleLbl name="fgAcc1">
+    <dgm:fillClrLst meth="repeat">
+      <a:schemeClr val="lt1">
+        <a:alpha val="90000"/>
+      </a:schemeClr>
+    </dgm:fillClrLst>
+    <dgm:linClrLst meth="repeat">
+      <a:schemeClr val="accent2"/>
+      <a:schemeClr val="accent3"/>
+      <a:schemeClr val="accent4"/>
+      <a:schemeClr val="accent5"/>
+      <a:schemeClr val="accent6"/>
+    </dgm:linClrLst>
+    <dgm:effectClrLst/>
+    <dgm:txLinClrLst/>
+    <dgm:txFillClrLst meth="repeat">
+      <a:schemeClr val="dk1"/>
+    </dgm:txFillClrLst>
+    <dgm:txEffectClrLst/>
+  </dgm:styleLbl>
+  <dgm:styleLbl name="conFgAcc1">
+    <dgm:fillClrLst meth="repeat">
+      <a:schemeClr val="lt1">
+        <a:alpha val="90000"/>
+      </a:schemeClr>
+    </dgm:fillClrLst>
+    <dgm:linClrLst meth="repeat">
+      <a:schemeClr val="accent2"/>
+      <a:schemeClr val="accent3"/>
+      <a:schemeClr val="accent4"/>
+      <a:schemeClr val="accent5"/>
+      <a:schemeClr val="accent6"/>
+    </dgm:linClrLst>
+    <dgm:effectClrLst/>
+    <dgm:txLinClrLst/>
+    <dgm:txFillClrLst meth="repeat">
+      <a:schemeClr val="dk1"/>
+    </dgm:txFillClrLst>
+    <dgm:txEffectClrLst/>
+  </dgm:styleLbl>
+  <dgm:styleLbl name="alignAcc1">
+    <dgm:fillClrLst meth="repeat">
+      <a:schemeClr val="lt1">
+        <a:alpha val="90000"/>
+      </a:schemeClr>
+    </dgm:fillClrLst>
+    <dgm:linClrLst meth="repeat">
+      <a:schemeClr val="accent2"/>
+      <a:schemeClr val="accent3"/>
+      <a:schemeClr val="accent4"/>
+      <a:schemeClr val="accent5"/>
+      <a:schemeClr val="accent6"/>
+    </dgm:linClrLst>
+    <dgm:effectClrLst/>
+    <dgm:txLinClrLst/>
+    <dgm:txFillClrLst meth="repeat">
+      <a:schemeClr val="dk1"/>
+    </dgm:txFillClrLst>
+    <dgm:txEffectClrLst/>
+  </dgm:styleLbl>
+  <dgm:styleLbl name="trAlignAcc1">
+    <dgm:fillClrLst meth="repeat">
+      <a:schemeClr val="lt1">
+        <a:alpha val="40000"/>
+      </a:schemeClr>
+    </dgm:fillClrLst>
+    <dgm:linClrLst meth="repeat">
+      <a:schemeClr val="accent1"/>
+    </dgm:linClrLst>
+    <dgm:effectClrLst/>
+    <dgm:txLinClrLst/>
+    <dgm:txFillClrLst meth="repeat">
+      <a:schemeClr val="dk1"/>
+    </dgm:txFillClrLst>
+    <dgm:txEffectClrLst/>
+  </dgm:styleLbl>
+  <dgm:styleLbl name="bgAcc1">
+    <dgm:fillClrLst meth="repeat">
+      <a:schemeClr val="lt1">
+        <a:alpha val="90000"/>
+      </a:schemeClr>
+    </dgm:fillClrLst>
+    <dgm:linClrLst meth="repeat">
+      <a:schemeClr val="accent2"/>
+      <a:schemeClr val="accent3"/>
+      <a:schemeClr val="accent4"/>
+      <a:schemeClr val="accent5"/>
+      <a:schemeClr val="accent6"/>
+    </dgm:linClrLst>
+    <dgm:effectClrLst/>
+    <dgm:txLinClrLst/>
+    <dgm:txFillClrLst meth="repeat">
+      <a:schemeClr val="dk1"/>
+    </dgm:txFillClrLst>
+    <dgm:txEffectClrLst/>
+  </dgm:styleLbl>
+  <dgm:styleLbl name="solidFgAcc1">
+    <dgm:fillClrLst meth="repeat">
+      <a:schemeClr val="lt1"/>
+    </dgm:fillClrLst>
+    <dgm:linClrLst meth="repeat">
+      <a:schemeClr val="accent2"/>
+      <a:schemeClr val="accent3"/>
+      <a:schemeClr val="accent4"/>
+      <a:schemeClr val="accent5"/>
+      <a:schemeClr val="accent6"/>
+    </dgm:linClrLst>
+    <dgm:effectClrLst/>
+    <dgm:txLinClrLst/>
+    <dgm:txFillClrLst meth="repeat">
+      <a:schemeClr val="dk1"/>
+    </dgm:txFillClrLst>
+    <dgm:txEffectClrLst/>
+  </dgm:styleLbl>
+  <dgm:styleLbl name="solidAlignAcc1">
+    <dgm:fillClrLst meth="repeat">
+      <a:schemeClr val="lt1"/>
+    </dgm:fillClrLst>
+    <dgm:linClrLst meth="repeat">
+      <a:schemeClr val="accent2"/>
+      <a:schemeClr val="accent3"/>
+      <a:schemeClr val="accent4"/>
+      <a:schemeClr val="accent5"/>
+      <a:schemeClr val="accent6"/>
+    </dgm:linClrLst>
+    <dgm:effectClrLst/>
+    <dgm:txLinClrLst/>
+    <dgm:txFillClrLst meth="repeat">
+      <a:schemeClr val="dk1"/>
+    </dgm:txFillClrLst>
+    <dgm:txEffectClrLst/>
+  </dgm:styleLbl>
+  <dgm:styleLbl name="solidBgAcc1">
+    <dgm:fillClrLst meth="repeat">
+      <a:schemeClr val="lt1"/>
+    </dgm:fillClrLst>
+    <dgm:linClrLst meth="repeat">
+      <a:schemeClr val="accent2"/>
+      <a:schemeClr val="accent3"/>
+      <a:schemeClr val="accent4"/>
+      <a:schemeClr val="accent5"/>
+      <a:schemeClr val="accent6"/>
+    </dgm:linClrLst>
+    <dgm:effectClrLst/>
+    <dgm:txLinClrLst/>
+    <dgm:txFillClrLst meth="repeat">
+      <a:schemeClr val="dk1"/>
+    </dgm:txFillClrLst>
+    <dgm:txEffectClrLst/>
+  </dgm:styleLbl>
+  <dgm:styleLbl name="fgAccFollowNode1">
+    <dgm:fillClrLst meth="repeat">
+      <a:schemeClr val="accent2">
+        <a:tint val="40000"/>
+        <a:alpha val="90000"/>
+      </a:schemeClr>
+      <a:schemeClr val="accent3">
+        <a:tint val="40000"/>
+        <a:alpha val="90000"/>
+      </a:schemeClr>
+      <a:schemeClr val="accent4">
+        <a:tint val="40000"/>
+        <a:alpha val="90000"/>
+      </a:schemeClr>
+      <a:schemeClr val="accent5">
+        <a:tint val="40000"/>
+        <a:alpha val="90000"/>
+      </a:schemeClr>
+      <a:schemeClr val="accent6">
+        <a:tint val="40000"/>
+        <a:alpha val="90000"/>
+      </a:schemeClr>
+    </dgm:fillClrLst>
+    <dgm:linClrLst meth="repeat">
+      <a:schemeClr val="accent2">
+        <a:tint val="40000"/>
+        <a:alpha val="90000"/>
+      </a:schemeClr>
+      <a:schemeClr val="accent3">
+        <a:tint val="40000"/>
+        <a:alpha val="90000"/>
+      </a:schemeClr>
+      <a:schemeClr val="accent4">
+        <a:tint val="40000"/>
+        <a:alpha val="90000"/>
+      </a:schemeClr>
+      <a:schemeClr val="accent5">
+        <a:tint val="40000"/>
+        <a:alpha val="90000"/>
+      </a:schemeClr>
+      <a:schemeClr val="accent6">
+        <a:tint val="40000"/>
+        <a:alpha val="90000"/>
+      </a:schemeClr>
+    </dgm:linClrLst>
+    <dgm:effectClrLst/>
+    <dgm:txLinClrLst/>
+    <dgm:txFillClrLst meth="repeat">
+      <a:schemeClr val="dk1"/>
+    </dgm:txFillClrLst>
+    <dgm:txEffectClrLst/>
+  </dgm:styleLbl>
+  <dgm:styleLbl name="alignAccFollowNode1">
+    <dgm:fillClrLst meth="repeat">
+      <a:schemeClr val="accent2">
+        <a:tint val="40000"/>
+        <a:alpha val="90000"/>
+      </a:schemeClr>
+      <a:schemeClr val="accent3">
+        <a:tint val="40000"/>
+        <a:alpha val="90000"/>
+      </a:schemeClr>
+      <a:schemeClr val="accent4">
+        <a:tint val="40000"/>
+        <a:alpha val="90000"/>
+      </a:schemeClr>
+      <a:schemeClr val="accent5">
+        <a:tint val="40000"/>
+        <a:alpha val="90000"/>
+      </a:schemeClr>
+      <a:schemeClr val="accent6">
+        <a:tint val="40000"/>
+        <a:alpha val="90000"/>
+      </a:schemeClr>
+    </dgm:fillClrLst>
+    <dgm:linClrLst meth="repeat">
+      <a:schemeClr val="accent2">
+        <a:tint val="40000"/>
+        <a:alpha val="90000"/>
+      </a:schemeClr>
+      <a:schemeClr val="accent3">
+        <a:tint val="40000"/>
+        <a:alpha val="90000"/>
+      </a:schemeClr>
+      <a:schemeClr val="accent4">
+        <a:tint val="40000"/>
+        <a:alpha val="90000"/>
+      </a:schemeClr>
+      <a:schemeClr val="accent5">
+        <a:tint val="40000"/>
+        <a:alpha val="90000"/>
+      </a:schemeClr>
+      <a:schemeClr val="accent6">
+        <a:tint val="40000"/>
+        <a:alpha val="90000"/>
+      </a:schemeClr>
+    </dgm:linClrLst>
+    <dgm:effectClrLst/>
+    <dgm:txLinClrLst/>
+    <dgm:txFillClrLst meth="repeat">
+      <a:schemeClr val="dk1"/>
+    </dgm:txFillClrLst>
+    <dgm:txEffectClrLst/>
+  </dgm:styleLbl>
+  <dgm:styleLbl name="bgAccFollowNode1">
+    <dgm:fillClrLst meth="repeat">
+      <a:schemeClr val="accent2">
+        <a:tint val="40000"/>
+        <a:alpha val="90000"/>
+      </a:schemeClr>
+      <a:schemeClr val="accent3">
+        <a:tint val="40000"/>
+        <a:alpha val="90000"/>
+      </a:schemeClr>
+      <a:schemeClr val="accent4">
+        <a:tint val="40000"/>
+        <a:alpha val="90000"/>
+      </a:schemeClr>
+      <a:schemeClr val="accent5">
+        <a:tint val="40000"/>
+        <a:alpha val="90000"/>
+      </a:schemeClr>
+      <a:schemeClr val="accent6">
+        <a:tint val="40000"/>
+        <a:alpha val="90000"/>
+      </a:schemeClr>
+    </dgm:fillClrLst>
+    <dgm:linClrLst meth="repeat">
+      <a:schemeClr val="accent2">
+        <a:tint val="40000"/>
+        <a:alpha val="90000"/>
+      </a:schemeClr>
+      <a:schemeClr val="accent3">
+        <a:tint val="40000"/>
+        <a:alpha val="90000"/>
+      </a:schemeClr>
+      <a:schemeClr val="accent4">
+        <a:tint val="40000"/>
+        <a:alpha val="90000"/>
+      </a:schemeClr>
+      <a:schemeClr val="accent5">
+        <a:tint val="40000"/>
+        <a:alpha val="90000"/>
+      </a:schemeClr>
+      <a:schemeClr val="accent6">
+        <a:tint val="40000"/>
+        <a:alpha val="90000"/>
+      </a:schemeClr>
+    </dgm:linClrLst>
+    <dgm:effectClrLst/>
+    <dgm:txLinClrLst/>
+    <dgm:txFillClrLst meth="repeat">
+      <a:schemeClr val="dk1"/>
+    </dgm:txFillClrLst>
+    <dgm:txEffectClrLst/>
+  </dgm:styleLbl>
+  <dgm:styleLbl name="fgAcc0">
+    <dgm:fillClrLst meth="repeat">
+      <a:schemeClr val="lt1">
+        <a:alpha val="90000"/>
+      </a:schemeClr>
+    </dgm:fillClrLst>
+    <dgm:linClrLst>
+      <a:schemeClr val="accent1"/>
+    </dgm:linClrLst>
+    <dgm:effectClrLst/>
+    <dgm:txLinClrLst/>
+    <dgm:txFillClrLst meth="repeat">
+      <a:schemeClr val="dk1"/>
+    </dgm:txFillClrLst>
+    <dgm:txEffectClrLst/>
+  </dgm:styleLbl>
+  <dgm:styleLbl name="fgAcc2">
+    <dgm:fillClrLst meth="repeat">
+      <a:schemeClr val="lt1">
+        <a:alpha val="90000"/>
+      </a:schemeClr>
+    </dgm:fillClrLst>
+    <dgm:linClrLst>
+      <a:schemeClr val="accent2"/>
+    </dgm:linClrLst>
+    <dgm:effectClrLst/>
+    <dgm:txLinClrLst/>
+    <dgm:txFillClrLst meth="repeat">
+      <a:schemeClr val="dk1"/>
+    </dgm:txFillClrLst>
+    <dgm:txEffectClrLst/>
+  </dgm:styleLbl>
+  <dgm:styleLbl name="fgAcc3">
+    <dgm:fillClrLst meth="repeat">
+      <a:schemeClr val="lt1">
+        <a:alpha val="90000"/>
+      </a:schemeClr>
+    </dgm:fillClrLst>
+    <dgm:linClrLst>
+      <a:schemeClr val="accent3"/>
+    </dgm:linClrLst>
+    <dgm:effectClrLst/>
+    <dgm:txLinClrLst/>
+    <dgm:txFillClrLst meth="repeat">
+      <a:schemeClr val="dk1"/>
+    </dgm:txFillClrLst>
+    <dgm:txEffectClrLst/>
+  </dgm:styleLbl>
+  <dgm:styleLbl name="fgAcc4">
+    <dgm:fillClrLst meth="repeat">
+      <a:schemeClr val="lt1">
+        <a:alpha val="90000"/>
+      </a:schemeClr>
+    </dgm:fillClrLst>
+    <dgm:linClrLst>
+      <a:schemeClr val="accent4"/>
+    </dgm:linClrLst>
+    <dgm:effectClrLst/>
+    <dgm:txLinClrLst/>
+    <dgm:txFillClrLst meth="repeat">
+      <a:schemeClr val="dk1"/>
+    </dgm:txFillClrLst>
+    <dgm:txEffectClrLst/>
+  </dgm:styleLbl>
+  <dgm:styleLbl name="bgShp">
+    <dgm:fillClrLst meth="repeat">
+      <a:schemeClr val="accent2"/>
+      <a:schemeClr val="accent3"/>
+      <a:schemeClr val="accent4"/>
+      <a:schemeClr val="accent5"/>
+      <a:schemeClr val="accent6"/>
+    </dgm:fillClrLst>
+    <dgm:linClrLst meth="repeat">
+      <a:schemeClr val="lt1">
+        <a:alpha val="0"/>
+      </a:schemeClr>
+    </dgm:linClrLst>
+    <dgm:effectClrLst/>
+    <dgm:txLinClrLst/>
+    <dgm:txFillClrLst/>
+    <dgm:txEffectClrLst/>
+  </dgm:styleLbl>
+  <dgm:styleLbl name="dkBgShp">
+    <dgm:fillClrLst meth="repeat">
+      <a:schemeClr val="accent2">
+        <a:shade val="90000"/>
+      </a:schemeClr>
+    </dgm:fillClrLst>
+    <dgm:linClrLst meth="repeat">
+      <a:schemeClr val="dk1"/>
+    </dgm:linClrLst>
+    <dgm:effectClrLst/>
+    <dgm:txLinClrLst/>
+    <dgm:txFillClrLst meth="repeat">
+      <a:schemeClr val="lt1"/>
+    </dgm:txFillClrLst>
+    <dgm:txEffectClrLst/>
+  </dgm:styleLbl>
+  <dgm:styleLbl name="trBgShp">
+    <dgm:fillClrLst meth="repeat">
+      <a:schemeClr val="accent1">
+        <a:tint val="50000"/>
+        <a:alpha val="40000"/>
+      </a:schemeClr>
+    </dgm:fillClrLst>
+    <dgm:linClrLst meth="repeat">
+      <a:schemeClr val="accent2"/>
+    </dgm:linClrLst>
+    <dgm:effectClrLst/>
+    <dgm:txLinClrLst/>
+    <dgm:txFillClrLst meth="repeat">
+      <a:schemeClr val="lt1"/>
+    </dgm:txFillClrLst>
+    <dgm:txEffectClrLst/>
+  </dgm:styleLbl>
+  <dgm:styleLbl name="fgShp">
+    <dgm:fillClrLst meth="repeat">
+      <a:schemeClr val="accent2">
+        <a:tint val="40000"/>
+      </a:schemeClr>
+    </dgm:fillClrLst>
+    <dgm:linClrLst meth="repeat">
+      <a:schemeClr val="lt1"/>
+    </dgm:linClrLst>
+    <dgm:effectClrLst/>
+    <dgm:txLinClrLst/>
+    <dgm:txFillClrLst meth="repeat">
+      <a:schemeClr val="dk1"/>
+    </dgm:txFillClrLst>
+    <dgm:txEffectClrLst/>
+  </dgm:styleLbl>
+  <dgm:styleLbl name="revTx">
+    <dgm:fillClrLst meth="repeat">
+      <a:schemeClr val="lt1">
+        <a:alpha val="0"/>
+      </a:schemeClr>
+    </dgm:fillClrLst>
+    <dgm:linClrLst meth="repeat">
+      <a:schemeClr val="dk1">
+        <a:alpha val="0"/>
+      </a:schemeClr>
+    </dgm:linClrLst>
+    <dgm:effectClrLst/>
+    <dgm:txLinClrLst/>
+    <dgm:txFillClrLst meth="repeat">
+      <a:schemeClr val="tx1"/>
+    </dgm:txFillClrLst>
+    <dgm:txEffectClrLst/>
+  </dgm:styleLbl>
+</dgm:colorsDef>
+</file>
+
+<file path=ppt/diagrams/data1.xml><?xml version="1.0" encoding="utf-8"?>
+<dgm:dataModel xmlns:dgm="http://schemas.openxmlformats.org/drawingml/2006/diagram" xmlns:a="http://schemas.openxmlformats.org/drawingml/2006/main">
+  <dgm:ptLst>
+    <dgm:pt modelId="{5A2432A0-850B-4288-B619-2EE7607EA01F}" type="doc">
+      <dgm:prSet loTypeId="urn:microsoft.com/office/officeart/2018/2/layout/IconCircleList" loCatId="icon" qsTypeId="urn:microsoft.com/office/officeart/2005/8/quickstyle/simple1" qsCatId="simple" csTypeId="urn:microsoft.com/office/officeart/2018/5/colors/Iconchunking_neutralicon_colorful1" csCatId="colorful" phldr="1"/>
+      <dgm:spPr/>
+      <dgm:t>
+        <a:bodyPr/>
+        <a:lstStyle/>
+        <a:p>
+          <a:endParaRPr lang="en-US"/>
+        </a:p>
+      </dgm:t>
+    </dgm:pt>
+    <dgm:pt modelId="{41D223F9-EFA8-4127-9D5A-EA2AC19DA376}">
+      <dgm:prSet/>
+      <dgm:spPr/>
+      <dgm:t>
+        <a:bodyPr/>
+        <a:lstStyle/>
+        <a:p>
+          <a:pPr>
+            <a:lnSpc>
+              <a:spcPct val="100000"/>
+            </a:lnSpc>
+          </a:pPr>
+          <a:r>
+            <a:rPr lang="en-CA"/>
+            <a:t>Action/Platformer/Puzzle (3D)</a:t>
+          </a:r>
+          <a:endParaRPr lang="en-US"/>
+        </a:p>
+      </dgm:t>
+    </dgm:pt>
+    <dgm:pt modelId="{C065FA64-9B92-400E-9D63-3F496DF3172A}" type="parTrans" cxnId="{4EDEE2F6-2217-41FC-841C-12D5A0CBAA09}">
+      <dgm:prSet/>
+      <dgm:spPr/>
+      <dgm:t>
+        <a:bodyPr/>
+        <a:lstStyle/>
+        <a:p>
+          <a:endParaRPr lang="en-US"/>
+        </a:p>
+      </dgm:t>
+    </dgm:pt>
+    <dgm:pt modelId="{7B63CB19-075F-4944-B8D2-0A2379125B32}" type="sibTrans" cxnId="{4EDEE2F6-2217-41FC-841C-12D5A0CBAA09}">
+      <dgm:prSet/>
+      <dgm:spPr/>
+      <dgm:t>
+        <a:bodyPr/>
+        <a:lstStyle/>
+        <a:p>
+          <a:pPr>
+            <a:lnSpc>
+              <a:spcPct val="100000"/>
+            </a:lnSpc>
+          </a:pPr>
+          <a:endParaRPr lang="en-US"/>
+        </a:p>
+      </dgm:t>
+    </dgm:pt>
+    <dgm:pt modelId="{08EA6C62-18BB-46E7-BB6C-FFE9301B8918}">
+      <dgm:prSet/>
+      <dgm:spPr/>
+      <dgm:t>
+        <a:bodyPr/>
+        <a:lstStyle/>
+        <a:p>
+          <a:pPr>
+            <a:lnSpc>
+              <a:spcPct val="100000"/>
+            </a:lnSpc>
+          </a:pPr>
+          <a:r>
+            <a:rPr lang="en-CA"/>
+            <a:t>PC</a:t>
+          </a:r>
+          <a:endParaRPr lang="en-US"/>
+        </a:p>
+      </dgm:t>
+    </dgm:pt>
+    <dgm:pt modelId="{94293613-9BC4-463E-BC3E-1D1D67CBB98D}" type="parTrans" cxnId="{20D56743-0C1A-4904-B0F9-5ACB0D18DCEA}">
+      <dgm:prSet/>
+      <dgm:spPr/>
+      <dgm:t>
+        <a:bodyPr/>
+        <a:lstStyle/>
+        <a:p>
+          <a:endParaRPr lang="en-US"/>
+        </a:p>
+      </dgm:t>
+    </dgm:pt>
+    <dgm:pt modelId="{7F75FC4E-A5BE-4136-B805-55E578388E85}" type="sibTrans" cxnId="{20D56743-0C1A-4904-B0F9-5ACB0D18DCEA}">
+      <dgm:prSet/>
+      <dgm:spPr/>
+      <dgm:t>
+        <a:bodyPr/>
+        <a:lstStyle/>
+        <a:p>
+          <a:pPr>
+            <a:lnSpc>
+              <a:spcPct val="100000"/>
+            </a:lnSpc>
+          </a:pPr>
+          <a:endParaRPr lang="en-US"/>
+        </a:p>
+      </dgm:t>
+    </dgm:pt>
+    <dgm:pt modelId="{90D5A3F3-DCAE-409E-8D59-B07A2F32F458}">
+      <dgm:prSet/>
+      <dgm:spPr/>
+      <dgm:t>
+        <a:bodyPr/>
+        <a:lstStyle/>
+        <a:p>
+          <a:pPr>
+            <a:lnSpc>
+              <a:spcPct val="100000"/>
+            </a:lnSpc>
+          </a:pPr>
+          <a:r>
+            <a:rPr lang="en-CA"/>
+            <a:t>Everyone ages 12 and up</a:t>
+          </a:r>
+          <a:endParaRPr lang="en-US"/>
+        </a:p>
+      </dgm:t>
+    </dgm:pt>
+    <dgm:pt modelId="{82C3D5B8-954F-488C-8AA2-664A53776AF8}" type="parTrans" cxnId="{200111BC-DB9F-445C-BC46-AF87AD6DC9AE}">
+      <dgm:prSet/>
+      <dgm:spPr/>
+      <dgm:t>
+        <a:bodyPr/>
+        <a:lstStyle/>
+        <a:p>
+          <a:endParaRPr lang="en-US"/>
+        </a:p>
+      </dgm:t>
+    </dgm:pt>
+    <dgm:pt modelId="{469CA68D-6F25-4B65-9D82-704134B55EC8}" type="sibTrans" cxnId="{200111BC-DB9F-445C-BC46-AF87AD6DC9AE}">
+      <dgm:prSet/>
+      <dgm:spPr/>
+      <dgm:t>
+        <a:bodyPr/>
+        <a:lstStyle/>
+        <a:p>
+          <a:pPr>
+            <a:lnSpc>
+              <a:spcPct val="100000"/>
+            </a:lnSpc>
+          </a:pPr>
+          <a:endParaRPr lang="en-US"/>
+        </a:p>
+      </dgm:t>
+    </dgm:pt>
+    <dgm:pt modelId="{D1B6F250-5AEC-4202-9DA5-32105CBA5A34}">
+      <dgm:prSet/>
+      <dgm:spPr/>
+      <dgm:t>
+        <a:bodyPr/>
+        <a:lstStyle/>
+        <a:p>
+          <a:pPr>
+            <a:lnSpc>
+              <a:spcPct val="100000"/>
+            </a:lnSpc>
+          </a:pPr>
+          <a:r>
+            <a:rPr lang="en-CA"/>
+            <a:t>Trine (2009) meets Captain Claw (1997)</a:t>
+          </a:r>
+          <a:endParaRPr lang="en-US"/>
+        </a:p>
+      </dgm:t>
+    </dgm:pt>
+    <dgm:pt modelId="{F68A029F-CB6B-435E-AA9F-9EAADC38995E}" type="parTrans" cxnId="{9960BAD6-E4D2-4EEA-B6BC-067BAE5EE85F}">
+      <dgm:prSet/>
+      <dgm:spPr/>
+      <dgm:t>
+        <a:bodyPr/>
+        <a:lstStyle/>
+        <a:p>
+          <a:endParaRPr lang="en-US"/>
+        </a:p>
+      </dgm:t>
+    </dgm:pt>
+    <dgm:pt modelId="{1AA656C3-8EF2-410D-B038-70A7A761CCD0}" type="sibTrans" cxnId="{9960BAD6-E4D2-4EEA-B6BC-067BAE5EE85F}">
+      <dgm:prSet/>
+      <dgm:spPr/>
+      <dgm:t>
+        <a:bodyPr/>
+        <a:lstStyle/>
+        <a:p>
+          <a:pPr>
+            <a:lnSpc>
+              <a:spcPct val="100000"/>
+            </a:lnSpc>
+          </a:pPr>
+          <a:endParaRPr lang="en-US"/>
+        </a:p>
+      </dgm:t>
+    </dgm:pt>
+    <dgm:pt modelId="{69508ECE-0C09-4020-A932-87AE0048E026}">
+      <dgm:prSet/>
+      <dgm:spPr/>
+      <dgm:t>
+        <a:bodyPr/>
+        <a:lstStyle/>
+        <a:p>
+          <a:pPr>
+            <a:lnSpc>
+              <a:spcPct val="100000"/>
+            </a:lnSpc>
+          </a:pPr>
+          <a:r>
+            <a:rPr lang="en-US"/>
+            <a:t>Medieval/Fantasy/Apocalyptic setting</a:t>
+          </a:r>
+        </a:p>
+      </dgm:t>
+    </dgm:pt>
+    <dgm:pt modelId="{BD86BE25-C8E1-448A-8B9E-2BD577458114}" type="parTrans" cxnId="{8233A019-196A-4BF8-9D8A-3A12DFC89D1C}">
+      <dgm:prSet/>
+      <dgm:spPr/>
+      <dgm:t>
+        <a:bodyPr/>
+        <a:lstStyle/>
+        <a:p>
+          <a:endParaRPr lang="en-US"/>
+        </a:p>
+      </dgm:t>
+    </dgm:pt>
+    <dgm:pt modelId="{88694ECB-151B-4799-B183-71CEDFF28B7D}" type="sibTrans" cxnId="{8233A019-196A-4BF8-9D8A-3A12DFC89D1C}">
+      <dgm:prSet/>
+      <dgm:spPr/>
+      <dgm:t>
+        <a:bodyPr/>
+        <a:lstStyle/>
+        <a:p>
+          <a:pPr>
+            <a:lnSpc>
+              <a:spcPct val="100000"/>
+            </a:lnSpc>
+          </a:pPr>
+          <a:endParaRPr lang="en-US"/>
+        </a:p>
+      </dgm:t>
+    </dgm:pt>
+    <dgm:pt modelId="{A5282795-6956-476F-82E8-0A2923B13642}">
+      <dgm:prSet/>
+      <dgm:spPr/>
+      <dgm:t>
+        <a:bodyPr/>
+        <a:lstStyle/>
+        <a:p>
+          <a:pPr>
+            <a:lnSpc>
+              <a:spcPct val="100000"/>
+            </a:lnSpc>
+          </a:pPr>
+          <a:r>
+            <a:rPr lang="en-US"/>
+            <a:t>Mistborn Trilogy – Brandon Sanderson</a:t>
+          </a:r>
+        </a:p>
+      </dgm:t>
+    </dgm:pt>
+    <dgm:pt modelId="{3B1C47D0-82FB-4078-8472-358FAB2F13A0}" type="parTrans" cxnId="{E58D4D79-A8AE-4ACE-BD4B-8047E2ADB2C0}">
+      <dgm:prSet/>
+      <dgm:spPr/>
+      <dgm:t>
+        <a:bodyPr/>
+        <a:lstStyle/>
+        <a:p>
+          <a:endParaRPr lang="en-US"/>
+        </a:p>
+      </dgm:t>
+    </dgm:pt>
+    <dgm:pt modelId="{B6A24AB4-79FB-4AB5-BF56-A1DA81532010}" type="sibTrans" cxnId="{E58D4D79-A8AE-4ACE-BD4B-8047E2ADB2C0}">
+      <dgm:prSet/>
+      <dgm:spPr/>
+      <dgm:t>
+        <a:bodyPr/>
+        <a:lstStyle/>
+        <a:p>
+          <a:endParaRPr lang="en-US"/>
+        </a:p>
+      </dgm:t>
+    </dgm:pt>
+    <dgm:pt modelId="{09312036-8EAC-4D93-85A8-5B712FC338E2}" type="pres">
+      <dgm:prSet presAssocID="{5A2432A0-850B-4288-B619-2EE7607EA01F}" presName="root" presStyleCnt="0">
+        <dgm:presLayoutVars>
+          <dgm:dir/>
+          <dgm:resizeHandles val="exact"/>
+        </dgm:presLayoutVars>
+      </dgm:prSet>
+      <dgm:spPr/>
+    </dgm:pt>
+    <dgm:pt modelId="{85D47917-C023-4B65-B299-214035429507}" type="pres">
+      <dgm:prSet presAssocID="{5A2432A0-850B-4288-B619-2EE7607EA01F}" presName="container" presStyleCnt="0">
+        <dgm:presLayoutVars>
+          <dgm:dir/>
+          <dgm:resizeHandles val="exact"/>
+        </dgm:presLayoutVars>
+      </dgm:prSet>
+      <dgm:spPr/>
+    </dgm:pt>
+    <dgm:pt modelId="{99151FA3-9795-43EA-A1F4-AF0FD2EE46EE}" type="pres">
+      <dgm:prSet presAssocID="{41D223F9-EFA8-4127-9D5A-EA2AC19DA376}" presName="compNode" presStyleCnt="0"/>
+      <dgm:spPr/>
+    </dgm:pt>
+    <dgm:pt modelId="{68A9EE50-1858-4BBB-B585-13401BF52B30}" type="pres">
+      <dgm:prSet presAssocID="{41D223F9-EFA8-4127-9D5A-EA2AC19DA376}" presName="iconBgRect" presStyleLbl="bgShp" presStyleIdx="0" presStyleCnt="6"/>
+      <dgm:spPr/>
+    </dgm:pt>
+    <dgm:pt modelId="{70EE0402-A232-48B1-8059-C353A71B37EB}" type="pres">
+      <dgm:prSet presAssocID="{41D223F9-EFA8-4127-9D5A-EA2AC19DA376}" presName="iconRect" presStyleLbl="node1" presStyleIdx="0" presStyleCnt="6"/>
+      <dgm:spPr>
+        <a:blipFill>
+          <a:blip xmlns:r="http://schemas.openxmlformats.org/officeDocument/2006/relationships" r:embed="rId1">
+            <a:extLst>
+              <a:ext uri="{28A0092B-C50C-407E-A947-70E740481C1C}">
+                <a14:useLocalDpi xmlns:a14="http://schemas.microsoft.com/office/drawing/2010/main" val="0"/>
+              </a:ext>
+              <a:ext uri="{96DAC541-7B7A-43D3-8B79-37D633B846F1}">
+                <asvg:svgBlip xmlns:asvg="http://schemas.microsoft.com/office/drawing/2016/SVG/main" r:embed="rId2"/>
+              </a:ext>
+            </a:extLst>
+          </a:blip>
+          <a:stretch>
+            <a:fillRect/>
+          </a:stretch>
+        </a:blipFill>
+        <a:ln>
+          <a:noFill/>
+        </a:ln>
+      </dgm:spPr>
+      <dgm:extLst>
+        <a:ext uri="{E40237B7-FDA0-4F09-8148-C483321AD2D9}">
+          <dgm14:cNvPr xmlns:dgm14="http://schemas.microsoft.com/office/drawing/2010/diagram" id="0" name="" descr="Skeleton"/>
+        </a:ext>
+      </dgm:extLst>
+    </dgm:pt>
+    <dgm:pt modelId="{C1F8629A-22A5-439E-BD1B-626950C17336}" type="pres">
+      <dgm:prSet presAssocID="{41D223F9-EFA8-4127-9D5A-EA2AC19DA376}" presName="spaceRect" presStyleCnt="0"/>
+      <dgm:spPr/>
+    </dgm:pt>
+    <dgm:pt modelId="{0A15050F-5193-46D9-9BA5-0FF9BDD7D50F}" type="pres">
+      <dgm:prSet presAssocID="{41D223F9-EFA8-4127-9D5A-EA2AC19DA376}" presName="textRect" presStyleLbl="revTx" presStyleIdx="0" presStyleCnt="6">
+        <dgm:presLayoutVars>
+          <dgm:chMax val="1"/>
+          <dgm:chPref val="1"/>
+        </dgm:presLayoutVars>
+      </dgm:prSet>
+      <dgm:spPr/>
+    </dgm:pt>
+    <dgm:pt modelId="{9C8731B3-20C2-4392-8EC1-BE7F93692FBB}" type="pres">
+      <dgm:prSet presAssocID="{7B63CB19-075F-4944-B8D2-0A2379125B32}" presName="sibTrans" presStyleLbl="sibTrans2D1" presStyleIdx="0" presStyleCnt="0"/>
+      <dgm:spPr/>
+    </dgm:pt>
+    <dgm:pt modelId="{4622BF67-FAF6-4879-B148-07BD060B4694}" type="pres">
+      <dgm:prSet presAssocID="{08EA6C62-18BB-46E7-BB6C-FFE9301B8918}" presName="compNode" presStyleCnt="0"/>
+      <dgm:spPr/>
+    </dgm:pt>
+    <dgm:pt modelId="{47D1F495-D101-444C-B1F3-09F2F234DE5B}" type="pres">
+      <dgm:prSet presAssocID="{08EA6C62-18BB-46E7-BB6C-FFE9301B8918}" presName="iconBgRect" presStyleLbl="bgShp" presStyleIdx="1" presStyleCnt="6"/>
+      <dgm:spPr/>
+    </dgm:pt>
+    <dgm:pt modelId="{93D5A963-02D6-41AF-8F46-09D8F2A8917F}" type="pres">
+      <dgm:prSet presAssocID="{08EA6C62-18BB-46E7-BB6C-FFE9301B8918}" presName="iconRect" presStyleLbl="node1" presStyleIdx="1" presStyleCnt="6"/>
+      <dgm:spPr>
+        <a:blipFill>
+          <a:blip xmlns:r="http://schemas.openxmlformats.org/officeDocument/2006/relationships" r:embed="rId3">
+            <a:extLst>
+              <a:ext uri="{28A0092B-C50C-407E-A947-70E740481C1C}">
+                <a14:useLocalDpi xmlns:a14="http://schemas.microsoft.com/office/drawing/2010/main" val="0"/>
+              </a:ext>
+              <a:ext uri="{96DAC541-7B7A-43D3-8B79-37D633B846F1}">
+                <asvg:svgBlip xmlns:asvg="http://schemas.microsoft.com/office/drawing/2016/SVG/main" r:embed="rId4"/>
+              </a:ext>
+            </a:extLst>
+          </a:blip>
+          <a:stretch>
+            <a:fillRect/>
+          </a:stretch>
+        </a:blipFill>
+        <a:ln>
+          <a:noFill/>
+        </a:ln>
+      </dgm:spPr>
+      <dgm:extLst>
+        <a:ext uri="{E40237B7-FDA0-4F09-8148-C483321AD2D9}">
+          <dgm14:cNvPr xmlns:dgm14="http://schemas.microsoft.com/office/drawing/2010/diagram" id="0" name="" descr="Computer"/>
+        </a:ext>
+      </dgm:extLst>
+    </dgm:pt>
+    <dgm:pt modelId="{9D7D964E-E6E2-40A8-A291-ADB2E477B17A}" type="pres">
+      <dgm:prSet presAssocID="{08EA6C62-18BB-46E7-BB6C-FFE9301B8918}" presName="spaceRect" presStyleCnt="0"/>
+      <dgm:spPr/>
+    </dgm:pt>
+    <dgm:pt modelId="{6C3A2695-DD8A-4330-8197-A5207A538E1C}" type="pres">
+      <dgm:prSet presAssocID="{08EA6C62-18BB-46E7-BB6C-FFE9301B8918}" presName="textRect" presStyleLbl="revTx" presStyleIdx="1" presStyleCnt="6">
+        <dgm:presLayoutVars>
+          <dgm:chMax val="1"/>
+          <dgm:chPref val="1"/>
+        </dgm:presLayoutVars>
+      </dgm:prSet>
+      <dgm:spPr/>
+    </dgm:pt>
+    <dgm:pt modelId="{FEB7674B-5E4F-4770-BB0F-5AC1E3D09B50}" type="pres">
+      <dgm:prSet presAssocID="{7F75FC4E-A5BE-4136-B805-55E578388E85}" presName="sibTrans" presStyleLbl="sibTrans2D1" presStyleIdx="0" presStyleCnt="0"/>
+      <dgm:spPr/>
+    </dgm:pt>
+    <dgm:pt modelId="{8D367023-7521-4673-B5E0-2AB8E13DC122}" type="pres">
+      <dgm:prSet presAssocID="{90D5A3F3-DCAE-409E-8D59-B07A2F32F458}" presName="compNode" presStyleCnt="0"/>
+      <dgm:spPr/>
+    </dgm:pt>
+    <dgm:pt modelId="{E13C30B5-6409-4519-8B6E-27DFF7538A25}" type="pres">
+      <dgm:prSet presAssocID="{90D5A3F3-DCAE-409E-8D59-B07A2F32F458}" presName="iconBgRect" presStyleLbl="bgShp" presStyleIdx="2" presStyleCnt="6"/>
+      <dgm:spPr/>
+    </dgm:pt>
+    <dgm:pt modelId="{12FC861A-FE4C-4BE5-B362-DB2E3FC798A4}" type="pres">
+      <dgm:prSet presAssocID="{90D5A3F3-DCAE-409E-8D59-B07A2F32F458}" presName="iconRect" presStyleLbl="node1" presStyleIdx="2" presStyleCnt="6"/>
+      <dgm:spPr>
+        <a:blipFill>
+          <a:blip xmlns:r="http://schemas.openxmlformats.org/officeDocument/2006/relationships" r:embed="rId5">
+            <a:extLst>
+              <a:ext uri="{28A0092B-C50C-407E-A947-70E740481C1C}">
+                <a14:useLocalDpi xmlns:a14="http://schemas.microsoft.com/office/drawing/2010/main" val="0"/>
+              </a:ext>
+              <a:ext uri="{96DAC541-7B7A-43D3-8B79-37D633B846F1}">
+                <asvg:svgBlip xmlns:asvg="http://schemas.microsoft.com/office/drawing/2016/SVG/main" r:embed="rId6"/>
+              </a:ext>
+            </a:extLst>
+          </a:blip>
+          <a:stretch>
+            <a:fillRect/>
+          </a:stretch>
+        </a:blipFill>
+        <a:ln>
+          <a:noFill/>
+        </a:ln>
+      </dgm:spPr>
+      <dgm:extLst>
+        <a:ext uri="{E40237B7-FDA0-4F09-8148-C483321AD2D9}">
+          <dgm14:cNvPr xmlns:dgm14="http://schemas.microsoft.com/office/drawing/2010/diagram" id="0" name="" descr="Children"/>
+        </a:ext>
+      </dgm:extLst>
+    </dgm:pt>
+    <dgm:pt modelId="{F1EF15C5-4951-4C0D-A8F7-724284F03E85}" type="pres">
+      <dgm:prSet presAssocID="{90D5A3F3-DCAE-409E-8D59-B07A2F32F458}" presName="spaceRect" presStyleCnt="0"/>
+      <dgm:spPr/>
+    </dgm:pt>
+    <dgm:pt modelId="{2ABFDA16-5B66-4527-8185-E905536F3700}" type="pres">
+      <dgm:prSet presAssocID="{90D5A3F3-DCAE-409E-8D59-B07A2F32F458}" presName="textRect" presStyleLbl="revTx" presStyleIdx="2" presStyleCnt="6">
+        <dgm:presLayoutVars>
+          <dgm:chMax val="1"/>
+          <dgm:chPref val="1"/>
+        </dgm:presLayoutVars>
+      </dgm:prSet>
+      <dgm:spPr/>
+    </dgm:pt>
+    <dgm:pt modelId="{1F5A10DF-93E8-40EF-A731-93B1A304C269}" type="pres">
+      <dgm:prSet presAssocID="{469CA68D-6F25-4B65-9D82-704134B55EC8}" presName="sibTrans" presStyleLbl="sibTrans2D1" presStyleIdx="0" presStyleCnt="0"/>
+      <dgm:spPr/>
+    </dgm:pt>
+    <dgm:pt modelId="{28185ADA-4823-411C-904D-52672EF29CE0}" type="pres">
+      <dgm:prSet presAssocID="{D1B6F250-5AEC-4202-9DA5-32105CBA5A34}" presName="compNode" presStyleCnt="0"/>
+      <dgm:spPr/>
+    </dgm:pt>
+    <dgm:pt modelId="{B010B9DD-8787-439E-846F-AA1F52D0BF4E}" type="pres">
+      <dgm:prSet presAssocID="{D1B6F250-5AEC-4202-9DA5-32105CBA5A34}" presName="iconBgRect" presStyleLbl="bgShp" presStyleIdx="3" presStyleCnt="6"/>
+      <dgm:spPr/>
+    </dgm:pt>
+    <dgm:pt modelId="{4C743C0D-9E3C-4E4A-8519-8AE05C4985C0}" type="pres">
+      <dgm:prSet presAssocID="{D1B6F250-5AEC-4202-9DA5-32105CBA5A34}" presName="iconRect" presStyleLbl="node1" presStyleIdx="3" presStyleCnt="6"/>
+      <dgm:spPr>
+        <a:blipFill>
+          <a:blip xmlns:r="http://schemas.openxmlformats.org/officeDocument/2006/relationships" r:embed="rId7">
+            <a:extLst>
+              <a:ext uri="{28A0092B-C50C-407E-A947-70E740481C1C}">
+                <a14:useLocalDpi xmlns:a14="http://schemas.microsoft.com/office/drawing/2010/main" val="0"/>
+              </a:ext>
+              <a:ext uri="{96DAC541-7B7A-43D3-8B79-37D633B846F1}">
+                <asvg:svgBlip xmlns:asvg="http://schemas.microsoft.com/office/drawing/2016/SVG/main" r:embed="rId8"/>
+              </a:ext>
+            </a:extLst>
+          </a:blip>
+          <a:stretch>
+            <a:fillRect/>
+          </a:stretch>
+        </a:blipFill>
+        <a:ln>
+          <a:noFill/>
+        </a:ln>
+      </dgm:spPr>
+      <dgm:extLst>
+        <a:ext uri="{E40237B7-FDA0-4F09-8148-C483321AD2D9}">
+          <dgm14:cNvPr xmlns:dgm14="http://schemas.microsoft.com/office/drawing/2010/diagram" id="0" name="" descr="Captain"/>
+        </a:ext>
+      </dgm:extLst>
+    </dgm:pt>
+    <dgm:pt modelId="{E284D599-DF8F-4AAE-9B13-EF3EE1C468DD}" type="pres">
+      <dgm:prSet presAssocID="{D1B6F250-5AEC-4202-9DA5-32105CBA5A34}" presName="spaceRect" presStyleCnt="0"/>
+      <dgm:spPr/>
+    </dgm:pt>
+    <dgm:pt modelId="{C53C97B7-F6B5-48BC-B0F2-5190C20E08FE}" type="pres">
+      <dgm:prSet presAssocID="{D1B6F250-5AEC-4202-9DA5-32105CBA5A34}" presName="textRect" presStyleLbl="revTx" presStyleIdx="3" presStyleCnt="6">
+        <dgm:presLayoutVars>
+          <dgm:chMax val="1"/>
+          <dgm:chPref val="1"/>
+        </dgm:presLayoutVars>
+      </dgm:prSet>
+      <dgm:spPr/>
+    </dgm:pt>
+    <dgm:pt modelId="{8CDF1BBA-D16F-453A-8580-D111BD395F71}" type="pres">
+      <dgm:prSet presAssocID="{1AA656C3-8EF2-410D-B038-70A7A761CCD0}" presName="sibTrans" presStyleLbl="sibTrans2D1" presStyleIdx="0" presStyleCnt="0"/>
+      <dgm:spPr/>
+    </dgm:pt>
+    <dgm:pt modelId="{FC53E9FC-32E7-46E9-A7D1-80BFD902BB4A}" type="pres">
+      <dgm:prSet presAssocID="{69508ECE-0C09-4020-A932-87AE0048E026}" presName="compNode" presStyleCnt="0"/>
+      <dgm:spPr/>
+    </dgm:pt>
+    <dgm:pt modelId="{A9C49CCC-1AE3-4D28-BDE8-4AB6E8C8AFCA}" type="pres">
+      <dgm:prSet presAssocID="{69508ECE-0C09-4020-A932-87AE0048E026}" presName="iconBgRect" presStyleLbl="bgShp" presStyleIdx="4" presStyleCnt="6"/>
+      <dgm:spPr/>
+    </dgm:pt>
+    <dgm:pt modelId="{E890C756-AAA1-45D8-AEB0-DD8390A33725}" type="pres">
+      <dgm:prSet presAssocID="{69508ECE-0C09-4020-A932-87AE0048E026}" presName="iconRect" presStyleLbl="node1" presStyleIdx="4" presStyleCnt="6"/>
+      <dgm:spPr>
+        <a:blipFill>
+          <a:blip xmlns:r="http://schemas.openxmlformats.org/officeDocument/2006/relationships" r:embed="rId9">
+            <a:extLst>
+              <a:ext uri="{28A0092B-C50C-407E-A947-70E740481C1C}">
+                <a14:useLocalDpi xmlns:a14="http://schemas.microsoft.com/office/drawing/2010/main" val="0"/>
+              </a:ext>
+              <a:ext uri="{96DAC541-7B7A-43D3-8B79-37D633B846F1}">
+                <asvg:svgBlip xmlns:asvg="http://schemas.microsoft.com/office/drawing/2016/SVG/main" r:embed="rId10"/>
+              </a:ext>
+            </a:extLst>
+          </a:blip>
+          <a:stretch>
+            <a:fillRect/>
+          </a:stretch>
+        </a:blipFill>
+        <a:ln>
+          <a:noFill/>
+        </a:ln>
+      </dgm:spPr>
+      <dgm:extLst>
+        <a:ext uri="{E40237B7-FDA0-4F09-8148-C483321AD2D9}">
+          <dgm14:cNvPr xmlns:dgm14="http://schemas.microsoft.com/office/drawing/2010/diagram" id="0" name="" descr="Castle scene"/>
+        </a:ext>
+      </dgm:extLst>
+    </dgm:pt>
+    <dgm:pt modelId="{E98B575F-3167-4B93-AB5D-9A59997F56AB}" type="pres">
+      <dgm:prSet presAssocID="{69508ECE-0C09-4020-A932-87AE0048E026}" presName="spaceRect" presStyleCnt="0"/>
+      <dgm:spPr/>
+    </dgm:pt>
+    <dgm:pt modelId="{88C961EF-6853-4CC1-B96C-DC9F729AE9EB}" type="pres">
+      <dgm:prSet presAssocID="{69508ECE-0C09-4020-A932-87AE0048E026}" presName="textRect" presStyleLbl="revTx" presStyleIdx="4" presStyleCnt="6">
+        <dgm:presLayoutVars>
+          <dgm:chMax val="1"/>
+          <dgm:chPref val="1"/>
+        </dgm:presLayoutVars>
+      </dgm:prSet>
+      <dgm:spPr/>
+    </dgm:pt>
+    <dgm:pt modelId="{F6D9321D-7C17-46BF-9600-E5337377B954}" type="pres">
+      <dgm:prSet presAssocID="{88694ECB-151B-4799-B183-71CEDFF28B7D}" presName="sibTrans" presStyleLbl="sibTrans2D1" presStyleIdx="0" presStyleCnt="0"/>
+      <dgm:spPr/>
+    </dgm:pt>
+    <dgm:pt modelId="{580B6B19-6CC7-4A13-9D70-C6EEAAE552FC}" type="pres">
+      <dgm:prSet presAssocID="{A5282795-6956-476F-82E8-0A2923B13642}" presName="compNode" presStyleCnt="0"/>
+      <dgm:spPr/>
+    </dgm:pt>
+    <dgm:pt modelId="{B71FE38D-2A42-4E49-AA04-E89F422DEE1E}" type="pres">
+      <dgm:prSet presAssocID="{A5282795-6956-476F-82E8-0A2923B13642}" presName="iconBgRect" presStyleLbl="bgShp" presStyleIdx="5" presStyleCnt="6"/>
+      <dgm:spPr/>
+    </dgm:pt>
+    <dgm:pt modelId="{E3FCB908-070C-45B2-B3B7-E634E60D87CF}" type="pres">
+      <dgm:prSet presAssocID="{A5282795-6956-476F-82E8-0A2923B13642}" presName="iconRect" presStyleLbl="node1" presStyleIdx="5" presStyleCnt="6"/>
+      <dgm:spPr>
+        <a:blipFill>
+          <a:blip xmlns:r="http://schemas.openxmlformats.org/officeDocument/2006/relationships" r:embed="rId11">
+            <a:extLst>
+              <a:ext uri="{28A0092B-C50C-407E-A947-70E740481C1C}">
+                <a14:useLocalDpi xmlns:a14="http://schemas.microsoft.com/office/drawing/2010/main" val="0"/>
+              </a:ext>
+              <a:ext uri="{96DAC541-7B7A-43D3-8B79-37D633B846F1}">
+                <asvg:svgBlip xmlns:asvg="http://schemas.microsoft.com/office/drawing/2016/SVG/main" r:embed="rId12"/>
+              </a:ext>
+            </a:extLst>
+          </a:blip>
+          <a:stretch>
+            <a:fillRect/>
+          </a:stretch>
+        </a:blipFill>
+        <a:ln>
+          <a:noFill/>
+        </a:ln>
+      </dgm:spPr>
+      <dgm:extLst>
+        <a:ext uri="{E40237B7-FDA0-4F09-8148-C483321AD2D9}">
+          <dgm14:cNvPr xmlns:dgm14="http://schemas.microsoft.com/office/drawing/2010/diagram" id="0" name="" descr="Wind Chime"/>
+        </a:ext>
+      </dgm:extLst>
+    </dgm:pt>
+    <dgm:pt modelId="{3AA78725-A7C5-481D-B8B3-758FC1E53C3F}" type="pres">
+      <dgm:prSet presAssocID="{A5282795-6956-476F-82E8-0A2923B13642}" presName="spaceRect" presStyleCnt="0"/>
+      <dgm:spPr/>
+    </dgm:pt>
+    <dgm:pt modelId="{A802AC26-8A2C-4536-8331-116765DEED96}" type="pres">
+      <dgm:prSet presAssocID="{A5282795-6956-476F-82E8-0A2923B13642}" presName="textRect" presStyleLbl="revTx" presStyleIdx="5" presStyleCnt="6">
+        <dgm:presLayoutVars>
+          <dgm:chMax val="1"/>
+          <dgm:chPref val="1"/>
+        </dgm:presLayoutVars>
+      </dgm:prSet>
+      <dgm:spPr/>
+    </dgm:pt>
+  </dgm:ptLst>
+  <dgm:cxnLst>
+    <dgm:cxn modelId="{046D7906-D912-4B46-B9AB-56CC103DB44E}" type="presOf" srcId="{D1B6F250-5AEC-4202-9DA5-32105CBA5A34}" destId="{C53C97B7-F6B5-48BC-B0F2-5190C20E08FE}" srcOrd="0" destOrd="0" presId="urn:microsoft.com/office/officeart/2018/2/layout/IconCircleList"/>
+    <dgm:cxn modelId="{8233A019-196A-4BF8-9D8A-3A12DFC89D1C}" srcId="{5A2432A0-850B-4288-B619-2EE7607EA01F}" destId="{69508ECE-0C09-4020-A932-87AE0048E026}" srcOrd="4" destOrd="0" parTransId="{BD86BE25-C8E1-448A-8B9E-2BD577458114}" sibTransId="{88694ECB-151B-4799-B183-71CEDFF28B7D}"/>
+    <dgm:cxn modelId="{87D7B320-C9A4-47FD-95D4-75788223011E}" type="presOf" srcId="{7B63CB19-075F-4944-B8D2-0A2379125B32}" destId="{9C8731B3-20C2-4392-8EC1-BE7F93692FBB}" srcOrd="0" destOrd="0" presId="urn:microsoft.com/office/officeart/2018/2/layout/IconCircleList"/>
+    <dgm:cxn modelId="{6C2F7A32-BDDE-4518-BF9D-2D145C27A5AA}" type="presOf" srcId="{88694ECB-151B-4799-B183-71CEDFF28B7D}" destId="{F6D9321D-7C17-46BF-9600-E5337377B954}" srcOrd="0" destOrd="0" presId="urn:microsoft.com/office/officeart/2018/2/layout/IconCircleList"/>
+    <dgm:cxn modelId="{CE991342-2534-4A61-8920-67D0864344E4}" type="presOf" srcId="{5A2432A0-850B-4288-B619-2EE7607EA01F}" destId="{09312036-8EAC-4D93-85A8-5B712FC338E2}" srcOrd="0" destOrd="0" presId="urn:microsoft.com/office/officeart/2018/2/layout/IconCircleList"/>
+    <dgm:cxn modelId="{20D56743-0C1A-4904-B0F9-5ACB0D18DCEA}" srcId="{5A2432A0-850B-4288-B619-2EE7607EA01F}" destId="{08EA6C62-18BB-46E7-BB6C-FFE9301B8918}" srcOrd="1" destOrd="0" parTransId="{94293613-9BC4-463E-BC3E-1D1D67CBB98D}" sibTransId="{7F75FC4E-A5BE-4136-B805-55E578388E85}"/>
+    <dgm:cxn modelId="{E987004F-7D66-49A4-A1B2-E0B7D8B1E6CB}" type="presOf" srcId="{469CA68D-6F25-4B65-9D82-704134B55EC8}" destId="{1F5A10DF-93E8-40EF-A731-93B1A304C269}" srcOrd="0" destOrd="0" presId="urn:microsoft.com/office/officeart/2018/2/layout/IconCircleList"/>
+    <dgm:cxn modelId="{E58D4D79-A8AE-4ACE-BD4B-8047E2ADB2C0}" srcId="{5A2432A0-850B-4288-B619-2EE7607EA01F}" destId="{A5282795-6956-476F-82E8-0A2923B13642}" srcOrd="5" destOrd="0" parTransId="{3B1C47D0-82FB-4078-8472-358FAB2F13A0}" sibTransId="{B6A24AB4-79FB-4AB5-BF56-A1DA81532010}"/>
+    <dgm:cxn modelId="{51735F81-1205-43D4-A003-A0AEEACA17CB}" type="presOf" srcId="{41D223F9-EFA8-4127-9D5A-EA2AC19DA376}" destId="{0A15050F-5193-46D9-9BA5-0FF9BDD7D50F}" srcOrd="0" destOrd="0" presId="urn:microsoft.com/office/officeart/2018/2/layout/IconCircleList"/>
+    <dgm:cxn modelId="{CB6B4194-4008-4561-B8F8-55FC5434756C}" type="presOf" srcId="{69508ECE-0C09-4020-A932-87AE0048E026}" destId="{88C961EF-6853-4CC1-B96C-DC9F729AE9EB}" srcOrd="0" destOrd="0" presId="urn:microsoft.com/office/officeart/2018/2/layout/IconCircleList"/>
+    <dgm:cxn modelId="{3D325298-8B92-41C5-94BC-937577258BF0}" type="presOf" srcId="{7F75FC4E-A5BE-4136-B805-55E578388E85}" destId="{FEB7674B-5E4F-4770-BB0F-5AC1E3D09B50}" srcOrd="0" destOrd="0" presId="urn:microsoft.com/office/officeart/2018/2/layout/IconCircleList"/>
+    <dgm:cxn modelId="{200111BC-DB9F-445C-BC46-AF87AD6DC9AE}" srcId="{5A2432A0-850B-4288-B619-2EE7607EA01F}" destId="{90D5A3F3-DCAE-409E-8D59-B07A2F32F458}" srcOrd="2" destOrd="0" parTransId="{82C3D5B8-954F-488C-8AA2-664A53776AF8}" sibTransId="{469CA68D-6F25-4B65-9D82-704134B55EC8}"/>
+    <dgm:cxn modelId="{B23367CA-2096-459C-9913-4CAB0C9F886D}" type="presOf" srcId="{A5282795-6956-476F-82E8-0A2923B13642}" destId="{A802AC26-8A2C-4536-8331-116765DEED96}" srcOrd="0" destOrd="0" presId="urn:microsoft.com/office/officeart/2018/2/layout/IconCircleList"/>
+    <dgm:cxn modelId="{9960BAD6-E4D2-4EEA-B6BC-067BAE5EE85F}" srcId="{5A2432A0-850B-4288-B619-2EE7607EA01F}" destId="{D1B6F250-5AEC-4202-9DA5-32105CBA5A34}" srcOrd="3" destOrd="0" parTransId="{F68A029F-CB6B-435E-AA9F-9EAADC38995E}" sibTransId="{1AA656C3-8EF2-410D-B038-70A7A761CCD0}"/>
+    <dgm:cxn modelId="{8E37C5E8-98D3-493C-BC90-CF21748EC3E8}" type="presOf" srcId="{90D5A3F3-DCAE-409E-8D59-B07A2F32F458}" destId="{2ABFDA16-5B66-4527-8185-E905536F3700}" srcOrd="0" destOrd="0" presId="urn:microsoft.com/office/officeart/2018/2/layout/IconCircleList"/>
+    <dgm:cxn modelId="{5C624BEF-AC6F-4744-8CEB-12E3C5F25751}" type="presOf" srcId="{08EA6C62-18BB-46E7-BB6C-FFE9301B8918}" destId="{6C3A2695-DD8A-4330-8197-A5207A538E1C}" srcOrd="0" destOrd="0" presId="urn:microsoft.com/office/officeart/2018/2/layout/IconCircleList"/>
+    <dgm:cxn modelId="{8A5A32F4-51DC-4B75-86C5-40DDA53D4109}" type="presOf" srcId="{1AA656C3-8EF2-410D-B038-70A7A761CCD0}" destId="{8CDF1BBA-D16F-453A-8580-D111BD395F71}" srcOrd="0" destOrd="0" presId="urn:microsoft.com/office/officeart/2018/2/layout/IconCircleList"/>
+    <dgm:cxn modelId="{4EDEE2F6-2217-41FC-841C-12D5A0CBAA09}" srcId="{5A2432A0-850B-4288-B619-2EE7607EA01F}" destId="{41D223F9-EFA8-4127-9D5A-EA2AC19DA376}" srcOrd="0" destOrd="0" parTransId="{C065FA64-9B92-400E-9D63-3F496DF3172A}" sibTransId="{7B63CB19-075F-4944-B8D2-0A2379125B32}"/>
+    <dgm:cxn modelId="{D55AE1F1-B51A-4E49-855D-C95E71EDAF14}" type="presParOf" srcId="{09312036-8EAC-4D93-85A8-5B712FC338E2}" destId="{85D47917-C023-4B65-B299-214035429507}" srcOrd="0" destOrd="0" presId="urn:microsoft.com/office/officeart/2018/2/layout/IconCircleList"/>
+    <dgm:cxn modelId="{162DF3E5-03AC-44D2-A352-791C12BE08D5}" type="presParOf" srcId="{85D47917-C023-4B65-B299-214035429507}" destId="{99151FA3-9795-43EA-A1F4-AF0FD2EE46EE}" srcOrd="0" destOrd="0" presId="urn:microsoft.com/office/officeart/2018/2/layout/IconCircleList"/>
+    <dgm:cxn modelId="{0600655C-F60C-4592-9041-FBB9066FCED4}" type="presParOf" srcId="{99151FA3-9795-43EA-A1F4-AF0FD2EE46EE}" destId="{68A9EE50-1858-4BBB-B585-13401BF52B30}" srcOrd="0" destOrd="0" presId="urn:microsoft.com/office/officeart/2018/2/layout/IconCircleList"/>
+    <dgm:cxn modelId="{8BC117E6-A313-4464-8D2C-1AABC45875CA}" type="presParOf" srcId="{99151FA3-9795-43EA-A1F4-AF0FD2EE46EE}" destId="{70EE0402-A232-48B1-8059-C353A71B37EB}" srcOrd="1" destOrd="0" presId="urn:microsoft.com/office/officeart/2018/2/layout/IconCircleList"/>
+    <dgm:cxn modelId="{D62B6DBF-1B81-4327-8469-5820AD136DC0}" type="presParOf" srcId="{99151FA3-9795-43EA-A1F4-AF0FD2EE46EE}" destId="{C1F8629A-22A5-439E-BD1B-626950C17336}" srcOrd="2" destOrd="0" presId="urn:microsoft.com/office/officeart/2018/2/layout/IconCircleList"/>
+    <dgm:cxn modelId="{890F5159-D7BF-48A6-B280-BFAD2A066FC4}" type="presParOf" srcId="{99151FA3-9795-43EA-A1F4-AF0FD2EE46EE}" destId="{0A15050F-5193-46D9-9BA5-0FF9BDD7D50F}" srcOrd="3" destOrd="0" presId="urn:microsoft.com/office/officeart/2018/2/layout/IconCircleList"/>
+    <dgm:cxn modelId="{CEB5FA2B-8A6B-447C-9993-8474C40E047B}" type="presParOf" srcId="{85D47917-C023-4B65-B299-214035429507}" destId="{9C8731B3-20C2-4392-8EC1-BE7F93692FBB}" srcOrd="1" destOrd="0" presId="urn:microsoft.com/office/officeart/2018/2/layout/IconCircleList"/>
+    <dgm:cxn modelId="{A8A78666-B99B-449A-9BBB-B2C49A940875}" type="presParOf" srcId="{85D47917-C023-4B65-B299-214035429507}" destId="{4622BF67-FAF6-4879-B148-07BD060B4694}" srcOrd="2" destOrd="0" presId="urn:microsoft.com/office/officeart/2018/2/layout/IconCircleList"/>
+    <dgm:cxn modelId="{79276228-FFDF-48BC-BB19-0AB7EFB78D38}" type="presParOf" srcId="{4622BF67-FAF6-4879-B148-07BD060B4694}" destId="{47D1F495-D101-444C-B1F3-09F2F234DE5B}" srcOrd="0" destOrd="0" presId="urn:microsoft.com/office/officeart/2018/2/layout/IconCircleList"/>
+    <dgm:cxn modelId="{0A7873F6-85F1-45A4-8798-A2F6041D0DF2}" type="presParOf" srcId="{4622BF67-FAF6-4879-B148-07BD060B4694}" destId="{93D5A963-02D6-41AF-8F46-09D8F2A8917F}" srcOrd="1" destOrd="0" presId="urn:microsoft.com/office/officeart/2018/2/layout/IconCircleList"/>
+    <dgm:cxn modelId="{098069CD-CA52-4A43-A285-F4108B4F5D9A}" type="presParOf" srcId="{4622BF67-FAF6-4879-B148-07BD060B4694}" destId="{9D7D964E-E6E2-40A8-A291-ADB2E477B17A}" srcOrd="2" destOrd="0" presId="urn:microsoft.com/office/officeart/2018/2/layout/IconCircleList"/>
+    <dgm:cxn modelId="{05E59BF2-BEB5-429D-9A19-32BA7C3F778A}" type="presParOf" srcId="{4622BF67-FAF6-4879-B148-07BD060B4694}" destId="{6C3A2695-DD8A-4330-8197-A5207A538E1C}" srcOrd="3" destOrd="0" presId="urn:microsoft.com/office/officeart/2018/2/layout/IconCircleList"/>
+    <dgm:cxn modelId="{8EC72745-A87C-4D62-A6D2-886205A2ED88}" type="presParOf" srcId="{85D47917-C023-4B65-B299-214035429507}" destId="{FEB7674B-5E4F-4770-BB0F-5AC1E3D09B50}" srcOrd="3" destOrd="0" presId="urn:microsoft.com/office/officeart/2018/2/layout/IconCircleList"/>
+    <dgm:cxn modelId="{75303DD0-54A2-43A7-9FDA-14967447AE4B}" type="presParOf" srcId="{85D47917-C023-4B65-B299-214035429507}" destId="{8D367023-7521-4673-B5E0-2AB8E13DC122}" srcOrd="4" destOrd="0" presId="urn:microsoft.com/office/officeart/2018/2/layout/IconCircleList"/>
+    <dgm:cxn modelId="{038134C6-E6A7-4C0C-811A-7BC4B6990705}" type="presParOf" srcId="{8D367023-7521-4673-B5E0-2AB8E13DC122}" destId="{E13C30B5-6409-4519-8B6E-27DFF7538A25}" srcOrd="0" destOrd="0" presId="urn:microsoft.com/office/officeart/2018/2/layout/IconCircleList"/>
+    <dgm:cxn modelId="{2F6FFA6B-DB4E-4727-8FBC-A689179B569F}" type="presParOf" srcId="{8D367023-7521-4673-B5E0-2AB8E13DC122}" destId="{12FC861A-FE4C-4BE5-B362-DB2E3FC798A4}" srcOrd="1" destOrd="0" presId="urn:microsoft.com/office/officeart/2018/2/layout/IconCircleList"/>
+    <dgm:cxn modelId="{53518161-2254-48CB-B426-1BB0DB067BE7}" type="presParOf" srcId="{8D367023-7521-4673-B5E0-2AB8E13DC122}" destId="{F1EF15C5-4951-4C0D-A8F7-724284F03E85}" srcOrd="2" destOrd="0" presId="urn:microsoft.com/office/officeart/2018/2/layout/IconCircleList"/>
+    <dgm:cxn modelId="{C9A5A3F3-E875-45C2-B871-ABD74F38073C}" type="presParOf" srcId="{8D367023-7521-4673-B5E0-2AB8E13DC122}" destId="{2ABFDA16-5B66-4527-8185-E905536F3700}" srcOrd="3" destOrd="0" presId="urn:microsoft.com/office/officeart/2018/2/layout/IconCircleList"/>
+    <dgm:cxn modelId="{BC3901C3-902B-49C2-8817-2A54BC550A1D}" type="presParOf" srcId="{85D47917-C023-4B65-B299-214035429507}" destId="{1F5A10DF-93E8-40EF-A731-93B1A304C269}" srcOrd="5" destOrd="0" presId="urn:microsoft.com/office/officeart/2018/2/layout/IconCircleList"/>
+    <dgm:cxn modelId="{AED9F977-E546-4D05-85F6-FA8EB21A198B}" type="presParOf" srcId="{85D47917-C023-4B65-B299-214035429507}" destId="{28185ADA-4823-411C-904D-52672EF29CE0}" srcOrd="6" destOrd="0" presId="urn:microsoft.com/office/officeart/2018/2/layout/IconCircleList"/>
+    <dgm:cxn modelId="{470DC305-F1F2-41A0-BB84-5F8BFEE8ACBD}" type="presParOf" srcId="{28185ADA-4823-411C-904D-52672EF29CE0}" destId="{B010B9DD-8787-439E-846F-AA1F52D0BF4E}" srcOrd="0" destOrd="0" presId="urn:microsoft.com/office/officeart/2018/2/layout/IconCircleList"/>
+    <dgm:cxn modelId="{92E947E2-AD4E-47B2-8F69-471804CB8C3D}" type="presParOf" srcId="{28185ADA-4823-411C-904D-52672EF29CE0}" destId="{4C743C0D-9E3C-4E4A-8519-8AE05C4985C0}" srcOrd="1" destOrd="0" presId="urn:microsoft.com/office/officeart/2018/2/layout/IconCircleList"/>
+    <dgm:cxn modelId="{240F27FB-4BA3-414D-B12F-CAC6302211E2}" type="presParOf" srcId="{28185ADA-4823-411C-904D-52672EF29CE0}" destId="{E284D599-DF8F-4AAE-9B13-EF3EE1C468DD}" srcOrd="2" destOrd="0" presId="urn:microsoft.com/office/officeart/2018/2/layout/IconCircleList"/>
+    <dgm:cxn modelId="{EBF7C4B9-BA63-4518-BF6E-A3E30C052CA0}" type="presParOf" srcId="{28185ADA-4823-411C-904D-52672EF29CE0}" destId="{C53C97B7-F6B5-48BC-B0F2-5190C20E08FE}" srcOrd="3" destOrd="0" presId="urn:microsoft.com/office/officeart/2018/2/layout/IconCircleList"/>
+    <dgm:cxn modelId="{1CF2C8DA-E7FD-4116-B53F-E314FCAD5B01}" type="presParOf" srcId="{85D47917-C023-4B65-B299-214035429507}" destId="{8CDF1BBA-D16F-453A-8580-D111BD395F71}" srcOrd="7" destOrd="0" presId="urn:microsoft.com/office/officeart/2018/2/layout/IconCircleList"/>
+    <dgm:cxn modelId="{CAF0D192-B4C2-4767-BAB3-9A69A5782131}" type="presParOf" srcId="{85D47917-C023-4B65-B299-214035429507}" destId="{FC53E9FC-32E7-46E9-A7D1-80BFD902BB4A}" srcOrd="8" destOrd="0" presId="urn:microsoft.com/office/officeart/2018/2/layout/IconCircleList"/>
+    <dgm:cxn modelId="{E4C76CBC-7A7A-4892-8545-E8B376B7E3B6}" type="presParOf" srcId="{FC53E9FC-32E7-46E9-A7D1-80BFD902BB4A}" destId="{A9C49CCC-1AE3-4D28-BDE8-4AB6E8C8AFCA}" srcOrd="0" destOrd="0" presId="urn:microsoft.com/office/officeart/2018/2/layout/IconCircleList"/>
+    <dgm:cxn modelId="{71134881-A801-43AF-AFE1-FD0A0F7810B1}" type="presParOf" srcId="{FC53E9FC-32E7-46E9-A7D1-80BFD902BB4A}" destId="{E890C756-AAA1-45D8-AEB0-DD8390A33725}" srcOrd="1" destOrd="0" presId="urn:microsoft.com/office/officeart/2018/2/layout/IconCircleList"/>
+    <dgm:cxn modelId="{32765F0A-ACE6-4033-8529-CF4E62785DF4}" type="presParOf" srcId="{FC53E9FC-32E7-46E9-A7D1-80BFD902BB4A}" destId="{E98B575F-3167-4B93-AB5D-9A59997F56AB}" srcOrd="2" destOrd="0" presId="urn:microsoft.com/office/officeart/2018/2/layout/IconCircleList"/>
+    <dgm:cxn modelId="{74F76242-BA65-4817-98F7-DAC3B549A118}" type="presParOf" srcId="{FC53E9FC-32E7-46E9-A7D1-80BFD902BB4A}" destId="{88C961EF-6853-4CC1-B96C-DC9F729AE9EB}" srcOrd="3" destOrd="0" presId="urn:microsoft.com/office/officeart/2018/2/layout/IconCircleList"/>
+    <dgm:cxn modelId="{E988F4BB-1931-4126-8E4A-9DB2667921E9}" type="presParOf" srcId="{85D47917-C023-4B65-B299-214035429507}" destId="{F6D9321D-7C17-46BF-9600-E5337377B954}" srcOrd="9" destOrd="0" presId="urn:microsoft.com/office/officeart/2018/2/layout/IconCircleList"/>
+    <dgm:cxn modelId="{D0E64D39-4BE7-4977-A0E3-892DA838DC8B}" type="presParOf" srcId="{85D47917-C023-4B65-B299-214035429507}" destId="{580B6B19-6CC7-4A13-9D70-C6EEAAE552FC}" srcOrd="10" destOrd="0" presId="urn:microsoft.com/office/officeart/2018/2/layout/IconCircleList"/>
+    <dgm:cxn modelId="{5D161A89-0CF5-42F4-B61F-24527A779A24}" type="presParOf" srcId="{580B6B19-6CC7-4A13-9D70-C6EEAAE552FC}" destId="{B71FE38D-2A42-4E49-AA04-E89F422DEE1E}" srcOrd="0" destOrd="0" presId="urn:microsoft.com/office/officeart/2018/2/layout/IconCircleList"/>
+    <dgm:cxn modelId="{81131E03-98B4-4825-971F-BF3D11DEEE6C}" type="presParOf" srcId="{580B6B19-6CC7-4A13-9D70-C6EEAAE552FC}" destId="{E3FCB908-070C-45B2-B3B7-E634E60D87CF}" srcOrd="1" destOrd="0" presId="urn:microsoft.com/office/officeart/2018/2/layout/IconCircleList"/>
+    <dgm:cxn modelId="{8ECC248E-C9F3-4F46-A4C7-3463884B649A}" type="presParOf" srcId="{580B6B19-6CC7-4A13-9D70-C6EEAAE552FC}" destId="{3AA78725-A7C5-481D-B8B3-758FC1E53C3F}" srcOrd="2" destOrd="0" presId="urn:microsoft.com/office/officeart/2018/2/layout/IconCircleList"/>
+    <dgm:cxn modelId="{63F610FD-67B3-42C3-9592-5F6C716A9968}" type="presParOf" srcId="{580B6B19-6CC7-4A13-9D70-C6EEAAE552FC}" destId="{A802AC26-8A2C-4536-8331-116765DEED96}" srcOrd="3" destOrd="0" presId="urn:microsoft.com/office/officeart/2018/2/layout/IconCircleList"/>
+  </dgm:cxnLst>
+  <dgm:bg/>
+  <dgm:whole/>
+  <dgm:extLst>
+    <a:ext uri="http://schemas.microsoft.com/office/drawing/2008/diagram">
+      <dsp:dataModelExt xmlns:dsp="http://schemas.microsoft.com/office/drawing/2008/diagram" relId="rId6" minVer="http://schemas.openxmlformats.org/drawingml/2006/diagram"/>
+    </a:ext>
+  </dgm:extLst>
+</dgm:dataModel>
+</file>
+
+<file path=ppt/diagrams/drawing1.xml><?xml version="1.0" encoding="utf-8"?>
+<dsp:drawing xmlns:dgm="http://schemas.openxmlformats.org/drawingml/2006/diagram" xmlns:dsp="http://schemas.microsoft.com/office/drawing/2008/diagram" xmlns:a="http://schemas.openxmlformats.org/drawingml/2006/main">
+  <dsp:spTree>
+    <dsp:nvGrpSpPr>
+      <dsp:cNvPr id="0" name=""/>
+      <dsp:cNvGrpSpPr/>
+    </dsp:nvGrpSpPr>
+    <dsp:grpSpPr/>
+    <dsp:sp modelId="{68A9EE50-1858-4BBB-B585-13401BF52B30}">
+      <dsp:nvSpPr>
+        <dsp:cNvPr id="0" name=""/>
+        <dsp:cNvSpPr/>
+      </dsp:nvSpPr>
+      <dsp:spPr>
+        <a:xfrm>
+          <a:off x="173481" y="557061"/>
+          <a:ext cx="907914" cy="907914"/>
+        </a:xfrm>
+        <a:prstGeom prst="ellipse">
+          <a:avLst/>
+        </a:prstGeom>
+        <a:solidFill>
+          <a:schemeClr val="accent2">
+            <a:hueOff val="0"/>
+            <a:satOff val="0"/>
+            <a:lumOff val="0"/>
+            <a:alphaOff val="0"/>
+          </a:schemeClr>
+        </a:solidFill>
+        <a:ln>
+          <a:noFill/>
+        </a:ln>
+        <a:effectLst/>
+      </dsp:spPr>
+      <dsp:style>
+        <a:lnRef idx="0">
+          <a:scrgbClr r="0" g="0" b="0"/>
+        </a:lnRef>
+        <a:fillRef idx="1">
+          <a:scrgbClr r="0" g="0" b="0"/>
+        </a:fillRef>
+        <a:effectRef idx="0">
+          <a:scrgbClr r="0" g="0" b="0"/>
+        </a:effectRef>
+        <a:fontRef idx="minor"/>
+      </dsp:style>
+    </dsp:sp>
+    <dsp:sp modelId="{70EE0402-A232-48B1-8059-C353A71B37EB}">
+      <dsp:nvSpPr>
+        <dsp:cNvPr id="0" name=""/>
+        <dsp:cNvSpPr/>
+      </dsp:nvSpPr>
+      <dsp:spPr>
+        <a:xfrm>
+          <a:off x="364143" y="747723"/>
+          <a:ext cx="526590" cy="526590"/>
+        </a:xfrm>
+        <a:prstGeom prst="rect">
+          <a:avLst/>
+        </a:prstGeom>
+        <a:blipFill>
+          <a:blip xmlns:r="http://schemas.openxmlformats.org/officeDocument/2006/relationships" r:embed="rId1">
+            <a:extLst>
+              <a:ext uri="{28A0092B-C50C-407E-A947-70E740481C1C}">
+                <a14:useLocalDpi xmlns:a14="http://schemas.microsoft.com/office/drawing/2010/main" val="0"/>
+              </a:ext>
+              <a:ext uri="{96DAC541-7B7A-43D3-8B79-37D633B846F1}">
+                <asvg:svgBlip xmlns:asvg="http://schemas.microsoft.com/office/drawing/2016/SVG/main" r:embed="rId2"/>
+              </a:ext>
+            </a:extLst>
+          </a:blip>
+          <a:stretch>
+            <a:fillRect/>
+          </a:stretch>
+        </a:blipFill>
+        <a:ln w="12700" cap="flat" cmpd="sng" algn="ctr">
+          <a:noFill/>
+          <a:prstDash val="solid"/>
+        </a:ln>
+        <a:effectLst/>
+      </dsp:spPr>
+      <dsp:style>
+        <a:lnRef idx="2">
+          <a:scrgbClr r="0" g="0" b="0"/>
+        </a:lnRef>
+        <a:fillRef idx="1">
+          <a:scrgbClr r="0" g="0" b="0"/>
+        </a:fillRef>
+        <a:effectRef idx="0">
+          <a:scrgbClr r="0" g="0" b="0"/>
+        </a:effectRef>
+        <a:fontRef idx="minor">
+          <a:schemeClr val="lt1"/>
+        </a:fontRef>
+      </dsp:style>
+    </dsp:sp>
+    <dsp:sp modelId="{0A15050F-5193-46D9-9BA5-0FF9BDD7D50F}">
+      <dsp:nvSpPr>
+        <dsp:cNvPr id="0" name=""/>
+        <dsp:cNvSpPr/>
+      </dsp:nvSpPr>
+      <dsp:spPr>
+        <a:xfrm>
+          <a:off x="1275948" y="557061"/>
+          <a:ext cx="2140082" cy="907914"/>
+        </a:xfrm>
+        <a:prstGeom prst="rect">
+          <a:avLst/>
+        </a:prstGeom>
+        <a:noFill/>
+        <a:ln>
+          <a:noFill/>
+        </a:ln>
+        <a:effectLst/>
+      </dsp:spPr>
+      <dsp:style>
+        <a:lnRef idx="0">
+          <a:scrgbClr r="0" g="0" b="0"/>
+        </a:lnRef>
+        <a:fillRef idx="0">
+          <a:scrgbClr r="0" g="0" b="0"/>
+        </a:fillRef>
+        <a:effectRef idx="0">
+          <a:scrgbClr r="0" g="0" b="0"/>
+        </a:effectRef>
+        <a:fontRef idx="minor"/>
+      </dsp:style>
+      <dsp:txBody>
+        <a:bodyPr spcFirstLastPara="0" vert="horz" wrap="square" lIns="0" tIns="0" rIns="0" bIns="0" numCol="1" spcCol="1270" anchor="ctr" anchorCtr="0">
+          <a:noAutofit/>
+        </a:bodyPr>
+        <a:lstStyle/>
+        <a:p>
+          <a:pPr marL="0" lvl="0" indent="0" algn="l" defTabSz="488950">
+            <a:lnSpc>
+              <a:spcPct val="100000"/>
+            </a:lnSpc>
+            <a:spcBef>
+              <a:spcPct val="0"/>
+            </a:spcBef>
+            <a:spcAft>
+              <a:spcPct val="35000"/>
+            </a:spcAft>
+            <a:buNone/>
+          </a:pPr>
+          <a:r>
+            <a:rPr lang="en-CA" sz="1100" kern="1200"/>
+            <a:t>Action/Platformer/Puzzle (3D)</a:t>
+          </a:r>
+          <a:endParaRPr lang="en-US" sz="1100" kern="1200"/>
+        </a:p>
+      </dsp:txBody>
+      <dsp:txXfrm>
+        <a:off x="1275948" y="557061"/>
+        <a:ext cx="2140082" cy="907914"/>
+      </dsp:txXfrm>
+    </dsp:sp>
+    <dsp:sp modelId="{47D1F495-D101-444C-B1F3-09F2F234DE5B}">
+      <dsp:nvSpPr>
+        <dsp:cNvPr id="0" name=""/>
+        <dsp:cNvSpPr/>
+      </dsp:nvSpPr>
+      <dsp:spPr>
+        <a:xfrm>
+          <a:off x="3788925" y="557061"/>
+          <a:ext cx="907914" cy="907914"/>
+        </a:xfrm>
+        <a:prstGeom prst="ellipse">
+          <a:avLst/>
+        </a:prstGeom>
+        <a:solidFill>
+          <a:schemeClr val="accent3">
+            <a:hueOff val="0"/>
+            <a:satOff val="0"/>
+            <a:lumOff val="0"/>
+            <a:alphaOff val="0"/>
+          </a:schemeClr>
+        </a:solidFill>
+        <a:ln>
+          <a:noFill/>
+        </a:ln>
+        <a:effectLst/>
+      </dsp:spPr>
+      <dsp:style>
+        <a:lnRef idx="0">
+          <a:scrgbClr r="0" g="0" b="0"/>
+        </a:lnRef>
+        <a:fillRef idx="1">
+          <a:scrgbClr r="0" g="0" b="0"/>
+        </a:fillRef>
+        <a:effectRef idx="0">
+          <a:scrgbClr r="0" g="0" b="0"/>
+        </a:effectRef>
+        <a:fontRef idx="minor"/>
+      </dsp:style>
+    </dsp:sp>
+    <dsp:sp modelId="{93D5A963-02D6-41AF-8F46-09D8F2A8917F}">
+      <dsp:nvSpPr>
+        <dsp:cNvPr id="0" name=""/>
+        <dsp:cNvSpPr/>
+      </dsp:nvSpPr>
+      <dsp:spPr>
+        <a:xfrm>
+          <a:off x="3979586" y="747723"/>
+          <a:ext cx="526590" cy="526590"/>
+        </a:xfrm>
+        <a:prstGeom prst="rect">
+          <a:avLst/>
+        </a:prstGeom>
+        <a:blipFill>
+          <a:blip xmlns:r="http://schemas.openxmlformats.org/officeDocument/2006/relationships" r:embed="rId3">
+            <a:extLst>
+              <a:ext uri="{28A0092B-C50C-407E-A947-70E740481C1C}">
+                <a14:useLocalDpi xmlns:a14="http://schemas.microsoft.com/office/drawing/2010/main" val="0"/>
+              </a:ext>
+              <a:ext uri="{96DAC541-7B7A-43D3-8B79-37D633B846F1}">
+                <asvg:svgBlip xmlns:asvg="http://schemas.microsoft.com/office/drawing/2016/SVG/main" r:embed="rId4"/>
+              </a:ext>
+            </a:extLst>
+          </a:blip>
+          <a:stretch>
+            <a:fillRect/>
+          </a:stretch>
+        </a:blipFill>
+        <a:ln w="12700" cap="flat" cmpd="sng" algn="ctr">
+          <a:noFill/>
+          <a:prstDash val="solid"/>
+        </a:ln>
+        <a:effectLst/>
+      </dsp:spPr>
+      <dsp:style>
+        <a:lnRef idx="2">
+          <a:scrgbClr r="0" g="0" b="0"/>
+        </a:lnRef>
+        <a:fillRef idx="1">
+          <a:scrgbClr r="0" g="0" b="0"/>
+        </a:fillRef>
+        <a:effectRef idx="0">
+          <a:scrgbClr r="0" g="0" b="0"/>
+        </a:effectRef>
+        <a:fontRef idx="minor">
+          <a:schemeClr val="lt1"/>
+        </a:fontRef>
+      </dsp:style>
+    </dsp:sp>
+    <dsp:sp modelId="{6C3A2695-DD8A-4330-8197-A5207A538E1C}">
+      <dsp:nvSpPr>
+        <dsp:cNvPr id="0" name=""/>
+        <dsp:cNvSpPr/>
+      </dsp:nvSpPr>
+      <dsp:spPr>
+        <a:xfrm>
+          <a:off x="4891392" y="557061"/>
+          <a:ext cx="2140082" cy="907914"/>
+        </a:xfrm>
+        <a:prstGeom prst="rect">
+          <a:avLst/>
+        </a:prstGeom>
+        <a:noFill/>
+        <a:ln>
+          <a:noFill/>
+        </a:ln>
+        <a:effectLst/>
+      </dsp:spPr>
+      <dsp:style>
+        <a:lnRef idx="0">
+          <a:scrgbClr r="0" g="0" b="0"/>
+        </a:lnRef>
+        <a:fillRef idx="0">
+          <a:scrgbClr r="0" g="0" b="0"/>
+        </a:fillRef>
+        <a:effectRef idx="0">
+          <a:scrgbClr r="0" g="0" b="0"/>
+        </a:effectRef>
+        <a:fontRef idx="minor"/>
+      </dsp:style>
+      <dsp:txBody>
+        <a:bodyPr spcFirstLastPara="0" vert="horz" wrap="square" lIns="0" tIns="0" rIns="0" bIns="0" numCol="1" spcCol="1270" anchor="ctr" anchorCtr="0">
+          <a:noAutofit/>
+        </a:bodyPr>
+        <a:lstStyle/>
+        <a:p>
+          <a:pPr marL="0" lvl="0" indent="0" algn="l" defTabSz="488950">
+            <a:lnSpc>
+              <a:spcPct val="100000"/>
+            </a:lnSpc>
+            <a:spcBef>
+              <a:spcPct val="0"/>
+            </a:spcBef>
+            <a:spcAft>
+              <a:spcPct val="35000"/>
+            </a:spcAft>
+            <a:buNone/>
+          </a:pPr>
+          <a:r>
+            <a:rPr lang="en-CA" sz="1100" kern="1200"/>
+            <a:t>PC</a:t>
+          </a:r>
+          <a:endParaRPr lang="en-US" sz="1100" kern="1200"/>
+        </a:p>
+      </dsp:txBody>
+      <dsp:txXfrm>
+        <a:off x="4891392" y="557061"/>
+        <a:ext cx="2140082" cy="907914"/>
+      </dsp:txXfrm>
+    </dsp:sp>
+    <dsp:sp modelId="{E13C30B5-6409-4519-8B6E-27DFF7538A25}">
+      <dsp:nvSpPr>
+        <dsp:cNvPr id="0" name=""/>
+        <dsp:cNvSpPr/>
+      </dsp:nvSpPr>
+      <dsp:spPr>
+        <a:xfrm>
+          <a:off x="7404368" y="557061"/>
+          <a:ext cx="907914" cy="907914"/>
+        </a:xfrm>
+        <a:prstGeom prst="ellipse">
+          <a:avLst/>
+        </a:prstGeom>
+        <a:solidFill>
+          <a:schemeClr val="accent4">
+            <a:hueOff val="0"/>
+            <a:satOff val="0"/>
+            <a:lumOff val="0"/>
+            <a:alphaOff val="0"/>
+          </a:schemeClr>
+        </a:solidFill>
+        <a:ln>
+          <a:noFill/>
+        </a:ln>
+        <a:effectLst/>
+      </dsp:spPr>
+      <dsp:style>
+        <a:lnRef idx="0">
+          <a:scrgbClr r="0" g="0" b="0"/>
+        </a:lnRef>
+        <a:fillRef idx="1">
+          <a:scrgbClr r="0" g="0" b="0"/>
+        </a:fillRef>
+        <a:effectRef idx="0">
+          <a:scrgbClr r="0" g="0" b="0"/>
+        </a:effectRef>
+        <a:fontRef idx="minor"/>
+      </dsp:style>
+    </dsp:sp>
+    <dsp:sp modelId="{12FC861A-FE4C-4BE5-B362-DB2E3FC798A4}">
+      <dsp:nvSpPr>
+        <dsp:cNvPr id="0" name=""/>
+        <dsp:cNvSpPr/>
+      </dsp:nvSpPr>
+      <dsp:spPr>
+        <a:xfrm>
+          <a:off x="7595030" y="747723"/>
+          <a:ext cx="526590" cy="526590"/>
+        </a:xfrm>
+        <a:prstGeom prst="rect">
+          <a:avLst/>
+        </a:prstGeom>
+        <a:blipFill>
+          <a:blip xmlns:r="http://schemas.openxmlformats.org/officeDocument/2006/relationships" r:embed="rId5">
+            <a:extLst>
+              <a:ext uri="{28A0092B-C50C-407E-A947-70E740481C1C}">
+                <a14:useLocalDpi xmlns:a14="http://schemas.microsoft.com/office/drawing/2010/main" val="0"/>
+              </a:ext>
+              <a:ext uri="{96DAC541-7B7A-43D3-8B79-37D633B846F1}">
+                <asvg:svgBlip xmlns:asvg="http://schemas.microsoft.com/office/drawing/2016/SVG/main" r:embed="rId6"/>
+              </a:ext>
+            </a:extLst>
+          </a:blip>
+          <a:stretch>
+            <a:fillRect/>
+          </a:stretch>
+        </a:blipFill>
+        <a:ln w="12700" cap="flat" cmpd="sng" algn="ctr">
+          <a:noFill/>
+          <a:prstDash val="solid"/>
+        </a:ln>
+        <a:effectLst/>
+      </dsp:spPr>
+      <dsp:style>
+        <a:lnRef idx="2">
+          <a:scrgbClr r="0" g="0" b="0"/>
+        </a:lnRef>
+        <a:fillRef idx="1">
+          <a:scrgbClr r="0" g="0" b="0"/>
+        </a:fillRef>
+        <a:effectRef idx="0">
+          <a:scrgbClr r="0" g="0" b="0"/>
+        </a:effectRef>
+        <a:fontRef idx="minor">
+          <a:schemeClr val="lt1"/>
+        </a:fontRef>
+      </dsp:style>
+    </dsp:sp>
+    <dsp:sp modelId="{2ABFDA16-5B66-4527-8185-E905536F3700}">
+      <dsp:nvSpPr>
+        <dsp:cNvPr id="0" name=""/>
+        <dsp:cNvSpPr/>
+      </dsp:nvSpPr>
+      <dsp:spPr>
+        <a:xfrm>
+          <a:off x="8506835" y="557061"/>
+          <a:ext cx="2140082" cy="907914"/>
+        </a:xfrm>
+        <a:prstGeom prst="rect">
+          <a:avLst/>
+        </a:prstGeom>
+        <a:noFill/>
+        <a:ln>
+          <a:noFill/>
+        </a:ln>
+        <a:effectLst/>
+      </dsp:spPr>
+      <dsp:style>
+        <a:lnRef idx="0">
+          <a:scrgbClr r="0" g="0" b="0"/>
+        </a:lnRef>
+        <a:fillRef idx="0">
+          <a:scrgbClr r="0" g="0" b="0"/>
+        </a:fillRef>
+        <a:effectRef idx="0">
+          <a:scrgbClr r="0" g="0" b="0"/>
+        </a:effectRef>
+        <a:fontRef idx="minor"/>
+      </dsp:style>
+      <dsp:txBody>
+        <a:bodyPr spcFirstLastPara="0" vert="horz" wrap="square" lIns="0" tIns="0" rIns="0" bIns="0" numCol="1" spcCol="1270" anchor="ctr" anchorCtr="0">
+          <a:noAutofit/>
+        </a:bodyPr>
+        <a:lstStyle/>
+        <a:p>
+          <a:pPr marL="0" lvl="0" indent="0" algn="l" defTabSz="488950">
+            <a:lnSpc>
+              <a:spcPct val="100000"/>
+            </a:lnSpc>
+            <a:spcBef>
+              <a:spcPct val="0"/>
+            </a:spcBef>
+            <a:spcAft>
+              <a:spcPct val="35000"/>
+            </a:spcAft>
+            <a:buNone/>
+          </a:pPr>
+          <a:r>
+            <a:rPr lang="en-CA" sz="1100" kern="1200"/>
+            <a:t>Everyone ages 12 and up</a:t>
+          </a:r>
+          <a:endParaRPr lang="en-US" sz="1100" kern="1200"/>
+        </a:p>
+      </dsp:txBody>
+      <dsp:txXfrm>
+        <a:off x="8506835" y="557061"/>
+        <a:ext cx="2140082" cy="907914"/>
+      </dsp:txXfrm>
+    </dsp:sp>
+    <dsp:sp modelId="{B010B9DD-8787-439E-846F-AA1F52D0BF4E}">
+      <dsp:nvSpPr>
+        <dsp:cNvPr id="0" name=""/>
+        <dsp:cNvSpPr/>
+      </dsp:nvSpPr>
+      <dsp:spPr>
+        <a:xfrm>
+          <a:off x="173481" y="2065086"/>
+          <a:ext cx="907914" cy="907914"/>
+        </a:xfrm>
+        <a:prstGeom prst="ellipse">
+          <a:avLst/>
+        </a:prstGeom>
+        <a:solidFill>
+          <a:schemeClr val="accent5">
+            <a:hueOff val="0"/>
+            <a:satOff val="0"/>
+            <a:lumOff val="0"/>
+            <a:alphaOff val="0"/>
+          </a:schemeClr>
+        </a:solidFill>
+        <a:ln>
+          <a:noFill/>
+        </a:ln>
+        <a:effectLst/>
+      </dsp:spPr>
+      <dsp:style>
+        <a:lnRef idx="0">
+          <a:scrgbClr r="0" g="0" b="0"/>
+        </a:lnRef>
+        <a:fillRef idx="1">
+          <a:scrgbClr r="0" g="0" b="0"/>
+        </a:fillRef>
+        <a:effectRef idx="0">
+          <a:scrgbClr r="0" g="0" b="0"/>
+        </a:effectRef>
+        <a:fontRef idx="minor"/>
+      </dsp:style>
+    </dsp:sp>
+    <dsp:sp modelId="{4C743C0D-9E3C-4E4A-8519-8AE05C4985C0}">
+      <dsp:nvSpPr>
+        <dsp:cNvPr id="0" name=""/>
+        <dsp:cNvSpPr/>
+      </dsp:nvSpPr>
+      <dsp:spPr>
+        <a:xfrm>
+          <a:off x="364143" y="2255748"/>
+          <a:ext cx="526590" cy="526590"/>
+        </a:xfrm>
+        <a:prstGeom prst="rect">
+          <a:avLst/>
+        </a:prstGeom>
+        <a:blipFill>
+          <a:blip xmlns:r="http://schemas.openxmlformats.org/officeDocument/2006/relationships" r:embed="rId7">
+            <a:extLst>
+              <a:ext uri="{28A0092B-C50C-407E-A947-70E740481C1C}">
+                <a14:useLocalDpi xmlns:a14="http://schemas.microsoft.com/office/drawing/2010/main" val="0"/>
+              </a:ext>
+              <a:ext uri="{96DAC541-7B7A-43D3-8B79-37D633B846F1}">
+                <asvg:svgBlip xmlns:asvg="http://schemas.microsoft.com/office/drawing/2016/SVG/main" r:embed="rId8"/>
+              </a:ext>
+            </a:extLst>
+          </a:blip>
+          <a:stretch>
+            <a:fillRect/>
+          </a:stretch>
+        </a:blipFill>
+        <a:ln w="12700" cap="flat" cmpd="sng" algn="ctr">
+          <a:noFill/>
+          <a:prstDash val="solid"/>
+        </a:ln>
+        <a:effectLst/>
+      </dsp:spPr>
+      <dsp:style>
+        <a:lnRef idx="2">
+          <a:scrgbClr r="0" g="0" b="0"/>
+        </a:lnRef>
+        <a:fillRef idx="1">
+          <a:scrgbClr r="0" g="0" b="0"/>
+        </a:fillRef>
+        <a:effectRef idx="0">
+          <a:scrgbClr r="0" g="0" b="0"/>
+        </a:effectRef>
+        <a:fontRef idx="minor">
+          <a:schemeClr val="lt1"/>
+        </a:fontRef>
+      </dsp:style>
+    </dsp:sp>
+    <dsp:sp modelId="{C53C97B7-F6B5-48BC-B0F2-5190C20E08FE}">
+      <dsp:nvSpPr>
+        <dsp:cNvPr id="0" name=""/>
+        <dsp:cNvSpPr/>
+      </dsp:nvSpPr>
+      <dsp:spPr>
+        <a:xfrm>
+          <a:off x="1275948" y="2065086"/>
+          <a:ext cx="2140082" cy="907914"/>
+        </a:xfrm>
+        <a:prstGeom prst="rect">
+          <a:avLst/>
+        </a:prstGeom>
+        <a:noFill/>
+        <a:ln>
+          <a:noFill/>
+        </a:ln>
+        <a:effectLst/>
+      </dsp:spPr>
+      <dsp:style>
+        <a:lnRef idx="0">
+          <a:scrgbClr r="0" g="0" b="0"/>
+        </a:lnRef>
+        <a:fillRef idx="0">
+          <a:scrgbClr r="0" g="0" b="0"/>
+        </a:fillRef>
+        <a:effectRef idx="0">
+          <a:scrgbClr r="0" g="0" b="0"/>
+        </a:effectRef>
+        <a:fontRef idx="minor"/>
+      </dsp:style>
+      <dsp:txBody>
+        <a:bodyPr spcFirstLastPara="0" vert="horz" wrap="square" lIns="0" tIns="0" rIns="0" bIns="0" numCol="1" spcCol="1270" anchor="ctr" anchorCtr="0">
+          <a:noAutofit/>
+        </a:bodyPr>
+        <a:lstStyle/>
+        <a:p>
+          <a:pPr marL="0" lvl="0" indent="0" algn="l" defTabSz="488950">
+            <a:lnSpc>
+              <a:spcPct val="100000"/>
+            </a:lnSpc>
+            <a:spcBef>
+              <a:spcPct val="0"/>
+            </a:spcBef>
+            <a:spcAft>
+              <a:spcPct val="35000"/>
+            </a:spcAft>
+            <a:buNone/>
+          </a:pPr>
+          <a:r>
+            <a:rPr lang="en-CA" sz="1100" kern="1200"/>
+            <a:t>Trine (2009) meets Captain Claw (1997)</a:t>
+          </a:r>
+          <a:endParaRPr lang="en-US" sz="1100" kern="1200"/>
+        </a:p>
+      </dsp:txBody>
+      <dsp:txXfrm>
+        <a:off x="1275948" y="2065086"/>
+        <a:ext cx="2140082" cy="907914"/>
+      </dsp:txXfrm>
+    </dsp:sp>
+    <dsp:sp modelId="{A9C49CCC-1AE3-4D28-BDE8-4AB6E8C8AFCA}">
+      <dsp:nvSpPr>
+        <dsp:cNvPr id="0" name=""/>
+        <dsp:cNvSpPr/>
+      </dsp:nvSpPr>
+      <dsp:spPr>
+        <a:xfrm>
+          <a:off x="3788925" y="2065086"/>
+          <a:ext cx="907914" cy="907914"/>
+        </a:xfrm>
+        <a:prstGeom prst="ellipse">
+          <a:avLst/>
+        </a:prstGeom>
+        <a:solidFill>
+          <a:schemeClr val="accent6">
+            <a:hueOff val="0"/>
+            <a:satOff val="0"/>
+            <a:lumOff val="0"/>
+            <a:alphaOff val="0"/>
+          </a:schemeClr>
+        </a:solidFill>
+        <a:ln>
+          <a:noFill/>
+        </a:ln>
+        <a:effectLst/>
+      </dsp:spPr>
+      <dsp:style>
+        <a:lnRef idx="0">
+          <a:scrgbClr r="0" g="0" b="0"/>
+        </a:lnRef>
+        <a:fillRef idx="1">
+          <a:scrgbClr r="0" g="0" b="0"/>
+        </a:fillRef>
+        <a:effectRef idx="0">
+          <a:scrgbClr r="0" g="0" b="0"/>
+        </a:effectRef>
+        <a:fontRef idx="minor"/>
+      </dsp:style>
+    </dsp:sp>
+    <dsp:sp modelId="{E890C756-AAA1-45D8-AEB0-DD8390A33725}">
+      <dsp:nvSpPr>
+        <dsp:cNvPr id="0" name=""/>
+        <dsp:cNvSpPr/>
+      </dsp:nvSpPr>
+      <dsp:spPr>
+        <a:xfrm>
+          <a:off x="3979586" y="2255748"/>
+          <a:ext cx="526590" cy="526590"/>
+        </a:xfrm>
+        <a:prstGeom prst="rect">
+          <a:avLst/>
+        </a:prstGeom>
+        <a:blipFill>
+          <a:blip xmlns:r="http://schemas.openxmlformats.org/officeDocument/2006/relationships" r:embed="rId9">
+            <a:extLst>
+              <a:ext uri="{28A0092B-C50C-407E-A947-70E740481C1C}">
+                <a14:useLocalDpi xmlns:a14="http://schemas.microsoft.com/office/drawing/2010/main" val="0"/>
+              </a:ext>
+              <a:ext uri="{96DAC541-7B7A-43D3-8B79-37D633B846F1}">
+                <asvg:svgBlip xmlns:asvg="http://schemas.microsoft.com/office/drawing/2016/SVG/main" r:embed="rId10"/>
+              </a:ext>
+            </a:extLst>
+          </a:blip>
+          <a:stretch>
+            <a:fillRect/>
+          </a:stretch>
+        </a:blipFill>
+        <a:ln w="12700" cap="flat" cmpd="sng" algn="ctr">
+          <a:noFill/>
+          <a:prstDash val="solid"/>
+        </a:ln>
+        <a:effectLst/>
+      </dsp:spPr>
+      <dsp:style>
+        <a:lnRef idx="2">
+          <a:scrgbClr r="0" g="0" b="0"/>
+        </a:lnRef>
+        <a:fillRef idx="1">
+          <a:scrgbClr r="0" g="0" b="0"/>
+        </a:fillRef>
+        <a:effectRef idx="0">
+          <a:scrgbClr r="0" g="0" b="0"/>
+        </a:effectRef>
+        <a:fontRef idx="minor">
+          <a:schemeClr val="lt1"/>
+        </a:fontRef>
+      </dsp:style>
+    </dsp:sp>
+    <dsp:sp modelId="{88C961EF-6853-4CC1-B96C-DC9F729AE9EB}">
+      <dsp:nvSpPr>
+        <dsp:cNvPr id="0" name=""/>
+        <dsp:cNvSpPr/>
+      </dsp:nvSpPr>
+      <dsp:spPr>
+        <a:xfrm>
+          <a:off x="4891392" y="2065086"/>
+          <a:ext cx="2140082" cy="907914"/>
+        </a:xfrm>
+        <a:prstGeom prst="rect">
+          <a:avLst/>
+        </a:prstGeom>
+        <a:noFill/>
+        <a:ln>
+          <a:noFill/>
+        </a:ln>
+        <a:effectLst/>
+      </dsp:spPr>
+      <dsp:style>
+        <a:lnRef idx="0">
+          <a:scrgbClr r="0" g="0" b="0"/>
+        </a:lnRef>
+        <a:fillRef idx="0">
+          <a:scrgbClr r="0" g="0" b="0"/>
+        </a:fillRef>
+        <a:effectRef idx="0">
+          <a:scrgbClr r="0" g="0" b="0"/>
+        </a:effectRef>
+        <a:fontRef idx="minor"/>
+      </dsp:style>
+      <dsp:txBody>
+        <a:bodyPr spcFirstLastPara="0" vert="horz" wrap="square" lIns="0" tIns="0" rIns="0" bIns="0" numCol="1" spcCol="1270" anchor="ctr" anchorCtr="0">
+          <a:noAutofit/>
+        </a:bodyPr>
+        <a:lstStyle/>
+        <a:p>
+          <a:pPr marL="0" lvl="0" indent="0" algn="l" defTabSz="488950">
+            <a:lnSpc>
+              <a:spcPct val="100000"/>
+            </a:lnSpc>
+            <a:spcBef>
+              <a:spcPct val="0"/>
+            </a:spcBef>
+            <a:spcAft>
+              <a:spcPct val="35000"/>
+            </a:spcAft>
+            <a:buNone/>
+          </a:pPr>
+          <a:r>
+            <a:rPr lang="en-US" sz="1100" kern="1200"/>
+            <a:t>Medieval/Fantasy/Apocalyptic setting</a:t>
+          </a:r>
+        </a:p>
+      </dsp:txBody>
+      <dsp:txXfrm>
+        <a:off x="4891392" y="2065086"/>
+        <a:ext cx="2140082" cy="907914"/>
+      </dsp:txXfrm>
+    </dsp:sp>
+    <dsp:sp modelId="{B71FE38D-2A42-4E49-AA04-E89F422DEE1E}">
+      <dsp:nvSpPr>
+        <dsp:cNvPr id="0" name=""/>
+        <dsp:cNvSpPr/>
+      </dsp:nvSpPr>
+      <dsp:spPr>
+        <a:xfrm>
+          <a:off x="7404368" y="2065086"/>
+          <a:ext cx="907914" cy="907914"/>
+        </a:xfrm>
+        <a:prstGeom prst="ellipse">
+          <a:avLst/>
+        </a:prstGeom>
+        <a:solidFill>
+          <a:schemeClr val="accent2">
+            <a:hueOff val="0"/>
+            <a:satOff val="0"/>
+            <a:lumOff val="0"/>
+            <a:alphaOff val="0"/>
+          </a:schemeClr>
+        </a:solidFill>
+        <a:ln>
+          <a:noFill/>
+        </a:ln>
+        <a:effectLst/>
+      </dsp:spPr>
+      <dsp:style>
+        <a:lnRef idx="0">
+          <a:scrgbClr r="0" g="0" b="0"/>
+        </a:lnRef>
+        <a:fillRef idx="1">
+          <a:scrgbClr r="0" g="0" b="0"/>
+        </a:fillRef>
+        <a:effectRef idx="0">
+          <a:scrgbClr r="0" g="0" b="0"/>
+        </a:effectRef>
+        <a:fontRef idx="minor"/>
+      </dsp:style>
+    </dsp:sp>
+    <dsp:sp modelId="{E3FCB908-070C-45B2-B3B7-E634E60D87CF}">
+      <dsp:nvSpPr>
+        <dsp:cNvPr id="0" name=""/>
+        <dsp:cNvSpPr/>
+      </dsp:nvSpPr>
+      <dsp:spPr>
+        <a:xfrm>
+          <a:off x="7595030" y="2255748"/>
+          <a:ext cx="526590" cy="526590"/>
+        </a:xfrm>
+        <a:prstGeom prst="rect">
+          <a:avLst/>
+        </a:prstGeom>
+        <a:blipFill>
+          <a:blip xmlns:r="http://schemas.openxmlformats.org/officeDocument/2006/relationships" r:embed="rId11">
+            <a:extLst>
+              <a:ext uri="{28A0092B-C50C-407E-A947-70E740481C1C}">
+                <a14:useLocalDpi xmlns:a14="http://schemas.microsoft.com/office/drawing/2010/main" val="0"/>
+              </a:ext>
+              <a:ext uri="{96DAC541-7B7A-43D3-8B79-37D633B846F1}">
+                <asvg:svgBlip xmlns:asvg="http://schemas.microsoft.com/office/drawing/2016/SVG/main" r:embed="rId12"/>
+              </a:ext>
+            </a:extLst>
+          </a:blip>
+          <a:stretch>
+            <a:fillRect/>
+          </a:stretch>
+        </a:blipFill>
+        <a:ln w="12700" cap="flat" cmpd="sng" algn="ctr">
+          <a:noFill/>
+          <a:prstDash val="solid"/>
+        </a:ln>
+        <a:effectLst/>
+      </dsp:spPr>
+      <dsp:style>
+        <a:lnRef idx="2">
+          <a:scrgbClr r="0" g="0" b="0"/>
+        </a:lnRef>
+        <a:fillRef idx="1">
+          <a:scrgbClr r="0" g="0" b="0"/>
+        </a:fillRef>
+        <a:effectRef idx="0">
+          <a:scrgbClr r="0" g="0" b="0"/>
+        </a:effectRef>
+        <a:fontRef idx="minor">
+          <a:schemeClr val="lt1"/>
+        </a:fontRef>
+      </dsp:style>
+    </dsp:sp>
+    <dsp:sp modelId="{A802AC26-8A2C-4536-8331-116765DEED96}">
+      <dsp:nvSpPr>
+        <dsp:cNvPr id="0" name=""/>
+        <dsp:cNvSpPr/>
+      </dsp:nvSpPr>
+      <dsp:spPr>
+        <a:xfrm>
+          <a:off x="8506835" y="2065086"/>
+          <a:ext cx="2140082" cy="907914"/>
+        </a:xfrm>
+        <a:prstGeom prst="rect">
+          <a:avLst/>
+        </a:prstGeom>
+        <a:noFill/>
+        <a:ln>
+          <a:noFill/>
+        </a:ln>
+        <a:effectLst/>
+      </dsp:spPr>
+      <dsp:style>
+        <a:lnRef idx="0">
+          <a:scrgbClr r="0" g="0" b="0"/>
+        </a:lnRef>
+        <a:fillRef idx="0">
+          <a:scrgbClr r="0" g="0" b="0"/>
+        </a:fillRef>
+        <a:effectRef idx="0">
+          <a:scrgbClr r="0" g="0" b="0"/>
+        </a:effectRef>
+        <a:fontRef idx="minor"/>
+      </dsp:style>
+      <dsp:txBody>
+        <a:bodyPr spcFirstLastPara="0" vert="horz" wrap="square" lIns="0" tIns="0" rIns="0" bIns="0" numCol="1" spcCol="1270" anchor="ctr" anchorCtr="0">
+          <a:noAutofit/>
+        </a:bodyPr>
+        <a:lstStyle/>
+        <a:p>
+          <a:pPr marL="0" lvl="0" indent="0" algn="l" defTabSz="488950">
+            <a:lnSpc>
+              <a:spcPct val="100000"/>
+            </a:lnSpc>
+            <a:spcBef>
+              <a:spcPct val="0"/>
+            </a:spcBef>
+            <a:spcAft>
+              <a:spcPct val="35000"/>
+            </a:spcAft>
+            <a:buNone/>
+          </a:pPr>
+          <a:r>
+            <a:rPr lang="en-US" sz="1100" kern="1200"/>
+            <a:t>Mistborn Trilogy – Brandon Sanderson</a:t>
+          </a:r>
+        </a:p>
+      </dsp:txBody>
+      <dsp:txXfrm>
+        <a:off x="8506835" y="2065086"/>
+        <a:ext cx="2140082" cy="907914"/>
+      </dsp:txXfrm>
+    </dsp:sp>
+  </dsp:spTree>
+</dsp:drawing>
+</file>
+
+<file path=ppt/diagrams/layout1.xml><?xml version="1.0" encoding="utf-8"?>
+<dgm:layoutDef xmlns:dgm="http://schemas.openxmlformats.org/drawingml/2006/diagram" xmlns:a="http://schemas.openxmlformats.org/drawingml/2006/main" uniqueId="urn:microsoft.com/office/officeart/2018/2/layout/IconCircleList">
+  <dgm:title val="Icon Circle List"/>
+  <dgm:desc val="Use to show non-sequential or grouped chunks of information accompanied by related visuals. Circular shapes can hold an icon or small picture and corresponding text box shows Level 1 text. Works best for icons or small pictures with medium-length descriptions."/>
+  <dgm:catLst>
+    <dgm:cat type="icon" pri="500"/>
+  </dgm:catLst>
+  <dgm:sampData useDef="1">
+    <dgm:dataModel>
+      <dgm:ptLst/>
+      <dgm:bg/>
+      <dgm:whole/>
+    </dgm:dataModel>
+  </dgm:sampData>
+  <dgm:styleData useDef="1">
+    <dgm:dataModel>
+      <dgm:ptLst/>
+      <dgm:bg/>
+      <dgm:whole/>
+    </dgm:dataModel>
+  </dgm:styleData>
+  <dgm:clrData useDef="1">
+    <dgm:dataModel>
+      <dgm:ptLst/>
+      <dgm:bg/>
+      <dgm:whole/>
+    </dgm:dataModel>
+  </dgm:clrData>
+  <dgm:layoutNode name="root">
+    <dgm:varLst>
+      <dgm:dir/>
+      <dgm:resizeHandles val="exact"/>
+    </dgm:varLst>
+    <dgm:alg type="sp"/>
+    <dgm:shape xmlns:r="http://schemas.openxmlformats.org/officeDocument/2006/relationships" r:blip="">
+      <dgm:adjLst/>
+    </dgm:shape>
+    <dgm:presOf/>
+    <dgm:choose name="Name0">
+      <dgm:if name="Name1" axis="ch" ptType="node" func="cnt" op="lte" val="3">
+        <dgm:constrLst>
+          <dgm:constr type="w" for="ch" forName="container" refType="w"/>
+          <dgm:constr type="h" for="ch" forName="container" refType="h" fact="0.4"/>
+        </dgm:constrLst>
+      </dgm:if>
+      <dgm:else name="Name2">
+        <dgm:constrLst>
+          <dgm:constr type="w" for="ch" forName="container" refType="w"/>
+          <dgm:constr type="h" for="ch" forName="container" refType="h"/>
+        </dgm:constrLst>
+      </dgm:else>
+    </dgm:choose>
+    <dgm:ruleLst>
+      <dgm:rule type="h" for="ch" forName="container" val="INF" fact="NaN" max="NaN"/>
+    </dgm:ruleLst>
+    <dgm:layoutNode name="container">
+      <dgm:varLst>
+        <dgm:dir/>
+        <dgm:resizeHandles val="exact"/>
+      </dgm:varLst>
+      <dgm:choose name="Name3">
+        <dgm:if name="Name4" axis="self" func="var" arg="dir" op="equ" val="norm">
+          <dgm:alg type="snake">
+            <dgm:param type="grDir" val="tL"/>
+            <dgm:param type="flowDir" val="row"/>
+            <dgm:param type="contDir" val="sameDir"/>
+          </dgm:alg>
+        </dgm:if>
+        <dgm:else name="Name5">
+          <dgm:alg type="snake">
+            <dgm:param type="grDir" val="tR"/>
+            <dgm:param type="flowDir" val="row"/>
+            <dgm:param type="contDir" val="sameDir"/>
+          </dgm:alg>
+        </dgm:else>
+      </dgm:choose>
+      <dgm:shape xmlns:r="http://schemas.openxmlformats.org/officeDocument/2006/relationships" r:blip="">
+        <dgm:adjLst/>
+      </dgm:shape>
+      <dgm:presOf/>
+      <dgm:constrLst>
+        <dgm:constr type="w" for="ch" forName="compNode" refType="w"/>
+        <dgm:constr type="h" for="ch" forName="compNode" refType="w" fact="0.28"/>
+        <dgm:constr type="w" for="ch" forName="sibTrans" refType="w" refFor="ch" refForName="compNode" fact="0.115"/>
+        <dgm:constr type="sp" refType="h" op="equ" fact="0.17"/>
+        <dgm:constr type="primFontSz" for="des" ptType="node" op="equ" val="24"/>
+        <dgm:constr type="h" for="des" forName="compNode" op="equ"/>
+        <dgm:constr type="h" for="des" forName="iconBgRect" op="equ"/>
+      </dgm:constrLst>
+      <dgm:ruleLst>
+        <dgm:rule type="w" for="ch" forName="compNode" val="60" fact="NaN" max="NaN"/>
+      </dgm:ruleLst>
+      <dgm:forEach name="Name6" axis="ch" ptType="node">
+        <dgm:layoutNode name="compNode">
+          <dgm:alg type="composite"/>
+          <dgm:shape xmlns:r="http://schemas.openxmlformats.org/officeDocument/2006/relationships" r:blip="">
+            <dgm:adjLst/>
+          </dgm:shape>
+          <dgm:presOf axis="self"/>
+          <dgm:constrLst>
+            <dgm:constr type="w" for="ch" forName="iconBgRect" refType="w" fact="0.28"/>
+            <dgm:constr type="h" for="ch" forName="iconBgRect" refType="w" refFor="ch" refForName="iconBgRect"/>
+            <dgm:constr type="t" for="ch" forName="iconBgRect"/>
+            <dgm:constr type="l" for="ch" forName="iconBgRect"/>
+            <dgm:constr type="w" for="ch" forName="iconRect" refType="w" refFor="ch" refForName="iconBgRect" fact="0.58"/>
+            <dgm:constr type="h" for="ch" forName="iconRect" refType="w" refFor="ch" refForName="iconRect"/>
+            <dgm:constr type="ctrX" for="ch" forName="iconRect" refType="ctrX" refFor="ch" refForName="iconBgRect"/>
+            <dgm:constr type="ctrY" for="ch" forName="iconRect" refType="ctrY" refFor="ch" refForName="iconBgRect"/>
+            <dgm:constr type="w" for="ch" forName="spaceRect" refType="w" fact="0.06"/>
+            <dgm:constr type="h" for="ch" forName="spaceRect" refType="h" refFor="ch" refForName="iconBgRect"/>
+            <dgm:constr type="t" for="ch" forName="spaceRect" refType="t" refFor="ch" refForName="iconBgRect"/>
+            <dgm:constr type="l" for="ch" forName="spaceRect" refType="r" refFor="ch" refForName="iconBgRect"/>
+            <dgm:constr type="h" for="ch" forName="textRect" refType="h" refFor="ch" refForName="iconBgRect"/>
+            <dgm:constr type="t" for="ch" forName="textRect" refType="t" refFor="ch" refForName="iconBgRect"/>
+            <dgm:constr type="l" for="ch" forName="textRect" refType="r" refFor="ch" refForName="spaceRect"/>
+          </dgm:constrLst>
+          <dgm:ruleLst/>
+          <dgm:layoutNode name="iconBgRect" styleLbl="bgShp">
+            <dgm:alg type="sp"/>
+            <dgm:shape xmlns:r="http://schemas.openxmlformats.org/officeDocument/2006/relationships" type="ellipse" r:blip="">
+              <dgm:adjLst/>
+            </dgm:shape>
+            <dgm:presOf/>
+            <dgm:constrLst/>
+            <dgm:ruleLst/>
+          </dgm:layoutNode>
+          <dgm:layoutNode name="iconRect" styleLbl="node1">
+            <dgm:alg type="sp"/>
+            <dgm:shape xmlns:r="http://schemas.openxmlformats.org/officeDocument/2006/relationships" type="rect" r:blip="" blipPhldr="1">
+              <dgm:adjLst/>
+            </dgm:shape>
+            <dgm:presOf/>
+            <dgm:constrLst/>
+            <dgm:ruleLst/>
+          </dgm:layoutNode>
+          <dgm:layoutNode name="spaceRect">
+            <dgm:alg type="sp"/>
+            <dgm:shape xmlns:r="http://schemas.openxmlformats.org/officeDocument/2006/relationships" r:blip="">
+              <dgm:adjLst/>
+            </dgm:shape>
+            <dgm:presOf/>
+            <dgm:constrLst/>
+            <dgm:ruleLst/>
+          </dgm:layoutNode>
+          <dgm:layoutNode name="textRect" styleLbl="revTx">
+            <dgm:varLst>
+              <dgm:chMax val="1"/>
+              <dgm:chPref val="1"/>
+            </dgm:varLst>
+            <dgm:choose name="Name7">
+              <dgm:if name="Name8" func="var" arg="dir" op="equ" val="norm">
+                <dgm:alg type="tx">
+                  <dgm:param type="txAnchorVert" val="mid"/>
+                  <dgm:param type="parTxLTRAlign" val="l"/>
+                  <dgm:param type="shpTxLTRAlignCh" val="l"/>
+                  <dgm:param type="parTxRTLAlign" val="l"/>
+                  <dgm:param type="shpTxRTLAlignCh" val="l"/>
+                </dgm:alg>
+              </dgm:if>
+              <dgm:else name="Name9">
+                <dgm:alg type="tx">
+                  <dgm:param type="txAnchorVert" val="mid"/>
+                  <dgm:param type="parTxLTRAlign" val="r"/>
+                  <dgm:param type="shpTxLTRAlignCh" val="r"/>
+                  <dgm:param type="parTxRTLAlign" val="r"/>
+                  <dgm:param type="shpTxRTLAlignCh" val="r"/>
+                </dgm:alg>
+              </dgm:else>
+            </dgm:choose>
+            <dgm:shape xmlns:r="http://schemas.openxmlformats.org/officeDocument/2006/relationships" type="rect" r:blip="">
+              <dgm:adjLst/>
+            </dgm:shape>
+            <dgm:presOf axis="self" ptType="node"/>
+            <dgm:constrLst>
+              <dgm:constr type="lMarg"/>
+              <dgm:constr type="rMarg"/>
+              <dgm:constr type="tMarg"/>
+              <dgm:constr type="bMarg"/>
+            </dgm:constrLst>
+            <dgm:ruleLst>
+              <dgm:rule type="primFontSz" val="11" fact="NaN" max="NaN"/>
+            </dgm:ruleLst>
+          </dgm:layoutNode>
+        </dgm:layoutNode>
+        <dgm:forEach name="Name10" axis="followSib" ptType="sibTrans" cnt="1">
+          <dgm:layoutNode name="sibTrans">
+            <dgm:alg type="sp"/>
+            <dgm:shape xmlns:r="http://schemas.openxmlformats.org/officeDocument/2006/relationships" type="rect" r:blip="" hideGeom="1">
+              <dgm:adjLst/>
+            </dgm:shape>
+            <dgm:presOf axis="self"/>
+            <dgm:constrLst/>
+            <dgm:ruleLst/>
+          </dgm:layoutNode>
+        </dgm:forEach>
+      </dgm:forEach>
+    </dgm:layoutNode>
+  </dgm:layoutNode>
+  <dgm:extLst>
+    <a:ext uri="{68A01E43-0DF5-4B5B-8FA6-DAF915123BFB}">
+      <dgm1612:lstStyle xmlns:dgm1612="http://schemas.microsoft.com/office/drawing/2016/12/diagram">
+        <a:lvl1pPr>
+          <a:lnSpc>
+            <a:spcPct val="100000"/>
+          </a:lnSpc>
+        </a:lvl1pPr>
+      </dgm1612:lstStyle>
+    </a:ext>
+  </dgm:extLst>
+</dgm:layoutDef>
+</file>
+
+<file path=ppt/diagrams/quickStyle1.xml><?xml version="1.0" encoding="utf-8"?>
+<dgm:styleDef xmlns:dgm="http://schemas.openxmlformats.org/drawingml/2006/diagram" xmlns:a="http://schemas.openxmlformats.org/drawingml/2006/main" uniqueId="urn:microsoft.com/office/officeart/2005/8/quickstyle/simple1">
+  <dgm:title val=""/>
+  <dgm:desc val=""/>
+  <dgm:catLst>
+    <dgm:cat type="simple" pri="10100"/>
+  </dgm:catLst>
+  <dgm:scene3d>
+    <a:camera prst="orthographicFront"/>
+    <a:lightRig rig="threePt" dir="t"/>
+  </dgm:scene3d>
+  <dgm:styleLbl name="node0">
+    <dgm:scene3d>
+      <a:camera prst="orthographicFront"/>
+      <a:lightRig rig="threePt" dir="t"/>
+    </dgm:scene3d>
+    <dgm:sp3d/>
+    <dgm:txPr/>
+    <dgm:style>
+      <a:lnRef idx="2">
+        <a:scrgbClr r="0" g="0" b="0"/>
+      </a:lnRef>
+      <a:fillRef idx="1">
+        <a:scrgbClr r="0" g="0" b="0"/>
+      </a:fillRef>
+      <a:effectRef idx="0">
+        <a:scrgbClr r="0" g="0" b="0"/>
+      </a:effectRef>
+      <a:fontRef idx="minor">
+        <a:schemeClr val="lt1"/>
+      </a:fontRef>
+    </dgm:style>
+  </dgm:styleLbl>
+  <dgm:styleLbl name="lnNode1">
+    <dgm:scene3d>
+      <a:camera prst="orthographicFront"/>
+      <a:lightRig rig="threePt" dir="t"/>
+    </dgm:scene3d>
+    <dgm:sp3d/>
+    <dgm:txPr/>
+    <dgm:style>
+      <a:lnRef idx="2">
+        <a:scrgbClr r="0" g="0" b="0"/>
+      </a:lnRef>
+      <a:fillRef idx="1">
+        <a:scrgbClr r="0" g="0" b="0"/>
+      </a:fillRef>
+      <a:effectRef idx="0">
+        <a:scrgbClr r="0" g="0" b="0"/>
+      </a:effectRef>
+      <a:fontRef idx="minor">
+        <a:schemeClr val="lt1"/>
+      </a:fontRef>
+    </dgm:style>
+  </dgm:styleLbl>
+  <dgm:styleLbl name="vennNode1">
+    <dgm:scene3d>
+      <a:camera prst="orthographicFront"/>
+      <a:lightRig rig="threePt" dir="t"/>
+    </dgm:scene3d>
+    <dgm:sp3d/>
+    <dgm:txPr/>
+    <dgm:style>
+      <a:lnRef idx="2">
+        <a:scrgbClr r="0" g="0" b="0"/>
+      </a:lnRef>
+      <a:fillRef idx="1">
+        <a:scrgbClr r="0" g="0" b="0"/>
+      </a:fillRef>
+      <a:effectRef idx="0">
+        <a:scrgbClr r="0" g="0" b="0"/>
+      </a:effectRef>
+      <a:fontRef idx="minor">
+        <a:schemeClr val="tx1"/>
+      </a:fontRef>
+    </dgm:style>
+  </dgm:styleLbl>
+  <dgm:styleLbl name="alignNode1">
+    <dgm:scene3d>
+      <a:camera prst="orthographicFront"/>
+      <a:lightRig rig="threePt" dir="t"/>
+    </dgm:scene3d>
+    <dgm:sp3d/>
+    <dgm:txPr/>
+    <dgm:style>
+      <a:lnRef idx="2">
+        <a:scrgbClr r="0" g="0" b="0"/>
+      </a:lnRef>
+      <a:fillRef idx="1">
+        <a:scrgbClr r="0" g="0" b="0"/>
+      </a:fillRef>
+      <a:effectRef idx="0">
+        <a:scrgbClr r="0" g="0" b="0"/>
+      </a:effectRef>
+      <a:fontRef idx="minor">
+        <a:schemeClr val="lt1"/>
+      </a:fontRef>
+    </dgm:style>
+  </dgm:styleLbl>
+  <dgm:styleLbl name="node1">
+    <dgm:scene3d>
+      <a:camera prst="orthographicFront"/>
+      <a:lightRig rig="threePt" dir="t"/>
+    </dgm:scene3d>
+    <dgm:sp3d/>
+    <dgm:txPr/>
+    <dgm:style>
+      <a:lnRef idx="2">
+        <a:scrgbClr r="0" g="0" b="0"/>
+      </a:lnRef>
+      <a:fillRef idx="1">
+        <a:scrgbClr r="0" g="0" b="0"/>
+      </a:fillRef>
+      <a:effectRef idx="0">
+        <a:scrgbClr r="0" g="0" b="0"/>
+      </a:effectRef>
+      <a:fontRef idx="minor">
+        <a:schemeClr val="lt1"/>
+      </a:fontRef>
+    </dgm:style>
+  </dgm:styleLbl>
+  <dgm:styleLbl name="node2">
+    <dgm:scene3d>
+      <a:camera prst="orthographicFront"/>
+      <a:lightRig rig="threePt" dir="t"/>
+    </dgm:scene3d>
+    <dgm:sp3d/>
+    <dgm:txPr/>
+    <dgm:style>
+      <a:lnRef idx="2">
+        <a:scrgbClr r="0" g="0" b="0"/>
+      </a:lnRef>
+      <a:fillRef idx="1">
+        <a:scrgbClr r="0" g="0" b="0"/>
+      </a:fillRef>
+      <a:effectRef idx="0">
+        <a:scrgbClr r="0" g="0" b="0"/>
+      </a:effectRef>
+      <a:fontRef idx="minor">
+        <a:schemeClr val="lt1"/>
+      </a:fontRef>
+    </dgm:style>
+  </dgm:styleLbl>
+  <dgm:styleLbl name="node3">
+    <dgm:scene3d>
+      <a:camera prst="orthographicFront"/>
+      <a:lightRig rig="threePt" dir="t"/>
+    </dgm:scene3d>
+    <dgm:sp3d/>
+    <dgm:txPr/>
+    <dgm:style>
+      <a:lnRef idx="2">
+        <a:scrgbClr r="0" g="0" b="0"/>
+      </a:lnRef>
+      <a:fillRef idx="1">
+        <a:scrgbClr r="0" g="0" b="0"/>
+      </a:fillRef>
+      <a:effectRef idx="0">
+        <a:scrgbClr r="0" g="0" b="0"/>
+      </a:effectRef>
+      <a:fontRef idx="minor">
+        <a:schemeClr val="lt1"/>
+      </a:fontRef>
+    </dgm:style>
+  </dgm:styleLbl>
+  <dgm:styleLbl name="node4">
+    <dgm:scene3d>
+      <a:camera prst="orthographicFront"/>
+      <a:lightRig rig="threePt" dir="t"/>
+    </dgm:scene3d>
+    <dgm:sp3d/>
+    <dgm:txPr/>
+    <dgm:style>
+      <a:lnRef idx="2">
+        <a:scrgbClr r="0" g="0" b="0"/>
+      </a:lnRef>
+      <a:fillRef idx="1">
+        <a:scrgbClr r="0" g="0" b="0"/>
+      </a:fillRef>
+      <a:effectRef idx="0">
+        <a:scrgbClr r="0" g="0" b="0"/>
+      </a:effectRef>
+      <a:fontRef idx="minor">
+        <a:schemeClr val="lt1"/>
+      </a:fontRef>
+    </dgm:style>
+  </dgm:styleLbl>
+  <dgm:styleLbl name="fgImgPlace1">
+    <dgm:scene3d>
+      <a:camera prst="orthographicFront"/>
+      <a:lightRig rig="threePt" dir="t"/>
+    </dgm:scene3d>
+    <dgm:sp3d/>
+    <dgm:txPr/>
+    <dgm:style>
+      <a:lnRef idx="2">
+        <a:scrgbClr r="0" g="0" b="0"/>
+      </a:lnRef>
+      <a:fillRef idx="1">
+        <a:scrgbClr r="0" g="0" b="0"/>
+      </a:fillRef>
+      <a:effectRef idx="0">
+        <a:scrgbClr r="0" g="0" b="0"/>
+      </a:effectRef>
+      <a:fontRef idx="minor"/>
+    </dgm:style>
+  </dgm:styleLbl>
+  <dgm:styleLbl name="alignImgPlace1">
+    <dgm:scene3d>
+      <a:camera prst="orthographicFront"/>
+      <a:lightRig rig="threePt" dir="t"/>
+    </dgm:scene3d>
+    <dgm:sp3d/>
+    <dgm:txPr/>
+    <dgm:style>
+      <a:lnRef idx="2">
+        <a:scrgbClr r="0" g="0" b="0"/>
+      </a:lnRef>
+      <a:fillRef idx="1">
+        <a:scrgbClr r="0" g="0" b="0"/>
+      </a:fillRef>
+      <a:effectRef idx="0">
+        <a:scrgbClr r="0" g="0" b="0"/>
+      </a:effectRef>
+      <a:fontRef idx="minor"/>
+    </dgm:style>
+  </dgm:styleLbl>
+  <dgm:styleLbl name="bgImgPlace1">
+    <dgm:scene3d>
+      <a:camera prst="orthographicFront"/>
+      <a:lightRig rig="threePt" dir="t"/>
+    </dgm:scene3d>
+    <dgm:sp3d/>
+    <dgm:txPr/>
+    <dgm:style>
+      <a:lnRef idx="2">
+        <a:scrgbClr r="0" g="0" b="0"/>
+      </a:lnRef>
+      <a:fillRef idx="1">
+        <a:scrgbClr r="0" g="0" b="0"/>
+      </a:fillRef>
+      <a:effectRef idx="0">
+        <a:scrgbClr r="0" g="0" b="0"/>
+      </a:effectRef>
+      <a:fontRef idx="minor"/>
+    </dgm:style>
+  </dgm:styleLbl>
+  <dgm:styleLbl name="sibTrans2D1">
+    <dgm:scene3d>
+      <a:camera prst="orthographicFront"/>
+      <a:lightRig rig="threePt" dir="t"/>
+    </dgm:scene3d>
+    <dgm:sp3d/>
+    <dgm:txPr/>
+    <dgm:style>
+      <a:lnRef idx="0">
+        <a:scrgbClr r="0" g="0" b="0"/>
+      </a:lnRef>
+      <a:fillRef idx="1">
+        <a:scrgbClr r="0" g="0" b="0"/>
+      </a:fillRef>
+      <a:effectRef idx="0">
+        <a:scrgbClr r="0" g="0" b="0"/>
+      </a:effectRef>
+      <a:fontRef idx="minor">
+        <a:schemeClr val="lt1"/>
+      </a:fontRef>
+    </dgm:style>
+  </dgm:styleLbl>
+  <dgm:styleLbl name="fgSibTrans2D1">
+    <dgm:scene3d>
+      <a:camera prst="orthographicFront"/>
+      <a:lightRig rig="threePt" dir="t"/>
+    </dgm:scene3d>
+    <dgm:sp3d/>
+    <dgm:txPr/>
+    <dgm:style>
+      <a:lnRef idx="0">
+        <a:scrgbClr r="0" g="0" b="0"/>
+      </a:lnRef>
+      <a:fillRef idx="1">
+        <a:scrgbClr r="0" g="0" b="0"/>
+      </a:fillRef>
+      <a:effectRef idx="0">
+        <a:scrgbClr r="0" g="0" b="0"/>
+      </a:effectRef>
+      <a:fontRef idx="minor">
+        <a:schemeClr val="lt1"/>
+      </a:fontRef>
+    </dgm:style>
+  </dgm:styleLbl>
+  <dgm:styleLbl name="bgSibTrans2D1">
+    <dgm:scene3d>
+      <a:camera prst="orthographicFront"/>
+      <a:lightRig rig="threePt" dir="t"/>
+    </dgm:scene3d>
+    <dgm:sp3d/>
+    <dgm:txPr/>
+    <dgm:style>
+      <a:lnRef idx="0">
+        <a:scrgbClr r="0" g="0" b="0"/>
+      </a:lnRef>
+      <a:fillRef idx="1">
+        <a:scrgbClr r="0" g="0" b="0"/>
+      </a:fillRef>
+      <a:effectRef idx="0">
+        <a:scrgbClr r="0" g="0" b="0"/>
+      </a:effectRef>
+      <a:fontRef idx="minor">
+        <a:schemeClr val="lt1"/>
+      </a:fontRef>
+    </dgm:style>
+  </dgm:styleLbl>
+  <dgm:styleLbl name="sibTrans1D1">
+    <dgm:scene3d>
+      <a:camera prst="orthographicFront"/>
+      <a:lightRig rig="threePt" dir="t"/>
+    </dgm:scene3d>
+    <dgm:sp3d/>
+    <dgm:txPr/>
+    <dgm:style>
+      <a:lnRef idx="1">
+        <a:scrgbClr r="0" g="0" b="0"/>
+      </a:lnRef>
+      <a:fillRef idx="0">
+        <a:scrgbClr r="0" g="0" b="0"/>
+      </a:fillRef>
+      <a:effectRef idx="0">
+        <a:scrgbClr r="0" g="0" b="0"/>
+      </a:effectRef>
+      <a:fontRef idx="minor"/>
+    </dgm:style>
+  </dgm:styleLbl>
+  <dgm:styleLbl name="callout">
+    <dgm:scene3d>
+      <a:camera prst="orthographicFront"/>
+      <a:lightRig rig="threePt" dir="t"/>
+    </dgm:scene3d>
+    <dgm:sp3d/>
+    <dgm:txPr/>
+    <dgm:style>
+      <a:lnRef idx="2">
+        <a:scrgbClr r="0" g="0" b="0"/>
+      </a:lnRef>
+      <a:fillRef idx="1">
+        <a:scrgbClr r="0" g="0" b="0"/>
+      </a:fillRef>
+      <a:effectRef idx="0">
+        <a:scrgbClr r="0" g="0" b="0"/>
+      </a:effectRef>
+      <a:fontRef idx="minor"/>
+    </dgm:style>
+  </dgm:styleLbl>
+  <dgm:styleLbl name="asst0">
+    <dgm:scene3d>
+      <a:camera prst="orthographicFront"/>
+      <a:lightRig rig="threePt" dir="t"/>
+    </dgm:scene3d>
+    <dgm:sp3d/>
+    <dgm:txPr/>
+    <dgm:style>
+      <a:lnRef idx="2">
+        <a:scrgbClr r="0" g="0" b="0"/>
+      </a:lnRef>
+      <a:fillRef idx="1">
+        <a:scrgbClr r="0" g="0" b="0"/>
+      </a:fillRef>
+      <a:effectRef idx="0">
+        <a:scrgbClr r="0" g="0" b="0"/>
+      </a:effectRef>
+      <a:fontRef idx="minor">
+        <a:schemeClr val="lt1"/>
+      </a:fontRef>
+    </dgm:style>
+  </dgm:styleLbl>
+  <dgm:styleLbl name="asst1">
+    <dgm:scene3d>
+      <a:camera prst="orthographicFront"/>
+      <a:lightRig rig="threePt" dir="t"/>
+    </dgm:scene3d>
+    <dgm:sp3d/>
+    <dgm:txPr/>
+    <dgm:style>
+      <a:lnRef idx="2">
+        <a:scrgbClr r="0" g="0" b="0"/>
+      </a:lnRef>
+      <a:fillRef idx="1">
+        <a:scrgbClr r="0" g="0" b="0"/>
+      </a:fillRef>
+      <a:effectRef idx="0">
+        <a:scrgbClr r="0" g="0" b="0"/>
+      </a:effectRef>
+      <a:fontRef idx="minor">
+        <a:schemeClr val="lt1"/>
+      </a:fontRef>
+    </dgm:style>
+  </dgm:styleLbl>
+  <dgm:styleLbl name="asst2">
+    <dgm:scene3d>
+      <a:camera prst="orthographicFront"/>
+      <a:lightRig rig="threePt" dir="t"/>
+    </dgm:scene3d>
+    <dgm:sp3d/>
+    <dgm:txPr/>
+    <dgm:style>
+      <a:lnRef idx="2">
+        <a:scrgbClr r="0" g="0" b="0"/>
+      </a:lnRef>
+      <a:fillRef idx="1">
+        <a:scrgbClr r="0" g="0" b="0"/>
+      </a:fillRef>
+      <a:effectRef idx="0">
+        <a:scrgbClr r="0" g="0" b="0"/>
+      </a:effectRef>
+      <a:fontRef idx="minor">
+        <a:schemeClr val="lt1"/>
+      </a:fontRef>
+    </dgm:style>
+  </dgm:styleLbl>
+  <dgm:styleLbl name="asst3">
+    <dgm:scene3d>
+      <a:camera prst="orthographicFront"/>
+      <a:lightRig rig="threePt" dir="t"/>
+    </dgm:scene3d>
+    <dgm:sp3d/>
+    <dgm:txPr/>
+    <dgm:style>
+      <a:lnRef idx="2">
+        <a:scrgbClr r="0" g="0" b="0"/>
+      </a:lnRef>
+      <a:fillRef idx="1">
+        <a:scrgbClr r="0" g="0" b="0"/>
+      </a:fillRef>
+      <a:effectRef idx="0">
+        <a:scrgbClr r="0" g="0" b="0"/>
+      </a:effectRef>
+      <a:fontRef idx="minor">
+        <a:schemeClr val="lt1"/>
+      </a:fontRef>
+    </dgm:style>
+  </dgm:styleLbl>
+  <dgm:styleLbl name="asst4">
+    <dgm:scene3d>
+      <a:camera prst="orthographicFront"/>
+      <a:lightRig rig="threePt" dir="t"/>
+    </dgm:scene3d>
+    <dgm:sp3d/>
+    <dgm:txPr/>
+    <dgm:style>
+      <a:lnRef idx="2">
+        <a:scrgbClr r="0" g="0" b="0"/>
+      </a:lnRef>
+      <a:fillRef idx="1">
+        <a:scrgbClr r="0" g="0" b="0"/>
+      </a:fillRef>
+      <a:effectRef idx="0">
+        <a:scrgbClr r="0" g="0" b="0"/>
+      </a:effectRef>
+      <a:fontRef idx="minor">
+        <a:schemeClr val="lt1"/>
+      </a:fontRef>
+    </dgm:style>
+  </dgm:styleLbl>
+  <dgm:styleLbl name="parChTrans2D1">
+    <dgm:scene3d>
+      <a:camera prst="orthographicFront"/>
+      <a:lightRig rig="threePt" dir="t"/>
+    </dgm:scene3d>
+    <dgm:sp3d/>
+    <dgm:txPr/>
+    <dgm:style>
+      <a:lnRef idx="2">
+        <a:scrgbClr r="0" g="0" b="0"/>
+      </a:lnRef>
+      <a:fillRef idx="1">
+        <a:scrgbClr r="0" g="0" b="0"/>
+      </a:fillRef>
+      <a:effectRef idx="0">
+        <a:scrgbClr r="0" g="0" b="0"/>
+      </a:effectRef>
+      <a:fontRef idx="minor">
+        <a:schemeClr val="lt1"/>
+      </a:fontRef>
+    </dgm:style>
+  </dgm:styleLbl>
+  <dgm:styleLbl name="parChTrans2D2">
+    <dgm:scene3d>
+      <a:camera prst="orthographicFront"/>
+      <a:lightRig rig="threePt" dir="t"/>
+    </dgm:scene3d>
+    <dgm:sp3d/>
+    <dgm:txPr/>
+    <dgm:style>
+      <a:lnRef idx="2">
+        <a:scrgbClr r="0" g="0" b="0"/>
+      </a:lnRef>
+      <a:fillRef idx="1">
+        <a:scrgbClr r="0" g="0" b="0"/>
+      </a:fillRef>
+      <a:effectRef idx="0">
+        <a:scrgbClr r="0" g="0" b="0"/>
+      </a:effectRef>
+      <a:fontRef idx="minor">
+        <a:schemeClr val="lt1"/>
+      </a:fontRef>
+    </dgm:style>
+  </dgm:styleLbl>
+  <dgm:styleLbl name="parChTrans2D3">
+    <dgm:scene3d>
+      <a:camera prst="orthographicFront"/>
+      <a:lightRig rig="threePt" dir="t"/>
+    </dgm:scene3d>
+    <dgm:sp3d/>
+    <dgm:txPr/>
+    <dgm:style>
+      <a:lnRef idx="2">
+        <a:scrgbClr r="0" g="0" b="0"/>
+      </a:lnRef>
+      <a:fillRef idx="1">
+        <a:scrgbClr r="0" g="0" b="0"/>
+      </a:fillRef>
+      <a:effectRef idx="0">
+        <a:scrgbClr r="0" g="0" b="0"/>
+      </a:effectRef>
+      <a:fontRef idx="minor">
+        <a:schemeClr val="lt1"/>
+      </a:fontRef>
+    </dgm:style>
+  </dgm:styleLbl>
+  <dgm:styleLbl name="parChTrans2D4">
+    <dgm:scene3d>
+      <a:camera prst="orthographicFront"/>
+      <a:lightRig rig="threePt" dir="t"/>
+    </dgm:scene3d>
+    <dgm:sp3d/>
+    <dgm:txPr/>
+    <dgm:style>
+      <a:lnRef idx="2">
+        <a:scrgbClr r="0" g="0" b="0"/>
+      </a:lnRef>
+      <a:fillRef idx="1">
+        <a:scrgbClr r="0" g="0" b="0"/>
+      </a:fillRef>
+      <a:effectRef idx="0">
+        <a:scrgbClr r="0" g="0" b="0"/>
+      </a:effectRef>
+      <a:fontRef idx="minor">
+        <a:schemeClr val="lt1"/>
+      </a:fontRef>
+    </dgm:style>
+  </dgm:styleLbl>
+  <dgm:styleLbl name="parChTrans1D1">
+    <dgm:scene3d>
+      <a:camera prst="orthographicFront"/>
+      <a:lightRig rig="threePt" dir="t"/>
+    </dgm:scene3d>
+    <dgm:sp3d/>
+    <dgm:txPr/>
+    <dgm:style>
+      <a:lnRef idx="2">
+        <a:scrgbClr r="0" g="0" b="0"/>
+      </a:lnRef>
+      <a:fillRef idx="0">
+        <a:scrgbClr r="0" g="0" b="0"/>
+      </a:fillRef>
+      <a:effectRef idx="0">
+        <a:scrgbClr r="0" g="0" b="0"/>
+      </a:effectRef>
+      <a:fontRef idx="minor"/>
+    </dgm:style>
+  </dgm:styleLbl>
+  <dgm:styleLbl name="parChTrans1D2">
+    <dgm:scene3d>
+      <a:camera prst="orthographicFront"/>
+      <a:lightRig rig="threePt" dir="t"/>
+    </dgm:scene3d>
+    <dgm:sp3d/>
+    <dgm:txPr/>
+    <dgm:style>
+      <a:lnRef idx="2">
+        <a:scrgbClr r="0" g="0" b="0"/>
+      </a:lnRef>
+      <a:fillRef idx="0">
+        <a:scrgbClr r="0" g="0" b="0"/>
+      </a:fillRef>
+      <a:effectRef idx="0">
+        <a:scrgbClr r="0" g="0" b="0"/>
+      </a:effectRef>
+      <a:fontRef idx="minor"/>
+    </dgm:style>
+  </dgm:styleLbl>
+  <dgm:styleLbl name="parChTrans1D3">
+    <dgm:scene3d>
+      <a:camera prst="orthographicFront"/>
+      <a:lightRig rig="threePt" dir="t"/>
+    </dgm:scene3d>
+    <dgm:sp3d/>
+    <dgm:txPr/>
+    <dgm:style>
+      <a:lnRef idx="2">
+        <a:scrgbClr r="0" g="0" b="0"/>
+      </a:lnRef>
+      <a:fillRef idx="0">
+        <a:scrgbClr r="0" g="0" b="0"/>
+      </a:fillRef>
+      <a:effectRef idx="0">
+        <a:scrgbClr r="0" g="0" b="0"/>
+      </a:effectRef>
+      <a:fontRef idx="minor"/>
+    </dgm:style>
+  </dgm:styleLbl>
+  <dgm:styleLbl name="parChTrans1D4">
+    <dgm:scene3d>
+      <a:camera prst="orthographicFront"/>
+      <a:lightRig rig="threePt" dir="t"/>
+    </dgm:scene3d>
+    <dgm:sp3d/>
+    <dgm:txPr/>
+    <dgm:style>
+      <a:lnRef idx="2">
+        <a:scrgbClr r="0" g="0" b="0"/>
+      </a:lnRef>
+      <a:fillRef idx="0">
+        <a:scrgbClr r="0" g="0" b="0"/>
+      </a:fillRef>
+      <a:effectRef idx="0">
+        <a:scrgbClr r="0" g="0" b="0"/>
+      </a:effectRef>
+      <a:fontRef idx="minor"/>
+    </dgm:style>
+  </dgm:styleLbl>
+  <dgm:styleLbl name="fgAcc1">
+    <dgm:scene3d>
+      <a:camera prst="orthographicFront"/>
+      <a:lightRig rig="threePt" dir="t"/>
+    </dgm:scene3d>
+    <dgm:sp3d/>
+    <dgm:txPr/>
+    <dgm:style>
+      <a:lnRef idx="2">
+        <a:scrgbClr r="0" g="0" b="0"/>
+      </a:lnRef>
+      <a:fillRef idx="1">
+        <a:scrgbClr r="0" g="0" b="0"/>
+      </a:fillRef>
+      <a:effectRef idx="0">
+        <a:scrgbClr r="0" g="0" b="0"/>
+      </a:effectRef>
+      <a:fontRef idx="minor"/>
+    </dgm:style>
+  </dgm:styleLbl>
+  <dgm:styleLbl name="conFgAcc1">
+    <dgm:scene3d>
+      <a:camera prst="orthographicFront"/>
+      <a:lightRig rig="threePt" dir="t"/>
+    </dgm:scene3d>
+    <dgm:sp3d/>
+    <dgm:txPr/>
+    <dgm:style>
+      <a:lnRef idx="2">
+        <a:scrgbClr r="0" g="0" b="0"/>
+      </a:lnRef>
+      <a:fillRef idx="1">
+        <a:scrgbClr r="0" g="0" b="0"/>
+      </a:fillRef>
+      <a:effectRef idx="0">
+        <a:scrgbClr r="0" g="0" b="0"/>
+      </a:effectRef>
+      <a:fontRef idx="minor"/>
+    </dgm:style>
+  </dgm:styleLbl>
+  <dgm:styleLbl name="alignAcc1">
+    <dgm:scene3d>
+      <a:camera prst="orthographicFront"/>
+      <a:lightRig rig="threePt" dir="t"/>
+    </dgm:scene3d>
+    <dgm:sp3d/>
+    <dgm:txPr/>
+    <dgm:style>
+      <a:lnRef idx="2">
+        <a:scrgbClr r="0" g="0" b="0"/>
+      </a:lnRef>
+      <a:fillRef idx="1">
+        <a:scrgbClr r="0" g="0" b="0"/>
+      </a:fillRef>
+      <a:effectRef idx="0">
+        <a:scrgbClr r="0" g="0" b="0"/>
+      </a:effectRef>
+      <a:fontRef idx="minor"/>
+    </dgm:style>
+  </dgm:styleLbl>
+  <dgm:styleLbl name="trAlignAcc1">
+    <dgm:scene3d>
+      <a:camera prst="orthographicFront"/>
+      <a:lightRig rig="threePt" dir="t"/>
+    </dgm:scene3d>
+    <dgm:sp3d/>
+    <dgm:txPr/>
+    <dgm:style>
+      <a:lnRef idx="1">
+        <a:scrgbClr r="0" g="0" b="0"/>
+      </a:lnRef>
+      <a:fillRef idx="1">
+        <a:scrgbClr r="0" g="0" b="0"/>
+      </a:fillRef>
+      <a:effectRef idx="0">
+        <a:scrgbClr r="0" g="0" b="0"/>
+      </a:effectRef>
+      <a:fontRef idx="minor"/>
+    </dgm:style>
+  </dgm:styleLbl>
+  <dgm:styleLbl name="bgAcc1">
+    <dgm:scene3d>
+      <a:camera prst="orthographicFront"/>
+      <a:lightRig rig="threePt" dir="t"/>
+    </dgm:scene3d>
+    <dgm:sp3d/>
+    <dgm:txPr/>
+    <dgm:style>
+      <a:lnRef idx="2">
+        <a:scrgbClr r="0" g="0" b="0"/>
+      </a:lnRef>
+      <a:fillRef idx="1">
+        <a:scrgbClr r="0" g="0" b="0"/>
+      </a:fillRef>
+      <a:effectRef idx="0">
+        <a:scrgbClr r="0" g="0" b="0"/>
+      </a:effectRef>
+      <a:fontRef idx="minor"/>
+    </dgm:style>
+  </dgm:styleLbl>
+  <dgm:styleLbl name="solidFgAcc1">
+    <dgm:scene3d>
+      <a:camera prst="orthographicFront"/>
+      <a:lightRig rig="threePt" dir="t"/>
+    </dgm:scene3d>
+    <dgm:sp3d/>
+    <dgm:txPr/>
+    <dgm:style>
+      <a:lnRef idx="2">
+        <a:scrgbClr r="0" g="0" b="0"/>
+      </a:lnRef>
+      <a:fillRef idx="1">
+        <a:scrgbClr r="0" g="0" b="0"/>
+      </a:fillRef>
+      <a:effectRef idx="0">
+        <a:scrgbClr r="0" g="0" b="0"/>
+      </a:effectRef>
+      <a:fontRef idx="minor"/>
+    </dgm:style>
+  </dgm:styleLbl>
+  <dgm:styleLbl name="solidAlignAcc1">
+    <dgm:scene3d>
+      <a:camera prst="orthographicFront"/>
+      <a:lightRig rig="threePt" dir="t"/>
+    </dgm:scene3d>
+    <dgm:sp3d/>
+    <dgm:txPr/>
+    <dgm:style>
+      <a:lnRef idx="2">
+        <a:scrgbClr r="0" g="0" b="0"/>
+      </a:lnRef>
+      <a:fillRef idx="1">
+        <a:scrgbClr r="0" g="0" b="0"/>
+      </a:fillRef>
+      <a:effectRef idx="0">
+        <a:scrgbClr r="0" g="0" b="0"/>
+      </a:effectRef>
+      <a:fontRef idx="minor"/>
+    </dgm:style>
+  </dgm:styleLbl>
+  <dgm:styleLbl name="solidBgAcc1">
+    <dgm:scene3d>
+      <a:camera prst="orthographicFront"/>
+      <a:lightRig rig="threePt" dir="t"/>
+    </dgm:scene3d>
+    <dgm:sp3d/>
+    <dgm:txPr/>
+    <dgm:style>
+      <a:lnRef idx="2">
+        <a:scrgbClr r="0" g="0" b="0"/>
+      </a:lnRef>
+      <a:fillRef idx="1">
+        <a:scrgbClr r="0" g="0" b="0"/>
+      </a:fillRef>
+      <a:effectRef idx="0">
+        <a:scrgbClr r="0" g="0" b="0"/>
+      </a:effectRef>
+      <a:fontRef idx="minor"/>
+    </dgm:style>
+  </dgm:styleLbl>
+  <dgm:styleLbl name="fgAccFollowNode1">
+    <dgm:scene3d>
+      <a:camera prst="orthographicFront"/>
+      <a:lightRig rig="threePt" dir="t"/>
+    </dgm:scene3d>
+    <dgm:sp3d/>
+    <dgm:txPr/>
+    <dgm:style>
+      <a:lnRef idx="2">
+        <a:scrgbClr r="0" g="0" b="0"/>
+      </a:lnRef>
+      <a:fillRef idx="1">
+        <a:scrgbClr r="0" g="0" b="0"/>
+      </a:fillRef>
+      <a:effectRef idx="0">
+        <a:scrgbClr r="0" g="0" b="0"/>
+      </a:effectRef>
+      <a:fontRef idx="minor"/>
+    </dgm:style>
+  </dgm:styleLbl>
+  <dgm:styleLbl name="alignAccFollowNode1">
+    <dgm:scene3d>
+      <a:camera prst="orthographicFront"/>
+      <a:lightRig rig="threePt" dir="t"/>
+    </dgm:scene3d>
+    <dgm:sp3d/>
+    <dgm:txPr/>
+    <dgm:style>
+      <a:lnRef idx="2">
+        <a:scrgbClr r="0" g="0" b="0"/>
+      </a:lnRef>
+      <a:fillRef idx="1">
+        <a:scrgbClr r="0" g="0" b="0"/>
+      </a:fillRef>
+      <a:effectRef idx="0">
+        <a:scrgbClr r="0" g="0" b="0"/>
+      </a:effectRef>
+      <a:fontRef idx="minor"/>
+    </dgm:style>
+  </dgm:styleLbl>
+  <dgm:styleLbl name="bgAccFollowNode1">
+    <dgm:scene3d>
+      <a:camera prst="orthographicFront"/>
+      <a:lightRig rig="threePt" dir="t"/>
+    </dgm:scene3d>
+    <dgm:sp3d/>
+    <dgm:txPr/>
+    <dgm:style>
+      <a:lnRef idx="2">
+        <a:scrgbClr r="0" g="0" b="0"/>
+      </a:lnRef>
+      <a:fillRef idx="1">
+        <a:scrgbClr r="0" g="0" b="0"/>
+      </a:fillRef>
+      <a:effectRef idx="0">
+        <a:scrgbClr r="0" g="0" b="0"/>
+      </a:effectRef>
+      <a:fontRef idx="minor"/>
+    </dgm:style>
+  </dgm:styleLbl>
+  <dgm:styleLbl name="fgAcc0">
+    <dgm:scene3d>
+      <a:camera prst="orthographicFront"/>
+      <a:lightRig rig="threePt" dir="t"/>
+    </dgm:scene3d>
+    <dgm:sp3d/>
+    <dgm:txPr/>
+    <dgm:style>
+      <a:lnRef idx="2">
+        <a:scrgbClr r="0" g="0" b="0"/>
+      </a:lnRef>
+      <a:fillRef idx="1">
+        <a:scrgbClr r="0" g="0" b="0"/>
+      </a:fillRef>
+      <a:effectRef idx="0">
+        <a:scrgbClr r="0" g="0" b="0"/>
+      </a:effectRef>
+      <a:fontRef idx="minor"/>
+    </dgm:style>
+  </dgm:styleLbl>
+  <dgm:styleLbl name="fgAcc2">
+    <dgm:scene3d>
+      <a:camera prst="orthographicFront"/>
+      <a:lightRig rig="threePt" dir="t"/>
+    </dgm:scene3d>
+    <dgm:sp3d/>
+    <dgm:txPr/>
+    <dgm:style>
+      <a:lnRef idx="2">
+        <a:scrgbClr r="0" g="0" b="0"/>
+      </a:lnRef>
+      <a:fillRef idx="1">
+        <a:scrgbClr r="0" g="0" b="0"/>
+      </a:fillRef>
+      <a:effectRef idx="0">
+        <a:scrgbClr r="0" g="0" b="0"/>
+      </a:effectRef>
+      <a:fontRef idx="minor"/>
+    </dgm:style>
+  </dgm:styleLbl>
+  <dgm:styleLbl name="fgAcc3">
+    <dgm:scene3d>
+      <a:camera prst="orthographicFront"/>
+      <a:lightRig rig="threePt" dir="t"/>
+    </dgm:scene3d>
+    <dgm:sp3d/>
+    <dgm:txPr/>
+    <dgm:style>
+      <a:lnRef idx="2">
+        <a:scrgbClr r="0" g="0" b="0"/>
+      </a:lnRef>
+      <a:fillRef idx="1">
+        <a:scrgbClr r="0" g="0" b="0"/>
+      </a:fillRef>
+      <a:effectRef idx="0">
+        <a:scrgbClr r="0" g="0" b="0"/>
+      </a:effectRef>
+      <a:fontRef idx="minor"/>
+    </dgm:style>
+  </dgm:styleLbl>
+  <dgm:styleLbl name="fgAcc4">
+    <dgm:scene3d>
+      <a:camera prst="orthographicFront"/>
+      <a:lightRig rig="threePt" dir="t"/>
+    </dgm:scene3d>
+    <dgm:sp3d/>
+    <dgm:txPr/>
+    <dgm:style>
+      <a:lnRef idx="2">
+        <a:scrgbClr r="0" g="0" b="0"/>
+      </a:lnRef>
+      <a:fillRef idx="1">
+        <a:scrgbClr r="0" g="0" b="0"/>
+      </a:fillRef>
+      <a:effectRef idx="0">
+        <a:scrgbClr r="0" g="0" b="0"/>
+      </a:effectRef>
+      <a:fontRef idx="minor"/>
+    </dgm:style>
+  </dgm:styleLbl>
+  <dgm:styleLbl name="bgShp">
+    <dgm:scene3d>
+      <a:camera prst="orthographicFront"/>
+      <a:lightRig rig="threePt" dir="t"/>
+    </dgm:scene3d>
+    <dgm:sp3d/>
+    <dgm:txPr/>
+    <dgm:style>
+      <a:lnRef idx="0">
+        <a:scrgbClr r="0" g="0" b="0"/>
+      </a:lnRef>
+      <a:fillRef idx="1">
+        <a:scrgbClr r="0" g="0" b="0"/>
+      </a:fillRef>
+      <a:effectRef idx="0">
+        <a:scrgbClr r="0" g="0" b="0"/>
+      </a:effectRef>
+      <a:fontRef idx="minor"/>
+    </dgm:style>
+  </dgm:styleLbl>
+  <dgm:styleLbl name="dkBgShp">
+    <dgm:scene3d>
+      <a:camera prst="orthographicFront"/>
+      <a:lightRig rig="threePt" dir="t"/>
+    </dgm:scene3d>
+    <dgm:sp3d/>
+    <dgm:txPr/>
+    <dgm:style>
+      <a:lnRef idx="0">
+        <a:scrgbClr r="0" g="0" b="0"/>
+      </a:lnRef>
+      <a:fillRef idx="1">
+        <a:scrgbClr r="0" g="0" b="0"/>
+      </a:fillRef>
+      <a:effectRef idx="0">
+        <a:scrgbClr r="0" g="0" b="0"/>
+      </a:effectRef>
+      <a:fontRef idx="minor"/>
+    </dgm:style>
+  </dgm:styleLbl>
+  <dgm:styleLbl name="trBgShp">
+    <dgm:scene3d>
+      <a:camera prst="orthographicFront"/>
+      <a:lightRig rig="threePt" dir="t"/>
+    </dgm:scene3d>
+    <dgm:sp3d/>
+    <dgm:txPr/>
+    <dgm:style>
+      <a:lnRef idx="0">
+        <a:scrgbClr r="0" g="0" b="0"/>
+      </a:lnRef>
+      <a:fillRef idx="1">
+        <a:scrgbClr r="0" g="0" b="0"/>
+      </a:fillRef>
+      <a:effectRef idx="0">
+        <a:scrgbClr r="0" g="0" b="0"/>
+      </a:effectRef>
+      <a:fontRef idx="minor"/>
+    </dgm:style>
+  </dgm:styleLbl>
+  <dgm:styleLbl name="fgShp">
+    <dgm:scene3d>
+      <a:camera prst="orthographicFront"/>
+      <a:lightRig rig="threePt" dir="t"/>
+    </dgm:scene3d>
+    <dgm:sp3d/>
+    <dgm:txPr/>
+    <dgm:style>
+      <a:lnRef idx="2">
+        <a:scrgbClr r="0" g="0" b="0"/>
+      </a:lnRef>
+      <a:fillRef idx="1">
+        <a:scrgbClr r="0" g="0" b="0"/>
+      </a:fillRef>
+      <a:effectRef idx="0">
+        <a:scrgbClr r="0" g="0" b="0"/>
+      </a:effectRef>
+      <a:fontRef idx="minor"/>
+    </dgm:style>
+  </dgm:styleLbl>
+  <dgm:styleLbl name="revTx">
+    <dgm:scene3d>
+      <a:camera prst="orthographicFront"/>
+      <a:lightRig rig="threePt" dir="t"/>
+    </dgm:scene3d>
+    <dgm:sp3d/>
+    <dgm:txPr/>
+    <dgm:style>
+      <a:lnRef idx="0">
+        <a:scrgbClr r="0" g="0" b="0"/>
+      </a:lnRef>
+      <a:fillRef idx="0">
+        <a:scrgbClr r="0" g="0" b="0"/>
+      </a:fillRef>
+      <a:effectRef idx="0">
+        <a:scrgbClr r="0" g="0" b="0"/>
+      </a:effectRef>
+      <a:fontRef idx="minor"/>
+    </dgm:style>
+  </dgm:styleLbl>
+</dgm:styleDef>
 </file>
 
 <file path=ppt/notesMasters/notesMaster1.xml><?xml version="1.0" encoding="utf-8"?>
@@ -6535,6 +10298,14 @@
 <file path=ppt/slides/slide2.xml><?xml version="1.0" encoding="utf-8"?>
 <p:sld xmlns:a="http://schemas.openxmlformats.org/drawingml/2006/main" xmlns:r="http://schemas.openxmlformats.org/officeDocument/2006/relationships" xmlns:p="http://schemas.openxmlformats.org/presentationml/2006/main">
   <p:cSld>
+    <p:bg>
+      <p:bgPr>
+        <a:solidFill>
+          <a:schemeClr val="bg1"/>
+        </a:solidFill>
+        <a:effectLst/>
+      </p:bgPr>
+    </p:bg>
     <p:spTree>
       <p:nvGrpSpPr>
         <p:cNvPr id="1" name=""/>
@@ -6565,80 +10336,57 @@
             <p:ph type="title"/>
           </p:nvPr>
         </p:nvSpPr>
-        <p:spPr/>
-        <p:txBody>
-          <a:bodyPr/>
+        <p:spPr>
+          <a:xfrm>
+            <a:off x="2895600" y="764373"/>
+            <a:ext cx="8610600" cy="1293028"/>
+          </a:xfrm>
+        </p:spPr>
+        <p:txBody>
+          <a:bodyPr>
+            <a:normAutofit/>
+          </a:bodyPr>
           <a:lstStyle/>
           <a:p>
             <a:r>
-              <a:rPr lang="en-CA" dirty="0"/>
+              <a:rPr lang="en-CA"/>
               <a:t>Introduction</a:t>
             </a:r>
-          </a:p>
-        </p:txBody>
-      </p:sp>
-      <p:sp>
-        <p:nvSpPr>
-          <p:cNvPr id="3" name="Content Placeholder 2">
+            <a:endParaRPr lang="en-CA" dirty="0"/>
+          </a:p>
+        </p:txBody>
+      </p:sp>
+      <p:graphicFrame>
+        <p:nvGraphicFramePr>
+          <p:cNvPr id="5" name="Content Placeholder 2">
             <a:extLst>
               <a:ext uri="{FF2B5EF4-FFF2-40B4-BE49-F238E27FC236}">
-                <a16:creationId xmlns:a16="http://schemas.microsoft.com/office/drawing/2014/main" id="{8470DD8B-8C9C-405A-9A7C-8738BDE21930}"/>
+                <a16:creationId xmlns:a16="http://schemas.microsoft.com/office/drawing/2014/main" id="{C2063875-20F5-4289-87FC-EB6C48FBACD7}"/>
               </a:ext>
             </a:extLst>
           </p:cNvPr>
-          <p:cNvSpPr>
-            <a:spLocks noGrp="1"/>
-          </p:cNvSpPr>
+          <p:cNvGraphicFramePr>
+            <a:graphicFrameLocks noGrp="1"/>
+          </p:cNvGraphicFramePr>
           <p:nvPr>
             <p:ph idx="1"/>
-          </p:nvPr>
-        </p:nvSpPr>
-        <p:spPr/>
-        <p:txBody>
-          <a:bodyPr/>
-          <a:lstStyle/>
-          <a:p>
-            <a:r>
-              <a:rPr lang="en-CA" dirty="0"/>
-              <a:t>Action/Platformer/Puzzle (3D)</a:t>
-            </a:r>
-          </a:p>
-          <a:p>
-            <a:r>
-              <a:rPr lang="en-CA" dirty="0"/>
-              <a:t>PC</a:t>
-            </a:r>
-          </a:p>
-          <a:p>
-            <a:r>
-              <a:rPr lang="en-CA" dirty="0"/>
-              <a:t>Everyone ages 12 and up</a:t>
-            </a:r>
-          </a:p>
-          <a:p>
-            <a:r>
-              <a:rPr lang="en-CA" dirty="0"/>
-              <a:t>Trine (2009) meets Captain Claw (1997)</a:t>
-            </a:r>
-          </a:p>
-          <a:p>
-            <a:r>
-              <a:rPr lang="en-US" dirty="0"/>
-              <a:t>Medieval/Fantasy/Apocalyptic setting</a:t>
-            </a:r>
-          </a:p>
-          <a:p>
-            <a:r>
-              <a:rPr lang="en-US" dirty="0" err="1"/>
-              <a:t>Mistborn</a:t>
-            </a:r>
-            <a:r>
-              <a:rPr lang="en-US" dirty="0"/>
-              <a:t> Trilogy – Brandon Sanderson</a:t>
-            </a:r>
-          </a:p>
-        </p:txBody>
-      </p:sp>
+            <p:extLst>
+              <p:ext uri="{D42A27DB-BD31-4B8C-83A1-F6EECF244321}">
+                <p14:modId xmlns:p14="http://schemas.microsoft.com/office/powerpoint/2010/main" val="3660811800"/>
+              </p:ext>
+            </p:extLst>
+          </p:nvPr>
+        </p:nvGraphicFramePr>
+        <p:xfrm>
+          <a:off x="685800" y="2441051"/>
+          <a:ext cx="10820400" cy="3530062"/>
+        </p:xfrm>
+        <a:graphic>
+          <a:graphicData uri="http://schemas.openxmlformats.org/drawingml/2006/diagram">
+            <dgm:relIds xmlns:dgm="http://schemas.openxmlformats.org/drawingml/2006/diagram" xmlns:r="http://schemas.openxmlformats.org/officeDocument/2006/relationships" r:dm="rId2" r:lo="rId3" r:qs="rId4" r:cs="rId5"/>
+          </a:graphicData>
+        </a:graphic>
+      </p:graphicFrame>
     </p:spTree>
     <p:extLst>
       <p:ext uri="{BB962C8B-B14F-4D97-AF65-F5344CB8AC3E}">
@@ -6655,6 +10403,38 @@
 <file path=ppt/slides/slide3.xml><?xml version="1.0" encoding="utf-8"?>
 <p:sld xmlns:a="http://schemas.openxmlformats.org/drawingml/2006/main" xmlns:r="http://schemas.openxmlformats.org/officeDocument/2006/relationships" xmlns:p="http://schemas.openxmlformats.org/presentationml/2006/main">
   <p:cSld>
+    <p:bg>
+      <p:bgPr>
+        <a:gradFill rotWithShape="1">
+          <a:gsLst>
+            <a:gs pos="0">
+              <a:schemeClr val="bg1">
+                <a:tint val="93000"/>
+                <a:shade val="98000"/>
+                <a:satMod val="150000"/>
+                <a:lumMod val="102000"/>
+              </a:schemeClr>
+            </a:gs>
+            <a:gs pos="50000">
+              <a:schemeClr val="bg1">
+                <a:tint val="98000"/>
+                <a:shade val="90000"/>
+                <a:satMod val="130000"/>
+                <a:lumMod val="103000"/>
+              </a:schemeClr>
+            </a:gs>
+            <a:gs pos="100000">
+              <a:schemeClr val="bg1">
+                <a:shade val="63000"/>
+                <a:satMod val="120000"/>
+              </a:schemeClr>
+            </a:gs>
+          </a:gsLst>
+          <a:lin ang="5400000" scaled="0"/>
+        </a:gradFill>
+        <a:effectLst/>
+      </p:bgPr>
+    </p:bg>
     <p:spTree>
       <p:nvGrpSpPr>
         <p:cNvPr id="1" name=""/>
@@ -6669,6 +10449,96 @@
           <a:chExt cx="0" cy="0"/>
         </a:xfrm>
       </p:grpSpPr>
+      <p:sp useBgFill="1">
+        <p:nvSpPr>
+          <p:cNvPr id="8" name="Rectangle 7">
+            <a:extLst>
+              <a:ext uri="{FF2B5EF4-FFF2-40B4-BE49-F238E27FC236}">
+                <a16:creationId xmlns:a16="http://schemas.microsoft.com/office/drawing/2014/main" id="{24C41CF4-4A13-4AA9-9300-CB7A2E37C861}"/>
+              </a:ext>
+              <a:ext uri="{C183D7F6-B498-43B3-948B-1728B52AA6E4}">
+                <adec:decorative xmlns:adec="http://schemas.microsoft.com/office/drawing/2017/decorative" val="1"/>
+              </a:ext>
+            </a:extLst>
+          </p:cNvPr>
+          <p:cNvSpPr>
+            <a:spLocks noGrp="1" noRot="1" noChangeAspect="1" noMove="1" noResize="1" noEditPoints="1" noAdjustHandles="1" noChangeArrowheads="1" noChangeShapeType="1" noTextEdit="1"/>
+          </p:cNvSpPr>
+          <p:nvPr>
+            <p:extLst>
+              <p:ext uri="{386F3935-93C4-4BCD-93E2-E3B085C9AB24}">
+                <p16:designElem xmlns:p16="http://schemas.microsoft.com/office/powerpoint/2015/main" val="1"/>
+              </p:ext>
+            </p:extLst>
+          </p:nvPr>
+        </p:nvSpPr>
+        <p:spPr>
+          <a:xfrm>
+            <a:off x="1" y="0"/>
+            <a:ext cx="12192000" cy="6858000"/>
+          </a:xfrm>
+          <a:prstGeom prst="rect">
+            <a:avLst/>
+          </a:prstGeom>
+          <a:ln>
+            <a:noFill/>
+          </a:ln>
+          <a:effectLst/>
+        </p:spPr>
+        <p:style>
+          <a:lnRef idx="2">
+            <a:schemeClr val="accent1">
+              <a:shade val="50000"/>
+            </a:schemeClr>
+          </a:lnRef>
+          <a:fillRef idx="1">
+            <a:schemeClr val="accent1"/>
+          </a:fillRef>
+          <a:effectRef idx="0">
+            <a:schemeClr val="accent1"/>
+          </a:effectRef>
+          <a:fontRef idx="minor">
+            <a:schemeClr val="lt1"/>
+          </a:fontRef>
+        </p:style>
+        <p:txBody>
+          <a:bodyPr rtlCol="0" anchor="ctr"/>
+          <a:lstStyle/>
+          <a:p>
+            <a:pPr marL="0" marR="0" lvl="0" indent="0" algn="ctr" defTabSz="457200" rtl="0" eaLnBrk="1" fontAlgn="auto" latinLnBrk="0" hangingPunct="1">
+              <a:lnSpc>
+                <a:spcPct val="100000"/>
+              </a:lnSpc>
+              <a:spcBef>
+                <a:spcPts val="0"/>
+              </a:spcBef>
+              <a:spcAft>
+                <a:spcPts val="0"/>
+              </a:spcAft>
+              <a:buClrTx/>
+              <a:buSzTx/>
+              <a:buFontTx/>
+              <a:buNone/>
+              <a:tabLst/>
+              <a:defRPr/>
+            </a:pPr>
+            <a:endParaRPr kumimoji="0" lang="en-US" sz="1800" b="0" i="0" u="none" strike="noStrike" kern="1200" cap="none" spc="0" normalizeH="0" baseline="0" noProof="0">
+              <a:ln>
+                <a:noFill/>
+              </a:ln>
+              <a:solidFill>
+                <a:prstClr val="white"/>
+              </a:solidFill>
+              <a:effectLst/>
+              <a:uLnTx/>
+              <a:uFillTx/>
+              <a:latin typeface="Century Gothic" panose="020B0502020202020204"/>
+              <a:ea typeface="+mn-ea"/>
+              <a:cs typeface="+mn-cs"/>
+            </a:endParaRPr>
+          </a:p>
+        </p:txBody>
+      </p:sp>
       <p:sp>
         <p:nvSpPr>
           <p:cNvPr id="2" name="Title 1">
@@ -6685,9 +10555,16 @@
             <p:ph type="title"/>
           </p:nvPr>
         </p:nvSpPr>
-        <p:spPr/>
-        <p:txBody>
-          <a:bodyPr/>
+        <p:spPr>
+          <a:xfrm>
+            <a:off x="683609" y="764372"/>
+            <a:ext cx="3173688" cy="5216013"/>
+          </a:xfrm>
+        </p:spPr>
+        <p:txBody>
+          <a:bodyPr>
+            <a:normAutofit/>
+          </a:bodyPr>
           <a:lstStyle/>
           <a:p>
             <a:r>
@@ -6697,6 +10574,58 @@
           </a:p>
         </p:txBody>
       </p:sp>
+      <p:cxnSp>
+        <p:nvCxnSpPr>
+          <p:cNvPr id="10" name="Straight Connector 9">
+            <a:extLst>
+              <a:ext uri="{FF2B5EF4-FFF2-40B4-BE49-F238E27FC236}">
+                <a16:creationId xmlns:a16="http://schemas.microsoft.com/office/drawing/2014/main" id="{7A77B115-9FF3-46AE-AE08-826DEB9A6246}"/>
+              </a:ext>
+              <a:ext uri="{C183D7F6-B498-43B3-948B-1728B52AA6E4}">
+                <adec:decorative xmlns:adec="http://schemas.microsoft.com/office/drawing/2017/decorative" val="1"/>
+              </a:ext>
+            </a:extLst>
+          </p:cNvPr>
+          <p:cNvCxnSpPr>
+            <a:cxnSpLocks noGrp="1" noRot="1" noChangeAspect="1" noMove="1" noResize="1" noEditPoints="1" noAdjustHandles="1" noChangeArrowheads="1" noChangeShapeType="1"/>
+          </p:cNvCxnSpPr>
+          <p:nvPr>
+            <p:extLst>
+              <p:ext uri="{386F3935-93C4-4BCD-93E2-E3B085C9AB24}">
+                <p16:designElem xmlns:p16="http://schemas.microsoft.com/office/powerpoint/2015/main" val="1"/>
+              </p:ext>
+            </p:extLst>
+          </p:nvPr>
+        </p:nvCxnSpPr>
+        <p:spPr>
+          <a:xfrm>
+            <a:off x="4127197" y="1923563"/>
+            <a:ext cx="0" cy="3017520"/>
+          </a:xfrm>
+          <a:prstGeom prst="line">
+            <a:avLst/>
+          </a:prstGeom>
+          <a:ln w="19050">
+            <a:solidFill>
+              <a:schemeClr val="accent1"/>
+            </a:solidFill>
+          </a:ln>
+        </p:spPr>
+        <p:style>
+          <a:lnRef idx="1">
+            <a:schemeClr val="accent1"/>
+          </a:lnRef>
+          <a:fillRef idx="0">
+            <a:schemeClr val="accent1"/>
+          </a:fillRef>
+          <a:effectRef idx="0">
+            <a:schemeClr val="accent1"/>
+          </a:effectRef>
+          <a:fontRef idx="minor">
+            <a:schemeClr val="tx1"/>
+          </a:fontRef>
+        </p:style>
+      </p:cxnSp>
       <p:sp>
         <p:nvSpPr>
           <p:cNvPr id="3" name="Content Placeholder 2">
@@ -6713,69 +10642,75 @@
             <p:ph idx="1"/>
           </p:nvPr>
         </p:nvSpPr>
-        <p:spPr/>
-        <p:txBody>
-          <a:bodyPr/>
+        <p:spPr>
+          <a:xfrm>
+            <a:off x="4370138" y="764372"/>
+            <a:ext cx="7086600" cy="5216013"/>
+          </a:xfrm>
+        </p:spPr>
+        <p:txBody>
+          <a:bodyPr anchor="ctr">
+            <a:normAutofit/>
+          </a:bodyPr>
           <a:lstStyle/>
           <a:p>
             <a:r>
-              <a:rPr lang="en-US" dirty="0"/>
+              <a:rPr lang="en-US" sz="2000"/>
               <a:t>Cold, desolate world where ash falls constantly from the sky and mists come</a:t>
             </a:r>
             <a:r>
-              <a:rPr lang="en-CA" dirty="0"/>
+              <a:rPr lang="en-CA" sz="2000"/>
               <a:t> </a:t>
             </a:r>
             <a:r>
-              <a:rPr lang="en-US" dirty="0"/>
+              <a:rPr lang="en-US" sz="2000"/>
               <a:t>out during the night</a:t>
             </a:r>
           </a:p>
           <a:p>
             <a:r>
-              <a:rPr lang="en-US" dirty="0"/>
+              <a:rPr lang="en-US" sz="2000"/>
               <a:t>Fiery red sun</a:t>
             </a:r>
           </a:p>
           <a:p>
             <a:r>
-              <a:rPr lang="en-US" dirty="0" err="1"/>
+              <a:rPr lang="en-US" sz="2000"/>
               <a:t>Yora</a:t>
             </a:r>
-            <a:endParaRPr lang="en-US" dirty="0"/>
-          </a:p>
-          <a:p>
-            <a:r>
-              <a:rPr lang="en-CA" dirty="0"/>
+          </a:p>
+          <a:p>
+            <a:r>
+              <a:rPr lang="en-CA" sz="2000"/>
               <a:t>Cast ashore after attack at sea</a:t>
             </a:r>
           </a:p>
           <a:p>
             <a:r>
-              <a:rPr lang="en-CA" dirty="0"/>
+              <a:rPr lang="en-CA" sz="2000"/>
               <a:t>Abandoned village</a:t>
             </a:r>
           </a:p>
           <a:p>
             <a:r>
-              <a:rPr lang="en-CA" dirty="0"/>
+              <a:rPr lang="en-CA" sz="2000"/>
               <a:t>Snapping after traumatic events</a:t>
             </a:r>
           </a:p>
           <a:p>
             <a:r>
-              <a:rPr lang="en-CA" dirty="0"/>
+              <a:rPr lang="en-CA" sz="2000"/>
               <a:t>Thumping sound coming from Well of Ascension</a:t>
             </a:r>
           </a:p>
           <a:p>
             <a:r>
-              <a:rPr lang="en-CA" dirty="0"/>
+              <a:rPr lang="en-CA" sz="2000"/>
               <a:t>Mastery of new found abilities to overcome what awaits at the Well</a:t>
             </a:r>
           </a:p>
           <a:p>
-            <a:endParaRPr lang="en-CA" dirty="0"/>
+            <a:endParaRPr lang="en-CA" sz="2000"/>
           </a:p>
         </p:txBody>
       </p:sp>
@@ -7064,6 +10999,829 @@
     <p:extLst>
       <p:ext uri="{BB962C8B-B14F-4D97-AF65-F5344CB8AC3E}">
         <p14:creationId xmlns:p14="http://schemas.microsoft.com/office/powerpoint/2010/main" val="3988521410"/>
+      </p:ext>
+    </p:extLst>
+  </p:cSld>
+  <p:clrMapOvr>
+    <a:masterClrMapping/>
+  </p:clrMapOvr>
+</p:sld>
+</file>
+
+<file path=ppt/slides/slide6.xml><?xml version="1.0" encoding="utf-8"?>
+<p:sld xmlns:a="http://schemas.openxmlformats.org/drawingml/2006/main" xmlns:r="http://schemas.openxmlformats.org/officeDocument/2006/relationships" xmlns:p="http://schemas.openxmlformats.org/presentationml/2006/main">
+  <p:cSld>
+    <p:spTree>
+      <p:nvGrpSpPr>
+        <p:cNvPr id="1" name=""/>
+        <p:cNvGrpSpPr/>
+        <p:nvPr/>
+      </p:nvGrpSpPr>
+      <p:grpSpPr>
+        <a:xfrm>
+          <a:off x="0" y="0"/>
+          <a:ext cx="0" cy="0"/>
+          <a:chOff x="0" y="0"/>
+          <a:chExt cx="0" cy="0"/>
+        </a:xfrm>
+      </p:grpSpPr>
+      <p:sp>
+        <p:nvSpPr>
+          <p:cNvPr id="2" name="Title 1">
+            <a:extLst>
+              <a:ext uri="{FF2B5EF4-FFF2-40B4-BE49-F238E27FC236}">
+                <a16:creationId xmlns:a16="http://schemas.microsoft.com/office/drawing/2014/main" id="{DA528756-F236-4597-8A7F-C955B6DA7B0C}"/>
+              </a:ext>
+            </a:extLst>
+          </p:cNvPr>
+          <p:cNvSpPr>
+            <a:spLocks noGrp="1"/>
+          </p:cNvSpPr>
+          <p:nvPr>
+            <p:ph type="ctrTitle"/>
+          </p:nvPr>
+        </p:nvSpPr>
+        <p:spPr>
+          <a:xfrm>
+            <a:off x="6746628" y="1783959"/>
+            <a:ext cx="4645250" cy="2889114"/>
+          </a:xfrm>
+        </p:spPr>
+        <p:txBody>
+          <a:bodyPr anchor="b">
+            <a:normAutofit/>
+          </a:bodyPr>
+          <a:lstStyle/>
+          <a:p>
+            <a:pPr algn="l"/>
+            <a:r>
+              <a:rPr lang="en-US" dirty="0"/>
+              <a:t>Related Games</a:t>
+            </a:r>
+          </a:p>
+        </p:txBody>
+      </p:sp>
+      <p:pic>
+        <p:nvPicPr>
+          <p:cNvPr id="5" name="Picture 4">
+            <a:extLst>
+              <a:ext uri="{FF2B5EF4-FFF2-40B4-BE49-F238E27FC236}">
+                <a16:creationId xmlns:a16="http://schemas.microsoft.com/office/drawing/2014/main" id="{79F40D22-E022-4625-896E-200E70446F7B}"/>
+              </a:ext>
+            </a:extLst>
+          </p:cNvPr>
+          <p:cNvPicPr>
+            <a:picLocks noChangeAspect="1"/>
+          </p:cNvPicPr>
+          <p:nvPr/>
+        </p:nvPicPr>
+        <p:blipFill rotWithShape="1">
+          <a:blip r:embed="rId2">
+            <a:extLst>
+              <a:ext uri="{28A0092B-C50C-407E-A947-70E740481C1C}">
+                <a14:useLocalDpi xmlns:a14="http://schemas.microsoft.com/office/drawing/2010/main" val="0"/>
+              </a:ext>
+            </a:extLst>
+          </a:blip>
+          <a:srcRect l="25612" r="24977"/>
+          <a:stretch/>
+        </p:blipFill>
+        <p:spPr>
+          <a:xfrm>
+            <a:off x="20" y="10"/>
+            <a:ext cx="6024134" cy="6857990"/>
+          </a:xfrm>
+          <a:custGeom>
+            <a:avLst/>
+            <a:gdLst>
+              <a:gd name="connsiteX0" fmla="*/ 0 w 6024154"/>
+              <a:gd name="connsiteY0" fmla="*/ 0 h 6858000"/>
+              <a:gd name="connsiteX1" fmla="*/ 5953780 w 6024154"/>
+              <a:gd name="connsiteY1" fmla="*/ 0 h 6858000"/>
+              <a:gd name="connsiteX2" fmla="*/ 5989880 w 6024154"/>
+              <a:gd name="connsiteY2" fmla="*/ 284091 h 6858000"/>
+              <a:gd name="connsiteX3" fmla="*/ 6024154 w 6024154"/>
+              <a:gd name="connsiteY3" fmla="*/ 962844 h 6858000"/>
+              <a:gd name="connsiteX4" fmla="*/ 2549934 w 6024154"/>
+              <a:gd name="connsiteY4" fmla="*/ 6800152 h 6858000"/>
+              <a:gd name="connsiteX5" fmla="*/ 2436987 w 6024154"/>
+              <a:gd name="connsiteY5" fmla="*/ 6858000 h 6858000"/>
+              <a:gd name="connsiteX6" fmla="*/ 0 w 6024154"/>
+              <a:gd name="connsiteY6" fmla="*/ 6858000 h 6858000"/>
+            </a:gdLst>
+            <a:ahLst/>
+            <a:cxnLst>
+              <a:cxn ang="0">
+                <a:pos x="connsiteX0" y="connsiteY0"/>
+              </a:cxn>
+              <a:cxn ang="0">
+                <a:pos x="connsiteX1" y="connsiteY1"/>
+              </a:cxn>
+              <a:cxn ang="0">
+                <a:pos x="connsiteX2" y="connsiteY2"/>
+              </a:cxn>
+              <a:cxn ang="0">
+                <a:pos x="connsiteX3" y="connsiteY3"/>
+              </a:cxn>
+              <a:cxn ang="0">
+                <a:pos x="connsiteX4" y="connsiteY4"/>
+              </a:cxn>
+              <a:cxn ang="0">
+                <a:pos x="connsiteX5" y="connsiteY5"/>
+              </a:cxn>
+              <a:cxn ang="0">
+                <a:pos x="connsiteX6" y="connsiteY6"/>
+              </a:cxn>
+            </a:cxnLst>
+            <a:rect l="l" t="t" r="r" b="b"/>
+            <a:pathLst>
+              <a:path w="6024154" h="6858000">
+                <a:moveTo>
+                  <a:pt x="0" y="0"/>
+                </a:moveTo>
+                <a:lnTo>
+                  <a:pt x="5953780" y="0"/>
+                </a:lnTo>
+                <a:lnTo>
+                  <a:pt x="5989880" y="284091"/>
+                </a:lnTo>
+                <a:cubicBezTo>
+                  <a:pt x="6012544" y="507260"/>
+                  <a:pt x="6024154" y="733696"/>
+                  <a:pt x="6024154" y="962844"/>
+                </a:cubicBezTo>
+                <a:cubicBezTo>
+                  <a:pt x="6024154" y="3483472"/>
+                  <a:pt x="4619336" y="5675986"/>
+                  <a:pt x="2549934" y="6800152"/>
+                </a:cubicBezTo>
+                <a:lnTo>
+                  <a:pt x="2436987" y="6858000"/>
+                </a:lnTo>
+                <a:lnTo>
+                  <a:pt x="0" y="6858000"/>
+                </a:lnTo>
+                <a:close/>
+              </a:path>
+            </a:pathLst>
+          </a:custGeom>
+        </p:spPr>
+      </p:pic>
+    </p:spTree>
+    <p:extLst>
+      <p:ext uri="{BB962C8B-B14F-4D97-AF65-F5344CB8AC3E}">
+        <p14:creationId xmlns:p14="http://schemas.microsoft.com/office/powerpoint/2010/main" val="3952525713"/>
+      </p:ext>
+    </p:extLst>
+  </p:cSld>
+  <p:clrMapOvr>
+    <a:masterClrMapping/>
+  </p:clrMapOvr>
+</p:sld>
+</file>
+
+<file path=ppt/slides/slide7.xml><?xml version="1.0" encoding="utf-8"?>
+<p:sld xmlns:a="http://schemas.openxmlformats.org/drawingml/2006/main" xmlns:r="http://schemas.openxmlformats.org/officeDocument/2006/relationships" xmlns:p="http://schemas.openxmlformats.org/presentationml/2006/main">
+  <p:cSld>
+    <p:spTree>
+      <p:nvGrpSpPr>
+        <p:cNvPr id="1" name=""/>
+        <p:cNvGrpSpPr/>
+        <p:nvPr/>
+      </p:nvGrpSpPr>
+      <p:grpSpPr>
+        <a:xfrm>
+          <a:off x="0" y="0"/>
+          <a:ext cx="0" cy="0"/>
+          <a:chOff x="0" y="0"/>
+          <a:chExt cx="0" cy="0"/>
+        </a:xfrm>
+      </p:grpSpPr>
+      <p:pic>
+        <p:nvPicPr>
+          <p:cNvPr id="13" name="Picture 12">
+            <a:extLst>
+              <a:ext uri="{FF2B5EF4-FFF2-40B4-BE49-F238E27FC236}">
+                <a16:creationId xmlns:a16="http://schemas.microsoft.com/office/drawing/2014/main" id="{F7F40CC1-B91C-405D-86DB-3763D1610DA0}"/>
+              </a:ext>
+            </a:extLst>
+          </p:cNvPr>
+          <p:cNvPicPr>
+            <a:picLocks noChangeAspect="1"/>
+          </p:cNvPicPr>
+          <p:nvPr/>
+        </p:nvPicPr>
+        <p:blipFill>
+          <a:blip r:embed="rId2">
+            <a:extLst>
+              <a:ext uri="{28A0092B-C50C-407E-A947-70E740481C1C}">
+                <a14:useLocalDpi xmlns:a14="http://schemas.microsoft.com/office/drawing/2010/main" val="0"/>
+              </a:ext>
+            </a:extLst>
+          </a:blip>
+          <a:stretch>
+            <a:fillRect/>
+          </a:stretch>
+        </p:blipFill>
+        <p:spPr>
+          <a:xfrm>
+            <a:off x="6016101" y="2836470"/>
+            <a:ext cx="5755689" cy="3597306"/>
+          </a:xfrm>
+          <a:prstGeom prst="rect">
+            <a:avLst/>
+          </a:prstGeom>
+        </p:spPr>
+      </p:pic>
+      <p:sp>
+        <p:nvSpPr>
+          <p:cNvPr id="8" name="TextBox 7">
+            <a:extLst>
+              <a:ext uri="{FF2B5EF4-FFF2-40B4-BE49-F238E27FC236}">
+                <a16:creationId xmlns:a16="http://schemas.microsoft.com/office/drawing/2014/main" id="{522B4089-8075-413B-BBA8-2004BACD00DF}"/>
+              </a:ext>
+            </a:extLst>
+          </p:cNvPr>
+          <p:cNvSpPr txBox="1"/>
+          <p:nvPr/>
+        </p:nvSpPr>
+        <p:spPr>
+          <a:xfrm>
+            <a:off x="603681" y="424224"/>
+            <a:ext cx="7022237" cy="707886"/>
+          </a:xfrm>
+          <a:prstGeom prst="rect">
+            <a:avLst/>
+          </a:prstGeom>
+          <a:noFill/>
+        </p:spPr>
+        <p:txBody>
+          <a:bodyPr wrap="square" rtlCol="0">
+            <a:spAutoFit/>
+          </a:bodyPr>
+          <a:lstStyle/>
+          <a:p>
+            <a:r>
+              <a:rPr lang="en-US" sz="4000" dirty="0"/>
+              <a:t>Trine (2009)</a:t>
+            </a:r>
+          </a:p>
+        </p:txBody>
+      </p:sp>
+      <p:sp>
+        <p:nvSpPr>
+          <p:cNvPr id="9" name="TextBox 8">
+            <a:extLst>
+              <a:ext uri="{FF2B5EF4-FFF2-40B4-BE49-F238E27FC236}">
+                <a16:creationId xmlns:a16="http://schemas.microsoft.com/office/drawing/2014/main" id="{68768386-8138-4EDF-B8B5-ED5FBD8E6BF4}"/>
+              </a:ext>
+            </a:extLst>
+          </p:cNvPr>
+          <p:cNvSpPr txBox="1"/>
+          <p:nvPr/>
+        </p:nvSpPr>
+        <p:spPr>
+          <a:xfrm>
+            <a:off x="603681" y="1605511"/>
+            <a:ext cx="12083757" cy="3693319"/>
+          </a:xfrm>
+          <a:prstGeom prst="rect">
+            <a:avLst/>
+          </a:prstGeom>
+          <a:noFill/>
+        </p:spPr>
+        <p:txBody>
+          <a:bodyPr wrap="none" rtlCol="0">
+            <a:spAutoFit/>
+          </a:bodyPr>
+          <a:lstStyle/>
+          <a:p>
+            <a:pPr marL="285750" indent="-285750">
+              <a:buFont typeface="Arial" panose="020B0604020202020204" pitchFamily="34" charset="0"/>
+              <a:buChar char="•"/>
+            </a:pPr>
+            <a:r>
+              <a:rPr lang="en-US" dirty="0" err="1"/>
+              <a:t>Mistborn</a:t>
+            </a:r>
+            <a:r>
+              <a:rPr lang="en-US" dirty="0"/>
+              <a:t> has a similar visual representation style like Trine, a 3D world with side scrolling gameplay</a:t>
+            </a:r>
+          </a:p>
+          <a:p>
+            <a:pPr marL="285750" indent="-285750">
+              <a:buFont typeface="Arial" panose="020B0604020202020204" pitchFamily="34" charset="0"/>
+              <a:buChar char="•"/>
+            </a:pPr>
+            <a:r>
+              <a:rPr lang="en-US" dirty="0"/>
+              <a:t>Enemies can be fought as long as we have pewter, other wise the player can always manipulate </a:t>
+            </a:r>
+          </a:p>
+          <a:p>
+            <a:r>
+              <a:rPr lang="en-US" dirty="0"/>
+              <a:t>      the environment to deal with enemies.</a:t>
+            </a:r>
+          </a:p>
+          <a:p>
+            <a:pPr marL="285750" indent="-285750">
+              <a:buFont typeface="Arial" panose="020B0604020202020204" pitchFamily="34" charset="0"/>
+              <a:buChar char="•"/>
+            </a:pPr>
+            <a:r>
+              <a:rPr lang="en-US" dirty="0"/>
+              <a:t>Consuming iron or steel allows you to interact with objects like rocks or smaller debris which can be used</a:t>
+            </a:r>
+          </a:p>
+          <a:p>
+            <a:r>
+              <a:rPr lang="en-US" dirty="0"/>
+              <a:t>      against enemies.</a:t>
+            </a:r>
+          </a:p>
+          <a:p>
+            <a:pPr marL="285750" indent="-285750">
+              <a:buFont typeface="Arial" panose="020B0604020202020204" pitchFamily="34" charset="0"/>
+              <a:buChar char="•"/>
+            </a:pPr>
+            <a:r>
+              <a:rPr lang="en-US" dirty="0"/>
+              <a:t>Like Trine, </a:t>
+            </a:r>
+            <a:r>
+              <a:rPr lang="en-US" dirty="0" err="1"/>
+              <a:t>mistborn</a:t>
+            </a:r>
+            <a:r>
+              <a:rPr lang="en-US" dirty="0"/>
+              <a:t> would have a logical </a:t>
+            </a:r>
+          </a:p>
+          <a:p>
+            <a:r>
+              <a:rPr lang="en-US" dirty="0"/>
+              <a:t>	platforming game design:</a:t>
+            </a:r>
+          </a:p>
+          <a:p>
+            <a:r>
+              <a:rPr lang="en-US" dirty="0"/>
+              <a:t>	meaning, there would not be any platforms</a:t>
+            </a:r>
+          </a:p>
+          <a:p>
+            <a:r>
+              <a:rPr lang="en-US" dirty="0"/>
+              <a:t>	 floating in mid air.</a:t>
+            </a:r>
+          </a:p>
+          <a:p>
+            <a:r>
+              <a:rPr lang="en-US" dirty="0"/>
+              <a:t>	Every platform would exist logically, whether</a:t>
+            </a:r>
+          </a:p>
+          <a:p>
+            <a:r>
+              <a:rPr lang="en-US" dirty="0"/>
+              <a:t>	 being a part of a wall</a:t>
+            </a:r>
+          </a:p>
+          <a:p>
+            <a:r>
+              <a:rPr lang="en-US" dirty="0"/>
+              <a:t>	or a rock. </a:t>
+            </a:r>
+          </a:p>
+          <a:p>
+            <a:pPr marL="285750" indent="-285750">
+              <a:buFont typeface="Arial" panose="020B0604020202020204" pitchFamily="34" charset="0"/>
+              <a:buChar char="•"/>
+            </a:pPr>
+            <a:r>
+              <a:rPr lang="en-US" dirty="0"/>
+              <a:t>This would be a realistic design approach</a:t>
+            </a:r>
+          </a:p>
+        </p:txBody>
+      </p:sp>
+    </p:spTree>
+    <p:extLst>
+      <p:ext uri="{BB962C8B-B14F-4D97-AF65-F5344CB8AC3E}">
+        <p14:creationId xmlns:p14="http://schemas.microsoft.com/office/powerpoint/2010/main" val="2413054764"/>
+      </p:ext>
+    </p:extLst>
+  </p:cSld>
+  <p:clrMapOvr>
+    <a:masterClrMapping/>
+  </p:clrMapOvr>
+</p:sld>
+</file>
+
+<file path=ppt/slides/slide8.xml><?xml version="1.0" encoding="utf-8"?>
+<p:sld xmlns:a="http://schemas.openxmlformats.org/drawingml/2006/main" xmlns:r="http://schemas.openxmlformats.org/officeDocument/2006/relationships" xmlns:p="http://schemas.openxmlformats.org/presentationml/2006/main">
+  <p:cSld>
+    <p:spTree>
+      <p:nvGrpSpPr>
+        <p:cNvPr id="1" name=""/>
+        <p:cNvGrpSpPr/>
+        <p:nvPr/>
+      </p:nvGrpSpPr>
+      <p:grpSpPr>
+        <a:xfrm>
+          <a:off x="0" y="0"/>
+          <a:ext cx="0" cy="0"/>
+          <a:chOff x="0" y="0"/>
+          <a:chExt cx="0" cy="0"/>
+        </a:xfrm>
+      </p:grpSpPr>
+      <p:sp>
+        <p:nvSpPr>
+          <p:cNvPr id="2" name="Title 1">
+            <a:extLst>
+              <a:ext uri="{FF2B5EF4-FFF2-40B4-BE49-F238E27FC236}">
+                <a16:creationId xmlns:a16="http://schemas.microsoft.com/office/drawing/2014/main" id="{FA5F7EDA-982D-4A4D-AD1E-CCD5AC60C97C}"/>
+              </a:ext>
+            </a:extLst>
+          </p:cNvPr>
+          <p:cNvSpPr>
+            <a:spLocks noGrp="1"/>
+          </p:cNvSpPr>
+          <p:nvPr>
+            <p:ph type="title"/>
+          </p:nvPr>
+        </p:nvSpPr>
+        <p:spPr/>
+        <p:txBody>
+          <a:bodyPr/>
+          <a:lstStyle/>
+          <a:p>
+            <a:r>
+              <a:rPr lang="en-US" dirty="0"/>
+              <a:t>Inside (2016)</a:t>
+            </a:r>
+          </a:p>
+        </p:txBody>
+      </p:sp>
+      <p:sp>
+        <p:nvSpPr>
+          <p:cNvPr id="4" name="TextBox 3">
+            <a:extLst>
+              <a:ext uri="{FF2B5EF4-FFF2-40B4-BE49-F238E27FC236}">
+                <a16:creationId xmlns:a16="http://schemas.microsoft.com/office/drawing/2014/main" id="{2E4E655D-1B2C-4F42-A1B5-388FACD22817}"/>
+              </a:ext>
+            </a:extLst>
+          </p:cNvPr>
+          <p:cNvSpPr txBox="1"/>
+          <p:nvPr/>
+        </p:nvSpPr>
+        <p:spPr>
+          <a:xfrm>
+            <a:off x="568171" y="1652250"/>
+            <a:ext cx="6214369" cy="3416320"/>
+          </a:xfrm>
+          <a:prstGeom prst="rect">
+            <a:avLst/>
+          </a:prstGeom>
+          <a:noFill/>
+        </p:spPr>
+        <p:txBody>
+          <a:bodyPr wrap="square" rtlCol="0">
+            <a:spAutoFit/>
+          </a:bodyPr>
+          <a:lstStyle/>
+          <a:p>
+            <a:pPr marL="285750" indent="-285750">
+              <a:buFont typeface="Arial" panose="020B0604020202020204" pitchFamily="34" charset="0"/>
+              <a:buChar char="•"/>
+            </a:pPr>
+            <a:r>
+              <a:rPr lang="en-US" dirty="0"/>
+              <a:t>Inside presents to us, a dark setting where the damage has already been done. </a:t>
+            </a:r>
+          </a:p>
+          <a:p>
+            <a:pPr marL="285750" indent="-285750">
+              <a:buFont typeface="Arial" panose="020B0604020202020204" pitchFamily="34" charset="0"/>
+              <a:buChar char="•"/>
+            </a:pPr>
+            <a:r>
+              <a:rPr lang="en-US" dirty="0" err="1"/>
+              <a:t>Mistborn</a:t>
+            </a:r>
+            <a:r>
+              <a:rPr lang="en-US" dirty="0"/>
+              <a:t> has a similar dark post apocalyptic setting where you seek answers</a:t>
+            </a:r>
+          </a:p>
+          <a:p>
+            <a:pPr marL="285750" indent="-285750">
+              <a:buFont typeface="Arial" panose="020B0604020202020204" pitchFamily="34" charset="0"/>
+              <a:buChar char="•"/>
+            </a:pPr>
+            <a:r>
+              <a:rPr lang="en-US" dirty="0"/>
+              <a:t>In Inside, all other people except you are being mind controlled</a:t>
+            </a:r>
+          </a:p>
+          <a:p>
+            <a:pPr marL="285750" indent="-285750">
+              <a:buFont typeface="Arial" panose="020B0604020202020204" pitchFamily="34" charset="0"/>
+              <a:buChar char="•"/>
+            </a:pPr>
+            <a:r>
+              <a:rPr lang="en-US" dirty="0"/>
+              <a:t>The enemies in </a:t>
+            </a:r>
+            <a:r>
+              <a:rPr lang="en-US" dirty="0" err="1"/>
+              <a:t>mistborn</a:t>
+            </a:r>
+            <a:r>
+              <a:rPr lang="en-US" dirty="0"/>
+              <a:t> resembles this as all of them</a:t>
+            </a:r>
+          </a:p>
+          <a:p>
+            <a:r>
+              <a:rPr lang="en-US" dirty="0"/>
+              <a:t>      are being mind controlled by Ruin (the antagonist)</a:t>
+            </a:r>
+          </a:p>
+          <a:p>
+            <a:pPr marL="285750" indent="-285750">
+              <a:buFont typeface="Arial" panose="020B0604020202020204" pitchFamily="34" charset="0"/>
+              <a:buChar char="•"/>
+            </a:pPr>
+            <a:r>
+              <a:rPr lang="en-US" dirty="0" err="1"/>
+              <a:t>Jora</a:t>
+            </a:r>
+            <a:r>
+              <a:rPr lang="en-US" dirty="0"/>
+              <a:t>, who has free will happens to be just reaching the</a:t>
+            </a:r>
+          </a:p>
+          <a:p>
+            <a:r>
+              <a:rPr lang="en-US" dirty="0"/>
+              <a:t>      village where people have been mind controlled,</a:t>
+            </a:r>
+          </a:p>
+          <a:p>
+            <a:r>
+              <a:rPr lang="en-US" dirty="0"/>
+              <a:t>      so he is not affected …. Yet</a:t>
+            </a:r>
+          </a:p>
+          <a:p>
+            <a:pPr marL="285750" indent="-285750">
+              <a:buFont typeface="Arial" panose="020B0604020202020204" pitchFamily="34" charset="0"/>
+              <a:buChar char="•"/>
+            </a:pPr>
+            <a:r>
+              <a:rPr lang="en-US" dirty="0"/>
+              <a:t>Player would have to deal with the mind controlled enemies. </a:t>
+            </a:r>
+          </a:p>
+        </p:txBody>
+      </p:sp>
+      <p:pic>
+        <p:nvPicPr>
+          <p:cNvPr id="6" name="Picture 5">
+            <a:extLst>
+              <a:ext uri="{FF2B5EF4-FFF2-40B4-BE49-F238E27FC236}">
+                <a16:creationId xmlns:a16="http://schemas.microsoft.com/office/drawing/2014/main" id="{28AEB38B-C7E9-4FDD-94C5-4FECFCB71EF2}"/>
+              </a:ext>
+            </a:extLst>
+          </p:cNvPr>
+          <p:cNvPicPr>
+            <a:picLocks noChangeAspect="1"/>
+          </p:cNvPicPr>
+          <p:nvPr/>
+        </p:nvPicPr>
+        <p:blipFill>
+          <a:blip r:embed="rId2">
+            <a:extLst>
+              <a:ext uri="{28A0092B-C50C-407E-A947-70E740481C1C}">
+                <a14:useLocalDpi xmlns:a14="http://schemas.microsoft.com/office/drawing/2010/main" val="0"/>
+              </a:ext>
+            </a:extLst>
+          </a:blip>
+          <a:stretch>
+            <a:fillRect/>
+          </a:stretch>
+        </p:blipFill>
+        <p:spPr>
+          <a:xfrm>
+            <a:off x="6710688" y="1886111"/>
+            <a:ext cx="5241951" cy="2948598"/>
+          </a:xfrm>
+          <a:prstGeom prst="rect">
+            <a:avLst/>
+          </a:prstGeom>
+        </p:spPr>
+      </p:pic>
+    </p:spTree>
+    <p:extLst>
+      <p:ext uri="{BB962C8B-B14F-4D97-AF65-F5344CB8AC3E}">
+        <p14:creationId xmlns:p14="http://schemas.microsoft.com/office/powerpoint/2010/main" val="1678568981"/>
+      </p:ext>
+    </p:extLst>
+  </p:cSld>
+  <p:clrMapOvr>
+    <a:masterClrMapping/>
+  </p:clrMapOvr>
+</p:sld>
+</file>
+
+<file path=ppt/slides/slide9.xml><?xml version="1.0" encoding="utf-8"?>
+<p:sld xmlns:a="http://schemas.openxmlformats.org/drawingml/2006/main" xmlns:r="http://schemas.openxmlformats.org/officeDocument/2006/relationships" xmlns:p="http://schemas.openxmlformats.org/presentationml/2006/main">
+  <p:cSld>
+    <p:spTree>
+      <p:nvGrpSpPr>
+        <p:cNvPr id="1" name=""/>
+        <p:cNvGrpSpPr/>
+        <p:nvPr/>
+      </p:nvGrpSpPr>
+      <p:grpSpPr>
+        <a:xfrm>
+          <a:off x="0" y="0"/>
+          <a:ext cx="0" cy="0"/>
+          <a:chOff x="0" y="0"/>
+          <a:chExt cx="0" cy="0"/>
+        </a:xfrm>
+      </p:grpSpPr>
+      <p:sp>
+        <p:nvSpPr>
+          <p:cNvPr id="2" name="Title 1">
+            <a:extLst>
+              <a:ext uri="{FF2B5EF4-FFF2-40B4-BE49-F238E27FC236}">
+                <a16:creationId xmlns:a16="http://schemas.microsoft.com/office/drawing/2014/main" id="{8226B8A5-2301-46AA-9780-093B38E558E2}"/>
+              </a:ext>
+            </a:extLst>
+          </p:cNvPr>
+          <p:cNvSpPr>
+            <a:spLocks noGrp="1"/>
+          </p:cNvSpPr>
+          <p:nvPr>
+            <p:ph type="title"/>
+          </p:nvPr>
+        </p:nvSpPr>
+        <p:spPr/>
+        <p:txBody>
+          <a:bodyPr/>
+          <a:lstStyle/>
+          <a:p>
+            <a:r>
+              <a:rPr lang="en-US" dirty="0"/>
+              <a:t>Hollow Knight (2017)</a:t>
+            </a:r>
+          </a:p>
+        </p:txBody>
+      </p:sp>
+      <p:pic>
+        <p:nvPicPr>
+          <p:cNvPr id="5" name="Picture 4">
+            <a:extLst>
+              <a:ext uri="{FF2B5EF4-FFF2-40B4-BE49-F238E27FC236}">
+                <a16:creationId xmlns:a16="http://schemas.microsoft.com/office/drawing/2014/main" id="{2D0EC145-9930-4BB6-A90A-E9E153AC2306}"/>
+              </a:ext>
+            </a:extLst>
+          </p:cNvPr>
+          <p:cNvPicPr>
+            <a:picLocks noChangeAspect="1"/>
+          </p:cNvPicPr>
+          <p:nvPr/>
+        </p:nvPicPr>
+        <p:blipFill>
+          <a:blip r:embed="rId2">
+            <a:extLst>
+              <a:ext uri="{28A0092B-C50C-407E-A947-70E740481C1C}">
+                <a14:useLocalDpi xmlns:a14="http://schemas.microsoft.com/office/drawing/2010/main" val="0"/>
+              </a:ext>
+            </a:extLst>
+          </a:blip>
+          <a:stretch>
+            <a:fillRect/>
+          </a:stretch>
+        </p:blipFill>
+        <p:spPr>
+          <a:xfrm>
+            <a:off x="5637320" y="1917576"/>
+            <a:ext cx="6231438" cy="3501008"/>
+          </a:xfrm>
+          <a:prstGeom prst="rect">
+            <a:avLst/>
+          </a:prstGeom>
+        </p:spPr>
+      </p:pic>
+      <p:sp>
+        <p:nvSpPr>
+          <p:cNvPr id="6" name="TextBox 5">
+            <a:extLst>
+              <a:ext uri="{FF2B5EF4-FFF2-40B4-BE49-F238E27FC236}">
+                <a16:creationId xmlns:a16="http://schemas.microsoft.com/office/drawing/2014/main" id="{128B4C9D-C88C-41B2-BAE0-CFC27207416D}"/>
+              </a:ext>
+            </a:extLst>
+          </p:cNvPr>
+          <p:cNvSpPr txBox="1"/>
+          <p:nvPr/>
+        </p:nvSpPr>
+        <p:spPr>
+          <a:xfrm>
+            <a:off x="745724" y="1917576"/>
+            <a:ext cx="4891596" cy="2585323"/>
+          </a:xfrm>
+          <a:prstGeom prst="rect">
+            <a:avLst/>
+          </a:prstGeom>
+          <a:noFill/>
+        </p:spPr>
+        <p:txBody>
+          <a:bodyPr wrap="square" rtlCol="0">
+            <a:spAutoFit/>
+          </a:bodyPr>
+          <a:lstStyle/>
+          <a:p>
+            <a:pPr marL="285750" indent="-285750">
+              <a:buFont typeface="Arial" panose="020B0604020202020204" pitchFamily="34" charset="0"/>
+              <a:buChar char="•"/>
+            </a:pPr>
+            <a:r>
+              <a:rPr lang="en-US" dirty="0"/>
+              <a:t>Hollow Knight lets the player learn new </a:t>
+            </a:r>
+            <a:r>
+              <a:rPr lang="en-US" dirty="0" err="1"/>
+              <a:t>abilties</a:t>
+            </a:r>
+            <a:endParaRPr lang="en-US" dirty="0"/>
+          </a:p>
+          <a:p>
+            <a:r>
+              <a:rPr lang="en-US" dirty="0"/>
+              <a:t>      as they progress through the game.</a:t>
+            </a:r>
+          </a:p>
+          <a:p>
+            <a:pPr marL="285750" indent="-285750">
+              <a:buFont typeface="Arial" panose="020B0604020202020204" pitchFamily="34" charset="0"/>
+              <a:buChar char="•"/>
+            </a:pPr>
+            <a:r>
+              <a:rPr lang="en-US" dirty="0" err="1"/>
+              <a:t>Mistborn</a:t>
+            </a:r>
+            <a:r>
+              <a:rPr lang="en-US" dirty="0"/>
+              <a:t> has a similar mechanic where players</a:t>
+            </a:r>
+          </a:p>
+          <a:p>
+            <a:r>
+              <a:rPr lang="en-US" dirty="0"/>
+              <a:t>      would need to use their abilities to progress</a:t>
+            </a:r>
+          </a:p>
+          <a:p>
+            <a:r>
+              <a:rPr lang="en-US" dirty="0"/>
+              <a:t>      through the game world</a:t>
+            </a:r>
+          </a:p>
+          <a:p>
+            <a:pPr marL="285750" indent="-285750">
+              <a:buFont typeface="Arial" panose="020B0604020202020204" pitchFamily="34" charset="0"/>
+              <a:buChar char="•"/>
+            </a:pPr>
+            <a:r>
+              <a:rPr lang="en-US" dirty="0"/>
+              <a:t>Hollow Knight’s endgame consist of a boss fight.</a:t>
+            </a:r>
+          </a:p>
+          <a:p>
+            <a:pPr marL="285750" indent="-285750">
+              <a:buFont typeface="Arial" panose="020B0604020202020204" pitchFamily="34" charset="0"/>
+              <a:buChar char="•"/>
+            </a:pPr>
+            <a:r>
+              <a:rPr lang="en-US" dirty="0" err="1"/>
+              <a:t>Mistborn</a:t>
+            </a:r>
+            <a:r>
+              <a:rPr lang="en-US" dirty="0"/>
+              <a:t> has a similar final level structure where you would settle you score with Ruin.</a:t>
+            </a:r>
+          </a:p>
+        </p:txBody>
+      </p:sp>
+    </p:spTree>
+    <p:extLst>
+      <p:ext uri="{BB962C8B-B14F-4D97-AF65-F5344CB8AC3E}">
+        <p14:creationId xmlns:p14="http://schemas.microsoft.com/office/powerpoint/2010/main" val="1580448593"/>
       </p:ext>
     </p:extLst>
   </p:cSld>
